--- a/Pitch_Deck.pptx
+++ b/Pitch_Deck.pptx
@@ -112,6 +112,11 @@
       </a:defRPr>
     </a:lvl9pPr>
   </p:defaultTextStyle>
+  <p:extLst>
+    <p:ext uri="{EFAFB233-063F-42B5-8137-9DF3F51BA10A}">
+      <p15:sldGuideLst xmlns:p15="http://schemas.microsoft.com/office/powerpoint/2012/main"/>
+    </p:ext>
+  </p:extLst>
 </p:presentation>
 </file>
 
@@ -119,12 +124,37 @@
 <p1510:revInfo xmlns:a="http://schemas.openxmlformats.org/drawingml/2006/main" xmlns:r="http://schemas.openxmlformats.org/officeDocument/2006/relationships" xmlns:p1510="http://schemas.microsoft.com/office/powerpoint/2015/10/main">
   <p1510:revLst>
     <p1510:client id="{8D43E174-D995-4AAE-82E9-AABABF617DD4}" v="1" dt="2023-11-17T20:04:59.900"/>
+    <p1510:client id="{DD2D680A-C734-4C6C-A0BE-CAFC6AFDAB15}" v="3" dt="2023-11-17T20:11:35.775"/>
   </p1510:revLst>
 </p1510:revInfo>
 </file>
 
 <file path=ppt/changesInfos/changesInfo1.xml><?xml version="1.0" encoding="utf-8"?>
 <pc:chgInfo xmlns:a="http://schemas.openxmlformats.org/drawingml/2006/main" xmlns:r="http://schemas.openxmlformats.org/officeDocument/2006/relationships" xmlns:ac="http://schemas.microsoft.com/office/drawing/2013/main/command" xmlns:pc="http://schemas.microsoft.com/office/powerpoint/2013/main/command">
+  <pc:docChgLst>
+    <pc:chgData name="Aaryush Gupta" userId="f63d54c0fafcd375" providerId="LiveId" clId="{DD2D680A-C734-4C6C-A0BE-CAFC6AFDAB15}"/>
+    <pc:docChg chg="modSld">
+      <pc:chgData name="Aaryush Gupta" userId="f63d54c0fafcd375" providerId="LiveId" clId="{DD2D680A-C734-4C6C-A0BE-CAFC6AFDAB15}" dt="2023-11-17T20:11:35.771" v="25" actId="20577"/>
+      <pc:docMkLst>
+        <pc:docMk/>
+      </pc:docMkLst>
+      <pc:sldChg chg="addSp modSp mod">
+        <pc:chgData name="Aaryush Gupta" userId="f63d54c0fafcd375" providerId="LiveId" clId="{DD2D680A-C734-4C6C-A0BE-CAFC6AFDAB15}" dt="2023-11-17T20:11:35.771" v="25" actId="20577"/>
+        <pc:sldMkLst>
+          <pc:docMk/>
+          <pc:sldMk cId="3998147292" sldId="256"/>
+        </pc:sldMkLst>
+        <pc:spChg chg="add mod">
+          <ac:chgData name="Aaryush Gupta" userId="f63d54c0fafcd375" providerId="LiveId" clId="{DD2D680A-C734-4C6C-A0BE-CAFC6AFDAB15}" dt="2023-11-17T20:11:35.771" v="25" actId="20577"/>
+          <ac:spMkLst>
+            <pc:docMk/>
+            <pc:sldMk cId="3998147292" sldId="256"/>
+            <ac:spMk id="4" creationId="{065B6E87-D005-97C0-5FA4-ABA11AB23E40}"/>
+          </ac:spMkLst>
+        </pc:spChg>
+      </pc:sldChg>
+    </pc:docChg>
+  </pc:docChgLst>
   <pc:docChgLst>
     <pc:chgData name="Aaryush Gupta" userId="f63d54c0fafcd375" providerId="LiveId" clId="{8D43E174-D995-4AAE-82E9-AABABF617DD4}"/>
     <pc:docChg chg="custSel addSld delSld modSld">
@@ -3622,6 +3652,64 @@
           </a:p>
         </p:txBody>
       </p:sp>
+      <p:sp>
+        <p:nvSpPr>
+          <p:cNvPr id="4" name="TextBox 3">
+            <a:extLst>
+              <a:ext uri="{FF2B5EF4-FFF2-40B4-BE49-F238E27FC236}">
+                <a16:creationId xmlns:a16="http://schemas.microsoft.com/office/drawing/2014/main" id="{065B6E87-D005-97C0-5FA4-ABA11AB23E40}"/>
+              </a:ext>
+            </a:extLst>
+          </p:cNvPr>
+          <p:cNvSpPr txBox="1"/>
+          <p:nvPr/>
+        </p:nvSpPr>
+        <p:spPr>
+          <a:xfrm>
+            <a:off x="825910" y="353961"/>
+            <a:ext cx="9356216" cy="646331"/>
+          </a:xfrm>
+          <a:prstGeom prst="rect">
+            <a:avLst/>
+          </a:prstGeom>
+          <a:noFill/>
+        </p:spPr>
+        <p:txBody>
+          <a:bodyPr wrap="none" rtlCol="0">
+            <a:spAutoFit/>
+          </a:bodyPr>
+          <a:lstStyle/>
+          <a:p>
+            <a:r>
+              <a:rPr lang="en-US" dirty="0"/>
+              <a:t>Reference: </a:t>
+            </a:r>
+            <a:r>
+              <a:rPr lang="en-US" dirty="0">
+                <a:hlinkClick r:id="rId2"/>
+              </a:rPr>
+              <a:t>https://www.hubspot.com/startups/startup-pitch-decks</a:t>
+            </a:r>
+            <a:endParaRPr lang="en-US" dirty="0"/>
+          </a:p>
+          <a:p>
+            <a:r>
+              <a:rPr lang="en-US" dirty="0"/>
+              <a:t>Examples: </a:t>
+            </a:r>
+            <a:r>
+              <a:rPr lang="en-US" dirty="0">
+                <a:hlinkClick r:id="rId3"/>
+              </a:rPr>
+              <a:t>https://business.tutsplus.com/articles/startup-pitch-deck-examples--cms-33037</a:t>
+            </a:r>
+            <a:r>
+              <a:rPr lang="en-US" dirty="0"/>
+              <a:t> </a:t>
+            </a:r>
+          </a:p>
+        </p:txBody>
+      </p:sp>
     </p:spTree>
     <p:extLst>
       <p:ext uri="{BB962C8B-B14F-4D97-AF65-F5344CB8AC3E}">
@@ -3701,7 +3789,7 @@
           <a:bodyPr/>
           <a:lstStyle/>
           <a:p>
-            <a:endParaRPr lang="en-US"/>
+            <a:endParaRPr lang="en-US" dirty="0"/>
           </a:p>
         </p:txBody>
       </p:sp>

--- a/Pitch_Deck.pptx
+++ b/Pitch_Deck.pptx
@@ -125,91 +125,13 @@
   <p1510:revLst>
     <p1510:client id="{1548E0E4-D0A9-41AC-9543-E63AEE67584C}" v="65" dt="2023-11-28T14:44:18.406"/>
     <p1510:client id="{8D43E174-D995-4AAE-82E9-AABABF617DD4}" v="650" dt="2023-11-28T18:14:07.337"/>
+    <p1510:client id="{D5E56CFE-6DF7-450D-BF3B-F776716D1E51}" v="13" dt="2023-11-28T20:59:39.093"/>
   </p1510:revLst>
 </p1510:revInfo>
 </file>
 
 <file path=ppt/changesInfos/changesInfo1.xml><?xml version="1.0" encoding="utf-8"?>
 <pc:chgInfo xmlns:a="http://schemas.openxmlformats.org/drawingml/2006/main" xmlns:r="http://schemas.openxmlformats.org/officeDocument/2006/relationships" xmlns:ac="http://schemas.microsoft.com/office/drawing/2013/main/command" xmlns:pc="http://schemas.microsoft.com/office/powerpoint/2013/main/command">
-  <pc:docChgLst>
-    <pc:chgData name="Guest User" providerId="Windows Live" clId="Web-{1548E0E4-D0A9-41AC-9543-E63AEE67584C}"/>
-    <pc:docChg chg="modSld">
-      <pc:chgData name="Guest User" userId="" providerId="Windows Live" clId="Web-{1548E0E4-D0A9-41AC-9543-E63AEE67584C}" dt="2023-11-28T14:44:18.406" v="64" actId="20577"/>
-      <pc:docMkLst>
-        <pc:docMk/>
-      </pc:docMkLst>
-      <pc:sldChg chg="modSp">
-        <pc:chgData name="Guest User" userId="" providerId="Windows Live" clId="Web-{1548E0E4-D0A9-41AC-9543-E63AEE67584C}" dt="2023-11-28T14:44:18.406" v="64" actId="20577"/>
-        <pc:sldMkLst>
-          <pc:docMk/>
-          <pc:sldMk cId="2441664917" sldId="257"/>
-        </pc:sldMkLst>
-        <pc:spChg chg="mod">
-          <ac:chgData name="Guest User" userId="" providerId="Windows Live" clId="Web-{1548E0E4-D0A9-41AC-9543-E63AEE67584C}" dt="2023-11-28T14:44:18.406" v="64" actId="20577"/>
-          <ac:spMkLst>
-            <pc:docMk/>
-            <pc:sldMk cId="2441664917" sldId="257"/>
-            <ac:spMk id="3" creationId="{C0745F4D-63DE-77B7-C0DC-427E66A55FED}"/>
-          </ac:spMkLst>
-        </pc:spChg>
-      </pc:sldChg>
-      <pc:sldChg chg="addSp delSp modSp">
-        <pc:chgData name="Guest User" userId="" providerId="Windows Live" clId="Web-{1548E0E4-D0A9-41AC-9543-E63AEE67584C}" dt="2023-11-27T23:22:42.790" v="53" actId="20577"/>
-        <pc:sldMkLst>
-          <pc:docMk/>
-          <pc:sldMk cId="4019331319" sldId="264"/>
-        </pc:sldMkLst>
-        <pc:spChg chg="del mod">
-          <ac:chgData name="Guest User" userId="" providerId="Windows Live" clId="Web-{1548E0E4-D0A9-41AC-9543-E63AEE67584C}" dt="2023-11-27T23:19:02.113" v="9"/>
-          <ac:spMkLst>
-            <pc:docMk/>
-            <pc:sldMk cId="4019331319" sldId="264"/>
-            <ac:spMk id="4" creationId="{5F51B620-E5D8-142C-50AB-2DFF18F39BAB}"/>
-          </ac:spMkLst>
-        </pc:spChg>
-        <pc:spChg chg="add mod">
-          <ac:chgData name="Guest User" userId="" providerId="Windows Live" clId="Web-{1548E0E4-D0A9-41AC-9543-E63AEE67584C}" dt="2023-11-27T23:22:42.790" v="53" actId="20577"/>
-          <ac:spMkLst>
-            <pc:docMk/>
-            <pc:sldMk cId="4019331319" sldId="264"/>
-            <ac:spMk id="6" creationId="{710AB7F4-012B-5AEF-8355-1519CA4B891A}"/>
-          </ac:spMkLst>
-        </pc:spChg>
-        <pc:spChg chg="add del mod">
-          <ac:chgData name="Guest User" userId="" providerId="Windows Live" clId="Web-{1548E0E4-D0A9-41AC-9543-E63AEE67584C}" dt="2023-11-27T23:19:09.519" v="11"/>
-          <ac:spMkLst>
-            <pc:docMk/>
-            <pc:sldMk cId="4019331319" sldId="264"/>
-            <ac:spMk id="8" creationId="{3FFEDEE6-BA56-715A-EC81-BA0BD8FA67AE}"/>
-          </ac:spMkLst>
-        </pc:spChg>
-      </pc:sldChg>
-    </pc:docChg>
-  </pc:docChgLst>
-  <pc:docChgLst>
-    <pc:chgData name="Aaryush Gupta" userId="f63d54c0fafcd375" providerId="LiveId" clId="{DD2D680A-C734-4C6C-A0BE-CAFC6AFDAB15}"/>
-    <pc:docChg chg="modSld">
-      <pc:chgData name="Aaryush Gupta" userId="f63d54c0fafcd375" providerId="LiveId" clId="{DD2D680A-C734-4C6C-A0BE-CAFC6AFDAB15}" dt="2023-11-17T20:11:35.771" v="25" actId="20577"/>
-      <pc:docMkLst>
-        <pc:docMk/>
-      </pc:docMkLst>
-      <pc:sldChg chg="addSp modSp mod">
-        <pc:chgData name="Aaryush Gupta" userId="f63d54c0fafcd375" providerId="LiveId" clId="{DD2D680A-C734-4C6C-A0BE-CAFC6AFDAB15}" dt="2023-11-17T20:11:35.771" v="25" actId="20577"/>
-        <pc:sldMkLst>
-          <pc:docMk/>
-          <pc:sldMk cId="3998147292" sldId="256"/>
-        </pc:sldMkLst>
-        <pc:spChg chg="add mod">
-          <ac:chgData name="Aaryush Gupta" userId="f63d54c0fafcd375" providerId="LiveId" clId="{DD2D680A-C734-4C6C-A0BE-CAFC6AFDAB15}" dt="2023-11-17T20:11:35.771" v="25" actId="20577"/>
-          <ac:spMkLst>
-            <pc:docMk/>
-            <pc:sldMk cId="3998147292" sldId="256"/>
-            <ac:spMk id="4" creationId="{065B6E87-D005-97C0-5FA4-ABA11AB23E40}"/>
-          </ac:spMkLst>
-        </pc:spChg>
-      </pc:sldChg>
-    </pc:docChg>
-  </pc:docChgLst>
   <pc:docChgLst>
     <pc:chgData name="Aaryush Gupta" userId="f63d54c0fafcd375" providerId="LiveId" clId="{8D43E174-D995-4AAE-82E9-AABABF617DD4}"/>
     <pc:docChg chg="undo redo custSel addSld delSld modSld sldOrd">
@@ -1501,6 +1423,124 @@
       </pc:sldChg>
     </pc:docChg>
   </pc:docChgLst>
+  <pc:docChgLst>
+    <pc:chgData name="Aaryush Gupta" userId="f63d54c0fafcd375" providerId="Windows Live" clId="Web-{D5E56CFE-6DF7-450D-BF3B-F776716D1E51}"/>
+    <pc:docChg chg="modSld">
+      <pc:chgData name="Aaryush Gupta" userId="f63d54c0fafcd375" providerId="Windows Live" clId="Web-{D5E56CFE-6DF7-450D-BF3B-F776716D1E51}" dt="2023-11-28T20:59:39.093" v="10" actId="20577"/>
+      <pc:docMkLst>
+        <pc:docMk/>
+      </pc:docMkLst>
+      <pc:sldChg chg="modSp">
+        <pc:chgData name="Aaryush Gupta" userId="f63d54c0fafcd375" providerId="Windows Live" clId="Web-{D5E56CFE-6DF7-450D-BF3B-F776716D1E51}" dt="2023-11-28T20:59:22.451" v="0"/>
+        <pc:sldMkLst>
+          <pc:docMk/>
+          <pc:sldMk cId="4019331319" sldId="264"/>
+        </pc:sldMkLst>
+        <pc:spChg chg="mod">
+          <ac:chgData name="Aaryush Gupta" userId="f63d54c0fafcd375" providerId="Windows Live" clId="Web-{D5E56CFE-6DF7-450D-BF3B-F776716D1E51}" dt="2023-11-28T20:59:22.451" v="0"/>
+          <ac:spMkLst>
+            <pc:docMk/>
+            <pc:sldMk cId="4019331319" sldId="264"/>
+            <ac:spMk id="26" creationId="{83D4C24E-C46F-BA34-1F16-D506E8BF7C71}"/>
+          </ac:spMkLst>
+        </pc:spChg>
+      </pc:sldChg>
+      <pc:sldChg chg="modSp">
+        <pc:chgData name="Aaryush Gupta" userId="f63d54c0fafcd375" providerId="Windows Live" clId="Web-{D5E56CFE-6DF7-450D-BF3B-F776716D1E51}" dt="2023-11-28T20:59:39.093" v="10" actId="20577"/>
+        <pc:sldMkLst>
+          <pc:docMk/>
+          <pc:sldMk cId="4155886894" sldId="266"/>
+        </pc:sldMkLst>
+        <pc:spChg chg="mod">
+          <ac:chgData name="Aaryush Gupta" userId="f63d54c0fafcd375" providerId="Windows Live" clId="Web-{D5E56CFE-6DF7-450D-BF3B-F776716D1E51}" dt="2023-11-28T20:59:39.093" v="10" actId="20577"/>
+          <ac:spMkLst>
+            <pc:docMk/>
+            <pc:sldMk cId="4155886894" sldId="266"/>
+            <ac:spMk id="2" creationId="{381FB97D-8F1D-39C1-F650-83FB3BC8CD40}"/>
+          </ac:spMkLst>
+        </pc:spChg>
+      </pc:sldChg>
+    </pc:docChg>
+  </pc:docChgLst>
+  <pc:docChgLst>
+    <pc:chgData name="Aaryush Gupta" userId="f63d54c0fafcd375" providerId="LiveId" clId="{DD2D680A-C734-4C6C-A0BE-CAFC6AFDAB15}"/>
+    <pc:docChg chg="modSld">
+      <pc:chgData name="Aaryush Gupta" userId="f63d54c0fafcd375" providerId="LiveId" clId="{DD2D680A-C734-4C6C-A0BE-CAFC6AFDAB15}" dt="2023-11-17T20:11:35.771" v="25" actId="20577"/>
+      <pc:docMkLst>
+        <pc:docMk/>
+      </pc:docMkLst>
+      <pc:sldChg chg="addSp modSp mod">
+        <pc:chgData name="Aaryush Gupta" userId="f63d54c0fafcd375" providerId="LiveId" clId="{DD2D680A-C734-4C6C-A0BE-CAFC6AFDAB15}" dt="2023-11-17T20:11:35.771" v="25" actId="20577"/>
+        <pc:sldMkLst>
+          <pc:docMk/>
+          <pc:sldMk cId="3998147292" sldId="256"/>
+        </pc:sldMkLst>
+        <pc:spChg chg="add mod">
+          <ac:chgData name="Aaryush Gupta" userId="f63d54c0fafcd375" providerId="LiveId" clId="{DD2D680A-C734-4C6C-A0BE-CAFC6AFDAB15}" dt="2023-11-17T20:11:35.771" v="25" actId="20577"/>
+          <ac:spMkLst>
+            <pc:docMk/>
+            <pc:sldMk cId="3998147292" sldId="256"/>
+            <ac:spMk id="4" creationId="{065B6E87-D005-97C0-5FA4-ABA11AB23E40}"/>
+          </ac:spMkLst>
+        </pc:spChg>
+      </pc:sldChg>
+    </pc:docChg>
+  </pc:docChgLst>
+  <pc:docChgLst>
+    <pc:chgData name="Guest User" providerId="Windows Live" clId="Web-{1548E0E4-D0A9-41AC-9543-E63AEE67584C}"/>
+    <pc:docChg chg="modSld">
+      <pc:chgData name="Guest User" userId="" providerId="Windows Live" clId="Web-{1548E0E4-D0A9-41AC-9543-E63AEE67584C}" dt="2023-11-28T14:44:18.406" v="64" actId="20577"/>
+      <pc:docMkLst>
+        <pc:docMk/>
+      </pc:docMkLst>
+      <pc:sldChg chg="modSp">
+        <pc:chgData name="Guest User" userId="" providerId="Windows Live" clId="Web-{1548E0E4-D0A9-41AC-9543-E63AEE67584C}" dt="2023-11-28T14:44:18.406" v="64" actId="20577"/>
+        <pc:sldMkLst>
+          <pc:docMk/>
+          <pc:sldMk cId="2441664917" sldId="257"/>
+        </pc:sldMkLst>
+        <pc:spChg chg="mod">
+          <ac:chgData name="Guest User" userId="" providerId="Windows Live" clId="Web-{1548E0E4-D0A9-41AC-9543-E63AEE67584C}" dt="2023-11-28T14:44:18.406" v="64" actId="20577"/>
+          <ac:spMkLst>
+            <pc:docMk/>
+            <pc:sldMk cId="2441664917" sldId="257"/>
+            <ac:spMk id="3" creationId="{C0745F4D-63DE-77B7-C0DC-427E66A55FED}"/>
+          </ac:spMkLst>
+        </pc:spChg>
+      </pc:sldChg>
+      <pc:sldChg chg="addSp delSp modSp">
+        <pc:chgData name="Guest User" userId="" providerId="Windows Live" clId="Web-{1548E0E4-D0A9-41AC-9543-E63AEE67584C}" dt="2023-11-27T23:22:42.790" v="53" actId="20577"/>
+        <pc:sldMkLst>
+          <pc:docMk/>
+          <pc:sldMk cId="4019331319" sldId="264"/>
+        </pc:sldMkLst>
+        <pc:spChg chg="del mod">
+          <ac:chgData name="Guest User" userId="" providerId="Windows Live" clId="Web-{1548E0E4-D0A9-41AC-9543-E63AEE67584C}" dt="2023-11-27T23:19:02.113" v="9"/>
+          <ac:spMkLst>
+            <pc:docMk/>
+            <pc:sldMk cId="4019331319" sldId="264"/>
+            <ac:spMk id="4" creationId="{5F51B620-E5D8-142C-50AB-2DFF18F39BAB}"/>
+          </ac:spMkLst>
+        </pc:spChg>
+        <pc:spChg chg="add mod">
+          <ac:chgData name="Guest User" userId="" providerId="Windows Live" clId="Web-{1548E0E4-D0A9-41AC-9543-E63AEE67584C}" dt="2023-11-27T23:22:42.790" v="53" actId="20577"/>
+          <ac:spMkLst>
+            <pc:docMk/>
+            <pc:sldMk cId="4019331319" sldId="264"/>
+            <ac:spMk id="6" creationId="{710AB7F4-012B-5AEF-8355-1519CA4B891A}"/>
+          </ac:spMkLst>
+        </pc:spChg>
+        <pc:spChg chg="add del mod">
+          <ac:chgData name="Guest User" userId="" providerId="Windows Live" clId="Web-{1548E0E4-D0A9-41AC-9543-E63AEE67584C}" dt="2023-11-27T23:19:09.519" v="11"/>
+          <ac:spMkLst>
+            <pc:docMk/>
+            <pc:sldMk cId="4019331319" sldId="264"/>
+            <ac:spMk id="8" creationId="{3FFEDEE6-BA56-715A-EC81-BA0BD8FA67AE}"/>
+          </ac:spMkLst>
+        </pc:spChg>
+      </pc:sldChg>
+    </pc:docChg>
+  </pc:docChgLst>
 </pc:chgInfo>
 </file>
 
@@ -5296,7 +5336,7 @@
         <a:lstStyle/>
         <a:p>
           <a:r>
-            <a:rPr lang="en-US" dirty="0"/>
+            <a:rPr lang="en-US"/>
             <a:t>Limited availability with advisors</a:t>
           </a:r>
         </a:p>
@@ -5332,7 +5372,7 @@
         <a:lstStyle/>
         <a:p>
           <a:r>
-            <a:rPr lang="en-US" dirty="0"/>
+            <a:rPr lang="en-US"/>
             <a:t>Finding information can be challenging</a:t>
           </a:r>
         </a:p>
@@ -5368,7 +5408,7 @@
         <a:lstStyle/>
         <a:p>
           <a:r>
-            <a:rPr lang="en-US" dirty="0"/>
+            <a:rPr lang="en-US"/>
             <a:t>Unpersonalized advice</a:t>
           </a:r>
         </a:p>
@@ -5537,7 +5577,7 @@
         <a:lstStyle/>
         <a:p>
           <a:r>
-            <a:rPr lang="en-US" dirty="0"/>
+            <a:rPr lang="en-US"/>
             <a:t>Custom tailored advising</a:t>
           </a:r>
         </a:p>
@@ -5573,7 +5613,7 @@
         <a:lstStyle/>
         <a:p>
           <a:r>
-            <a:rPr lang="en-US" dirty="0"/>
+            <a:rPr lang="en-US"/>
             <a:t>Core Features</a:t>
           </a:r>
         </a:p>
@@ -5609,7 +5649,7 @@
         <a:lstStyle/>
         <a:p>
           <a:r>
-            <a:rPr lang="en-US" dirty="0"/>
+            <a:rPr lang="en-US"/>
             <a:t>Scheduling and enrollment recommendations</a:t>
           </a:r>
         </a:p>
@@ -5645,7 +5685,7 @@
         <a:lstStyle/>
         <a:p>
           <a:r>
-            <a:rPr lang="en-US" dirty="0"/>
+            <a:rPr lang="en-US"/>
             <a:t>Degree and graduation planning</a:t>
           </a:r>
         </a:p>
@@ -5681,7 +5721,7 @@
         <a:lstStyle/>
         <a:p>
           <a:r>
-            <a:rPr lang="en-US" dirty="0"/>
+            <a:rPr lang="en-US"/>
             <a:t>Real-time course updates</a:t>
           </a:r>
         </a:p>
@@ -5720,7 +5760,6 @@
             <a:rPr lang="en-US"/>
             <a:t>Free 24/7 access</a:t>
           </a:r>
-          <a:endParaRPr lang="en-US" dirty="0"/>
         </a:p>
       </dgm:t>
     </dgm:pt>
@@ -5919,7 +5958,7 @@
         <a:lstStyle/>
         <a:p>
           <a:r>
-            <a:rPr lang="en-US" dirty="0"/>
+            <a:rPr lang="en-US"/>
             <a:t>UW-Madison</a:t>
           </a:r>
         </a:p>
@@ -5958,7 +5997,6 @@
             <a:rPr lang="en-US"/>
             <a:t>50k enrolled</a:t>
           </a:r>
-          <a:endParaRPr lang="en-US" dirty="0"/>
         </a:p>
       </dgm:t>
     </dgm:pt>
@@ -5995,7 +6033,6 @@
             <a:rPr lang="en-US"/>
             <a:t>UW System</a:t>
           </a:r>
-          <a:endParaRPr lang="en-US" dirty="0"/>
         </a:p>
       </dgm:t>
     </dgm:pt>
@@ -6032,7 +6069,6 @@
             <a:rPr lang="en-US"/>
             <a:t>170k enrolled</a:t>
           </a:r>
-          <a:endParaRPr lang="en-US" dirty="0"/>
         </a:p>
       </dgm:t>
     </dgm:pt>
@@ -6069,7 +6105,6 @@
             <a:rPr lang="en-US"/>
             <a:t>All Undergraduate Students</a:t>
           </a:r>
-          <a:endParaRPr lang="en-US" dirty="0"/>
         </a:p>
       </dgm:t>
     </dgm:pt>
@@ -6106,7 +6141,6 @@
             <a:rPr lang="en-US"/>
             <a:t>20mn enrolled</a:t>
           </a:r>
-          <a:endParaRPr lang="en-US" dirty="0"/>
         </a:p>
       </dgm:t>
     </dgm:pt>
@@ -6310,7 +6344,6 @@
             <a:rPr lang="en-US"/>
             <a:t>Chegg </a:t>
           </a:r>
-          <a:endParaRPr lang="en-US" dirty="0"/>
         </a:p>
       </dgm:t>
     </dgm:pt>
@@ -6347,7 +6380,6 @@
             <a:rPr lang="en-US"/>
             <a:t>Annual Revenue: $730 mn</a:t>
           </a:r>
-          <a:endParaRPr lang="en-US" dirty="0"/>
         </a:p>
       </dgm:t>
     </dgm:pt>
@@ -6384,7 +6416,6 @@
             <a:rPr lang="en-US"/>
             <a:t>Quizlet</a:t>
           </a:r>
-          <a:endParaRPr lang="en-US" dirty="0"/>
         </a:p>
       </dgm:t>
     </dgm:pt>
@@ -6421,7 +6452,6 @@
             <a:rPr lang="en-US"/>
             <a:t>Annual Revenue: $75 mn</a:t>
           </a:r>
-          <a:endParaRPr lang="en-US" dirty="0"/>
         </a:p>
       </dgm:t>
     </dgm:pt>
@@ -6603,7 +6633,7 @@
         <a:lstStyle/>
         <a:p>
           <a:r>
-            <a:rPr lang="en-US" dirty="0"/>
+            <a:rPr lang="en-US"/>
             <a:t>Business model</a:t>
           </a:r>
         </a:p>
@@ -6639,7 +6669,7 @@
         <a:lstStyle/>
         <a:p>
           <a:r>
-            <a:rPr lang="en-US" dirty="0"/>
+            <a:rPr lang="en-US"/>
             <a:t>Premium Features</a:t>
           </a:r>
         </a:p>
@@ -6711,7 +6741,7 @@
         <a:lstStyle/>
         <a:p>
           <a:r>
-            <a:rPr lang="en-US" dirty="0"/>
+            <a:rPr lang="en-US"/>
             <a:t>Custom GPTs for classes</a:t>
           </a:r>
         </a:p>
@@ -6747,7 +6777,7 @@
         <a:lstStyle/>
         <a:p>
           <a:r>
-            <a:rPr lang="en-US" dirty="0"/>
+            <a:rPr lang="en-US"/>
             <a:t>Advertising</a:t>
           </a:r>
         </a:p>
@@ -6783,7 +6813,7 @@
         <a:lstStyle/>
         <a:p>
           <a:r>
-            <a:rPr lang="en-US" dirty="0"/>
+            <a:rPr lang="en-US"/>
             <a:t>Research Surveys</a:t>
           </a:r>
         </a:p>
@@ -6819,7 +6849,7 @@
         <a:lstStyle/>
         <a:p>
           <a:r>
-            <a:rPr lang="en-US" dirty="0"/>
+            <a:rPr lang="en-US"/>
             <a:t>Video Ads</a:t>
           </a:r>
         </a:p>
@@ -6858,7 +6888,6 @@
             <a:rPr lang="en-US"/>
             <a:t>CORE SERVICE ALWAYS FREE</a:t>
           </a:r>
-          <a:endParaRPr lang="en-US" dirty="0"/>
         </a:p>
       </dgm:t>
     </dgm:pt>
@@ -7327,7 +7356,7 @@
             <a:buNone/>
           </a:pPr>
           <a:r>
-            <a:rPr lang="en-US" sz="3000" kern="1200" dirty="0"/>
+            <a:rPr lang="en-US" sz="3000" kern="1200"/>
             <a:t>Limited availability with advisors</a:t>
           </a:r>
         </a:p>
@@ -7456,7 +7485,7 @@
             <a:buNone/>
           </a:pPr>
           <a:r>
-            <a:rPr lang="en-US" sz="3000" kern="1200" dirty="0"/>
+            <a:rPr lang="en-US" sz="3000" kern="1200"/>
             <a:t>Finding information can be challenging</a:t>
           </a:r>
         </a:p>
@@ -7585,7 +7614,7 @@
             <a:buNone/>
           </a:pPr>
           <a:r>
-            <a:rPr lang="en-US" sz="3000" kern="1200" dirty="0"/>
+            <a:rPr lang="en-US" sz="3000" kern="1200"/>
             <a:t>Unpersonalized advice</a:t>
           </a:r>
         </a:p>
@@ -7722,7 +7751,7 @@
             <a:buNone/>
           </a:pPr>
           <a:r>
-            <a:rPr lang="en-US" sz="2800" kern="1200" dirty="0"/>
+            <a:rPr lang="en-US" sz="2800" kern="1200"/>
             <a:t>Custom tailored advising</a:t>
           </a:r>
         </a:p>
@@ -7850,7 +7879,6 @@
             <a:rPr lang="en-US" sz="2800" kern="1200"/>
             <a:t>Free 24/7 access</a:t>
           </a:r>
-          <a:endParaRPr lang="en-US" sz="2800" kern="1200" dirty="0"/>
         </a:p>
       </dsp:txBody>
       <dsp:txXfrm>
@@ -7924,7 +7952,7 @@
             <a:buChar char="•"/>
           </a:pPr>
           <a:r>
-            <a:rPr lang="en-US" sz="2800" kern="1200" dirty="0"/>
+            <a:rPr lang="en-US" sz="2800" kern="1200"/>
             <a:t>Scheduling and enrollment recommendations</a:t>
           </a:r>
         </a:p>
@@ -7942,7 +7970,7 @@
             <a:buChar char="•"/>
           </a:pPr>
           <a:r>
-            <a:rPr lang="en-US" sz="2800" kern="1200" dirty="0"/>
+            <a:rPr lang="en-US" sz="2800" kern="1200"/>
             <a:t>Degree and graduation planning</a:t>
           </a:r>
         </a:p>
@@ -7960,7 +7988,7 @@
             <a:buChar char="•"/>
           </a:pPr>
           <a:r>
-            <a:rPr lang="en-US" sz="2800" kern="1200" dirty="0"/>
+            <a:rPr lang="en-US" sz="2800" kern="1200"/>
             <a:t>Real-time course updates</a:t>
           </a:r>
         </a:p>
@@ -8037,7 +8065,7 @@
             <a:buNone/>
           </a:pPr>
           <a:r>
-            <a:rPr lang="en-US" sz="2800" kern="1200" dirty="0"/>
+            <a:rPr lang="en-US" sz="2800" kern="1200"/>
             <a:t>Core Features</a:t>
           </a:r>
         </a:p>
@@ -8128,7 +8156,7 @@
             <a:buNone/>
           </a:pPr>
           <a:r>
-            <a:rPr lang="en-US" sz="2000" kern="1200" dirty="0"/>
+            <a:rPr lang="en-US" sz="2000" kern="1200"/>
             <a:t>UW-Madison</a:t>
           </a:r>
         </a:p>
@@ -8209,7 +8237,6 @@
             <a:rPr lang="en-US" sz="2000" kern="1200"/>
             <a:t>50k enrolled</a:t>
           </a:r>
-          <a:endParaRPr lang="en-US" sz="2000" kern="1200" dirty="0"/>
         </a:p>
       </dsp:txBody>
       <dsp:txXfrm>
@@ -8359,7 +8386,6 @@
             <a:rPr lang="en-US" sz="2000" kern="1200"/>
             <a:t>UW System</a:t>
           </a:r>
-          <a:endParaRPr lang="en-US" sz="2000" kern="1200" dirty="0"/>
         </a:p>
       </dsp:txBody>
       <dsp:txXfrm>
@@ -8438,7 +8464,6 @@
             <a:rPr lang="en-US" sz="2000" kern="1200"/>
             <a:t>170k enrolled</a:t>
           </a:r>
-          <a:endParaRPr lang="en-US" sz="2000" kern="1200" dirty="0"/>
         </a:p>
       </dsp:txBody>
       <dsp:txXfrm>
@@ -8588,7 +8613,6 @@
             <a:rPr lang="en-US" sz="2000" kern="1200"/>
             <a:t>All Undergraduate Students</a:t>
           </a:r>
-          <a:endParaRPr lang="en-US" sz="2000" kern="1200" dirty="0"/>
         </a:p>
       </dsp:txBody>
       <dsp:txXfrm>
@@ -8667,7 +8691,6 @@
             <a:rPr lang="en-US" sz="2000" kern="1200"/>
             <a:t>20mn enrolled</a:t>
           </a:r>
-          <a:endParaRPr lang="en-US" sz="2000" kern="1200" dirty="0"/>
         </a:p>
       </dsp:txBody>
       <dsp:txXfrm>
@@ -8759,7 +8782,6 @@
             <a:rPr lang="en-US" sz="4100" kern="1200"/>
             <a:t>Chegg </a:t>
           </a:r>
-          <a:endParaRPr lang="en-US" sz="4100" kern="1200" dirty="0"/>
         </a:p>
       </dsp:txBody>
       <dsp:txXfrm>
@@ -8919,7 +8941,6 @@
             <a:rPr lang="en-US" sz="4100" kern="1200"/>
             <a:t>Annual Revenue: $730 mn</a:t>
           </a:r>
-          <a:endParaRPr lang="en-US" sz="4100" kern="1200" dirty="0"/>
         </a:p>
       </dsp:txBody>
       <dsp:txXfrm>
@@ -8999,7 +9020,6 @@
             <a:rPr lang="en-US" sz="4100" kern="1200"/>
             <a:t>Quizlet</a:t>
           </a:r>
-          <a:endParaRPr lang="en-US" sz="4100" kern="1200" dirty="0"/>
         </a:p>
       </dsp:txBody>
       <dsp:txXfrm>
@@ -9159,7 +9179,6 @@
             <a:rPr lang="en-US" sz="4100" kern="1200"/>
             <a:t>Annual Revenue: $75 mn</a:t>
           </a:r>
-          <a:endParaRPr lang="en-US" sz="4100" kern="1200" dirty="0"/>
         </a:p>
       </dsp:txBody>
       <dsp:txXfrm>
@@ -9712,7 +9731,7 @@
             <a:buNone/>
           </a:pPr>
           <a:r>
-            <a:rPr lang="en-US" sz="1700" kern="1200" dirty="0"/>
+            <a:rPr lang="en-US" sz="1700" kern="1200"/>
             <a:t>Business model</a:t>
           </a:r>
         </a:p>
@@ -9841,7 +9860,7 @@
             <a:buNone/>
           </a:pPr>
           <a:r>
-            <a:rPr lang="en-US" sz="1700" kern="1200" dirty="0"/>
+            <a:rPr lang="en-US" sz="1700" kern="1200"/>
             <a:t>Premium Features</a:t>
           </a:r>
         </a:p>
@@ -10099,7 +10118,7 @@
             <a:buNone/>
           </a:pPr>
           <a:r>
-            <a:rPr lang="en-US" sz="1700" kern="1200" dirty="0"/>
+            <a:rPr lang="en-US" sz="1700" kern="1200"/>
             <a:t>Custom GPTs for classes</a:t>
           </a:r>
         </a:p>
@@ -10231,7 +10250,6 @@
             <a:rPr lang="en-US" sz="1700" kern="1200"/>
             <a:t>CORE SERVICE ALWAYS FREE</a:t>
           </a:r>
-          <a:endParaRPr lang="en-US" sz="1700" kern="1200" dirty="0"/>
         </a:p>
       </dsp:txBody>
       <dsp:txXfrm>
@@ -10358,7 +10376,7 @@
             <a:buNone/>
           </a:pPr>
           <a:r>
-            <a:rPr lang="en-US" sz="1700" kern="1200" dirty="0"/>
+            <a:rPr lang="en-US" sz="1700" kern="1200"/>
             <a:t>Advertising</a:t>
           </a:r>
         </a:p>
@@ -10487,7 +10505,7 @@
             <a:buNone/>
           </a:pPr>
           <a:r>
-            <a:rPr lang="en-US" sz="1700" kern="1200" dirty="0"/>
+            <a:rPr lang="en-US" sz="1700" kern="1200"/>
             <a:t>Research Surveys</a:t>
           </a:r>
         </a:p>
@@ -10616,7 +10634,7 @@
             <a:buNone/>
           </a:pPr>
           <a:r>
-            <a:rPr lang="en-US" sz="1700" kern="1200" dirty="0"/>
+            <a:rPr lang="en-US" sz="1700" kern="1200"/>
             <a:t>Video Ads</a:t>
           </a:r>
         </a:p>
@@ -17905,7 +17923,6 @@
               <a:rPr lang="en-US"/>
               <a:t>Click to edit Master title style</a:t>
             </a:r>
-            <a:endParaRPr lang="en-US" dirty="0"/>
           </a:p>
         </p:txBody>
       </p:sp>
@@ -17977,7 +17994,6 @@
               <a:rPr lang="en-US"/>
               <a:t>Click to edit Master subtitle style</a:t>
             </a:r>
-            <a:endParaRPr lang="en-US" dirty="0"/>
           </a:p>
         </p:txBody>
       </p:sp>
@@ -18133,7 +18149,6 @@
               <a:rPr lang="en-US"/>
               <a:t>Click to edit Master title style</a:t>
             </a:r>
-            <a:endParaRPr lang="en-US" dirty="0"/>
           </a:p>
         </p:txBody>
       </p:sp>
@@ -18185,7 +18200,6 @@
               <a:rPr lang="en-US"/>
               <a:t>Fifth level</a:t>
             </a:r>
-            <a:endParaRPr lang="en-US" dirty="0"/>
           </a:p>
         </p:txBody>
       </p:sp>
@@ -18384,7 +18398,6 @@
               <a:rPr lang="en-US"/>
               <a:t>Click to edit Master title style</a:t>
             </a:r>
-            <a:endParaRPr lang="en-US" dirty="0"/>
           </a:p>
         </p:txBody>
       </p:sp>
@@ -18441,7 +18454,6 @@
               <a:rPr lang="en-US"/>
               <a:t>Fifth level</a:t>
             </a:r>
-            <a:endParaRPr lang="en-US" dirty="0"/>
           </a:p>
         </p:txBody>
       </p:sp>
@@ -18563,7 +18575,6 @@
               <a:rPr lang="en-US"/>
               <a:t>Click to edit Master title style</a:t>
             </a:r>
-            <a:endParaRPr lang="en-US" dirty="0"/>
           </a:p>
         </p:txBody>
       </p:sp>
@@ -18615,7 +18626,6 @@
               <a:rPr lang="en-US"/>
               <a:t>Fifth level</a:t>
             </a:r>
-            <a:endParaRPr lang="en-US" dirty="0"/>
           </a:p>
         </p:txBody>
       </p:sp>
@@ -18838,7 +18848,6 @@
               <a:rPr lang="en-US"/>
               <a:t>Click to edit Master title style</a:t>
             </a:r>
-            <a:endParaRPr lang="en-US" dirty="0"/>
           </a:p>
         </p:txBody>
       </p:sp>
@@ -19119,7 +19128,6 @@
               <a:rPr lang="en-US"/>
               <a:t>Click to edit Master title style</a:t>
             </a:r>
-            <a:endParaRPr lang="en-US" dirty="0"/>
           </a:p>
         </p:txBody>
       </p:sp>
@@ -19176,7 +19184,6 @@
               <a:rPr lang="en-US"/>
               <a:t>Fifth level</a:t>
             </a:r>
-            <a:endParaRPr lang="en-US" dirty="0"/>
           </a:p>
         </p:txBody>
       </p:sp>
@@ -19233,7 +19240,6 @@
               <a:rPr lang="en-US"/>
               <a:t>Fifth level</a:t>
             </a:r>
-            <a:endParaRPr lang="en-US" dirty="0"/>
           </a:p>
         </p:txBody>
       </p:sp>
@@ -19356,7 +19362,6 @@
               <a:rPr lang="en-US"/>
               <a:t>Click to edit Master title style</a:t>
             </a:r>
-            <a:endParaRPr lang="en-US" dirty="0"/>
           </a:p>
         </p:txBody>
       </p:sp>
@@ -19484,7 +19489,6 @@
               <a:rPr lang="en-US"/>
               <a:t>Fifth level</a:t>
             </a:r>
-            <a:endParaRPr lang="en-US" dirty="0"/>
           </a:p>
         </p:txBody>
       </p:sp>
@@ -19612,7 +19616,6 @@
               <a:rPr lang="en-US"/>
               <a:t>Fifth level</a:t>
             </a:r>
-            <a:endParaRPr lang="en-US" dirty="0"/>
           </a:p>
         </p:txBody>
       </p:sp>
@@ -19730,7 +19733,6 @@
               <a:rPr lang="en-US"/>
               <a:t>Click to edit Master title style</a:t>
             </a:r>
-            <a:endParaRPr lang="en-US" dirty="0"/>
           </a:p>
         </p:txBody>
       </p:sp>
@@ -20118,7 +20120,6 @@
               <a:rPr lang="en-US"/>
               <a:t>Click to edit Master title style</a:t>
             </a:r>
-            <a:endParaRPr lang="en-US" dirty="0"/>
           </a:p>
         </p:txBody>
       </p:sp>
@@ -20175,7 +20176,6 @@
               <a:rPr lang="en-US"/>
               <a:t>Fifth level</a:t>
             </a:r>
-            <a:endParaRPr lang="en-US" dirty="0"/>
           </a:p>
         </p:txBody>
       </p:sp>
@@ -20485,7 +20485,6 @@
               <a:rPr lang="en-US"/>
               <a:t>Click to edit Master title style</a:t>
             </a:r>
-            <a:endParaRPr lang="en-US" dirty="0"/>
           </a:p>
         </p:txBody>
       </p:sp>
@@ -20560,7 +20559,6 @@
               <a:rPr lang="en-US"/>
               <a:t>Click icon to add picture</a:t>
             </a:r>
-            <a:endParaRPr lang="en-US" dirty="0"/>
           </a:p>
         </p:txBody>
       </p:sp>
@@ -20846,7 +20844,6 @@
               <a:rPr lang="en-US"/>
               <a:t>Click to edit Master title style</a:t>
             </a:r>
-            <a:endParaRPr lang="en-US" dirty="0"/>
           </a:p>
         </p:txBody>
       </p:sp>
@@ -20908,7 +20905,6 @@
               <a:rPr lang="en-US"/>
               <a:t>Fifth level</a:t>
             </a:r>
-            <a:endParaRPr lang="en-US" dirty="0"/>
           </a:p>
         </p:txBody>
       </p:sp>
@@ -21621,17 +21617,17 @@
           <a:lstStyle/>
           <a:p>
             <a:r>
-              <a:rPr lang="en-US" sz="6200" b="1" dirty="0" err="1"/>
+              <a:rPr lang="en-US" sz="6200" b="1" err="1"/>
               <a:t>Univise</a:t>
             </a:r>
             <a:br>
-              <a:rPr lang="en-US" sz="6200" dirty="0"/>
+              <a:rPr lang="en-US" sz="6200"/>
             </a:br>
             <a:r>
-              <a:rPr lang="en-US" sz="4400" dirty="0"/>
+              <a:rPr lang="en-US" sz="4400"/>
               <a:t>Transforming Advising, One Chat at a Time</a:t>
             </a:r>
-            <a:endParaRPr lang="en-US" sz="6200" dirty="0"/>
+            <a:endParaRPr lang="en-US" sz="6200"/>
           </a:p>
         </p:txBody>
       </p:sp>
@@ -21664,20 +21660,20 @@
           <a:lstStyle/>
           <a:p>
             <a:r>
-              <a:rPr lang="en-US" dirty="0"/>
+              <a:rPr lang="en-US"/>
               <a:t>Aaryush Gupta (Aaryush.com)</a:t>
             </a:r>
           </a:p>
           <a:p>
             <a:r>
-              <a:rPr lang="en-US" dirty="0"/>
+              <a:rPr lang="en-US"/>
               <a:t>Harrison </a:t>
             </a:r>
             <a:r>
-              <a:rPr lang="en-US" dirty="0" err="1"/>
+              <a:rPr lang="en-US" err="1"/>
               <a:t>Roloff</a:t>
             </a:r>
-            <a:endParaRPr lang="en-US" dirty="0"/>
+            <a:endParaRPr lang="en-US"/>
           </a:p>
         </p:txBody>
       </p:sp>
@@ -22155,7 +22151,6 @@
               <a:rPr lang="en-US"/>
               <a:t>College Advising Can Be Frustrating</a:t>
             </a:r>
-            <a:endParaRPr lang="en-US" dirty="0"/>
           </a:p>
         </p:txBody>
       </p:sp>
@@ -22534,7 +22529,7 @@
           <a:lstStyle/>
           <a:p>
             <a:r>
-              <a:rPr lang="en-US" dirty="0"/>
+              <a:rPr lang="en-US"/>
               <a:t>Our Market</a:t>
             </a:r>
           </a:p>
@@ -22623,7 +22618,7 @@
           <a:lstStyle/>
           <a:p>
             <a:r>
-              <a:rPr lang="en-US" dirty="0"/>
+              <a:rPr lang="en-US"/>
               <a:t>Existing Financial Market</a:t>
             </a:r>
           </a:p>
@@ -22713,7 +22708,7 @@
           <a:p>
             <a:pPr algn="ctr"/>
             <a:r>
-              <a:rPr lang="en-US" dirty="0"/>
+              <a:rPr lang="en-US"/>
               <a:t>Pre-MVP Goes Live Today </a:t>
             </a:r>
           </a:p>
@@ -22744,20 +22739,20 @@
           <a:p>
             <a:pPr algn="ctr"/>
             <a:r>
-              <a:rPr lang="en-US" sz="6600" dirty="0">
+              <a:rPr lang="en-US" sz="6600">
                 <a:hlinkClick r:id="rId2"/>
               </a:rPr>
               <a:t>Univise.org</a:t>
             </a:r>
-            <a:endParaRPr lang="en-US" sz="6600" dirty="0"/>
+            <a:endParaRPr lang="en-US" sz="6600"/>
           </a:p>
           <a:p>
             <a:pPr algn="ctr"/>
-            <a:endParaRPr lang="en-US" sz="6600" dirty="0"/>
+            <a:endParaRPr lang="en-US" sz="6600"/>
           </a:p>
           <a:p>
             <a:pPr algn="ctr"/>
-            <a:endParaRPr lang="en-US" sz="6600" dirty="0"/>
+            <a:endParaRPr lang="en-US" sz="6600"/>
           </a:p>
         </p:txBody>
       </p:sp>
@@ -22828,7 +22823,7 @@
           <a:lstStyle/>
           <a:p>
             <a:r>
-              <a:rPr lang="en-US" dirty="0"/>
+              <a:rPr lang="en-US"/>
               <a:t>Business Model</a:t>
             </a:r>
           </a:p>
@@ -23101,7 +23096,7 @@
                 <a:buNone/>
               </a:pPr>
               <a:r>
-                <a:rPr lang="en-US" sz="5600" kern="1200" dirty="0"/>
+                <a:rPr lang="en-US" sz="5600" kern="1200"/>
                 <a:t>Aaryush Gupta</a:t>
               </a:r>
             </a:p>
@@ -23301,7 +23296,6 @@
                 <a:rPr lang="en-US" sz="1800" kern="1200"/>
                 <a:t>Software consulting background</a:t>
               </a:r>
-              <a:endParaRPr lang="en-US" sz="1800" kern="1200" dirty="0"/>
             </a:p>
           </p:txBody>
         </p:sp>
@@ -23499,7 +23493,6 @@
                 <a:rPr lang="en-US" sz="1800" kern="1200"/>
                 <a:t>CS/DS Degree</a:t>
               </a:r>
-              <a:endParaRPr lang="en-US" sz="1800" kern="1200" dirty="0"/>
             </a:p>
           </p:txBody>
         </p:sp>
@@ -23697,7 +23690,6 @@
                 <a:rPr lang="en-US" sz="1800" kern="1200"/>
                 <a:t>Incorporated multiple companies</a:t>
               </a:r>
-              <a:endParaRPr lang="en-US" sz="1800" kern="1200" dirty="0"/>
             </a:p>
           </p:txBody>
         </p:sp>
@@ -23895,7 +23887,6 @@
                 <a:rPr lang="en-US" sz="1800" kern="1200"/>
                 <a:t>Backend and frontend engineering experience</a:t>
               </a:r>
-              <a:endParaRPr lang="en-US" sz="1800" kern="1200" dirty="0"/>
             </a:p>
           </p:txBody>
         </p:sp>
@@ -24093,7 +24084,7 @@
                 <a:rPr lang="en-US" sz="1800" kern="1200"/>
                 <a:t>AI enthusiast </a:t>
               </a:r>
-              <a:endParaRPr lang="en-US" sz="1800" kern="1200" dirty="0">
+              <a:endParaRPr lang="en-US" sz="1800" kern="1200">
                 <a:solidFill>
                   <a:schemeClr val="tx1">
                     <a:lumMod val="75000"/>
@@ -24290,21 +24281,13 @@
                 <a:buNone/>
               </a:pPr>
               <a:r>
-                <a:rPr lang="en-US" sz="5600" kern="1200">
-                  <a:solidFill>
-                    <a:schemeClr val="tx1">
-                      <a:lumMod val="75000"/>
-                      <a:lumOff val="25000"/>
-                    </a:schemeClr>
-                  </a:solidFill>
-                </a:rPr>
-                <a:t>Harrison</a:t>
+                <a:rPr lang="en-US" sz="5600"/>
+                <a:t>Harrison </a:t>
               </a:r>
               <a:r>
                 <a:rPr lang="en-US" sz="5600" kern="1200"/>
-                <a:t> Roloff</a:t>
+                <a:t>Roloff</a:t>
               </a:r>
-              <a:endParaRPr lang="en-US" sz="5600" kern="1200" dirty="0"/>
             </a:p>
           </p:txBody>
         </p:sp>
@@ -24509,14 +24492,6 @@
                 </a:rPr>
                 <a:t>Data Science </a:t>
               </a:r>
-              <a:endParaRPr lang="en-US" sz="1800" kern="1200" dirty="0">
-                <a:solidFill>
-                  <a:schemeClr val="tx1">
-                    <a:lumMod val="75000"/>
-                    <a:lumOff val="25000"/>
-                  </a:schemeClr>
-                </a:solidFill>
-              </a:endParaRPr>
             </a:p>
           </p:txBody>
         </p:sp>
@@ -24721,14 +24696,6 @@
                 </a:rPr>
                 <a:t>Frontend Development/SEO</a:t>
               </a:r>
-              <a:endParaRPr lang="en-US" sz="1800" kern="1200" dirty="0">
-                <a:solidFill>
-                  <a:schemeClr val="tx1">
-                    <a:lumMod val="75000"/>
-                    <a:lumOff val="25000"/>
-                  </a:schemeClr>
-                </a:solidFill>
-              </a:endParaRPr>
             </a:p>
           </p:txBody>
         </p:sp>
@@ -24933,14 +24900,6 @@
                 </a:rPr>
                 <a:t>AI enthusiast</a:t>
               </a:r>
-              <a:endParaRPr lang="en-US" sz="1800" kern="1200" dirty="0">
-                <a:solidFill>
-                  <a:schemeClr val="tx1">
-                    <a:lumMod val="75000"/>
-                    <a:lumOff val="25000"/>
-                  </a:schemeClr>
-                </a:solidFill>
-              </a:endParaRPr>
             </a:p>
           </p:txBody>
         </p:sp>
@@ -25145,14 +25104,6 @@
                 </a:rPr>
                 <a:t>Entrepreneurial desire</a:t>
               </a:r>
-              <a:endParaRPr lang="en-US" sz="1800" kern="1200" dirty="0">
-                <a:solidFill>
-                  <a:schemeClr val="tx1">
-                    <a:lumMod val="75000"/>
-                    <a:lumOff val="25000"/>
-                  </a:schemeClr>
-                </a:solidFill>
-              </a:endParaRPr>
             </a:p>
           </p:txBody>
         </p:sp>
@@ -25349,7 +25300,7 @@
             </a:lvl9pPr>
           </a:lstStyle>
           <a:p>
-            <a:endParaRPr lang="en-US" sz="1800" dirty="0">
+            <a:endParaRPr lang="en-US" sz="1800">
               <a:solidFill>
                 <a:schemeClr val="tx1">
                   <a:lumMod val="75000"/>
@@ -25411,9 +25362,10 @@
           <a:bodyPr/>
           <a:lstStyle/>
           <a:p>
+            <a:pPr algn="ctr"/>
             <a:r>
               <a:rPr lang="en-US"/>
-              <a:t>MVP Feedback (The ask)</a:t>
+              <a:t>MVP Survey</a:t>
             </a:r>
           </a:p>
         </p:txBody>

--- a/Pitch_Deck.pptx
+++ b/Pitch_Deck.pptx
@@ -9,11 +9,10 @@
     <p:sldId id="257" r:id="rId3"/>
     <p:sldId id="259" r:id="rId4"/>
     <p:sldId id="268" r:id="rId5"/>
-    <p:sldId id="258" r:id="rId6"/>
-    <p:sldId id="261" r:id="rId7"/>
-    <p:sldId id="267" r:id="rId8"/>
-    <p:sldId id="264" r:id="rId9"/>
-    <p:sldId id="266" r:id="rId10"/>
+    <p:sldId id="267" r:id="rId6"/>
+    <p:sldId id="264" r:id="rId7"/>
+    <p:sldId id="261" r:id="rId8"/>
+    <p:sldId id="266" r:id="rId9"/>
   </p:sldIdLst>
   <p:sldSz cx="12192000" cy="6858000"/>
   <p:notesSz cx="6858000" cy="9144000"/>
@@ -125,7 +124,7 @@
   <p1510:revLst>
     <p1510:client id="{1548E0E4-D0A9-41AC-9543-E63AEE67584C}" v="65" dt="2023-11-28T14:44:18.406"/>
     <p1510:client id="{8D43E174-D995-4AAE-82E9-AABABF617DD4}" v="650" dt="2023-11-28T18:14:07.337"/>
-    <p1510:client id="{D5E56CFE-6DF7-450D-BF3B-F776716D1E51}" v="13" dt="2023-11-28T20:59:39.093"/>
+    <p1510:client id="{D5E56CFE-6DF7-450D-BF3B-F776716D1E51}" v="68" dt="2023-11-28T21:47:55.110"/>
   </p1510:revLst>
 </p1510:revInfo>
 </file>
@@ -1424,14 +1423,52 @@
     </pc:docChg>
   </pc:docChgLst>
   <pc:docChgLst>
-    <pc:chgData name="Aaryush Gupta" userId="f63d54c0fafcd375" providerId="Windows Live" clId="Web-{D5E56CFE-6DF7-450D-BF3B-F776716D1E51}"/>
+    <pc:chgData name="Guest User" providerId="Windows Live" clId="Web-{3E8F59FD-397D-47A7-8122-18059D4A0873}"/>
     <pc:docChg chg="modSld">
-      <pc:chgData name="Aaryush Gupta" userId="f63d54c0fafcd375" providerId="Windows Live" clId="Web-{D5E56CFE-6DF7-450D-BF3B-F776716D1E51}" dt="2023-11-28T20:59:39.093" v="10" actId="20577"/>
+      <pc:chgData name="Guest User" userId="" providerId="Windows Live" clId="Web-{3E8F59FD-397D-47A7-8122-18059D4A0873}" dt="2023-11-28T21:43:53.773" v="6" actId="20577"/>
       <pc:docMkLst>
         <pc:docMk/>
       </pc:docMkLst>
       <pc:sldChg chg="modSp">
-        <pc:chgData name="Aaryush Gupta" userId="f63d54c0fafcd375" providerId="Windows Live" clId="Web-{D5E56CFE-6DF7-450D-BF3B-F776716D1E51}" dt="2023-11-28T20:59:22.451" v="0"/>
+        <pc:chgData name="Guest User" userId="" providerId="Windows Live" clId="Web-{3E8F59FD-397D-47A7-8122-18059D4A0873}" dt="2023-11-28T21:43:53.773" v="6" actId="20577"/>
+        <pc:sldMkLst>
+          <pc:docMk/>
+          <pc:sldMk cId="1714546416" sldId="268"/>
+        </pc:sldMkLst>
+        <pc:graphicFrameChg chg="modGraphic">
+          <ac:chgData name="Guest User" userId="" providerId="Windows Live" clId="Web-{3E8F59FD-397D-47A7-8122-18059D4A0873}" dt="2023-11-28T21:43:53.773" v="6" actId="20577"/>
+          <ac:graphicFrameMkLst>
+            <pc:docMk/>
+            <pc:sldMk cId="1714546416" sldId="268"/>
+            <ac:graphicFrameMk id="543" creationId="{BD1F93FC-41A7-A7E1-B1AF-1475A35846FB}"/>
+          </ac:graphicFrameMkLst>
+        </pc:graphicFrameChg>
+      </pc:sldChg>
+    </pc:docChg>
+  </pc:docChgLst>
+  <pc:docChgLst>
+    <pc:chgData name="Aaryush Gupta" userId="f63d54c0fafcd375" providerId="Windows Live" clId="Web-{D5E56CFE-6DF7-450D-BF3B-F776716D1E51}"/>
+    <pc:docChg chg="delSld modSld sldOrd">
+      <pc:chgData name="Aaryush Gupta" userId="f63d54c0fafcd375" providerId="Windows Live" clId="Web-{D5E56CFE-6DF7-450D-BF3B-F776716D1E51}" dt="2023-11-28T21:47:55.110" v="252"/>
+      <pc:docMkLst>
+        <pc:docMk/>
+      </pc:docMkLst>
+      <pc:sldChg chg="del">
+        <pc:chgData name="Aaryush Gupta" userId="f63d54c0fafcd375" providerId="Windows Live" clId="Web-{D5E56CFE-6DF7-450D-BF3B-F776716D1E51}" dt="2023-11-28T21:25:24.554" v="97"/>
+        <pc:sldMkLst>
+          <pc:docMk/>
+          <pc:sldMk cId="2886924242" sldId="258"/>
+        </pc:sldMkLst>
+      </pc:sldChg>
+      <pc:sldChg chg="ord">
+        <pc:chgData name="Aaryush Gupta" userId="f63d54c0fafcd375" providerId="Windows Live" clId="Web-{D5E56CFE-6DF7-450D-BF3B-F776716D1E51}" dt="2023-11-28T21:47:55.110" v="252"/>
+        <pc:sldMkLst>
+          <pc:docMk/>
+          <pc:sldMk cId="2540432543" sldId="261"/>
+        </pc:sldMkLst>
+      </pc:sldChg>
+      <pc:sldChg chg="modSp">
+        <pc:chgData name="Aaryush Gupta" userId="f63d54c0fafcd375" providerId="Windows Live" clId="Web-{D5E56CFE-6DF7-450D-BF3B-F776716D1E51}" dt="2023-11-28T21:13:05.795" v="19"/>
         <pc:sldMkLst>
           <pc:docMk/>
           <pc:sldMk cId="4019331319" sldId="264"/>
@@ -1442,6 +1479,38 @@
             <pc:docMk/>
             <pc:sldMk cId="4019331319" sldId="264"/>
             <ac:spMk id="26" creationId="{83D4C24E-C46F-BA34-1F16-D506E8BF7C71}"/>
+          </ac:spMkLst>
+        </pc:spChg>
+        <pc:spChg chg="mod">
+          <ac:chgData name="Aaryush Gupta" userId="f63d54c0fafcd375" providerId="Windows Live" clId="Web-{D5E56CFE-6DF7-450D-BF3B-F776716D1E51}" dt="2023-11-28T21:13:05.795" v="19"/>
+          <ac:spMkLst>
+            <pc:docMk/>
+            <pc:sldMk cId="4019331319" sldId="264"/>
+            <ac:spMk id="28" creationId="{F9F84147-1ED1-0E2F-69EA-CDB02088D47B}"/>
+          </ac:spMkLst>
+        </pc:spChg>
+        <pc:spChg chg="mod">
+          <ac:chgData name="Aaryush Gupta" userId="f63d54c0fafcd375" providerId="Windows Live" clId="Web-{D5E56CFE-6DF7-450D-BF3B-F776716D1E51}" dt="2023-11-28T21:12:57.263" v="17" actId="20577"/>
+          <ac:spMkLst>
+            <pc:docMk/>
+            <pc:sldMk cId="4019331319" sldId="264"/>
+            <ac:spMk id="30" creationId="{63DAB2A4-A690-BBEA-93E8-9347C78E95A0}"/>
+          </ac:spMkLst>
+        </pc:spChg>
+        <pc:spChg chg="mod">
+          <ac:chgData name="Aaryush Gupta" userId="f63d54c0fafcd375" providerId="Windows Live" clId="Web-{D5E56CFE-6DF7-450D-BF3B-F776716D1E51}" dt="2023-11-28T21:12:49.137" v="14"/>
+          <ac:spMkLst>
+            <pc:docMk/>
+            <pc:sldMk cId="4019331319" sldId="264"/>
+            <ac:spMk id="32" creationId="{366C34FC-13EB-246B-2C3A-1716DC889EF9}"/>
+          </ac:spMkLst>
+        </pc:spChg>
+        <pc:spChg chg="mod">
+          <ac:chgData name="Aaryush Gupta" userId="f63d54c0fafcd375" providerId="Windows Live" clId="Web-{D5E56CFE-6DF7-450D-BF3B-F776716D1E51}" dt="2023-11-28T21:12:45.215" v="13" actId="20577"/>
+          <ac:spMkLst>
+            <pc:docMk/>
+            <pc:sldMk cId="4019331319" sldId="264"/>
+            <ac:spMk id="34" creationId="{6E108E12-8DEF-70D1-02AF-4EF9363284AB}"/>
           </ac:spMkLst>
         </pc:spChg>
       </pc:sldChg>
@@ -1460,29 +1529,51 @@
           </ac:spMkLst>
         </pc:spChg>
       </pc:sldChg>
-    </pc:docChg>
-  </pc:docChgLst>
-  <pc:docChgLst>
-    <pc:chgData name="Aaryush Gupta" userId="f63d54c0fafcd375" providerId="LiveId" clId="{DD2D680A-C734-4C6C-A0BE-CAFC6AFDAB15}"/>
-    <pc:docChg chg="modSld">
-      <pc:chgData name="Aaryush Gupta" userId="f63d54c0fafcd375" providerId="LiveId" clId="{DD2D680A-C734-4C6C-A0BE-CAFC6AFDAB15}" dt="2023-11-17T20:11:35.771" v="25" actId="20577"/>
-      <pc:docMkLst>
-        <pc:docMk/>
-      </pc:docMkLst>
-      <pc:sldChg chg="addSp modSp mod">
-        <pc:chgData name="Aaryush Gupta" userId="f63d54c0fafcd375" providerId="LiveId" clId="{DD2D680A-C734-4C6C-A0BE-CAFC6AFDAB15}" dt="2023-11-17T20:11:35.771" v="25" actId="20577"/>
+      <pc:sldChg chg="modSp">
+        <pc:chgData name="Aaryush Gupta" userId="f63d54c0fafcd375" providerId="Windows Live" clId="Web-{D5E56CFE-6DF7-450D-BF3B-F776716D1E51}" dt="2023-11-28T21:47:33.592" v="251" actId="20577"/>
         <pc:sldMkLst>
           <pc:docMk/>
-          <pc:sldMk cId="3998147292" sldId="256"/>
+          <pc:sldMk cId="2692578918" sldId="267"/>
         </pc:sldMkLst>
-        <pc:spChg chg="add mod">
-          <ac:chgData name="Aaryush Gupta" userId="f63d54c0fafcd375" providerId="LiveId" clId="{DD2D680A-C734-4C6C-A0BE-CAFC6AFDAB15}" dt="2023-11-17T20:11:35.771" v="25" actId="20577"/>
+        <pc:graphicFrameChg chg="modGraphic">
+          <ac:chgData name="Aaryush Gupta" userId="f63d54c0fafcd375" providerId="Windows Live" clId="Web-{D5E56CFE-6DF7-450D-BF3B-F776716D1E51}" dt="2023-11-28T21:47:33.592" v="251" actId="20577"/>
+          <ac:graphicFrameMkLst>
+            <pc:docMk/>
+            <pc:sldMk cId="2692578918" sldId="267"/>
+            <ac:graphicFrameMk id="6" creationId="{D9FE8F92-8563-8FC0-3FE9-630DD536240D}"/>
+          </ac:graphicFrameMkLst>
+        </pc:graphicFrameChg>
+      </pc:sldChg>
+      <pc:sldChg chg="addSp delSp modSp">
+        <pc:chgData name="Aaryush Gupta" userId="f63d54c0fafcd375" providerId="Windows Live" clId="Web-{D5E56CFE-6DF7-450D-BF3B-F776716D1E51}" dt="2023-11-28T21:43:35.121" v="186" actId="1076"/>
+        <pc:sldMkLst>
+          <pc:docMk/>
+          <pc:sldMk cId="1714546416" sldId="268"/>
+        </pc:sldMkLst>
+        <pc:spChg chg="add del mod">
+          <ac:chgData name="Aaryush Gupta" userId="f63d54c0fafcd375" providerId="Windows Live" clId="Web-{D5E56CFE-6DF7-450D-BF3B-F776716D1E51}" dt="2023-11-28T21:41:50.770" v="157"/>
           <ac:spMkLst>
             <pc:docMk/>
-            <pc:sldMk cId="3998147292" sldId="256"/>
-            <ac:spMk id="4" creationId="{065B6E87-D005-97C0-5FA4-ABA11AB23E40}"/>
+            <pc:sldMk cId="1714546416" sldId="268"/>
+            <ac:spMk id="542" creationId="{BF35A056-8796-0FFE-50EE-DEDD0BE3DBAD}"/>
           </ac:spMkLst>
         </pc:spChg>
+        <pc:graphicFrameChg chg="del modGraphic">
+          <ac:chgData name="Aaryush Gupta" userId="f63d54c0fafcd375" providerId="Windows Live" clId="Web-{D5E56CFE-6DF7-450D-BF3B-F776716D1E51}" dt="2023-11-28T21:38:00.002" v="111"/>
+          <ac:graphicFrameMkLst>
+            <pc:docMk/>
+            <pc:sldMk cId="1714546416" sldId="268"/>
+            <ac:graphicFrameMk id="8" creationId="{FC009EDE-4C7A-FBF1-6EF6-4ACC0EC3A717}"/>
+          </ac:graphicFrameMkLst>
+        </pc:graphicFrameChg>
+        <pc:graphicFrameChg chg="add mod ord modGraphic">
+          <ac:chgData name="Aaryush Gupta" userId="f63d54c0fafcd375" providerId="Windows Live" clId="Web-{D5E56CFE-6DF7-450D-BF3B-F776716D1E51}" dt="2023-11-28T21:43:35.121" v="186" actId="1076"/>
+          <ac:graphicFrameMkLst>
+            <pc:docMk/>
+            <pc:sldMk cId="1714546416" sldId="268"/>
+            <ac:graphicFrameMk id="543" creationId="{BD1F93FC-41A7-A7E1-B1AF-1475A35846FB}"/>
+          </ac:graphicFrameMkLst>
+        </pc:graphicFrameChg>
       </pc:sldChg>
     </pc:docChg>
   </pc:docChgLst>
@@ -1541,6 +1632,30 @@
       </pc:sldChg>
     </pc:docChg>
   </pc:docChgLst>
+  <pc:docChgLst>
+    <pc:chgData name="Aaryush Gupta" userId="f63d54c0fafcd375" providerId="LiveId" clId="{DD2D680A-C734-4C6C-A0BE-CAFC6AFDAB15}"/>
+    <pc:docChg chg="modSld">
+      <pc:chgData name="Aaryush Gupta" userId="f63d54c0fafcd375" providerId="LiveId" clId="{DD2D680A-C734-4C6C-A0BE-CAFC6AFDAB15}" dt="2023-11-17T20:11:35.771" v="25" actId="20577"/>
+      <pc:docMkLst>
+        <pc:docMk/>
+      </pc:docMkLst>
+      <pc:sldChg chg="addSp modSp mod">
+        <pc:chgData name="Aaryush Gupta" userId="f63d54c0fafcd375" providerId="LiveId" clId="{DD2D680A-C734-4C6C-A0BE-CAFC6AFDAB15}" dt="2023-11-17T20:11:35.771" v="25" actId="20577"/>
+        <pc:sldMkLst>
+          <pc:docMk/>
+          <pc:sldMk cId="3998147292" sldId="256"/>
+        </pc:sldMkLst>
+        <pc:spChg chg="add mod">
+          <ac:chgData name="Aaryush Gupta" userId="f63d54c0fafcd375" providerId="LiveId" clId="{DD2D680A-C734-4C6C-A0BE-CAFC6AFDAB15}" dt="2023-11-17T20:11:35.771" v="25" actId="20577"/>
+          <ac:spMkLst>
+            <pc:docMk/>
+            <pc:sldMk cId="3998147292" sldId="256"/>
+            <ac:spMk id="4" creationId="{065B6E87-D005-97C0-5FA4-ABA11AB23E40}"/>
+          </ac:spMkLst>
+        </pc:spChg>
+      </pc:sldChg>
+    </pc:docChg>
+  </pc:docChgLst>
 </pc:chgInfo>
 </file>
 
@@ -3786,753 +3901,6 @@
 </file>
 
 <file path=ppt/diagrams/colors4.xml><?xml version="1.0" encoding="utf-8"?>
-<dgm:colorsDef xmlns:dgm="http://schemas.openxmlformats.org/drawingml/2006/diagram" xmlns:a="http://schemas.openxmlformats.org/drawingml/2006/main" uniqueId="urn:microsoft.com/office/officeart/2005/8/colors/accent1_2">
-  <dgm:title val=""/>
-  <dgm:desc val=""/>
-  <dgm:catLst>
-    <dgm:cat type="accent1" pri="11200"/>
-  </dgm:catLst>
-  <dgm:styleLbl name="node0">
-    <dgm:fillClrLst meth="repeat">
-      <a:schemeClr val="accent1"/>
-    </dgm:fillClrLst>
-    <dgm:linClrLst meth="repeat">
-      <a:schemeClr val="lt1"/>
-    </dgm:linClrLst>
-    <dgm:effectClrLst/>
-    <dgm:txLinClrLst/>
-    <dgm:txFillClrLst/>
-    <dgm:txEffectClrLst/>
-  </dgm:styleLbl>
-  <dgm:styleLbl name="alignNode1">
-    <dgm:fillClrLst meth="repeat">
-      <a:schemeClr val="accent1"/>
-    </dgm:fillClrLst>
-    <dgm:linClrLst meth="repeat">
-      <a:schemeClr val="accent1"/>
-    </dgm:linClrLst>
-    <dgm:effectClrLst/>
-    <dgm:txLinClrLst/>
-    <dgm:txFillClrLst/>
-    <dgm:txEffectClrLst/>
-  </dgm:styleLbl>
-  <dgm:styleLbl name="node1">
-    <dgm:fillClrLst meth="repeat">
-      <a:schemeClr val="accent1"/>
-    </dgm:fillClrLst>
-    <dgm:linClrLst meth="repeat">
-      <a:schemeClr val="lt1"/>
-    </dgm:linClrLst>
-    <dgm:effectClrLst/>
-    <dgm:txLinClrLst/>
-    <dgm:txFillClrLst/>
-    <dgm:txEffectClrLst/>
-  </dgm:styleLbl>
-  <dgm:styleLbl name="lnNode1">
-    <dgm:fillClrLst meth="repeat">
-      <a:schemeClr val="accent1"/>
-    </dgm:fillClrLst>
-    <dgm:linClrLst meth="repeat">
-      <a:schemeClr val="lt1"/>
-    </dgm:linClrLst>
-    <dgm:effectClrLst/>
-    <dgm:txLinClrLst/>
-    <dgm:txFillClrLst/>
-    <dgm:txEffectClrLst/>
-  </dgm:styleLbl>
-  <dgm:styleLbl name="vennNode1">
-    <dgm:fillClrLst meth="repeat">
-      <a:schemeClr val="accent1">
-        <a:alpha val="50000"/>
-      </a:schemeClr>
-    </dgm:fillClrLst>
-    <dgm:linClrLst meth="repeat">
-      <a:schemeClr val="lt1"/>
-    </dgm:linClrLst>
-    <dgm:effectClrLst/>
-    <dgm:txLinClrLst/>
-    <dgm:txFillClrLst/>
-    <dgm:txEffectClrLst/>
-  </dgm:styleLbl>
-  <dgm:styleLbl name="node2">
-    <dgm:fillClrLst meth="repeat">
-      <a:schemeClr val="accent1"/>
-    </dgm:fillClrLst>
-    <dgm:linClrLst meth="repeat">
-      <a:schemeClr val="lt1"/>
-    </dgm:linClrLst>
-    <dgm:effectClrLst/>
-    <dgm:txLinClrLst/>
-    <dgm:txFillClrLst/>
-    <dgm:txEffectClrLst/>
-  </dgm:styleLbl>
-  <dgm:styleLbl name="node3">
-    <dgm:fillClrLst meth="repeat">
-      <a:schemeClr val="accent1"/>
-    </dgm:fillClrLst>
-    <dgm:linClrLst meth="repeat">
-      <a:schemeClr val="lt1"/>
-    </dgm:linClrLst>
-    <dgm:effectClrLst/>
-    <dgm:txLinClrLst/>
-    <dgm:txFillClrLst/>
-    <dgm:txEffectClrLst/>
-  </dgm:styleLbl>
-  <dgm:styleLbl name="node4">
-    <dgm:fillClrLst meth="repeat">
-      <a:schemeClr val="accent1"/>
-    </dgm:fillClrLst>
-    <dgm:linClrLst meth="repeat">
-      <a:schemeClr val="lt1"/>
-    </dgm:linClrLst>
-    <dgm:effectClrLst/>
-    <dgm:txLinClrLst/>
-    <dgm:txFillClrLst/>
-    <dgm:txEffectClrLst/>
-  </dgm:styleLbl>
-  <dgm:styleLbl name="fgImgPlace1">
-    <dgm:fillClrLst meth="repeat">
-      <a:schemeClr val="accent1">
-        <a:tint val="50000"/>
-      </a:schemeClr>
-    </dgm:fillClrLst>
-    <dgm:linClrLst meth="repeat">
-      <a:schemeClr val="lt1"/>
-    </dgm:linClrLst>
-    <dgm:effectClrLst/>
-    <dgm:txLinClrLst/>
-    <dgm:txFillClrLst meth="repeat">
-      <a:schemeClr val="lt1"/>
-    </dgm:txFillClrLst>
-    <dgm:txEffectClrLst/>
-  </dgm:styleLbl>
-  <dgm:styleLbl name="alignImgPlace1">
-    <dgm:fillClrLst meth="repeat">
-      <a:schemeClr val="accent1">
-        <a:tint val="50000"/>
-      </a:schemeClr>
-    </dgm:fillClrLst>
-    <dgm:linClrLst meth="repeat">
-      <a:schemeClr val="lt1"/>
-    </dgm:linClrLst>
-    <dgm:effectClrLst/>
-    <dgm:txLinClrLst/>
-    <dgm:txFillClrLst meth="repeat">
-      <a:schemeClr val="lt1"/>
-    </dgm:txFillClrLst>
-    <dgm:txEffectClrLst/>
-  </dgm:styleLbl>
-  <dgm:styleLbl name="bgImgPlace1">
-    <dgm:fillClrLst meth="repeat">
-      <a:schemeClr val="accent1">
-        <a:tint val="50000"/>
-      </a:schemeClr>
-    </dgm:fillClrLst>
-    <dgm:linClrLst meth="repeat">
-      <a:schemeClr val="lt1"/>
-    </dgm:linClrLst>
-    <dgm:effectClrLst/>
-    <dgm:txLinClrLst/>
-    <dgm:txFillClrLst meth="repeat">
-      <a:schemeClr val="lt1"/>
-    </dgm:txFillClrLst>
-    <dgm:txEffectClrLst/>
-  </dgm:styleLbl>
-  <dgm:styleLbl name="sibTrans2D1">
-    <dgm:fillClrLst meth="repeat">
-      <a:schemeClr val="accent1">
-        <a:tint val="60000"/>
-      </a:schemeClr>
-    </dgm:fillClrLst>
-    <dgm:linClrLst meth="repeat">
-      <a:schemeClr val="accent1">
-        <a:tint val="60000"/>
-      </a:schemeClr>
-    </dgm:linClrLst>
-    <dgm:effectClrLst/>
-    <dgm:txLinClrLst/>
-    <dgm:txFillClrLst/>
-    <dgm:txEffectClrLst/>
-  </dgm:styleLbl>
-  <dgm:styleLbl name="fgSibTrans2D1">
-    <dgm:fillClrLst meth="repeat">
-      <a:schemeClr val="accent1">
-        <a:tint val="60000"/>
-      </a:schemeClr>
-    </dgm:fillClrLst>
-    <dgm:linClrLst meth="repeat">
-      <a:schemeClr val="accent1">
-        <a:tint val="60000"/>
-      </a:schemeClr>
-    </dgm:linClrLst>
-    <dgm:effectClrLst/>
-    <dgm:txLinClrLst/>
-    <dgm:txFillClrLst/>
-    <dgm:txEffectClrLst/>
-  </dgm:styleLbl>
-  <dgm:styleLbl name="bgSibTrans2D1">
-    <dgm:fillClrLst meth="repeat">
-      <a:schemeClr val="accent1">
-        <a:tint val="60000"/>
-      </a:schemeClr>
-    </dgm:fillClrLst>
-    <dgm:linClrLst meth="repeat">
-      <a:schemeClr val="accent1">
-        <a:tint val="60000"/>
-      </a:schemeClr>
-    </dgm:linClrLst>
-    <dgm:effectClrLst/>
-    <dgm:txLinClrLst/>
-    <dgm:txFillClrLst/>
-    <dgm:txEffectClrLst/>
-  </dgm:styleLbl>
-  <dgm:styleLbl name="sibTrans1D1">
-    <dgm:fillClrLst meth="repeat">
-      <a:schemeClr val="accent1"/>
-    </dgm:fillClrLst>
-    <dgm:linClrLst meth="repeat">
-      <a:schemeClr val="accent1"/>
-    </dgm:linClrLst>
-    <dgm:effectClrLst/>
-    <dgm:txLinClrLst/>
-    <dgm:txFillClrLst meth="repeat">
-      <a:schemeClr val="tx1"/>
-    </dgm:txFillClrLst>
-    <dgm:txEffectClrLst/>
-  </dgm:styleLbl>
-  <dgm:styleLbl name="callout">
-    <dgm:fillClrLst meth="repeat">
-      <a:schemeClr val="accent1"/>
-    </dgm:fillClrLst>
-    <dgm:linClrLst meth="repeat">
-      <a:schemeClr val="accent1">
-        <a:tint val="50000"/>
-      </a:schemeClr>
-    </dgm:linClrLst>
-    <dgm:effectClrLst/>
-    <dgm:txLinClrLst/>
-    <dgm:txFillClrLst meth="repeat">
-      <a:schemeClr val="tx1"/>
-    </dgm:txFillClrLst>
-    <dgm:txEffectClrLst/>
-  </dgm:styleLbl>
-  <dgm:styleLbl name="asst0">
-    <dgm:fillClrLst meth="repeat">
-      <a:schemeClr val="accent1"/>
-    </dgm:fillClrLst>
-    <dgm:linClrLst meth="repeat">
-      <a:schemeClr val="lt1"/>
-    </dgm:linClrLst>
-    <dgm:effectClrLst/>
-    <dgm:txLinClrLst/>
-    <dgm:txFillClrLst/>
-    <dgm:txEffectClrLst/>
-  </dgm:styleLbl>
-  <dgm:styleLbl name="asst1">
-    <dgm:fillClrLst meth="repeat">
-      <a:schemeClr val="accent1"/>
-    </dgm:fillClrLst>
-    <dgm:linClrLst meth="repeat">
-      <a:schemeClr val="lt1"/>
-    </dgm:linClrLst>
-    <dgm:effectClrLst/>
-    <dgm:txLinClrLst/>
-    <dgm:txFillClrLst/>
-    <dgm:txEffectClrLst/>
-  </dgm:styleLbl>
-  <dgm:styleLbl name="asst2">
-    <dgm:fillClrLst meth="repeat">
-      <a:schemeClr val="accent1"/>
-    </dgm:fillClrLst>
-    <dgm:linClrLst meth="repeat">
-      <a:schemeClr val="lt1"/>
-    </dgm:linClrLst>
-    <dgm:effectClrLst/>
-    <dgm:txLinClrLst/>
-    <dgm:txFillClrLst/>
-    <dgm:txEffectClrLst/>
-  </dgm:styleLbl>
-  <dgm:styleLbl name="asst3">
-    <dgm:fillClrLst meth="repeat">
-      <a:schemeClr val="accent1"/>
-    </dgm:fillClrLst>
-    <dgm:linClrLst meth="repeat">
-      <a:schemeClr val="lt1"/>
-    </dgm:linClrLst>
-    <dgm:effectClrLst/>
-    <dgm:txLinClrLst/>
-    <dgm:txFillClrLst/>
-    <dgm:txEffectClrLst/>
-  </dgm:styleLbl>
-  <dgm:styleLbl name="asst4">
-    <dgm:fillClrLst meth="repeat">
-      <a:schemeClr val="accent1"/>
-    </dgm:fillClrLst>
-    <dgm:linClrLst meth="repeat">
-      <a:schemeClr val="lt1"/>
-    </dgm:linClrLst>
-    <dgm:effectClrLst/>
-    <dgm:txLinClrLst/>
-    <dgm:txFillClrLst/>
-    <dgm:txEffectClrLst/>
-  </dgm:styleLbl>
-  <dgm:styleLbl name="parChTrans2D1">
-    <dgm:fillClrLst meth="repeat">
-      <a:schemeClr val="accent1">
-        <a:tint val="60000"/>
-      </a:schemeClr>
-    </dgm:fillClrLst>
-    <dgm:linClrLst meth="repeat">
-      <a:schemeClr val="accent1">
-        <a:tint val="60000"/>
-      </a:schemeClr>
-    </dgm:linClrLst>
-    <dgm:effectClrLst/>
-    <dgm:txLinClrLst/>
-    <dgm:txFillClrLst meth="repeat">
-      <a:schemeClr val="lt1"/>
-    </dgm:txFillClrLst>
-    <dgm:txEffectClrLst/>
-  </dgm:styleLbl>
-  <dgm:styleLbl name="parChTrans2D2">
-    <dgm:fillClrLst meth="repeat">
-      <a:schemeClr val="accent1"/>
-    </dgm:fillClrLst>
-    <dgm:linClrLst meth="repeat">
-      <a:schemeClr val="accent1"/>
-    </dgm:linClrLst>
-    <dgm:effectClrLst/>
-    <dgm:txLinClrLst/>
-    <dgm:txFillClrLst meth="repeat">
-      <a:schemeClr val="lt1"/>
-    </dgm:txFillClrLst>
-    <dgm:txEffectClrLst/>
-  </dgm:styleLbl>
-  <dgm:styleLbl name="parChTrans2D3">
-    <dgm:fillClrLst meth="repeat">
-      <a:schemeClr val="accent1"/>
-    </dgm:fillClrLst>
-    <dgm:linClrLst meth="repeat">
-      <a:schemeClr val="accent1"/>
-    </dgm:linClrLst>
-    <dgm:effectClrLst/>
-    <dgm:txLinClrLst/>
-    <dgm:txFillClrLst meth="repeat">
-      <a:schemeClr val="lt1"/>
-    </dgm:txFillClrLst>
-    <dgm:txEffectClrLst/>
-  </dgm:styleLbl>
-  <dgm:styleLbl name="parChTrans2D4">
-    <dgm:fillClrLst meth="repeat">
-      <a:schemeClr val="accent1"/>
-    </dgm:fillClrLst>
-    <dgm:linClrLst meth="repeat">
-      <a:schemeClr val="accent1"/>
-    </dgm:linClrLst>
-    <dgm:effectClrLst/>
-    <dgm:txLinClrLst/>
-    <dgm:txFillClrLst meth="repeat">
-      <a:schemeClr val="lt1"/>
-    </dgm:txFillClrLst>
-    <dgm:txEffectClrLst/>
-  </dgm:styleLbl>
-  <dgm:styleLbl name="parChTrans1D1">
-    <dgm:fillClrLst meth="repeat">
-      <a:schemeClr val="accent1"/>
-    </dgm:fillClrLst>
-    <dgm:linClrLst meth="repeat">
-      <a:schemeClr val="accent1">
-        <a:shade val="60000"/>
-      </a:schemeClr>
-    </dgm:linClrLst>
-    <dgm:effectClrLst/>
-    <dgm:txLinClrLst/>
-    <dgm:txFillClrLst meth="repeat">
-      <a:schemeClr val="tx1"/>
-    </dgm:txFillClrLst>
-    <dgm:txEffectClrLst/>
-  </dgm:styleLbl>
-  <dgm:styleLbl name="parChTrans1D2">
-    <dgm:fillClrLst meth="repeat">
-      <a:schemeClr val="accent1"/>
-    </dgm:fillClrLst>
-    <dgm:linClrLst meth="repeat">
-      <a:schemeClr val="accent1">
-        <a:shade val="60000"/>
-      </a:schemeClr>
-    </dgm:linClrLst>
-    <dgm:effectClrLst/>
-    <dgm:txLinClrLst/>
-    <dgm:txFillClrLst meth="repeat">
-      <a:schemeClr val="tx1"/>
-    </dgm:txFillClrLst>
-    <dgm:txEffectClrLst/>
-  </dgm:styleLbl>
-  <dgm:styleLbl name="parChTrans1D3">
-    <dgm:fillClrLst meth="repeat">
-      <a:schemeClr val="accent1"/>
-    </dgm:fillClrLst>
-    <dgm:linClrLst meth="repeat">
-      <a:schemeClr val="accent1">
-        <a:shade val="80000"/>
-      </a:schemeClr>
-    </dgm:linClrLst>
-    <dgm:effectClrLst/>
-    <dgm:txLinClrLst/>
-    <dgm:txFillClrLst meth="repeat">
-      <a:schemeClr val="tx1"/>
-    </dgm:txFillClrLst>
-    <dgm:txEffectClrLst/>
-  </dgm:styleLbl>
-  <dgm:styleLbl name="parChTrans1D4">
-    <dgm:fillClrLst meth="repeat">
-      <a:schemeClr val="accent1"/>
-    </dgm:fillClrLst>
-    <dgm:linClrLst meth="repeat">
-      <a:schemeClr val="accent1">
-        <a:shade val="80000"/>
-      </a:schemeClr>
-    </dgm:linClrLst>
-    <dgm:effectClrLst/>
-    <dgm:txLinClrLst/>
-    <dgm:txFillClrLst meth="repeat">
-      <a:schemeClr val="tx1"/>
-    </dgm:txFillClrLst>
-    <dgm:txEffectClrLst/>
-  </dgm:styleLbl>
-  <dgm:styleLbl name="fgAcc1">
-    <dgm:fillClrLst meth="repeat">
-      <a:schemeClr val="lt1">
-        <a:alpha val="90000"/>
-      </a:schemeClr>
-    </dgm:fillClrLst>
-    <dgm:linClrLst meth="repeat">
-      <a:schemeClr val="accent1"/>
-    </dgm:linClrLst>
-    <dgm:effectClrLst/>
-    <dgm:txLinClrLst/>
-    <dgm:txFillClrLst meth="repeat">
-      <a:schemeClr val="dk1"/>
-    </dgm:txFillClrLst>
-    <dgm:txEffectClrLst/>
-  </dgm:styleLbl>
-  <dgm:styleLbl name="conFgAcc1">
-    <dgm:fillClrLst meth="repeat">
-      <a:schemeClr val="lt1">
-        <a:alpha val="90000"/>
-      </a:schemeClr>
-    </dgm:fillClrLst>
-    <dgm:linClrLst meth="repeat">
-      <a:schemeClr val="accent1"/>
-    </dgm:linClrLst>
-    <dgm:effectClrLst/>
-    <dgm:txLinClrLst/>
-    <dgm:txFillClrLst meth="repeat">
-      <a:schemeClr val="dk1"/>
-    </dgm:txFillClrLst>
-    <dgm:txEffectClrLst/>
-  </dgm:styleLbl>
-  <dgm:styleLbl name="alignAcc1">
-    <dgm:fillClrLst meth="repeat">
-      <a:schemeClr val="lt1">
-        <a:alpha val="90000"/>
-      </a:schemeClr>
-    </dgm:fillClrLst>
-    <dgm:linClrLst meth="repeat">
-      <a:schemeClr val="accent1"/>
-    </dgm:linClrLst>
-    <dgm:effectClrLst/>
-    <dgm:txLinClrLst/>
-    <dgm:txFillClrLst meth="repeat">
-      <a:schemeClr val="dk1"/>
-    </dgm:txFillClrLst>
-    <dgm:txEffectClrLst/>
-  </dgm:styleLbl>
-  <dgm:styleLbl name="trAlignAcc1">
-    <dgm:fillClrLst meth="repeat">
-      <a:schemeClr val="lt1">
-        <a:alpha val="40000"/>
-      </a:schemeClr>
-    </dgm:fillClrLst>
-    <dgm:linClrLst meth="repeat">
-      <a:schemeClr val="accent1"/>
-    </dgm:linClrLst>
-    <dgm:effectClrLst/>
-    <dgm:txLinClrLst/>
-    <dgm:txFillClrLst meth="repeat">
-      <a:schemeClr val="dk1"/>
-    </dgm:txFillClrLst>
-    <dgm:txEffectClrLst/>
-  </dgm:styleLbl>
-  <dgm:styleLbl name="bgAcc1">
-    <dgm:fillClrLst meth="repeat">
-      <a:schemeClr val="lt1">
-        <a:alpha val="90000"/>
-      </a:schemeClr>
-    </dgm:fillClrLst>
-    <dgm:linClrLst meth="repeat">
-      <a:schemeClr val="accent1"/>
-    </dgm:linClrLst>
-    <dgm:effectClrLst/>
-    <dgm:txLinClrLst/>
-    <dgm:txFillClrLst meth="repeat">
-      <a:schemeClr val="dk1"/>
-    </dgm:txFillClrLst>
-    <dgm:txEffectClrLst/>
-  </dgm:styleLbl>
-  <dgm:styleLbl name="solidFgAcc1">
-    <dgm:fillClrLst meth="repeat">
-      <a:schemeClr val="lt1"/>
-    </dgm:fillClrLst>
-    <dgm:linClrLst meth="repeat">
-      <a:schemeClr val="accent1"/>
-    </dgm:linClrLst>
-    <dgm:effectClrLst/>
-    <dgm:txLinClrLst/>
-    <dgm:txFillClrLst meth="repeat">
-      <a:schemeClr val="dk1"/>
-    </dgm:txFillClrLst>
-    <dgm:txEffectClrLst/>
-  </dgm:styleLbl>
-  <dgm:styleLbl name="solidAlignAcc1">
-    <dgm:fillClrLst meth="repeat">
-      <a:schemeClr val="lt1"/>
-    </dgm:fillClrLst>
-    <dgm:linClrLst meth="repeat">
-      <a:schemeClr val="accent1"/>
-    </dgm:linClrLst>
-    <dgm:effectClrLst/>
-    <dgm:txLinClrLst/>
-    <dgm:txFillClrLst meth="repeat">
-      <a:schemeClr val="dk1"/>
-    </dgm:txFillClrLst>
-    <dgm:txEffectClrLst/>
-  </dgm:styleLbl>
-  <dgm:styleLbl name="solidBgAcc1">
-    <dgm:fillClrLst meth="repeat">
-      <a:schemeClr val="lt1"/>
-    </dgm:fillClrLst>
-    <dgm:linClrLst meth="repeat">
-      <a:schemeClr val="accent1"/>
-    </dgm:linClrLst>
-    <dgm:effectClrLst/>
-    <dgm:txLinClrLst/>
-    <dgm:txFillClrLst meth="repeat">
-      <a:schemeClr val="dk1"/>
-    </dgm:txFillClrLst>
-    <dgm:txEffectClrLst/>
-  </dgm:styleLbl>
-  <dgm:styleLbl name="fgAccFollowNode1">
-    <dgm:fillClrLst meth="repeat">
-      <a:schemeClr val="accent1">
-        <a:alpha val="90000"/>
-        <a:tint val="40000"/>
-      </a:schemeClr>
-    </dgm:fillClrLst>
-    <dgm:linClrLst meth="repeat">
-      <a:schemeClr val="accent1">
-        <a:alpha val="90000"/>
-        <a:tint val="40000"/>
-      </a:schemeClr>
-    </dgm:linClrLst>
-    <dgm:effectClrLst/>
-    <dgm:txLinClrLst/>
-    <dgm:txFillClrLst meth="repeat">
-      <a:schemeClr val="dk1"/>
-    </dgm:txFillClrLst>
-    <dgm:txEffectClrLst/>
-  </dgm:styleLbl>
-  <dgm:styleLbl name="alignAccFollowNode1">
-    <dgm:fillClrLst meth="repeat">
-      <a:schemeClr val="accent1">
-        <a:alpha val="90000"/>
-        <a:tint val="40000"/>
-      </a:schemeClr>
-    </dgm:fillClrLst>
-    <dgm:linClrLst meth="repeat">
-      <a:schemeClr val="accent1">
-        <a:alpha val="90000"/>
-        <a:tint val="40000"/>
-      </a:schemeClr>
-    </dgm:linClrLst>
-    <dgm:effectClrLst/>
-    <dgm:txLinClrLst/>
-    <dgm:txFillClrLst meth="repeat">
-      <a:schemeClr val="dk1"/>
-    </dgm:txFillClrLst>
-    <dgm:txEffectClrLst/>
-  </dgm:styleLbl>
-  <dgm:styleLbl name="bgAccFollowNode1">
-    <dgm:fillClrLst meth="repeat">
-      <a:schemeClr val="accent1">
-        <a:alpha val="90000"/>
-        <a:tint val="40000"/>
-      </a:schemeClr>
-    </dgm:fillClrLst>
-    <dgm:linClrLst meth="repeat">
-      <a:schemeClr val="accent1">
-        <a:alpha val="90000"/>
-        <a:tint val="40000"/>
-      </a:schemeClr>
-    </dgm:linClrLst>
-    <dgm:effectClrLst/>
-    <dgm:txLinClrLst/>
-    <dgm:txFillClrLst meth="repeat">
-      <a:schemeClr val="dk1"/>
-    </dgm:txFillClrLst>
-    <dgm:txEffectClrLst/>
-  </dgm:styleLbl>
-  <dgm:styleLbl name="fgAcc0">
-    <dgm:fillClrLst meth="repeat">
-      <a:schemeClr val="lt1">
-        <a:alpha val="90000"/>
-      </a:schemeClr>
-    </dgm:fillClrLst>
-    <dgm:linClrLst meth="repeat">
-      <a:schemeClr val="accent1"/>
-    </dgm:linClrLst>
-    <dgm:effectClrLst/>
-    <dgm:txLinClrLst/>
-    <dgm:txFillClrLst meth="repeat">
-      <a:schemeClr val="dk1"/>
-    </dgm:txFillClrLst>
-    <dgm:txEffectClrLst/>
-  </dgm:styleLbl>
-  <dgm:styleLbl name="fgAcc2">
-    <dgm:fillClrLst meth="repeat">
-      <a:schemeClr val="lt1">
-        <a:alpha val="90000"/>
-      </a:schemeClr>
-    </dgm:fillClrLst>
-    <dgm:linClrLst meth="repeat">
-      <a:schemeClr val="accent1"/>
-    </dgm:linClrLst>
-    <dgm:effectClrLst/>
-    <dgm:txLinClrLst/>
-    <dgm:txFillClrLst meth="repeat">
-      <a:schemeClr val="dk1"/>
-    </dgm:txFillClrLst>
-    <dgm:txEffectClrLst/>
-  </dgm:styleLbl>
-  <dgm:styleLbl name="fgAcc3">
-    <dgm:fillClrLst meth="repeat">
-      <a:schemeClr val="lt1">
-        <a:alpha val="90000"/>
-      </a:schemeClr>
-    </dgm:fillClrLst>
-    <dgm:linClrLst meth="repeat">
-      <a:schemeClr val="accent1"/>
-    </dgm:linClrLst>
-    <dgm:effectClrLst/>
-    <dgm:txLinClrLst/>
-    <dgm:txFillClrLst meth="repeat">
-      <a:schemeClr val="dk1"/>
-    </dgm:txFillClrLst>
-    <dgm:txEffectClrLst/>
-  </dgm:styleLbl>
-  <dgm:styleLbl name="fgAcc4">
-    <dgm:fillClrLst meth="repeat">
-      <a:schemeClr val="lt1">
-        <a:alpha val="90000"/>
-      </a:schemeClr>
-    </dgm:fillClrLst>
-    <dgm:linClrLst meth="repeat">
-      <a:schemeClr val="accent1"/>
-    </dgm:linClrLst>
-    <dgm:effectClrLst/>
-    <dgm:txLinClrLst/>
-    <dgm:txFillClrLst meth="repeat">
-      <a:schemeClr val="dk1"/>
-    </dgm:txFillClrLst>
-    <dgm:txEffectClrLst/>
-  </dgm:styleLbl>
-  <dgm:styleLbl name="bgShp">
-    <dgm:fillClrLst meth="repeat">
-      <a:schemeClr val="accent1">
-        <a:tint val="40000"/>
-      </a:schemeClr>
-    </dgm:fillClrLst>
-    <dgm:linClrLst meth="repeat">
-      <a:schemeClr val="accent1"/>
-    </dgm:linClrLst>
-    <dgm:effectClrLst/>
-    <dgm:txLinClrLst/>
-    <dgm:txFillClrLst meth="repeat">
-      <a:schemeClr val="dk1"/>
-    </dgm:txFillClrLst>
-    <dgm:txEffectClrLst/>
-  </dgm:styleLbl>
-  <dgm:styleLbl name="dkBgShp">
-    <dgm:fillClrLst meth="repeat">
-      <a:schemeClr val="accent1">
-        <a:shade val="80000"/>
-      </a:schemeClr>
-    </dgm:fillClrLst>
-    <dgm:linClrLst meth="repeat">
-      <a:schemeClr val="accent1"/>
-    </dgm:linClrLst>
-    <dgm:effectClrLst/>
-    <dgm:txLinClrLst/>
-    <dgm:txFillClrLst meth="repeat">
-      <a:schemeClr val="lt1"/>
-    </dgm:txFillClrLst>
-    <dgm:txEffectClrLst/>
-  </dgm:styleLbl>
-  <dgm:styleLbl name="trBgShp">
-    <dgm:fillClrLst meth="repeat">
-      <a:schemeClr val="accent1">
-        <a:tint val="50000"/>
-        <a:alpha val="40000"/>
-      </a:schemeClr>
-    </dgm:fillClrLst>
-    <dgm:linClrLst meth="repeat">
-      <a:schemeClr val="accent1"/>
-    </dgm:linClrLst>
-    <dgm:effectClrLst/>
-    <dgm:txLinClrLst/>
-    <dgm:txFillClrLst meth="repeat">
-      <a:schemeClr val="lt1"/>
-    </dgm:txFillClrLst>
-    <dgm:txEffectClrLst/>
-  </dgm:styleLbl>
-  <dgm:styleLbl name="fgShp">
-    <dgm:fillClrLst meth="repeat">
-      <a:schemeClr val="accent1">
-        <a:tint val="60000"/>
-      </a:schemeClr>
-    </dgm:fillClrLst>
-    <dgm:linClrLst meth="repeat">
-      <a:schemeClr val="lt1"/>
-    </dgm:linClrLst>
-    <dgm:effectClrLst/>
-    <dgm:txLinClrLst/>
-    <dgm:txFillClrLst meth="repeat">
-      <a:schemeClr val="dk1"/>
-    </dgm:txFillClrLst>
-    <dgm:txEffectClrLst/>
-  </dgm:styleLbl>
-  <dgm:styleLbl name="revTx">
-    <dgm:fillClrLst meth="repeat">
-      <a:schemeClr val="lt1">
-        <a:alpha val="0"/>
-      </a:schemeClr>
-    </dgm:fillClrLst>
-    <dgm:linClrLst meth="repeat">
-      <a:schemeClr val="dk1">
-        <a:alpha val="0"/>
-      </a:schemeClr>
-    </dgm:linClrLst>
-    <dgm:effectClrLst/>
-    <dgm:txLinClrLst/>
-    <dgm:txFillClrLst meth="repeat">
-      <a:schemeClr val="tx1"/>
-    </dgm:txFillClrLst>
-    <dgm:txEffectClrLst/>
-  </dgm:styleLbl>
-</dgm:colorsDef>
-</file>
-
-<file path=ppt/diagrams/colors5.xml><?xml version="1.0" encoding="utf-8"?>
 <dgm:colorsDef xmlns:dgm="http://schemas.openxmlformats.org/drawingml/2006/diagram" xmlns:a="http://schemas.openxmlformats.org/drawingml/2006/main" uniqueId="urn:microsoft.com/office/officeart/2005/8/colors/colorful2">
   <dgm:title val=""/>
   <dgm:desc val=""/>
@@ -5939,8 +5307,8 @@
 <file path=ppt/diagrams/data3.xml><?xml version="1.0" encoding="utf-8"?>
 <dgm:dataModel xmlns:dgm="http://schemas.openxmlformats.org/drawingml/2006/diagram" xmlns:a="http://schemas.openxmlformats.org/drawingml/2006/main">
   <dgm:ptLst>
-    <dgm:pt modelId="{C3C74A77-6DFF-4257-8434-6316BD7B3F81}" type="doc">
-      <dgm:prSet loTypeId="urn:microsoft.com/office/officeart/2005/8/layout/process3" loCatId="process" qsTypeId="urn:microsoft.com/office/officeart/2005/8/quickstyle/simple1" qsCatId="simple" csTypeId="urn:microsoft.com/office/officeart/2005/8/colors/accent1_2" csCatId="accent1" phldr="1"/>
+    <dgm:pt modelId="{5003591D-7824-49FA-AB1A-DB1DF7BB1445}" type="doc">
+      <dgm:prSet loTypeId="urn:microsoft.com/office/officeart/2005/8/layout/lProcess1" loCatId="process" qsTypeId="urn:microsoft.com/office/officeart/2005/8/quickstyle/simple1" qsCatId="simple" csTypeId="urn:microsoft.com/office/officeart/2005/8/colors/accent1_2" csCatId="accent1" phldr="1"/>
       <dgm:spPr/>
       <dgm:t>
         <a:bodyPr/>
@@ -5950,21 +5318,59 @@
         </a:p>
       </dgm:t>
     </dgm:pt>
-    <dgm:pt modelId="{CCCBD8EF-28F4-45A4-BBC9-09FB670730B5}">
-      <dgm:prSet phldrT="[Text]"/>
+    <dgm:pt modelId="{4653E31D-FA8C-43B6-A673-490B9AFE419B}">
+      <dgm:prSet phldr="0"/>
       <dgm:spPr/>
       <dgm:t>
         <a:bodyPr/>
         <a:lstStyle/>
         <a:p>
+          <a:pPr algn="l" rtl="0"/>
           <a:r>
-            <a:rPr lang="en-US"/>
+            <a:rPr lang="en-US">
+              <a:solidFill>
+                <a:schemeClr val="bg1"/>
+              </a:solidFill>
+              <a:latin typeface="Calibri"/>
+              <a:ea typeface="Calibri"/>
+              <a:cs typeface="Calibri"/>
+            </a:rPr>
             <a:t>UW-Madison</a:t>
           </a:r>
         </a:p>
       </dgm:t>
     </dgm:pt>
-    <dgm:pt modelId="{98698F5C-2451-4F6F-9115-1F8AF27095E1}" type="parTrans" cxnId="{E577D3FB-21A8-4E67-A790-EF0F04D873C8}">
+    <dgm:pt modelId="{94FB4936-F6FA-4C76-A4A9-695C182D9069}" type="parTrans" cxnId="{53ED905E-F5A0-450B-B87B-314C7905AA27}">
+      <dgm:prSet/>
+      <dgm:spPr/>
+    </dgm:pt>
+    <dgm:pt modelId="{27ACBDC3-0332-4B1D-B1DE-1F33C2D2720E}" type="sibTrans" cxnId="{53ED905E-F5A0-450B-B87B-314C7905AA27}">
+      <dgm:prSet/>
+      <dgm:spPr/>
+    </dgm:pt>
+    <dgm:pt modelId="{2D18A0F3-5A46-45FC-8A01-00915F1D8A20}">
+      <dgm:prSet phldr="0"/>
+      <dgm:spPr/>
+      <dgm:t>
+        <a:bodyPr/>
+        <a:lstStyle/>
+        <a:p>
+          <a:pPr algn="l"/>
+          <a:r>
+            <a:rPr lang="en-US">
+              <a:solidFill>
+                <a:srgbClr val="444444"/>
+              </a:solidFill>
+              <a:latin typeface="Calibri"/>
+              <a:ea typeface="Calibri"/>
+              <a:cs typeface="Calibri"/>
+            </a:rPr>
+            <a:t>50k enrolled</a:t>
+          </a:r>
+        </a:p>
+      </dgm:t>
+    </dgm:pt>
+    <dgm:pt modelId="{DECB7EA4-3EA2-4481-AB98-F8BA7EF2124A}" type="parTrans" cxnId="{CA7F3F79-54F1-4EB3-8F92-7DF9CFE56A17}">
       <dgm:prSet/>
       <dgm:spPr/>
       <dgm:t>
@@ -5975,7 +5381,33 @@
         </a:p>
       </dgm:t>
     </dgm:pt>
-    <dgm:pt modelId="{6F2BDBE5-E435-4530-9B9B-E0FEFAFA152B}" type="sibTrans" cxnId="{E577D3FB-21A8-4E67-A790-EF0F04D873C8}">
+    <dgm:pt modelId="{09D7D3A7-6AD5-478A-9581-5EB34BE0D7F1}" type="sibTrans" cxnId="{CA7F3F79-54F1-4EB3-8F92-7DF9CFE56A17}">
+      <dgm:prSet/>
+      <dgm:spPr/>
+    </dgm:pt>
+    <dgm:pt modelId="{1F28CACD-599C-4389-BD52-4AA352D3AE57}">
+      <dgm:prSet phldr="0"/>
+      <dgm:spPr/>
+      <dgm:t>
+        <a:bodyPr/>
+        <a:lstStyle/>
+        <a:p>
+          <a:pPr algn="l"/>
+          <a:r>
+            <a:rPr lang="en-US">
+              <a:solidFill>
+                <a:srgbClr val="444444"/>
+              </a:solidFill>
+              <a:latin typeface="Calibri"/>
+              <a:ea typeface="Calibri"/>
+              <a:cs typeface="Calibri"/>
+            </a:rPr>
+            <a:t>$1.5mn annually</a:t>
+          </a:r>
+        </a:p>
+      </dgm:t>
+    </dgm:pt>
+    <dgm:pt modelId="{C8637C77-F2FD-4026-8D92-3539CDC5C2BE}" type="parTrans" cxnId="{0F9561DB-92B4-4076-AB42-77A622DC2313}">
       <dgm:prSet/>
       <dgm:spPr/>
       <dgm:t>
@@ -5986,21 +5418,33 @@
         </a:p>
       </dgm:t>
     </dgm:pt>
-    <dgm:pt modelId="{7750EDCF-9F11-4D43-A498-24671CA0A018}">
+    <dgm:pt modelId="{926BC290-8B4B-4115-955D-DE9126A949D5}" type="sibTrans" cxnId="{0F9561DB-92B4-4076-AB42-77A622DC2313}">
       <dgm:prSet/>
+      <dgm:spPr/>
+    </dgm:pt>
+    <dgm:pt modelId="{AD551745-8DD6-46AB-B387-D7BAFB11956A}">
+      <dgm:prSet phldr="0"/>
       <dgm:spPr/>
       <dgm:t>
         <a:bodyPr/>
         <a:lstStyle/>
         <a:p>
+          <a:pPr algn="l"/>
           <a:r>
-            <a:rPr lang="en-US"/>
-            <a:t>50k enrolled</a:t>
+            <a:rPr lang="en-US">
+              <a:solidFill>
+                <a:schemeClr val="bg1"/>
+              </a:solidFill>
+              <a:latin typeface="Calibri"/>
+              <a:ea typeface="Calibri"/>
+              <a:cs typeface="Calibri"/>
+            </a:rPr>
+            <a:t>Big Ten Universities</a:t>
           </a:r>
         </a:p>
       </dgm:t>
     </dgm:pt>
-    <dgm:pt modelId="{CB249B9C-91A2-402B-A51A-2C9EF427E99A}" type="parTrans" cxnId="{35879435-D05B-4A6F-81A2-C20F30328F92}">
+    <dgm:pt modelId="{0178E1DD-8483-40C0-B150-6B6E713C5F20}" type="parTrans" cxnId="{1B20139D-82F2-4FEA-9263-939A3B3994CE}">
       <dgm:prSet/>
       <dgm:spPr/>
       <dgm:t>
@@ -6011,7 +5455,33 @@
         </a:p>
       </dgm:t>
     </dgm:pt>
-    <dgm:pt modelId="{70A67DB3-01A3-4B8C-94D8-2BF823D7A282}" type="sibTrans" cxnId="{35879435-D05B-4A6F-81A2-C20F30328F92}">
+    <dgm:pt modelId="{F1E3E09C-1D2E-4970-9924-7AF1AA9793CD}" type="sibTrans" cxnId="{1B20139D-82F2-4FEA-9263-939A3B3994CE}">
+      <dgm:prSet/>
+      <dgm:spPr/>
+    </dgm:pt>
+    <dgm:pt modelId="{C29A2733-D5FF-44DB-B198-032D899BC34C}">
+      <dgm:prSet phldr="0"/>
+      <dgm:spPr/>
+      <dgm:t>
+        <a:bodyPr/>
+        <a:lstStyle/>
+        <a:p>
+          <a:pPr algn="l"/>
+          <a:r>
+            <a:rPr lang="en-US">
+              <a:solidFill>
+                <a:srgbClr val="444444"/>
+              </a:solidFill>
+              <a:latin typeface="Calibri"/>
+              <a:ea typeface="Calibri"/>
+              <a:cs typeface="Calibri"/>
+            </a:rPr>
+            <a:t>700k enrolled</a:t>
+          </a:r>
+        </a:p>
+      </dgm:t>
+    </dgm:pt>
+    <dgm:pt modelId="{1F66E0E9-44DD-4893-9FA8-C0353EEAFFC9}" type="parTrans" cxnId="{DA6AEABF-CDC0-475B-8E69-55FA7F66EADA}">
       <dgm:prSet/>
       <dgm:spPr/>
       <dgm:t>
@@ -6022,21 +5492,33 @@
         </a:p>
       </dgm:t>
     </dgm:pt>
-    <dgm:pt modelId="{81C0783F-D3B6-4847-AEBE-6C6B3DAC1685}">
+    <dgm:pt modelId="{92564EFC-40F7-42E0-8E0C-D14A4BDB1DAD}" type="sibTrans" cxnId="{DA6AEABF-CDC0-475B-8E69-55FA7F66EADA}">
       <dgm:prSet/>
+      <dgm:spPr/>
+    </dgm:pt>
+    <dgm:pt modelId="{9701E4BC-E6ED-4280-97E7-300747DC9021}">
+      <dgm:prSet phldr="0"/>
       <dgm:spPr/>
       <dgm:t>
         <a:bodyPr/>
         <a:lstStyle/>
         <a:p>
+          <a:pPr algn="l"/>
           <a:r>
-            <a:rPr lang="en-US"/>
-            <a:t>UW System</a:t>
+            <a:rPr lang="en-US">
+              <a:solidFill>
+                <a:srgbClr val="444444"/>
+              </a:solidFill>
+              <a:latin typeface="Calibri"/>
+              <a:ea typeface="Calibri"/>
+              <a:cs typeface="Calibri"/>
+            </a:rPr>
+            <a:t>$21mn annually</a:t>
           </a:r>
         </a:p>
       </dgm:t>
     </dgm:pt>
-    <dgm:pt modelId="{1543C778-F211-4EF4-8CB5-712996BCEA2E}" type="parTrans" cxnId="{94982DC0-5A37-4048-967D-236CC51ED91A}">
+    <dgm:pt modelId="{23365B06-B0A6-4EB6-BF78-6E2DB91F4021}" type="parTrans" cxnId="{9A00EF7E-CC03-43D0-BAE5-4750AA909565}">
       <dgm:prSet/>
       <dgm:spPr/>
       <dgm:t>
@@ -6047,7 +5529,33 @@
         </a:p>
       </dgm:t>
     </dgm:pt>
-    <dgm:pt modelId="{4501B310-4F41-4DF1-915A-3ACABEC00B3E}" type="sibTrans" cxnId="{94982DC0-5A37-4048-967D-236CC51ED91A}">
+    <dgm:pt modelId="{4B6C8003-7653-4E1A-9B3D-4FC0648FB142}" type="sibTrans" cxnId="{9A00EF7E-CC03-43D0-BAE5-4750AA909565}">
+      <dgm:prSet/>
+      <dgm:spPr/>
+    </dgm:pt>
+    <dgm:pt modelId="{F4EEA412-8281-4625-999A-670E31A7B36D}">
+      <dgm:prSet phldr="0"/>
+      <dgm:spPr/>
+      <dgm:t>
+        <a:bodyPr/>
+        <a:lstStyle/>
+        <a:p>
+          <a:pPr algn="l"/>
+          <a:r>
+            <a:rPr lang="en-US">
+              <a:solidFill>
+                <a:schemeClr val="bg1"/>
+              </a:solidFill>
+              <a:latin typeface="Calibri"/>
+              <a:ea typeface="Calibri"/>
+              <a:cs typeface="Calibri"/>
+            </a:rPr>
+            <a:t>All Undergraduate Students in the US</a:t>
+          </a:r>
+        </a:p>
+      </dgm:t>
+    </dgm:pt>
+    <dgm:pt modelId="{34F7610A-B374-465D-8F31-5FB0678EC6F3}" type="parTrans" cxnId="{AAC1ABB5-D21F-4CB5-B598-D5D9D68DACF2}">
       <dgm:prSet/>
       <dgm:spPr/>
       <dgm:t>
@@ -6058,21 +5566,33 @@
         </a:p>
       </dgm:t>
     </dgm:pt>
-    <dgm:pt modelId="{A32C7170-053C-41A8-BBBA-ADF5CEA05BC8}">
+    <dgm:pt modelId="{82C9539B-559B-4A0F-B4D3-F3F297F0C989}" type="sibTrans" cxnId="{AAC1ABB5-D21F-4CB5-B598-D5D9D68DACF2}">
       <dgm:prSet/>
+      <dgm:spPr/>
+    </dgm:pt>
+    <dgm:pt modelId="{2341120A-CD9A-4C81-9AE4-55464B19F910}">
+      <dgm:prSet phldr="0"/>
       <dgm:spPr/>
       <dgm:t>
         <a:bodyPr/>
         <a:lstStyle/>
         <a:p>
+          <a:pPr algn="l"/>
           <a:r>
-            <a:rPr lang="en-US"/>
-            <a:t>170k enrolled</a:t>
+            <a:rPr lang="en-US">
+              <a:solidFill>
+                <a:srgbClr val="444444"/>
+              </a:solidFill>
+              <a:latin typeface="Calibri"/>
+              <a:ea typeface="Calibri"/>
+              <a:cs typeface="Calibri"/>
+            </a:rPr>
+            <a:t>20mn enrolled</a:t>
           </a:r>
         </a:p>
       </dgm:t>
     </dgm:pt>
-    <dgm:pt modelId="{32DC954B-8775-4D59-9F23-DD8CA9570037}" type="parTrans" cxnId="{B4440DBA-6BE4-4ACF-875F-ED1720FF6C4A}">
+    <dgm:pt modelId="{25624A35-31FB-439F-AADA-D5A4895203F9}" type="parTrans" cxnId="{BEA7A0CF-6109-48CB-B258-25CA285C1E03}">
       <dgm:prSet/>
       <dgm:spPr/>
       <dgm:t>
@@ -6083,7 +5603,37 @@
         </a:p>
       </dgm:t>
     </dgm:pt>
-    <dgm:pt modelId="{02CACAA2-342D-426E-A310-B3194D22001A}" type="sibTrans" cxnId="{B4440DBA-6BE4-4ACF-875F-ED1720FF6C4A}">
+    <dgm:pt modelId="{EF3ABB38-57ED-46FB-A2E4-4BA0956361A9}" type="sibTrans" cxnId="{BEA7A0CF-6109-48CB-B258-25CA285C1E03}">
+      <dgm:prSet/>
+      <dgm:spPr/>
+    </dgm:pt>
+    <dgm:pt modelId="{74E34869-4486-4C6E-BEC2-D4D500FF82D3}">
+      <dgm:prSet phldr="0"/>
+      <dgm:spPr/>
+      <dgm:t>
+        <a:bodyPr/>
+        <a:lstStyle/>
+        <a:p>
+          <a:pPr algn="l">
+            <a:lnSpc>
+              <a:spcPct val="100000"/>
+            </a:lnSpc>
+          </a:pPr>
+          <a:r>
+            <a:rPr lang="en-US">
+              <a:solidFill>
+                <a:srgbClr val="444444"/>
+              </a:solidFill>
+              <a:latin typeface="Calibri"/>
+              <a:ea typeface="Calibri"/>
+              <a:cs typeface="Calibri"/>
+            </a:rPr>
+            <a:t>$600mn annually</a:t>
+          </a:r>
+        </a:p>
+      </dgm:t>
+    </dgm:pt>
+    <dgm:pt modelId="{85F14395-7E2B-4021-8938-38AF45A32FFB}" type="parTrans" cxnId="{C1B976F8-F585-4934-B79D-F96A97224818}">
       <dgm:prSet/>
       <dgm:spPr/>
       <dgm:t>
@@ -6094,80 +5644,12 @@
         </a:p>
       </dgm:t>
     </dgm:pt>
-    <dgm:pt modelId="{3991D0EC-1197-479E-A510-6127BD9EC966}">
+    <dgm:pt modelId="{1E7D8168-90DF-428E-B3F3-70A035DCCFB5}" type="sibTrans" cxnId="{C1B976F8-F585-4934-B79D-F96A97224818}">
       <dgm:prSet/>
       <dgm:spPr/>
-      <dgm:t>
-        <a:bodyPr/>
-        <a:lstStyle/>
-        <a:p>
-          <a:r>
-            <a:rPr lang="en-US"/>
-            <a:t>All Undergraduate Students</a:t>
-          </a:r>
-        </a:p>
-      </dgm:t>
     </dgm:pt>
-    <dgm:pt modelId="{572027D9-B535-45B6-A18C-C57718E5E3F7}" type="parTrans" cxnId="{FE8F4032-B2C0-4A82-9C82-D4BD96247B87}">
-      <dgm:prSet/>
-      <dgm:spPr/>
-      <dgm:t>
-        <a:bodyPr/>
-        <a:lstStyle/>
-        <a:p>
-          <a:endParaRPr lang="en-US"/>
-        </a:p>
-      </dgm:t>
-    </dgm:pt>
-    <dgm:pt modelId="{0B6FAB0A-FCD7-4034-86D0-0F8939779182}" type="sibTrans" cxnId="{FE8F4032-B2C0-4A82-9C82-D4BD96247B87}">
-      <dgm:prSet/>
-      <dgm:spPr/>
-      <dgm:t>
-        <a:bodyPr/>
-        <a:lstStyle/>
-        <a:p>
-          <a:endParaRPr lang="en-US"/>
-        </a:p>
-      </dgm:t>
-    </dgm:pt>
-    <dgm:pt modelId="{DD994051-6DA3-4E1B-BF16-48FC4133A8D7}">
-      <dgm:prSet/>
-      <dgm:spPr/>
-      <dgm:t>
-        <a:bodyPr/>
-        <a:lstStyle/>
-        <a:p>
-          <a:r>
-            <a:rPr lang="en-US"/>
-            <a:t>20mn enrolled</a:t>
-          </a:r>
-        </a:p>
-      </dgm:t>
-    </dgm:pt>
-    <dgm:pt modelId="{21130147-127C-4A87-BC70-290C5E2856A8}" type="parTrans" cxnId="{E909347B-AC4D-48E6-8DCB-5452C46F770B}">
-      <dgm:prSet/>
-      <dgm:spPr/>
-      <dgm:t>
-        <a:bodyPr/>
-        <a:lstStyle/>
-        <a:p>
-          <a:endParaRPr lang="en-US"/>
-        </a:p>
-      </dgm:t>
-    </dgm:pt>
-    <dgm:pt modelId="{496211EB-245B-4BEF-AF34-DEF6E91486D0}" type="sibTrans" cxnId="{E909347B-AC4D-48E6-8DCB-5452C46F770B}">
-      <dgm:prSet/>
-      <dgm:spPr/>
-      <dgm:t>
-        <a:bodyPr/>
-        <a:lstStyle/>
-        <a:p>
-          <a:endParaRPr lang="en-US"/>
-        </a:p>
-      </dgm:t>
-    </dgm:pt>
-    <dgm:pt modelId="{4290803C-E701-44D7-BBF3-BCB6E4201480}" type="pres">
-      <dgm:prSet presAssocID="{C3C74A77-6DFF-4257-8434-6316BD7B3F81}" presName="linearFlow" presStyleCnt="0">
+    <dgm:pt modelId="{36A17083-4B46-4D3E-ACF0-A050EF6A36A3}" type="pres">
+      <dgm:prSet presAssocID="{5003591D-7824-49FA-AB1A-DB1DF7BB1445}" presName="Name0" presStyleCnt="0">
         <dgm:presLayoutVars>
           <dgm:dir/>
           <dgm:animLvl val="lvl"/>
@@ -6176,95 +5658,111 @@
       </dgm:prSet>
       <dgm:spPr/>
     </dgm:pt>
-    <dgm:pt modelId="{7A7A4978-1624-447E-B288-9BC2F0502504}" type="pres">
-      <dgm:prSet presAssocID="{CCCBD8EF-28F4-45A4-BBC9-09FB670730B5}" presName="composite" presStyleCnt="0"/>
+    <dgm:pt modelId="{031D3137-9BF7-4A9F-8D81-72C6FD321F43}" type="pres">
+      <dgm:prSet presAssocID="{4653E31D-FA8C-43B6-A673-490B9AFE419B}" presName="vertFlow" presStyleCnt="0"/>
       <dgm:spPr/>
     </dgm:pt>
-    <dgm:pt modelId="{70FD09FE-D402-4E61-8FD9-788DE7C61F77}" type="pres">
-      <dgm:prSet presAssocID="{CCCBD8EF-28F4-45A4-BBC9-09FB670730B5}" presName="parTx" presStyleLbl="node1" presStyleIdx="0" presStyleCnt="3">
+    <dgm:pt modelId="{50106545-4F7A-46A9-8062-3C20E2B0769A}" type="pres">
+      <dgm:prSet presAssocID="{4653E31D-FA8C-43B6-A673-490B9AFE419B}" presName="header" presStyleLbl="node1" presStyleIdx="0" presStyleCnt="3"/>
+      <dgm:spPr/>
+    </dgm:pt>
+    <dgm:pt modelId="{7769BC33-B67F-400C-94A1-E42F82513DBD}" type="pres">
+      <dgm:prSet presAssocID="{DECB7EA4-3EA2-4481-AB98-F8BA7EF2124A}" presName="parTrans" presStyleLbl="sibTrans2D1" presStyleIdx="0" presStyleCnt="6"/>
+      <dgm:spPr/>
+    </dgm:pt>
+    <dgm:pt modelId="{A9AAE3E0-499A-4515-A4A0-24053F11AF2D}" type="pres">
+      <dgm:prSet presAssocID="{2D18A0F3-5A46-45FC-8A01-00915F1D8A20}" presName="child" presStyleLbl="alignAccFollowNode1" presStyleIdx="0" presStyleCnt="6">
         <dgm:presLayoutVars>
           <dgm:chMax val="0"/>
-          <dgm:chPref val="0"/>
           <dgm:bulletEnabled val="1"/>
         </dgm:presLayoutVars>
       </dgm:prSet>
       <dgm:spPr/>
     </dgm:pt>
-    <dgm:pt modelId="{D068BB2F-7B18-429D-B459-8ADCAA5872B8}" type="pres">
-      <dgm:prSet presAssocID="{CCCBD8EF-28F4-45A4-BBC9-09FB670730B5}" presName="parSh" presStyleLbl="node1" presStyleIdx="0" presStyleCnt="3"/>
+    <dgm:pt modelId="{2D0617B0-33A6-416B-AF61-84275C3260B7}" type="pres">
+      <dgm:prSet presAssocID="{09D7D3A7-6AD5-478A-9581-5EB34BE0D7F1}" presName="sibTrans" presStyleLbl="sibTrans2D1" presStyleIdx="1" presStyleCnt="6"/>
       <dgm:spPr/>
     </dgm:pt>
-    <dgm:pt modelId="{EABDABDB-E2B9-455D-A55D-0AB33D2C7C0E}" type="pres">
-      <dgm:prSet presAssocID="{CCCBD8EF-28F4-45A4-BBC9-09FB670730B5}" presName="desTx" presStyleLbl="fgAcc1" presStyleIdx="0" presStyleCnt="3">
+    <dgm:pt modelId="{8984EE5E-F248-4EBD-81F6-A4D0774F6346}" type="pres">
+      <dgm:prSet presAssocID="{1F28CACD-599C-4389-BD52-4AA352D3AE57}" presName="child" presStyleLbl="alignAccFollowNode1" presStyleIdx="1" presStyleCnt="6">
         <dgm:presLayoutVars>
+          <dgm:chMax val="0"/>
           <dgm:bulletEnabled val="1"/>
         </dgm:presLayoutVars>
       </dgm:prSet>
       <dgm:spPr/>
     </dgm:pt>
-    <dgm:pt modelId="{C22268A6-6A83-469E-9492-3E11AB4972CB}" type="pres">
-      <dgm:prSet presAssocID="{6F2BDBE5-E435-4530-9B9B-E0FEFAFA152B}" presName="sibTrans" presStyleLbl="sibTrans2D1" presStyleIdx="0" presStyleCnt="2"/>
+    <dgm:pt modelId="{FB89393E-39B7-4E3A-BE89-79245B6E465F}" type="pres">
+      <dgm:prSet presAssocID="{4653E31D-FA8C-43B6-A673-490B9AFE419B}" presName="hSp" presStyleCnt="0"/>
       <dgm:spPr/>
     </dgm:pt>
-    <dgm:pt modelId="{516D7816-D220-462F-9062-A660B186BED0}" type="pres">
-      <dgm:prSet presAssocID="{6F2BDBE5-E435-4530-9B9B-E0FEFAFA152B}" presName="connTx" presStyleLbl="sibTrans2D1" presStyleIdx="0" presStyleCnt="2"/>
+    <dgm:pt modelId="{43400570-9179-4E39-836B-8A65C02D7864}" type="pres">
+      <dgm:prSet presAssocID="{AD551745-8DD6-46AB-B387-D7BAFB11956A}" presName="vertFlow" presStyleCnt="0"/>
       <dgm:spPr/>
     </dgm:pt>
-    <dgm:pt modelId="{7BE4FA83-6E42-40C5-AE65-0618D30E3075}" type="pres">
-      <dgm:prSet presAssocID="{81C0783F-D3B6-4847-AEBE-6C6B3DAC1685}" presName="composite" presStyleCnt="0"/>
+    <dgm:pt modelId="{C12CB8BB-691C-4682-B54C-F6821DB8F693}" type="pres">
+      <dgm:prSet presAssocID="{AD551745-8DD6-46AB-B387-D7BAFB11956A}" presName="header" presStyleLbl="node1" presStyleIdx="1" presStyleCnt="3"/>
       <dgm:spPr/>
     </dgm:pt>
-    <dgm:pt modelId="{2D716DE9-5640-4634-9A31-1EB90916FEF6}" type="pres">
-      <dgm:prSet presAssocID="{81C0783F-D3B6-4847-AEBE-6C6B3DAC1685}" presName="parTx" presStyleLbl="node1" presStyleIdx="0" presStyleCnt="3">
+    <dgm:pt modelId="{AC98CA10-6723-426A-B3D5-3758948D1A8D}" type="pres">
+      <dgm:prSet presAssocID="{1F66E0E9-44DD-4893-9FA8-C0353EEAFFC9}" presName="parTrans" presStyleLbl="sibTrans2D1" presStyleIdx="2" presStyleCnt="6"/>
+      <dgm:spPr/>
+    </dgm:pt>
+    <dgm:pt modelId="{B159D428-BDD8-4044-AE3D-27FB4AACECEE}" type="pres">
+      <dgm:prSet presAssocID="{C29A2733-D5FF-44DB-B198-032D899BC34C}" presName="child" presStyleLbl="alignAccFollowNode1" presStyleIdx="2" presStyleCnt="6">
         <dgm:presLayoutVars>
           <dgm:chMax val="0"/>
-          <dgm:chPref val="0"/>
           <dgm:bulletEnabled val="1"/>
         </dgm:presLayoutVars>
       </dgm:prSet>
       <dgm:spPr/>
     </dgm:pt>
-    <dgm:pt modelId="{9DA9F3A5-F3B4-4D21-B141-B14F304EF7F3}" type="pres">
-      <dgm:prSet presAssocID="{81C0783F-D3B6-4847-AEBE-6C6B3DAC1685}" presName="parSh" presStyleLbl="node1" presStyleIdx="1" presStyleCnt="3"/>
+    <dgm:pt modelId="{5A325556-C2F3-43AD-B11A-C1CA969AA86B}" type="pres">
+      <dgm:prSet presAssocID="{92564EFC-40F7-42E0-8E0C-D14A4BDB1DAD}" presName="sibTrans" presStyleLbl="sibTrans2D1" presStyleIdx="3" presStyleCnt="6"/>
       <dgm:spPr/>
     </dgm:pt>
-    <dgm:pt modelId="{F238D365-CF0A-4070-A06C-07E4E1CFFAAC}" type="pres">
-      <dgm:prSet presAssocID="{81C0783F-D3B6-4847-AEBE-6C6B3DAC1685}" presName="desTx" presStyleLbl="fgAcc1" presStyleIdx="1" presStyleCnt="3">
+    <dgm:pt modelId="{B704931D-B478-442A-99E3-DE194FE627DE}" type="pres">
+      <dgm:prSet presAssocID="{9701E4BC-E6ED-4280-97E7-300747DC9021}" presName="child" presStyleLbl="alignAccFollowNode1" presStyleIdx="3" presStyleCnt="6">
         <dgm:presLayoutVars>
+          <dgm:chMax val="0"/>
           <dgm:bulletEnabled val="1"/>
         </dgm:presLayoutVars>
       </dgm:prSet>
       <dgm:spPr/>
     </dgm:pt>
-    <dgm:pt modelId="{9C7138BC-EC22-43AC-9B67-6BA903C39562}" type="pres">
-      <dgm:prSet presAssocID="{4501B310-4F41-4DF1-915A-3ACABEC00B3E}" presName="sibTrans" presStyleLbl="sibTrans2D1" presStyleIdx="1" presStyleCnt="2"/>
+    <dgm:pt modelId="{6DD57A5C-BF98-46CB-B0ED-C6EA63F408D5}" type="pres">
+      <dgm:prSet presAssocID="{AD551745-8DD6-46AB-B387-D7BAFB11956A}" presName="hSp" presStyleCnt="0"/>
       <dgm:spPr/>
     </dgm:pt>
-    <dgm:pt modelId="{02E8EEB5-758F-4FA7-8244-EB314A609B33}" type="pres">
-      <dgm:prSet presAssocID="{4501B310-4F41-4DF1-915A-3ACABEC00B3E}" presName="connTx" presStyleLbl="sibTrans2D1" presStyleIdx="1" presStyleCnt="2"/>
+    <dgm:pt modelId="{0F77AB87-2A1C-4DA2-8815-8F415A49FDE7}" type="pres">
+      <dgm:prSet presAssocID="{F4EEA412-8281-4625-999A-670E31A7B36D}" presName="vertFlow" presStyleCnt="0"/>
       <dgm:spPr/>
     </dgm:pt>
-    <dgm:pt modelId="{7C9ABEC5-22B2-4906-8C69-48F050B2B3C3}" type="pres">
-      <dgm:prSet presAssocID="{3991D0EC-1197-479E-A510-6127BD9EC966}" presName="composite" presStyleCnt="0"/>
+    <dgm:pt modelId="{5C5DB47F-C926-4508-97DA-F4631A08AF60}" type="pres">
+      <dgm:prSet presAssocID="{F4EEA412-8281-4625-999A-670E31A7B36D}" presName="header" presStyleLbl="node1" presStyleIdx="2" presStyleCnt="3"/>
       <dgm:spPr/>
     </dgm:pt>
-    <dgm:pt modelId="{8F8D1EB8-4292-4805-8BB5-6F4F8EBA4217}" type="pres">
-      <dgm:prSet presAssocID="{3991D0EC-1197-479E-A510-6127BD9EC966}" presName="parTx" presStyleLbl="node1" presStyleIdx="1" presStyleCnt="3">
+    <dgm:pt modelId="{663262F1-ED40-4945-A39A-268A897714D4}" type="pres">
+      <dgm:prSet presAssocID="{25624A35-31FB-439F-AADA-D5A4895203F9}" presName="parTrans" presStyleLbl="sibTrans2D1" presStyleIdx="4" presStyleCnt="6"/>
+      <dgm:spPr/>
+    </dgm:pt>
+    <dgm:pt modelId="{120B8FA5-3F9B-4810-9AA6-C2D040FA98FA}" type="pres">
+      <dgm:prSet presAssocID="{2341120A-CD9A-4C81-9AE4-55464B19F910}" presName="child" presStyleLbl="alignAccFollowNode1" presStyleIdx="4" presStyleCnt="6">
         <dgm:presLayoutVars>
           <dgm:chMax val="0"/>
-          <dgm:chPref val="0"/>
           <dgm:bulletEnabled val="1"/>
         </dgm:presLayoutVars>
       </dgm:prSet>
       <dgm:spPr/>
     </dgm:pt>
-    <dgm:pt modelId="{569C74B8-6FD4-4E9E-9CD5-159289741E27}" type="pres">
-      <dgm:prSet presAssocID="{3991D0EC-1197-479E-A510-6127BD9EC966}" presName="parSh" presStyleLbl="node1" presStyleIdx="2" presStyleCnt="3"/>
+    <dgm:pt modelId="{5945C767-AF03-42CB-86ED-7392A416D64B}" type="pres">
+      <dgm:prSet presAssocID="{EF3ABB38-57ED-46FB-A2E4-4BA0956361A9}" presName="sibTrans" presStyleLbl="sibTrans2D1" presStyleIdx="5" presStyleCnt="6"/>
       <dgm:spPr/>
     </dgm:pt>
-    <dgm:pt modelId="{E59B6520-33C5-4610-9D99-824921D87FD8}" type="pres">
-      <dgm:prSet presAssocID="{3991D0EC-1197-479E-A510-6127BD9EC966}" presName="desTx" presStyleLbl="fgAcc1" presStyleIdx="2" presStyleCnt="3">
+    <dgm:pt modelId="{A6DE5E88-AECF-4959-8A5B-027ED9A68463}" type="pres">
+      <dgm:prSet presAssocID="{74E34869-4486-4C6E-BEC2-D4D500FF82D3}" presName="child" presStyleLbl="alignAccFollowNode1" presStyleIdx="5" presStyleCnt="6">
         <dgm:presLayoutVars>
+          <dgm:chMax val="0"/>
           <dgm:bulletEnabled val="1"/>
         </dgm:presLayoutVars>
       </dgm:prSet>
@@ -6272,42 +5770,51 @@
     </dgm:pt>
   </dgm:ptLst>
   <dgm:cxnLst>
-    <dgm:cxn modelId="{62717700-30A3-4213-BA8D-BD5FDFC257B4}" type="presOf" srcId="{4501B310-4F41-4DF1-915A-3ACABEC00B3E}" destId="{02E8EEB5-758F-4FA7-8244-EB314A609B33}" srcOrd="1" destOrd="0" presId="urn:microsoft.com/office/officeart/2005/8/layout/process3"/>
-    <dgm:cxn modelId="{B9A7E915-08EF-4C80-86E8-0D05051707BA}" type="presOf" srcId="{7750EDCF-9F11-4D43-A498-24671CA0A018}" destId="{EABDABDB-E2B9-455D-A55D-0AB33D2C7C0E}" srcOrd="0" destOrd="0" presId="urn:microsoft.com/office/officeart/2005/8/layout/process3"/>
-    <dgm:cxn modelId="{2BF8C71C-A7D7-4AA3-9D13-5034315CE3D8}" type="presOf" srcId="{3991D0EC-1197-479E-A510-6127BD9EC966}" destId="{8F8D1EB8-4292-4805-8BB5-6F4F8EBA4217}" srcOrd="0" destOrd="0" presId="urn:microsoft.com/office/officeart/2005/8/layout/process3"/>
-    <dgm:cxn modelId="{FE8F4032-B2C0-4A82-9C82-D4BD96247B87}" srcId="{C3C74A77-6DFF-4257-8434-6316BD7B3F81}" destId="{3991D0EC-1197-479E-A510-6127BD9EC966}" srcOrd="2" destOrd="0" parTransId="{572027D9-B535-45B6-A18C-C57718E5E3F7}" sibTransId="{0B6FAB0A-FCD7-4034-86D0-0F8939779182}"/>
-    <dgm:cxn modelId="{35879435-D05B-4A6F-81A2-C20F30328F92}" srcId="{CCCBD8EF-28F4-45A4-BBC9-09FB670730B5}" destId="{7750EDCF-9F11-4D43-A498-24671CA0A018}" srcOrd="0" destOrd="0" parTransId="{CB249B9C-91A2-402B-A51A-2C9EF427E99A}" sibTransId="{70A67DB3-01A3-4B8C-94D8-2BF823D7A282}"/>
-    <dgm:cxn modelId="{401F3137-55A3-4C2C-8627-B9E92DA609C2}" type="presOf" srcId="{6F2BDBE5-E435-4530-9B9B-E0FEFAFA152B}" destId="{516D7816-D220-462F-9062-A660B186BED0}" srcOrd="1" destOrd="0" presId="urn:microsoft.com/office/officeart/2005/8/layout/process3"/>
-    <dgm:cxn modelId="{78F98C3D-91F4-443E-B52F-862374C4D2C8}" type="presOf" srcId="{6F2BDBE5-E435-4530-9B9B-E0FEFAFA152B}" destId="{C22268A6-6A83-469E-9492-3E11AB4972CB}" srcOrd="0" destOrd="0" presId="urn:microsoft.com/office/officeart/2005/8/layout/process3"/>
-    <dgm:cxn modelId="{6681B440-CFA5-4BF4-A379-8661908C3F75}" type="presOf" srcId="{3991D0EC-1197-479E-A510-6127BD9EC966}" destId="{569C74B8-6FD4-4E9E-9CD5-159289741E27}" srcOrd="1" destOrd="0" presId="urn:microsoft.com/office/officeart/2005/8/layout/process3"/>
-    <dgm:cxn modelId="{54823065-95B3-4047-B5D2-A4AAF766FADE}" type="presOf" srcId="{CCCBD8EF-28F4-45A4-BBC9-09FB670730B5}" destId="{D068BB2F-7B18-429D-B459-8ADCAA5872B8}" srcOrd="1" destOrd="0" presId="urn:microsoft.com/office/officeart/2005/8/layout/process3"/>
-    <dgm:cxn modelId="{E909347B-AC4D-48E6-8DCB-5452C46F770B}" srcId="{3991D0EC-1197-479E-A510-6127BD9EC966}" destId="{DD994051-6DA3-4E1B-BF16-48FC4133A8D7}" srcOrd="0" destOrd="0" parTransId="{21130147-127C-4A87-BC70-290C5E2856A8}" sibTransId="{496211EB-245B-4BEF-AF34-DEF6E91486D0}"/>
-    <dgm:cxn modelId="{C0261DAF-7EAB-466C-A68A-0D2D57349823}" type="presOf" srcId="{81C0783F-D3B6-4847-AEBE-6C6B3DAC1685}" destId="{2D716DE9-5640-4634-9A31-1EB90916FEF6}" srcOrd="0" destOrd="0" presId="urn:microsoft.com/office/officeart/2005/8/layout/process3"/>
-    <dgm:cxn modelId="{B4440DBA-6BE4-4ACF-875F-ED1720FF6C4A}" srcId="{81C0783F-D3B6-4847-AEBE-6C6B3DAC1685}" destId="{A32C7170-053C-41A8-BBBA-ADF5CEA05BC8}" srcOrd="0" destOrd="0" parTransId="{32DC954B-8775-4D59-9F23-DD8CA9570037}" sibTransId="{02CACAA2-342D-426E-A310-B3194D22001A}"/>
-    <dgm:cxn modelId="{94982DC0-5A37-4048-967D-236CC51ED91A}" srcId="{C3C74A77-6DFF-4257-8434-6316BD7B3F81}" destId="{81C0783F-D3B6-4847-AEBE-6C6B3DAC1685}" srcOrd="1" destOrd="0" parTransId="{1543C778-F211-4EF4-8CB5-712996BCEA2E}" sibTransId="{4501B310-4F41-4DF1-915A-3ACABEC00B3E}"/>
-    <dgm:cxn modelId="{D4D6E1C1-5702-40ED-8821-B392989831FD}" type="presOf" srcId="{CCCBD8EF-28F4-45A4-BBC9-09FB670730B5}" destId="{70FD09FE-D402-4E61-8FD9-788DE7C61F77}" srcOrd="0" destOrd="0" presId="urn:microsoft.com/office/officeart/2005/8/layout/process3"/>
-    <dgm:cxn modelId="{16022ADA-C4B7-4984-AD08-14B26601DDBA}" type="presOf" srcId="{C3C74A77-6DFF-4257-8434-6316BD7B3F81}" destId="{4290803C-E701-44D7-BBF3-BCB6E4201480}" srcOrd="0" destOrd="0" presId="urn:microsoft.com/office/officeart/2005/8/layout/process3"/>
-    <dgm:cxn modelId="{ABB7ADED-BC19-49B9-B50C-FC9C2E83A9AD}" type="presOf" srcId="{4501B310-4F41-4DF1-915A-3ACABEC00B3E}" destId="{9C7138BC-EC22-43AC-9B67-6BA903C39562}" srcOrd="0" destOrd="0" presId="urn:microsoft.com/office/officeart/2005/8/layout/process3"/>
-    <dgm:cxn modelId="{87BF16F7-34F5-494F-9145-A750B8425AD7}" type="presOf" srcId="{81C0783F-D3B6-4847-AEBE-6C6B3DAC1685}" destId="{9DA9F3A5-F3B4-4D21-B141-B14F304EF7F3}" srcOrd="1" destOrd="0" presId="urn:microsoft.com/office/officeart/2005/8/layout/process3"/>
-    <dgm:cxn modelId="{F8A0F2F7-C4DB-4842-A422-92A77A299628}" type="presOf" srcId="{A32C7170-053C-41A8-BBBA-ADF5CEA05BC8}" destId="{F238D365-CF0A-4070-A06C-07E4E1CFFAAC}" srcOrd="0" destOrd="0" presId="urn:microsoft.com/office/officeart/2005/8/layout/process3"/>
-    <dgm:cxn modelId="{C2938CF8-125A-4208-891B-632BB349A067}" type="presOf" srcId="{DD994051-6DA3-4E1B-BF16-48FC4133A8D7}" destId="{E59B6520-33C5-4610-9D99-824921D87FD8}" srcOrd="0" destOrd="0" presId="urn:microsoft.com/office/officeart/2005/8/layout/process3"/>
-    <dgm:cxn modelId="{E577D3FB-21A8-4E67-A790-EF0F04D873C8}" srcId="{C3C74A77-6DFF-4257-8434-6316BD7B3F81}" destId="{CCCBD8EF-28F4-45A4-BBC9-09FB670730B5}" srcOrd="0" destOrd="0" parTransId="{98698F5C-2451-4F6F-9115-1F8AF27095E1}" sibTransId="{6F2BDBE5-E435-4530-9B9B-E0FEFAFA152B}"/>
-    <dgm:cxn modelId="{60B0874B-74AA-4F1B-9F18-5FBF61487718}" type="presParOf" srcId="{4290803C-E701-44D7-BBF3-BCB6E4201480}" destId="{7A7A4978-1624-447E-B288-9BC2F0502504}" srcOrd="0" destOrd="0" presId="urn:microsoft.com/office/officeart/2005/8/layout/process3"/>
-    <dgm:cxn modelId="{80BEF9F7-F039-428C-8758-CFB611F9030A}" type="presParOf" srcId="{7A7A4978-1624-447E-B288-9BC2F0502504}" destId="{70FD09FE-D402-4E61-8FD9-788DE7C61F77}" srcOrd="0" destOrd="0" presId="urn:microsoft.com/office/officeart/2005/8/layout/process3"/>
-    <dgm:cxn modelId="{76F27176-ADF2-47C3-ADB0-FEA6C3EF7A69}" type="presParOf" srcId="{7A7A4978-1624-447E-B288-9BC2F0502504}" destId="{D068BB2F-7B18-429D-B459-8ADCAA5872B8}" srcOrd="1" destOrd="0" presId="urn:microsoft.com/office/officeart/2005/8/layout/process3"/>
-    <dgm:cxn modelId="{E5B72AFD-1317-4F7E-BFE2-7911136A289C}" type="presParOf" srcId="{7A7A4978-1624-447E-B288-9BC2F0502504}" destId="{EABDABDB-E2B9-455D-A55D-0AB33D2C7C0E}" srcOrd="2" destOrd="0" presId="urn:microsoft.com/office/officeart/2005/8/layout/process3"/>
-    <dgm:cxn modelId="{0379F690-6928-43FD-BE68-65454B981AA6}" type="presParOf" srcId="{4290803C-E701-44D7-BBF3-BCB6E4201480}" destId="{C22268A6-6A83-469E-9492-3E11AB4972CB}" srcOrd="1" destOrd="0" presId="urn:microsoft.com/office/officeart/2005/8/layout/process3"/>
-    <dgm:cxn modelId="{295ACF1D-37F0-4C86-AA0A-BA9677BCF8F8}" type="presParOf" srcId="{C22268A6-6A83-469E-9492-3E11AB4972CB}" destId="{516D7816-D220-462F-9062-A660B186BED0}" srcOrd="0" destOrd="0" presId="urn:microsoft.com/office/officeart/2005/8/layout/process3"/>
-    <dgm:cxn modelId="{6A976DA7-EE2F-45D0-85B9-8516347DFA9F}" type="presParOf" srcId="{4290803C-E701-44D7-BBF3-BCB6E4201480}" destId="{7BE4FA83-6E42-40C5-AE65-0618D30E3075}" srcOrd="2" destOrd="0" presId="urn:microsoft.com/office/officeart/2005/8/layout/process3"/>
-    <dgm:cxn modelId="{936414CF-B082-4854-B0F8-05EDEAAD6681}" type="presParOf" srcId="{7BE4FA83-6E42-40C5-AE65-0618D30E3075}" destId="{2D716DE9-5640-4634-9A31-1EB90916FEF6}" srcOrd="0" destOrd="0" presId="urn:microsoft.com/office/officeart/2005/8/layout/process3"/>
-    <dgm:cxn modelId="{4E393E9E-CD52-4F1A-B32F-74F49AC99E7C}" type="presParOf" srcId="{7BE4FA83-6E42-40C5-AE65-0618D30E3075}" destId="{9DA9F3A5-F3B4-4D21-B141-B14F304EF7F3}" srcOrd="1" destOrd="0" presId="urn:microsoft.com/office/officeart/2005/8/layout/process3"/>
-    <dgm:cxn modelId="{1841DF2B-1F71-4AA0-8F39-2C84056A2F58}" type="presParOf" srcId="{7BE4FA83-6E42-40C5-AE65-0618D30E3075}" destId="{F238D365-CF0A-4070-A06C-07E4E1CFFAAC}" srcOrd="2" destOrd="0" presId="urn:microsoft.com/office/officeart/2005/8/layout/process3"/>
-    <dgm:cxn modelId="{FCFC61CB-A84B-46F4-92F3-A8C7EE2F574E}" type="presParOf" srcId="{4290803C-E701-44D7-BBF3-BCB6E4201480}" destId="{9C7138BC-EC22-43AC-9B67-6BA903C39562}" srcOrd="3" destOrd="0" presId="urn:microsoft.com/office/officeart/2005/8/layout/process3"/>
-    <dgm:cxn modelId="{745B2AB9-4A9B-4709-A1B5-A94762C56539}" type="presParOf" srcId="{9C7138BC-EC22-43AC-9B67-6BA903C39562}" destId="{02E8EEB5-758F-4FA7-8244-EB314A609B33}" srcOrd="0" destOrd="0" presId="urn:microsoft.com/office/officeart/2005/8/layout/process3"/>
-    <dgm:cxn modelId="{B329A3F2-2012-429D-84DA-C124D27DBA9A}" type="presParOf" srcId="{4290803C-E701-44D7-BBF3-BCB6E4201480}" destId="{7C9ABEC5-22B2-4906-8C69-48F050B2B3C3}" srcOrd="4" destOrd="0" presId="urn:microsoft.com/office/officeart/2005/8/layout/process3"/>
-    <dgm:cxn modelId="{1FEA32D5-7BA1-46C9-A886-2179F7AF8ECE}" type="presParOf" srcId="{7C9ABEC5-22B2-4906-8C69-48F050B2B3C3}" destId="{8F8D1EB8-4292-4805-8BB5-6F4F8EBA4217}" srcOrd="0" destOrd="0" presId="urn:microsoft.com/office/officeart/2005/8/layout/process3"/>
-    <dgm:cxn modelId="{6EF89B49-ECDA-44EE-99E5-7CBE2E2C659A}" type="presParOf" srcId="{7C9ABEC5-22B2-4906-8C69-48F050B2B3C3}" destId="{569C74B8-6FD4-4E9E-9CD5-159289741E27}" srcOrd="1" destOrd="0" presId="urn:microsoft.com/office/officeart/2005/8/layout/process3"/>
-    <dgm:cxn modelId="{BADA9F52-3E41-493A-855C-6B9F4627CE11}" type="presParOf" srcId="{7C9ABEC5-22B2-4906-8C69-48F050B2B3C3}" destId="{E59B6520-33C5-4610-9D99-824921D87FD8}" srcOrd="2" destOrd="0" presId="urn:microsoft.com/office/officeart/2005/8/layout/process3"/>
+    <dgm:cxn modelId="{6ED6000F-BE35-443F-85DA-FD7CD80BF883}" type="presOf" srcId="{2D18A0F3-5A46-45FC-8A01-00915F1D8A20}" destId="{A9AAE3E0-499A-4515-A4A0-24053F11AF2D}" srcOrd="0" destOrd="0" presId="urn:microsoft.com/office/officeart/2005/8/layout/lProcess1"/>
+    <dgm:cxn modelId="{13B67220-D3E0-4B63-AB80-E23D02ED2F45}" type="presOf" srcId="{9701E4BC-E6ED-4280-97E7-300747DC9021}" destId="{B704931D-B478-442A-99E3-DE194FE627DE}" srcOrd="0" destOrd="0" presId="urn:microsoft.com/office/officeart/2005/8/layout/lProcess1"/>
+    <dgm:cxn modelId="{B71BAA22-C2DE-4176-9305-1AAD92498BCC}" type="presOf" srcId="{AD551745-8DD6-46AB-B387-D7BAFB11956A}" destId="{C12CB8BB-691C-4682-B54C-F6821DB8F693}" srcOrd="0" destOrd="0" presId="urn:microsoft.com/office/officeart/2005/8/layout/lProcess1"/>
+    <dgm:cxn modelId="{53ED905E-F5A0-450B-B87B-314C7905AA27}" srcId="{5003591D-7824-49FA-AB1A-DB1DF7BB1445}" destId="{4653E31D-FA8C-43B6-A673-490B9AFE419B}" srcOrd="0" destOrd="0" parTransId="{94FB4936-F6FA-4C76-A4A9-695C182D9069}" sibTransId="{27ACBDC3-0332-4B1D-B1DE-1F33C2D2720E}"/>
+    <dgm:cxn modelId="{6AD4456D-9728-47A0-9DE2-128B5759704D}" type="presOf" srcId="{09D7D3A7-6AD5-478A-9581-5EB34BE0D7F1}" destId="{2D0617B0-33A6-416B-AF61-84275C3260B7}" srcOrd="0" destOrd="0" presId="urn:microsoft.com/office/officeart/2005/8/layout/lProcess1"/>
+    <dgm:cxn modelId="{90D3E651-E802-495C-BE7C-2913F004D51A}" type="presOf" srcId="{2341120A-CD9A-4C81-9AE4-55464B19F910}" destId="{120B8FA5-3F9B-4810-9AA6-C2D040FA98FA}" srcOrd="0" destOrd="0" presId="urn:microsoft.com/office/officeart/2005/8/layout/lProcess1"/>
+    <dgm:cxn modelId="{18D69973-BF4A-4C90-9131-814C32C25C27}" type="presOf" srcId="{5003591D-7824-49FA-AB1A-DB1DF7BB1445}" destId="{36A17083-4B46-4D3E-ACF0-A050EF6A36A3}" srcOrd="0" destOrd="0" presId="urn:microsoft.com/office/officeart/2005/8/layout/lProcess1"/>
+    <dgm:cxn modelId="{72249457-83BF-4676-8A0B-A4CA618097C8}" type="presOf" srcId="{F4EEA412-8281-4625-999A-670E31A7B36D}" destId="{5C5DB47F-C926-4508-97DA-F4631A08AF60}" srcOrd="0" destOrd="0" presId="urn:microsoft.com/office/officeart/2005/8/layout/lProcess1"/>
+    <dgm:cxn modelId="{CA7F3F79-54F1-4EB3-8F92-7DF9CFE56A17}" srcId="{4653E31D-FA8C-43B6-A673-490B9AFE419B}" destId="{2D18A0F3-5A46-45FC-8A01-00915F1D8A20}" srcOrd="0" destOrd="0" parTransId="{DECB7EA4-3EA2-4481-AB98-F8BA7EF2124A}" sibTransId="{09D7D3A7-6AD5-478A-9581-5EB34BE0D7F1}"/>
+    <dgm:cxn modelId="{9A00EF7E-CC03-43D0-BAE5-4750AA909565}" srcId="{AD551745-8DD6-46AB-B387-D7BAFB11956A}" destId="{9701E4BC-E6ED-4280-97E7-300747DC9021}" srcOrd="1" destOrd="0" parTransId="{23365B06-B0A6-4EB6-BF78-6E2DB91F4021}" sibTransId="{4B6C8003-7653-4E1A-9B3D-4FC0648FB142}"/>
+    <dgm:cxn modelId="{A32AEC7F-309E-4245-974E-F1F2B898A49C}" type="presOf" srcId="{DECB7EA4-3EA2-4481-AB98-F8BA7EF2124A}" destId="{7769BC33-B67F-400C-94A1-E42F82513DBD}" srcOrd="0" destOrd="0" presId="urn:microsoft.com/office/officeart/2005/8/layout/lProcess1"/>
+    <dgm:cxn modelId="{F8663384-AFEC-47F0-91AB-A0FACFB5A969}" type="presOf" srcId="{1F66E0E9-44DD-4893-9FA8-C0353EEAFFC9}" destId="{AC98CA10-6723-426A-B3D5-3758948D1A8D}" srcOrd="0" destOrd="0" presId="urn:microsoft.com/office/officeart/2005/8/layout/lProcess1"/>
+    <dgm:cxn modelId="{1B20139D-82F2-4FEA-9263-939A3B3994CE}" srcId="{5003591D-7824-49FA-AB1A-DB1DF7BB1445}" destId="{AD551745-8DD6-46AB-B387-D7BAFB11956A}" srcOrd="1" destOrd="0" parTransId="{0178E1DD-8483-40C0-B150-6B6E713C5F20}" sibTransId="{F1E3E09C-1D2E-4970-9924-7AF1AA9793CD}"/>
+    <dgm:cxn modelId="{0E04A8A6-58A3-4B76-B152-67134F811E73}" type="presOf" srcId="{1F28CACD-599C-4389-BD52-4AA352D3AE57}" destId="{8984EE5E-F248-4EBD-81F6-A4D0774F6346}" srcOrd="0" destOrd="0" presId="urn:microsoft.com/office/officeart/2005/8/layout/lProcess1"/>
+    <dgm:cxn modelId="{241E10A9-BAE9-4CB0-B9A0-9CC66C9D495C}" type="presOf" srcId="{EF3ABB38-57ED-46FB-A2E4-4BA0956361A9}" destId="{5945C767-AF03-42CB-86ED-7392A416D64B}" srcOrd="0" destOrd="0" presId="urn:microsoft.com/office/officeart/2005/8/layout/lProcess1"/>
+    <dgm:cxn modelId="{AAC1ABB5-D21F-4CB5-B598-D5D9D68DACF2}" srcId="{5003591D-7824-49FA-AB1A-DB1DF7BB1445}" destId="{F4EEA412-8281-4625-999A-670E31A7B36D}" srcOrd="2" destOrd="0" parTransId="{34F7610A-B374-465D-8F31-5FB0678EC6F3}" sibTransId="{82C9539B-559B-4A0F-B4D3-F3F297F0C989}"/>
+    <dgm:cxn modelId="{B7DA57B6-E1C4-457F-BCED-59CAA23497E9}" type="presOf" srcId="{74E34869-4486-4C6E-BEC2-D4D500FF82D3}" destId="{A6DE5E88-AECF-4959-8A5B-027ED9A68463}" srcOrd="0" destOrd="0" presId="urn:microsoft.com/office/officeart/2005/8/layout/lProcess1"/>
+    <dgm:cxn modelId="{863EC7BA-40F6-4CE2-AE19-29AB53E0149C}" type="presOf" srcId="{92564EFC-40F7-42E0-8E0C-D14A4BDB1DAD}" destId="{5A325556-C2F3-43AD-B11A-C1CA969AA86B}" srcOrd="0" destOrd="0" presId="urn:microsoft.com/office/officeart/2005/8/layout/lProcess1"/>
+    <dgm:cxn modelId="{DA6AEABF-CDC0-475B-8E69-55FA7F66EADA}" srcId="{AD551745-8DD6-46AB-B387-D7BAFB11956A}" destId="{C29A2733-D5FF-44DB-B198-032D899BC34C}" srcOrd="0" destOrd="0" parTransId="{1F66E0E9-44DD-4893-9FA8-C0353EEAFFC9}" sibTransId="{92564EFC-40F7-42E0-8E0C-D14A4BDB1DAD}"/>
+    <dgm:cxn modelId="{0FF632C9-8767-48BD-BE56-DDD0CFB10026}" type="presOf" srcId="{C29A2733-D5FF-44DB-B198-032D899BC34C}" destId="{B159D428-BDD8-4044-AE3D-27FB4AACECEE}" srcOrd="0" destOrd="0" presId="urn:microsoft.com/office/officeart/2005/8/layout/lProcess1"/>
+    <dgm:cxn modelId="{BF2836CA-9F6A-4582-B718-3518EF75C9A0}" type="presOf" srcId="{4653E31D-FA8C-43B6-A673-490B9AFE419B}" destId="{50106545-4F7A-46A9-8062-3C20E2B0769A}" srcOrd="0" destOrd="0" presId="urn:microsoft.com/office/officeart/2005/8/layout/lProcess1"/>
+    <dgm:cxn modelId="{BEA7A0CF-6109-48CB-B258-25CA285C1E03}" srcId="{F4EEA412-8281-4625-999A-670E31A7B36D}" destId="{2341120A-CD9A-4C81-9AE4-55464B19F910}" srcOrd="0" destOrd="0" parTransId="{25624A35-31FB-439F-AADA-D5A4895203F9}" sibTransId="{EF3ABB38-57ED-46FB-A2E4-4BA0956361A9}"/>
+    <dgm:cxn modelId="{0F9561DB-92B4-4076-AB42-77A622DC2313}" srcId="{4653E31D-FA8C-43B6-A673-490B9AFE419B}" destId="{1F28CACD-599C-4389-BD52-4AA352D3AE57}" srcOrd="1" destOrd="0" parTransId="{C8637C77-F2FD-4026-8D92-3539CDC5C2BE}" sibTransId="{926BC290-8B4B-4115-955D-DE9126A949D5}"/>
+    <dgm:cxn modelId="{3CD60DEB-ADD0-49D7-9AB8-021620BD2B61}" type="presOf" srcId="{25624A35-31FB-439F-AADA-D5A4895203F9}" destId="{663262F1-ED40-4945-A39A-268A897714D4}" srcOrd="0" destOrd="0" presId="urn:microsoft.com/office/officeart/2005/8/layout/lProcess1"/>
+    <dgm:cxn modelId="{C1B976F8-F585-4934-B79D-F96A97224818}" srcId="{F4EEA412-8281-4625-999A-670E31A7B36D}" destId="{74E34869-4486-4C6E-BEC2-D4D500FF82D3}" srcOrd="1" destOrd="0" parTransId="{85F14395-7E2B-4021-8938-38AF45A32FFB}" sibTransId="{1E7D8168-90DF-428E-B3F3-70A035DCCFB5}"/>
+    <dgm:cxn modelId="{F016CD01-EC29-43D9-96B7-38C467284C0F}" type="presParOf" srcId="{36A17083-4B46-4D3E-ACF0-A050EF6A36A3}" destId="{031D3137-9BF7-4A9F-8D81-72C6FD321F43}" srcOrd="0" destOrd="0" presId="urn:microsoft.com/office/officeart/2005/8/layout/lProcess1"/>
+    <dgm:cxn modelId="{F662BE4E-1532-4AEB-B0F5-DD530659FF33}" type="presParOf" srcId="{031D3137-9BF7-4A9F-8D81-72C6FD321F43}" destId="{50106545-4F7A-46A9-8062-3C20E2B0769A}" srcOrd="0" destOrd="0" presId="urn:microsoft.com/office/officeart/2005/8/layout/lProcess1"/>
+    <dgm:cxn modelId="{6BD6A376-CFF5-4ACD-A8AE-79C0BAFDCEC0}" type="presParOf" srcId="{031D3137-9BF7-4A9F-8D81-72C6FD321F43}" destId="{7769BC33-B67F-400C-94A1-E42F82513DBD}" srcOrd="1" destOrd="0" presId="urn:microsoft.com/office/officeart/2005/8/layout/lProcess1"/>
+    <dgm:cxn modelId="{FFD31082-E249-47FB-ACE3-2CA8BF1281B8}" type="presParOf" srcId="{031D3137-9BF7-4A9F-8D81-72C6FD321F43}" destId="{A9AAE3E0-499A-4515-A4A0-24053F11AF2D}" srcOrd="2" destOrd="0" presId="urn:microsoft.com/office/officeart/2005/8/layout/lProcess1"/>
+    <dgm:cxn modelId="{081914E0-A469-4CCF-A25B-5B189DB1AC5E}" type="presParOf" srcId="{031D3137-9BF7-4A9F-8D81-72C6FD321F43}" destId="{2D0617B0-33A6-416B-AF61-84275C3260B7}" srcOrd="3" destOrd="0" presId="urn:microsoft.com/office/officeart/2005/8/layout/lProcess1"/>
+    <dgm:cxn modelId="{B56FFB0D-7B7A-4770-A2C3-5941DB9D29A9}" type="presParOf" srcId="{031D3137-9BF7-4A9F-8D81-72C6FD321F43}" destId="{8984EE5E-F248-4EBD-81F6-A4D0774F6346}" srcOrd="4" destOrd="0" presId="urn:microsoft.com/office/officeart/2005/8/layout/lProcess1"/>
+    <dgm:cxn modelId="{2876028D-01AD-42B1-BEC2-3C542A23836D}" type="presParOf" srcId="{36A17083-4B46-4D3E-ACF0-A050EF6A36A3}" destId="{FB89393E-39B7-4E3A-BE89-79245B6E465F}" srcOrd="1" destOrd="0" presId="urn:microsoft.com/office/officeart/2005/8/layout/lProcess1"/>
+    <dgm:cxn modelId="{8D7A10EC-933D-42EE-AB3F-5152C698B1D0}" type="presParOf" srcId="{36A17083-4B46-4D3E-ACF0-A050EF6A36A3}" destId="{43400570-9179-4E39-836B-8A65C02D7864}" srcOrd="2" destOrd="0" presId="urn:microsoft.com/office/officeart/2005/8/layout/lProcess1"/>
+    <dgm:cxn modelId="{D7FC377F-AF19-498B-90CC-4735AE0280BF}" type="presParOf" srcId="{43400570-9179-4E39-836B-8A65C02D7864}" destId="{C12CB8BB-691C-4682-B54C-F6821DB8F693}" srcOrd="0" destOrd="0" presId="urn:microsoft.com/office/officeart/2005/8/layout/lProcess1"/>
+    <dgm:cxn modelId="{1783F116-6F62-4532-A952-FA5A9EE91221}" type="presParOf" srcId="{43400570-9179-4E39-836B-8A65C02D7864}" destId="{AC98CA10-6723-426A-B3D5-3758948D1A8D}" srcOrd="1" destOrd="0" presId="urn:microsoft.com/office/officeart/2005/8/layout/lProcess1"/>
+    <dgm:cxn modelId="{B3B7F25E-EDA6-482F-9087-4EF379980D94}" type="presParOf" srcId="{43400570-9179-4E39-836B-8A65C02D7864}" destId="{B159D428-BDD8-4044-AE3D-27FB4AACECEE}" srcOrd="2" destOrd="0" presId="urn:microsoft.com/office/officeart/2005/8/layout/lProcess1"/>
+    <dgm:cxn modelId="{7FEBC90A-2356-454B-8931-DB39EA5F662A}" type="presParOf" srcId="{43400570-9179-4E39-836B-8A65C02D7864}" destId="{5A325556-C2F3-43AD-B11A-C1CA969AA86B}" srcOrd="3" destOrd="0" presId="urn:microsoft.com/office/officeart/2005/8/layout/lProcess1"/>
+    <dgm:cxn modelId="{1A1660D8-3BF5-4104-B007-97F343548DE6}" type="presParOf" srcId="{43400570-9179-4E39-836B-8A65C02D7864}" destId="{B704931D-B478-442A-99E3-DE194FE627DE}" srcOrd="4" destOrd="0" presId="urn:microsoft.com/office/officeart/2005/8/layout/lProcess1"/>
+    <dgm:cxn modelId="{9D718ABF-17A2-40AD-B094-A2F7D79C5667}" type="presParOf" srcId="{36A17083-4B46-4D3E-ACF0-A050EF6A36A3}" destId="{6DD57A5C-BF98-46CB-B0ED-C6EA63F408D5}" srcOrd="3" destOrd="0" presId="urn:microsoft.com/office/officeart/2005/8/layout/lProcess1"/>
+    <dgm:cxn modelId="{74E02195-D96A-4D76-B7C3-256CFFAAA996}" type="presParOf" srcId="{36A17083-4B46-4D3E-ACF0-A050EF6A36A3}" destId="{0F77AB87-2A1C-4DA2-8815-8F415A49FDE7}" srcOrd="4" destOrd="0" presId="urn:microsoft.com/office/officeart/2005/8/layout/lProcess1"/>
+    <dgm:cxn modelId="{B6BBC715-B61B-4FCF-A23E-4DA957CB18DF}" type="presParOf" srcId="{0F77AB87-2A1C-4DA2-8815-8F415A49FDE7}" destId="{5C5DB47F-C926-4508-97DA-F4631A08AF60}" srcOrd="0" destOrd="0" presId="urn:microsoft.com/office/officeart/2005/8/layout/lProcess1"/>
+    <dgm:cxn modelId="{9E94A843-DFEF-4CD7-AC40-74DEE9B48615}" type="presParOf" srcId="{0F77AB87-2A1C-4DA2-8815-8F415A49FDE7}" destId="{663262F1-ED40-4945-A39A-268A897714D4}" srcOrd="1" destOrd="0" presId="urn:microsoft.com/office/officeart/2005/8/layout/lProcess1"/>
+    <dgm:cxn modelId="{54930EB6-7368-4275-B9B7-FD1A027958BA}" type="presParOf" srcId="{0F77AB87-2A1C-4DA2-8815-8F415A49FDE7}" destId="{120B8FA5-3F9B-4810-9AA6-C2D040FA98FA}" srcOrd="2" destOrd="0" presId="urn:microsoft.com/office/officeart/2005/8/layout/lProcess1"/>
+    <dgm:cxn modelId="{2053A676-3363-44AB-9075-B5155D5D4992}" type="presParOf" srcId="{0F77AB87-2A1C-4DA2-8815-8F415A49FDE7}" destId="{5945C767-AF03-42CB-86ED-7392A416D64B}" srcOrd="3" destOrd="0" presId="urn:microsoft.com/office/officeart/2005/8/layout/lProcess1"/>
+    <dgm:cxn modelId="{5B1FECE3-5E9A-4247-9D51-57DCC0519446}" type="presParOf" srcId="{0F77AB87-2A1C-4DA2-8815-8F415A49FDE7}" destId="{A6DE5E88-AECF-4959-8A5B-027ED9A68463}" srcOrd="4" destOrd="0" presId="urn:microsoft.com/office/officeart/2005/8/layout/lProcess1"/>
   </dgm:cxnLst>
   <dgm:bg/>
   <dgm:whole/>
@@ -6320,298 +5827,6 @@
 </file>
 
 <file path=ppt/diagrams/data4.xml><?xml version="1.0" encoding="utf-8"?>
-<dgm:dataModel xmlns:dgm="http://schemas.openxmlformats.org/drawingml/2006/diagram" xmlns:a="http://schemas.openxmlformats.org/drawingml/2006/main">
-  <dgm:ptLst>
-    <dgm:pt modelId="{B4BDAEAD-F870-4CAB-B061-CF8644412EC0}" type="doc">
-      <dgm:prSet loTypeId="urn:microsoft.com/office/officeart/2005/8/layout/hierarchy2" loCatId="hierarchy" qsTypeId="urn:microsoft.com/office/officeart/2005/8/quickstyle/simple1" qsCatId="simple" csTypeId="urn:microsoft.com/office/officeart/2005/8/colors/accent1_2" csCatId="accent1" phldr="1"/>
-      <dgm:spPr/>
-      <dgm:t>
-        <a:bodyPr/>
-        <a:lstStyle/>
-        <a:p>
-          <a:endParaRPr lang="en-US"/>
-        </a:p>
-      </dgm:t>
-    </dgm:pt>
-    <dgm:pt modelId="{B8094E47-4FAF-458C-A9AF-639E25922172}">
-      <dgm:prSet phldrT="[Text]"/>
-      <dgm:spPr/>
-      <dgm:t>
-        <a:bodyPr/>
-        <a:lstStyle/>
-        <a:p>
-          <a:r>
-            <a:rPr lang="en-US"/>
-            <a:t>Chegg </a:t>
-          </a:r>
-        </a:p>
-      </dgm:t>
-    </dgm:pt>
-    <dgm:pt modelId="{B9DA3B62-A988-42D1-A645-ECB50C0E835D}" type="parTrans" cxnId="{20B5FECC-C3F7-4A97-802E-517B4F84FA5C}">
-      <dgm:prSet/>
-      <dgm:spPr/>
-      <dgm:t>
-        <a:bodyPr/>
-        <a:lstStyle/>
-        <a:p>
-          <a:endParaRPr lang="en-US"/>
-        </a:p>
-      </dgm:t>
-    </dgm:pt>
-    <dgm:pt modelId="{2BDA97EA-D81B-45D6-8D6C-2033713CAE21}" type="sibTrans" cxnId="{20B5FECC-C3F7-4A97-802E-517B4F84FA5C}">
-      <dgm:prSet/>
-      <dgm:spPr/>
-      <dgm:t>
-        <a:bodyPr/>
-        <a:lstStyle/>
-        <a:p>
-          <a:endParaRPr lang="en-US"/>
-        </a:p>
-      </dgm:t>
-    </dgm:pt>
-    <dgm:pt modelId="{3227FA27-5DD7-4087-9DBF-435411FCA308}">
-      <dgm:prSet/>
-      <dgm:spPr/>
-      <dgm:t>
-        <a:bodyPr/>
-        <a:lstStyle/>
-        <a:p>
-          <a:r>
-            <a:rPr lang="en-US"/>
-            <a:t>Annual Revenue: $730 mn</a:t>
-          </a:r>
-        </a:p>
-      </dgm:t>
-    </dgm:pt>
-    <dgm:pt modelId="{8F6D71B5-B914-4A6D-AB45-388E6AE9A0C1}" type="parTrans" cxnId="{F1B6D353-2E07-44BD-AEB1-AB3BDFFABCD9}">
-      <dgm:prSet/>
-      <dgm:spPr/>
-      <dgm:t>
-        <a:bodyPr/>
-        <a:lstStyle/>
-        <a:p>
-          <a:endParaRPr lang="en-US"/>
-        </a:p>
-      </dgm:t>
-    </dgm:pt>
-    <dgm:pt modelId="{6EF26145-6558-4E98-8191-60666DABC786}" type="sibTrans" cxnId="{F1B6D353-2E07-44BD-AEB1-AB3BDFFABCD9}">
-      <dgm:prSet/>
-      <dgm:spPr/>
-      <dgm:t>
-        <a:bodyPr/>
-        <a:lstStyle/>
-        <a:p>
-          <a:endParaRPr lang="en-US"/>
-        </a:p>
-      </dgm:t>
-    </dgm:pt>
-    <dgm:pt modelId="{C1299336-0F71-4648-8E58-9C2F75CCB935}">
-      <dgm:prSet/>
-      <dgm:spPr/>
-      <dgm:t>
-        <a:bodyPr/>
-        <a:lstStyle/>
-        <a:p>
-          <a:r>
-            <a:rPr lang="en-US"/>
-            <a:t>Quizlet</a:t>
-          </a:r>
-        </a:p>
-      </dgm:t>
-    </dgm:pt>
-    <dgm:pt modelId="{A3B96B8E-29D6-4247-9E2C-48F75DE865EB}" type="parTrans" cxnId="{67C83D58-5867-453C-A0B2-B4177EC19AB3}">
-      <dgm:prSet/>
-      <dgm:spPr/>
-      <dgm:t>
-        <a:bodyPr/>
-        <a:lstStyle/>
-        <a:p>
-          <a:endParaRPr lang="en-US"/>
-        </a:p>
-      </dgm:t>
-    </dgm:pt>
-    <dgm:pt modelId="{08DDCBD8-D103-42BD-B07D-51B0876E6CD4}" type="sibTrans" cxnId="{67C83D58-5867-453C-A0B2-B4177EC19AB3}">
-      <dgm:prSet/>
-      <dgm:spPr/>
-      <dgm:t>
-        <a:bodyPr/>
-        <a:lstStyle/>
-        <a:p>
-          <a:endParaRPr lang="en-US"/>
-        </a:p>
-      </dgm:t>
-    </dgm:pt>
-    <dgm:pt modelId="{80107EC6-C21B-4C65-88BA-9B2103B949F7}">
-      <dgm:prSet/>
-      <dgm:spPr/>
-      <dgm:t>
-        <a:bodyPr/>
-        <a:lstStyle/>
-        <a:p>
-          <a:r>
-            <a:rPr lang="en-US"/>
-            <a:t>Annual Revenue: $75 mn</a:t>
-          </a:r>
-        </a:p>
-      </dgm:t>
-    </dgm:pt>
-    <dgm:pt modelId="{A5A9E1F2-7BB3-44F2-B885-711ADE6C158E}" type="parTrans" cxnId="{74C05F7E-C4D9-4C5D-AC64-656F4B714EFC}">
-      <dgm:prSet/>
-      <dgm:spPr/>
-      <dgm:t>
-        <a:bodyPr/>
-        <a:lstStyle/>
-        <a:p>
-          <a:endParaRPr lang="en-US"/>
-        </a:p>
-      </dgm:t>
-    </dgm:pt>
-    <dgm:pt modelId="{65142CD9-47BA-4025-8711-ECB0B60BB434}" type="sibTrans" cxnId="{74C05F7E-C4D9-4C5D-AC64-656F4B714EFC}">
-      <dgm:prSet/>
-      <dgm:spPr/>
-      <dgm:t>
-        <a:bodyPr/>
-        <a:lstStyle/>
-        <a:p>
-          <a:endParaRPr lang="en-US"/>
-        </a:p>
-      </dgm:t>
-    </dgm:pt>
-    <dgm:pt modelId="{44E6DCD6-0C6F-46AC-82A0-09299FDBD8C1}" type="pres">
-      <dgm:prSet presAssocID="{B4BDAEAD-F870-4CAB-B061-CF8644412EC0}" presName="diagram" presStyleCnt="0">
-        <dgm:presLayoutVars>
-          <dgm:chPref val="1"/>
-          <dgm:dir/>
-          <dgm:animOne val="branch"/>
-          <dgm:animLvl val="lvl"/>
-          <dgm:resizeHandles val="exact"/>
-        </dgm:presLayoutVars>
-      </dgm:prSet>
-      <dgm:spPr/>
-    </dgm:pt>
-    <dgm:pt modelId="{6EFD5701-A353-44D9-8278-52EEBFB018BA}" type="pres">
-      <dgm:prSet presAssocID="{B8094E47-4FAF-458C-A9AF-639E25922172}" presName="root1" presStyleCnt="0"/>
-      <dgm:spPr/>
-    </dgm:pt>
-    <dgm:pt modelId="{00F4D007-9000-4BC2-B110-EFA8C461C41C}" type="pres">
-      <dgm:prSet presAssocID="{B8094E47-4FAF-458C-A9AF-639E25922172}" presName="LevelOneTextNode" presStyleLbl="node0" presStyleIdx="0" presStyleCnt="2">
-        <dgm:presLayoutVars>
-          <dgm:chPref val="3"/>
-        </dgm:presLayoutVars>
-      </dgm:prSet>
-      <dgm:spPr/>
-    </dgm:pt>
-    <dgm:pt modelId="{4E4A248B-10B2-45BA-8398-08825E9CB311}" type="pres">
-      <dgm:prSet presAssocID="{B8094E47-4FAF-458C-A9AF-639E25922172}" presName="level2hierChild" presStyleCnt="0"/>
-      <dgm:spPr/>
-    </dgm:pt>
-    <dgm:pt modelId="{FF050050-DE58-4DED-A57F-90FE9F6AB00B}" type="pres">
-      <dgm:prSet presAssocID="{8F6D71B5-B914-4A6D-AB45-388E6AE9A0C1}" presName="conn2-1" presStyleLbl="parChTrans1D2" presStyleIdx="0" presStyleCnt="2"/>
-      <dgm:spPr/>
-    </dgm:pt>
-    <dgm:pt modelId="{D16BBA50-F89F-4F60-B09D-158431B99FB5}" type="pres">
-      <dgm:prSet presAssocID="{8F6D71B5-B914-4A6D-AB45-388E6AE9A0C1}" presName="connTx" presStyleLbl="parChTrans1D2" presStyleIdx="0" presStyleCnt="2"/>
-      <dgm:spPr/>
-    </dgm:pt>
-    <dgm:pt modelId="{F855628C-86A6-4F28-98B0-277081EEFFB0}" type="pres">
-      <dgm:prSet presAssocID="{3227FA27-5DD7-4087-9DBF-435411FCA308}" presName="root2" presStyleCnt="0"/>
-      <dgm:spPr/>
-    </dgm:pt>
-    <dgm:pt modelId="{3FEB05AD-BF2F-4D6F-86E2-71BDEB8CCF96}" type="pres">
-      <dgm:prSet presAssocID="{3227FA27-5DD7-4087-9DBF-435411FCA308}" presName="LevelTwoTextNode" presStyleLbl="node2" presStyleIdx="0" presStyleCnt="2">
-        <dgm:presLayoutVars>
-          <dgm:chPref val="3"/>
-        </dgm:presLayoutVars>
-      </dgm:prSet>
-      <dgm:spPr/>
-    </dgm:pt>
-    <dgm:pt modelId="{6CCEC9B6-8821-4E23-8EB4-F899A1872DC9}" type="pres">
-      <dgm:prSet presAssocID="{3227FA27-5DD7-4087-9DBF-435411FCA308}" presName="level3hierChild" presStyleCnt="0"/>
-      <dgm:spPr/>
-    </dgm:pt>
-    <dgm:pt modelId="{237BBC99-9A96-4392-B1A5-7B7E81CABEE9}" type="pres">
-      <dgm:prSet presAssocID="{C1299336-0F71-4648-8E58-9C2F75CCB935}" presName="root1" presStyleCnt="0"/>
-      <dgm:spPr/>
-    </dgm:pt>
-    <dgm:pt modelId="{493491D1-744D-41A4-BE18-B46EDB5AA4E1}" type="pres">
-      <dgm:prSet presAssocID="{C1299336-0F71-4648-8E58-9C2F75CCB935}" presName="LevelOneTextNode" presStyleLbl="node0" presStyleIdx="1" presStyleCnt="2">
-        <dgm:presLayoutVars>
-          <dgm:chPref val="3"/>
-        </dgm:presLayoutVars>
-      </dgm:prSet>
-      <dgm:spPr/>
-    </dgm:pt>
-    <dgm:pt modelId="{22B3D471-5C02-4EC4-8B38-51C812C8AFA5}" type="pres">
-      <dgm:prSet presAssocID="{C1299336-0F71-4648-8E58-9C2F75CCB935}" presName="level2hierChild" presStyleCnt="0"/>
-      <dgm:spPr/>
-    </dgm:pt>
-    <dgm:pt modelId="{2F6EED4F-627B-42B3-BFB1-66A1A047C6EE}" type="pres">
-      <dgm:prSet presAssocID="{A5A9E1F2-7BB3-44F2-B885-711ADE6C158E}" presName="conn2-1" presStyleLbl="parChTrans1D2" presStyleIdx="1" presStyleCnt="2"/>
-      <dgm:spPr/>
-    </dgm:pt>
-    <dgm:pt modelId="{091684F1-B6BC-4FDE-8372-1FA6F53A0436}" type="pres">
-      <dgm:prSet presAssocID="{A5A9E1F2-7BB3-44F2-B885-711ADE6C158E}" presName="connTx" presStyleLbl="parChTrans1D2" presStyleIdx="1" presStyleCnt="2"/>
-      <dgm:spPr/>
-    </dgm:pt>
-    <dgm:pt modelId="{E1BB77A5-F2CA-4162-8144-95EB6ADFCC22}" type="pres">
-      <dgm:prSet presAssocID="{80107EC6-C21B-4C65-88BA-9B2103B949F7}" presName="root2" presStyleCnt="0"/>
-      <dgm:spPr/>
-    </dgm:pt>
-    <dgm:pt modelId="{1FDFF44A-9FDE-4E39-91CA-D4930B9B1EC7}" type="pres">
-      <dgm:prSet presAssocID="{80107EC6-C21B-4C65-88BA-9B2103B949F7}" presName="LevelTwoTextNode" presStyleLbl="node2" presStyleIdx="1" presStyleCnt="2">
-        <dgm:presLayoutVars>
-          <dgm:chPref val="3"/>
-        </dgm:presLayoutVars>
-      </dgm:prSet>
-      <dgm:spPr/>
-    </dgm:pt>
-    <dgm:pt modelId="{448CD1B8-53BC-47A6-BA31-F801A30A3FC0}" type="pres">
-      <dgm:prSet presAssocID="{80107EC6-C21B-4C65-88BA-9B2103B949F7}" presName="level3hierChild" presStyleCnt="0"/>
-      <dgm:spPr/>
-    </dgm:pt>
-  </dgm:ptLst>
-  <dgm:cxnLst>
-    <dgm:cxn modelId="{FAC75B00-E631-472D-B0D2-C499F1113879}" type="presOf" srcId="{B8094E47-4FAF-458C-A9AF-639E25922172}" destId="{00F4D007-9000-4BC2-B110-EFA8C461C41C}" srcOrd="0" destOrd="0" presId="urn:microsoft.com/office/officeart/2005/8/layout/hierarchy2"/>
-    <dgm:cxn modelId="{EAFB171B-6275-4763-AE39-51E15931EE7E}" type="presOf" srcId="{80107EC6-C21B-4C65-88BA-9B2103B949F7}" destId="{1FDFF44A-9FDE-4E39-91CA-D4930B9B1EC7}" srcOrd="0" destOrd="0" presId="urn:microsoft.com/office/officeart/2005/8/layout/hierarchy2"/>
-    <dgm:cxn modelId="{B0ABBD1E-178B-4E42-BDC7-867F2FDC17BC}" type="presOf" srcId="{A5A9E1F2-7BB3-44F2-B885-711ADE6C158E}" destId="{2F6EED4F-627B-42B3-BFB1-66A1A047C6EE}" srcOrd="0" destOrd="0" presId="urn:microsoft.com/office/officeart/2005/8/layout/hierarchy2"/>
-    <dgm:cxn modelId="{5134FB35-0108-4E1B-9E8C-EB376C720B30}" type="presOf" srcId="{B4BDAEAD-F870-4CAB-B061-CF8644412EC0}" destId="{44E6DCD6-0C6F-46AC-82A0-09299FDBD8C1}" srcOrd="0" destOrd="0" presId="urn:microsoft.com/office/officeart/2005/8/layout/hierarchy2"/>
-    <dgm:cxn modelId="{4302325E-FA78-46DF-9E7C-A371172010CF}" type="presOf" srcId="{3227FA27-5DD7-4087-9DBF-435411FCA308}" destId="{3FEB05AD-BF2F-4D6F-86E2-71BDEB8CCF96}" srcOrd="0" destOrd="0" presId="urn:microsoft.com/office/officeart/2005/8/layout/hierarchy2"/>
-    <dgm:cxn modelId="{23EF5A45-E54E-48F3-B3FB-123535B76EF3}" type="presOf" srcId="{8F6D71B5-B914-4A6D-AB45-388E6AE9A0C1}" destId="{FF050050-DE58-4DED-A57F-90FE9F6AB00B}" srcOrd="0" destOrd="0" presId="urn:microsoft.com/office/officeart/2005/8/layout/hierarchy2"/>
-    <dgm:cxn modelId="{F1B6D353-2E07-44BD-AEB1-AB3BDFFABCD9}" srcId="{B8094E47-4FAF-458C-A9AF-639E25922172}" destId="{3227FA27-5DD7-4087-9DBF-435411FCA308}" srcOrd="0" destOrd="0" parTransId="{8F6D71B5-B914-4A6D-AB45-388E6AE9A0C1}" sibTransId="{6EF26145-6558-4E98-8191-60666DABC786}"/>
-    <dgm:cxn modelId="{15E84B56-976D-4BE6-A483-B90D19B1AF89}" type="presOf" srcId="{C1299336-0F71-4648-8E58-9C2F75CCB935}" destId="{493491D1-744D-41A4-BE18-B46EDB5AA4E1}" srcOrd="0" destOrd="0" presId="urn:microsoft.com/office/officeart/2005/8/layout/hierarchy2"/>
-    <dgm:cxn modelId="{67C83D58-5867-453C-A0B2-B4177EC19AB3}" srcId="{B4BDAEAD-F870-4CAB-B061-CF8644412EC0}" destId="{C1299336-0F71-4648-8E58-9C2F75CCB935}" srcOrd="1" destOrd="0" parTransId="{A3B96B8E-29D6-4247-9E2C-48F75DE865EB}" sibTransId="{08DDCBD8-D103-42BD-B07D-51B0876E6CD4}"/>
-    <dgm:cxn modelId="{74C05F7E-C4D9-4C5D-AC64-656F4B714EFC}" srcId="{C1299336-0F71-4648-8E58-9C2F75CCB935}" destId="{80107EC6-C21B-4C65-88BA-9B2103B949F7}" srcOrd="0" destOrd="0" parTransId="{A5A9E1F2-7BB3-44F2-B885-711ADE6C158E}" sibTransId="{65142CD9-47BA-4025-8711-ECB0B60BB434}"/>
-    <dgm:cxn modelId="{5043288E-C437-481D-B4D1-AE4C2C6EE918}" type="presOf" srcId="{A5A9E1F2-7BB3-44F2-B885-711ADE6C158E}" destId="{091684F1-B6BC-4FDE-8372-1FA6F53A0436}" srcOrd="1" destOrd="0" presId="urn:microsoft.com/office/officeart/2005/8/layout/hierarchy2"/>
-    <dgm:cxn modelId="{DF08BFC5-4CC5-417C-A218-DAD6FF1670D8}" type="presOf" srcId="{8F6D71B5-B914-4A6D-AB45-388E6AE9A0C1}" destId="{D16BBA50-F89F-4F60-B09D-158431B99FB5}" srcOrd="1" destOrd="0" presId="urn:microsoft.com/office/officeart/2005/8/layout/hierarchy2"/>
-    <dgm:cxn modelId="{20B5FECC-C3F7-4A97-802E-517B4F84FA5C}" srcId="{B4BDAEAD-F870-4CAB-B061-CF8644412EC0}" destId="{B8094E47-4FAF-458C-A9AF-639E25922172}" srcOrd="0" destOrd="0" parTransId="{B9DA3B62-A988-42D1-A645-ECB50C0E835D}" sibTransId="{2BDA97EA-D81B-45D6-8D6C-2033713CAE21}"/>
-    <dgm:cxn modelId="{92A4E070-10A9-4CDB-BEC5-183F1A29C230}" type="presParOf" srcId="{44E6DCD6-0C6F-46AC-82A0-09299FDBD8C1}" destId="{6EFD5701-A353-44D9-8278-52EEBFB018BA}" srcOrd="0" destOrd="0" presId="urn:microsoft.com/office/officeart/2005/8/layout/hierarchy2"/>
-    <dgm:cxn modelId="{96C7E649-BE5E-4F86-83F8-6C48FDC6B660}" type="presParOf" srcId="{6EFD5701-A353-44D9-8278-52EEBFB018BA}" destId="{00F4D007-9000-4BC2-B110-EFA8C461C41C}" srcOrd="0" destOrd="0" presId="urn:microsoft.com/office/officeart/2005/8/layout/hierarchy2"/>
-    <dgm:cxn modelId="{21D9F3CF-DC7A-405A-B7A9-0643E5B12BA2}" type="presParOf" srcId="{6EFD5701-A353-44D9-8278-52EEBFB018BA}" destId="{4E4A248B-10B2-45BA-8398-08825E9CB311}" srcOrd="1" destOrd="0" presId="urn:microsoft.com/office/officeart/2005/8/layout/hierarchy2"/>
-    <dgm:cxn modelId="{4AF4E73B-0C0C-4899-ADD1-70736A741A74}" type="presParOf" srcId="{4E4A248B-10B2-45BA-8398-08825E9CB311}" destId="{FF050050-DE58-4DED-A57F-90FE9F6AB00B}" srcOrd="0" destOrd="0" presId="urn:microsoft.com/office/officeart/2005/8/layout/hierarchy2"/>
-    <dgm:cxn modelId="{C68A66ED-B844-4595-8EC1-C95D1D3A4D0C}" type="presParOf" srcId="{FF050050-DE58-4DED-A57F-90FE9F6AB00B}" destId="{D16BBA50-F89F-4F60-B09D-158431B99FB5}" srcOrd="0" destOrd="0" presId="urn:microsoft.com/office/officeart/2005/8/layout/hierarchy2"/>
-    <dgm:cxn modelId="{25553C83-C830-4B6F-AFC7-3697689939B6}" type="presParOf" srcId="{4E4A248B-10B2-45BA-8398-08825E9CB311}" destId="{F855628C-86A6-4F28-98B0-277081EEFFB0}" srcOrd="1" destOrd="0" presId="urn:microsoft.com/office/officeart/2005/8/layout/hierarchy2"/>
-    <dgm:cxn modelId="{F380135F-0582-44C2-8D02-7DD79CEABB46}" type="presParOf" srcId="{F855628C-86A6-4F28-98B0-277081EEFFB0}" destId="{3FEB05AD-BF2F-4D6F-86E2-71BDEB8CCF96}" srcOrd="0" destOrd="0" presId="urn:microsoft.com/office/officeart/2005/8/layout/hierarchy2"/>
-    <dgm:cxn modelId="{4AB425B0-2990-4E74-9815-24FE54423607}" type="presParOf" srcId="{F855628C-86A6-4F28-98B0-277081EEFFB0}" destId="{6CCEC9B6-8821-4E23-8EB4-F899A1872DC9}" srcOrd="1" destOrd="0" presId="urn:microsoft.com/office/officeart/2005/8/layout/hierarchy2"/>
-    <dgm:cxn modelId="{3E109281-F7A8-4529-8E84-B0E3A1B7152E}" type="presParOf" srcId="{44E6DCD6-0C6F-46AC-82A0-09299FDBD8C1}" destId="{237BBC99-9A96-4392-B1A5-7B7E81CABEE9}" srcOrd="1" destOrd="0" presId="urn:microsoft.com/office/officeart/2005/8/layout/hierarchy2"/>
-    <dgm:cxn modelId="{2F57E8DE-B457-475B-9934-034A44DB4004}" type="presParOf" srcId="{237BBC99-9A96-4392-B1A5-7B7E81CABEE9}" destId="{493491D1-744D-41A4-BE18-B46EDB5AA4E1}" srcOrd="0" destOrd="0" presId="urn:microsoft.com/office/officeart/2005/8/layout/hierarchy2"/>
-    <dgm:cxn modelId="{2506A8B7-0FD5-4E16-A1EB-2697D2A6E299}" type="presParOf" srcId="{237BBC99-9A96-4392-B1A5-7B7E81CABEE9}" destId="{22B3D471-5C02-4EC4-8B38-51C812C8AFA5}" srcOrd="1" destOrd="0" presId="urn:microsoft.com/office/officeart/2005/8/layout/hierarchy2"/>
-    <dgm:cxn modelId="{633410AA-D0A6-4C9A-966D-9AAFCD7B8B43}" type="presParOf" srcId="{22B3D471-5C02-4EC4-8B38-51C812C8AFA5}" destId="{2F6EED4F-627B-42B3-BFB1-66A1A047C6EE}" srcOrd="0" destOrd="0" presId="urn:microsoft.com/office/officeart/2005/8/layout/hierarchy2"/>
-    <dgm:cxn modelId="{B777BFDD-B3F3-48EB-B3B7-AFE35510CB1F}" type="presParOf" srcId="{2F6EED4F-627B-42B3-BFB1-66A1A047C6EE}" destId="{091684F1-B6BC-4FDE-8372-1FA6F53A0436}" srcOrd="0" destOrd="0" presId="urn:microsoft.com/office/officeart/2005/8/layout/hierarchy2"/>
-    <dgm:cxn modelId="{FCB3C472-AB2A-4B0F-A618-AF4A5C0DE593}" type="presParOf" srcId="{22B3D471-5C02-4EC4-8B38-51C812C8AFA5}" destId="{E1BB77A5-F2CA-4162-8144-95EB6ADFCC22}" srcOrd="1" destOrd="0" presId="urn:microsoft.com/office/officeart/2005/8/layout/hierarchy2"/>
-    <dgm:cxn modelId="{8B8CE6C4-4987-44FE-B848-3138378ABDE7}" type="presParOf" srcId="{E1BB77A5-F2CA-4162-8144-95EB6ADFCC22}" destId="{1FDFF44A-9FDE-4E39-91CA-D4930B9B1EC7}" srcOrd="0" destOrd="0" presId="urn:microsoft.com/office/officeart/2005/8/layout/hierarchy2"/>
-    <dgm:cxn modelId="{3FF4471E-69B7-4587-A9DC-1F3165C7C974}" type="presParOf" srcId="{E1BB77A5-F2CA-4162-8144-95EB6ADFCC22}" destId="{448CD1B8-53BC-47A6-BA31-F801A30A3FC0}" srcOrd="1" destOrd="0" presId="urn:microsoft.com/office/officeart/2005/8/layout/hierarchy2"/>
-  </dgm:cxnLst>
-  <dgm:bg/>
-  <dgm:whole/>
-  <dgm:extLst>
-    <a:ext uri="http://schemas.microsoft.com/office/drawing/2008/diagram">
-      <dsp:dataModelExt xmlns:dsp="http://schemas.microsoft.com/office/drawing/2008/diagram" relId="rId6" minVer="http://schemas.openxmlformats.org/drawingml/2006/diagram"/>
-    </a:ext>
-  </dgm:extLst>
-</dgm:dataModel>
-</file>
-
-<file path=ppt/diagrams/data5.xml><?xml version="1.0" encoding="utf-8"?>
 <dgm:dataModel xmlns:dgm="http://schemas.openxmlformats.org/drawingml/2006/diagram" xmlns:a="http://schemas.openxmlformats.org/drawingml/2006/main">
   <dgm:ptLst>
     <dgm:pt modelId="{3AB1A4C2-AE53-478C-80CE-77219E1AF84E}" type="doc">
@@ -6632,10 +5847,14 @@
         <a:bodyPr/>
         <a:lstStyle/>
         <a:p>
+          <a:pPr rtl="0"/>
           <a:r>
-            <a:rPr lang="en-US"/>
-            <a:t>Business model</a:t>
+            <a:rPr lang="en-US" b="1">
+              <a:latin typeface="Calibri Light" panose="020F0302020204030204"/>
+            </a:rPr>
+            <a:t>Fremium Model</a:t>
           </a:r>
+          <a:endParaRPr lang="en-US" b="1"/>
         </a:p>
       </dgm:t>
     </dgm:pt>
@@ -6661,257 +5880,103 @@
         </a:p>
       </dgm:t>
     </dgm:pt>
-    <dgm:pt modelId="{9AC6D683-A150-40D1-AB45-626D8A6D1C2D}">
+    <dgm:pt modelId="{A61148C8-AD71-4CF6-83FE-4B547FBBD8D8}">
+      <dgm:prSet phldr="0"/>
+      <dgm:spPr/>
+      <dgm:t>
+        <a:bodyPr/>
+        <a:lstStyle/>
+        <a:p>
+          <a:pPr rtl="0"/>
+          <a:r>
+            <a:rPr lang="en-US">
+              <a:solidFill>
+                <a:srgbClr val="000000"/>
+              </a:solidFill>
+              <a:latin typeface="Calibri"/>
+              <a:ea typeface="Calibri"/>
+              <a:cs typeface="Calibri"/>
+            </a:rPr>
+            <a:t>Core Service Always Free</a:t>
+          </a:r>
+          <a:endParaRPr lang="en-US">
+            <a:solidFill>
+              <a:srgbClr val="000000"/>
+            </a:solidFill>
+            <a:latin typeface="Calibri Light" panose="020F0302020204030204"/>
+          </a:endParaRPr>
+        </a:p>
+      </dgm:t>
+    </dgm:pt>
+    <dgm:pt modelId="{2C0F096E-4366-4AA9-8523-5045E16BCD0C}" type="parTrans" cxnId="{7572D5A6-27EA-408E-8E28-8D58CA203D11}">
       <dgm:prSet/>
+      <dgm:spPr/>
+    </dgm:pt>
+    <dgm:pt modelId="{093C1699-E80E-478F-B27D-CE30E1A09916}" type="sibTrans" cxnId="{7572D5A6-27EA-408E-8E28-8D58CA203D11}">
+      <dgm:prSet/>
+      <dgm:spPr/>
+    </dgm:pt>
+    <dgm:pt modelId="{AEA523EE-B4A5-45A2-BC93-27501671D8AF}">
+      <dgm:prSet phldr="0"/>
       <dgm:spPr/>
       <dgm:t>
         <a:bodyPr/>
         <a:lstStyle/>
         <a:p>
           <a:r>
-            <a:rPr lang="en-US"/>
-            <a:t>Premium Features</a:t>
+            <a:rPr lang="en-US" b="1">
+              <a:latin typeface="Calibri Light" panose="020F0302020204030204"/>
+            </a:rPr>
+            <a:t>Advertising</a:t>
           </a:r>
         </a:p>
       </dgm:t>
     </dgm:pt>
-    <dgm:pt modelId="{9AA45AF8-F3FA-4158-87C5-111B0B753EFF}" type="parTrans" cxnId="{899950C9-AA85-46A5-98DF-3B830185A0DE}">
+    <dgm:pt modelId="{9B2B32AD-DF50-4B9B-A10C-0AFE2E5B9B2A}" type="parTrans" cxnId="{8CDB827F-C7D9-40FA-91DF-F477D1C20A5A}">
       <dgm:prSet/>
+      <dgm:spPr/>
+    </dgm:pt>
+    <dgm:pt modelId="{DB0C671B-6552-407B-9AAC-7536B0B3F826}" type="sibTrans" cxnId="{8CDB827F-C7D9-40FA-91DF-F477D1C20A5A}">
+      <dgm:prSet/>
+      <dgm:spPr/>
+    </dgm:pt>
+    <dgm:pt modelId="{14F5BD1E-AB74-4C8B-BF2C-6794A4D4960E}">
+      <dgm:prSet phldr="0"/>
       <dgm:spPr/>
       <dgm:t>
         <a:bodyPr/>
         <a:lstStyle/>
         <a:p>
-          <a:endParaRPr lang="en-US"/>
+          <a:pPr rtl="0"/>
+          <a:r>
+            <a:rPr lang="en-US">
+              <a:solidFill>
+                <a:srgbClr val="000000"/>
+              </a:solidFill>
+              <a:latin typeface="Calibri"/>
+              <a:ea typeface="Calibri"/>
+              <a:cs typeface="Calibri"/>
+            </a:rPr>
+            <a:t>Premium Features ($15/semester)</a:t>
+          </a:r>
+          <a:endParaRPr lang="en-US">
+            <a:solidFill>
+              <a:srgbClr val="000000"/>
+            </a:solidFill>
+            <a:latin typeface="Calibri Light" panose="020F0302020204030204"/>
+            <a:ea typeface="Calibri Light" panose="020F0302020204030204"/>
+            <a:cs typeface="Calibri Light" panose="020F0302020204030204"/>
+          </a:endParaRPr>
         </a:p>
       </dgm:t>
     </dgm:pt>
-    <dgm:pt modelId="{4731BC8A-8138-4025-8427-D9D471BF11DA}" type="sibTrans" cxnId="{899950C9-AA85-46A5-98DF-3B830185A0DE}">
+    <dgm:pt modelId="{A4AFAE8F-C250-4B5A-85D5-33939C8B0B5D}" type="parTrans" cxnId="{CD6E97A0-8D93-45B0-8D70-717FED532D23}">
       <dgm:prSet/>
       <dgm:spPr/>
-      <dgm:t>
-        <a:bodyPr/>
-        <a:lstStyle/>
-        <a:p>
-          <a:endParaRPr lang="en-US"/>
-        </a:p>
-      </dgm:t>
     </dgm:pt>
-    <dgm:pt modelId="{4E0B3509-6856-429E-9339-B869138CEB19}">
+    <dgm:pt modelId="{39D89B48-EB43-472D-9DC2-986BDC185A5F}" type="sibTrans" cxnId="{CD6E97A0-8D93-45B0-8D70-717FED532D23}">
       <dgm:prSet/>
       <dgm:spPr/>
-      <dgm:t>
-        <a:bodyPr/>
-        <a:lstStyle/>
-        <a:p>
-          <a:r>
-            <a:rPr lang="en-US"/>
-            <a:t>Career advice</a:t>
-          </a:r>
-        </a:p>
-      </dgm:t>
-    </dgm:pt>
-    <dgm:pt modelId="{6C28AB50-3334-433A-94B0-316EBC137B0D}" type="parTrans" cxnId="{5A7868E5-B765-4A23-8EA5-E5AFF11294A2}">
-      <dgm:prSet/>
-      <dgm:spPr/>
-      <dgm:t>
-        <a:bodyPr/>
-        <a:lstStyle/>
-        <a:p>
-          <a:endParaRPr lang="en-US"/>
-        </a:p>
-      </dgm:t>
-    </dgm:pt>
-    <dgm:pt modelId="{41BAAC1F-82F5-4D1F-A625-0B989361B693}" type="sibTrans" cxnId="{5A7868E5-B765-4A23-8EA5-E5AFF11294A2}">
-      <dgm:prSet/>
-      <dgm:spPr/>
-      <dgm:t>
-        <a:bodyPr/>
-        <a:lstStyle/>
-        <a:p>
-          <a:endParaRPr lang="en-US"/>
-        </a:p>
-      </dgm:t>
-    </dgm:pt>
-    <dgm:pt modelId="{2E8B5520-76C6-4CE8-BA18-05F747572F11}">
-      <dgm:prSet/>
-      <dgm:spPr/>
-      <dgm:t>
-        <a:bodyPr/>
-        <a:lstStyle/>
-        <a:p>
-          <a:r>
-            <a:rPr lang="en-US"/>
-            <a:t>Custom GPTs for classes</a:t>
-          </a:r>
-        </a:p>
-      </dgm:t>
-    </dgm:pt>
-    <dgm:pt modelId="{062B6F4F-0BF6-4E59-AE06-39C75500D40D}" type="parTrans" cxnId="{ACBCA1EC-8174-4032-B7E9-9CF61B2220ED}">
-      <dgm:prSet/>
-      <dgm:spPr/>
-      <dgm:t>
-        <a:bodyPr/>
-        <a:lstStyle/>
-        <a:p>
-          <a:endParaRPr lang="en-US"/>
-        </a:p>
-      </dgm:t>
-    </dgm:pt>
-    <dgm:pt modelId="{3C2ABA26-C370-4975-8CD4-EE19FF9D1D7B}" type="sibTrans" cxnId="{ACBCA1EC-8174-4032-B7E9-9CF61B2220ED}">
-      <dgm:prSet/>
-      <dgm:spPr/>
-      <dgm:t>
-        <a:bodyPr/>
-        <a:lstStyle/>
-        <a:p>
-          <a:endParaRPr lang="en-US"/>
-        </a:p>
-      </dgm:t>
-    </dgm:pt>
-    <dgm:pt modelId="{4EE7BF82-7099-4083-B67D-729C5D44F3E0}">
-      <dgm:prSet/>
-      <dgm:spPr/>
-      <dgm:t>
-        <a:bodyPr/>
-        <a:lstStyle/>
-        <a:p>
-          <a:r>
-            <a:rPr lang="en-US"/>
-            <a:t>Advertising</a:t>
-          </a:r>
-        </a:p>
-      </dgm:t>
-    </dgm:pt>
-    <dgm:pt modelId="{17ED657B-10E0-4571-8F53-6B7CBBCE8858}" type="parTrans" cxnId="{1552BFB8-17F6-4898-95A4-D3AF34468F1D}">
-      <dgm:prSet/>
-      <dgm:spPr/>
-      <dgm:t>
-        <a:bodyPr/>
-        <a:lstStyle/>
-        <a:p>
-          <a:endParaRPr lang="en-US"/>
-        </a:p>
-      </dgm:t>
-    </dgm:pt>
-    <dgm:pt modelId="{F35F2B7C-1BD3-4743-A0B6-DC58FA00AA18}" type="sibTrans" cxnId="{1552BFB8-17F6-4898-95A4-D3AF34468F1D}">
-      <dgm:prSet/>
-      <dgm:spPr/>
-      <dgm:t>
-        <a:bodyPr/>
-        <a:lstStyle/>
-        <a:p>
-          <a:endParaRPr lang="en-US"/>
-        </a:p>
-      </dgm:t>
-    </dgm:pt>
-    <dgm:pt modelId="{1376FF93-307F-4EEB-9E7F-172AD6F36A36}">
-      <dgm:prSet/>
-      <dgm:spPr/>
-      <dgm:t>
-        <a:bodyPr/>
-        <a:lstStyle/>
-        <a:p>
-          <a:r>
-            <a:rPr lang="en-US"/>
-            <a:t>Research Surveys</a:t>
-          </a:r>
-        </a:p>
-      </dgm:t>
-    </dgm:pt>
-    <dgm:pt modelId="{F07A51C8-6438-4027-8B18-9055D2DDC357}" type="parTrans" cxnId="{CB7C5C0E-1934-4191-A067-8702FC1CA40A}">
-      <dgm:prSet/>
-      <dgm:spPr/>
-      <dgm:t>
-        <a:bodyPr/>
-        <a:lstStyle/>
-        <a:p>
-          <a:endParaRPr lang="en-US"/>
-        </a:p>
-      </dgm:t>
-    </dgm:pt>
-    <dgm:pt modelId="{9238BFB1-CD7D-4A37-966F-4147CED4F963}" type="sibTrans" cxnId="{CB7C5C0E-1934-4191-A067-8702FC1CA40A}">
-      <dgm:prSet/>
-      <dgm:spPr/>
-      <dgm:t>
-        <a:bodyPr/>
-        <a:lstStyle/>
-        <a:p>
-          <a:endParaRPr lang="en-US"/>
-        </a:p>
-      </dgm:t>
-    </dgm:pt>
-    <dgm:pt modelId="{5FDF3732-0B1C-48DC-880D-AE986C000B61}">
-      <dgm:prSet/>
-      <dgm:spPr/>
-      <dgm:t>
-        <a:bodyPr/>
-        <a:lstStyle/>
-        <a:p>
-          <a:r>
-            <a:rPr lang="en-US"/>
-            <a:t>Video Ads</a:t>
-          </a:r>
-        </a:p>
-      </dgm:t>
-    </dgm:pt>
-    <dgm:pt modelId="{CAA6BE6D-4809-4278-BAD3-AF3FE37A3D34}" type="parTrans" cxnId="{724EC3E8-53DA-4565-BD43-454E72E2CDD8}">
-      <dgm:prSet/>
-      <dgm:spPr/>
-      <dgm:t>
-        <a:bodyPr/>
-        <a:lstStyle/>
-        <a:p>
-          <a:endParaRPr lang="en-US"/>
-        </a:p>
-      </dgm:t>
-    </dgm:pt>
-    <dgm:pt modelId="{00DCC6DD-3DC0-4F05-A7F7-299A1CE69BB1}" type="sibTrans" cxnId="{724EC3E8-53DA-4565-BD43-454E72E2CDD8}">
-      <dgm:prSet/>
-      <dgm:spPr/>
-      <dgm:t>
-        <a:bodyPr/>
-        <a:lstStyle/>
-        <a:p>
-          <a:endParaRPr lang="en-US"/>
-        </a:p>
-      </dgm:t>
-    </dgm:pt>
-    <dgm:pt modelId="{F3AB809A-97F0-44B5-8FCE-EEE176401EAF}">
-      <dgm:prSet/>
-      <dgm:spPr/>
-      <dgm:t>
-        <a:bodyPr/>
-        <a:lstStyle/>
-        <a:p>
-          <a:r>
-            <a:rPr lang="en-US"/>
-            <a:t>CORE SERVICE ALWAYS FREE</a:t>
-          </a:r>
-        </a:p>
-      </dgm:t>
-    </dgm:pt>
-    <dgm:pt modelId="{8FD89D95-D922-49BA-A03C-72014DBB4BB2}" type="parTrans" cxnId="{2DF3EC24-6F36-41CF-8AD6-320B666FBF17}">
-      <dgm:prSet/>
-      <dgm:spPr/>
-      <dgm:t>
-        <a:bodyPr/>
-        <a:lstStyle/>
-        <a:p>
-          <a:endParaRPr lang="en-US"/>
-        </a:p>
-      </dgm:t>
-    </dgm:pt>
-    <dgm:pt modelId="{F712FCBA-0B68-47FF-899A-C94B7BE84929}" type="sibTrans" cxnId="{2DF3EC24-6F36-41CF-8AD6-320B666FBF17}">
-      <dgm:prSet/>
-      <dgm:spPr/>
-      <dgm:t>
-        <a:bodyPr/>
-        <a:lstStyle/>
-        <a:p>
-          <a:endParaRPr lang="en-US"/>
-        </a:p>
-      </dgm:t>
     </dgm:pt>
     <dgm:pt modelId="{4D03A9F7-6194-461A-BD37-F1182886B5DF}" type="pres">
       <dgm:prSet presAssocID="{3AB1A4C2-AE53-478C-80CE-77219E1AF84E}" presName="hierChild1" presStyleCnt="0">
@@ -6949,275 +6014,127 @@
       <dgm:prSet presAssocID="{9C48839D-FFF9-48D6-B622-C6416608B91A}" presName="hierChild2" presStyleCnt="0"/>
       <dgm:spPr/>
     </dgm:pt>
-    <dgm:pt modelId="{034F107D-5B0B-45B4-BA71-7DADA5F9D54B}" type="pres">
-      <dgm:prSet presAssocID="{9AA45AF8-F3FA-4158-87C5-111B0B753EFF}" presName="Name10" presStyleLbl="parChTrans1D2" presStyleIdx="0" presStyleCnt="3"/>
+    <dgm:pt modelId="{99F85851-1A7F-44BB-83E9-92B20E81E9C7}" type="pres">
+      <dgm:prSet presAssocID="{A4AFAE8F-C250-4B5A-85D5-33939C8B0B5D}" presName="Name10" presStyleLbl="parChTrans1D2" presStyleIdx="0" presStyleCnt="3"/>
       <dgm:spPr/>
     </dgm:pt>
-    <dgm:pt modelId="{599B10FE-923A-4D71-876E-544F4BDC9474}" type="pres">
-      <dgm:prSet presAssocID="{9AC6D683-A150-40D1-AB45-626D8A6D1C2D}" presName="hierRoot2" presStyleCnt="0"/>
+    <dgm:pt modelId="{B75FDA52-EF8B-4B5A-9591-4F9D8DB99098}" type="pres">
+      <dgm:prSet presAssocID="{14F5BD1E-AB74-4C8B-BF2C-6794A4D4960E}" presName="hierRoot2" presStyleCnt="0"/>
       <dgm:spPr/>
     </dgm:pt>
-    <dgm:pt modelId="{B94BE653-42E6-47AB-88F3-36B8DFC7EB58}" type="pres">
-      <dgm:prSet presAssocID="{9AC6D683-A150-40D1-AB45-626D8A6D1C2D}" presName="composite2" presStyleCnt="0"/>
+    <dgm:pt modelId="{1C690495-3131-4338-8429-F80FF0D6AE80}" type="pres">
+      <dgm:prSet presAssocID="{14F5BD1E-AB74-4C8B-BF2C-6794A4D4960E}" presName="composite2" presStyleCnt="0"/>
       <dgm:spPr/>
     </dgm:pt>
-    <dgm:pt modelId="{B5772935-8836-4ECD-A5A5-51D9DD997DF9}" type="pres">
-      <dgm:prSet presAssocID="{9AC6D683-A150-40D1-AB45-626D8A6D1C2D}" presName="background2" presStyleLbl="node2" presStyleIdx="0" presStyleCnt="3"/>
+    <dgm:pt modelId="{5E396162-73A6-4BD4-91D2-3E3B3B684F4E}" type="pres">
+      <dgm:prSet presAssocID="{14F5BD1E-AB74-4C8B-BF2C-6794A4D4960E}" presName="background2" presStyleLbl="node2" presStyleIdx="0" presStyleCnt="3"/>
       <dgm:spPr/>
     </dgm:pt>
-    <dgm:pt modelId="{FB39D664-77DF-4261-94AE-535F4CA75B37}" type="pres">
-      <dgm:prSet presAssocID="{9AC6D683-A150-40D1-AB45-626D8A6D1C2D}" presName="text2" presStyleLbl="fgAcc2" presStyleIdx="0" presStyleCnt="3">
+    <dgm:pt modelId="{DCFBA7A0-0164-42BF-B41D-FF6EEF0DFC0F}" type="pres">
+      <dgm:prSet presAssocID="{14F5BD1E-AB74-4C8B-BF2C-6794A4D4960E}" presName="text2" presStyleLbl="fgAcc2" presStyleIdx="0" presStyleCnt="3">
         <dgm:presLayoutVars>
           <dgm:chPref val="3"/>
         </dgm:presLayoutVars>
       </dgm:prSet>
       <dgm:spPr/>
     </dgm:pt>
-    <dgm:pt modelId="{A9021CFF-6817-44D6-95A2-F2926EC291B5}" type="pres">
-      <dgm:prSet presAssocID="{9AC6D683-A150-40D1-AB45-626D8A6D1C2D}" presName="hierChild3" presStyleCnt="0"/>
+    <dgm:pt modelId="{C4CA283F-7DFB-48D2-A662-E473094B0442}" type="pres">
+      <dgm:prSet presAssocID="{14F5BD1E-AB74-4C8B-BF2C-6794A4D4960E}" presName="hierChild3" presStyleCnt="0"/>
       <dgm:spPr/>
     </dgm:pt>
-    <dgm:pt modelId="{E280CD9C-8AA9-4435-97E9-2211DAC9E0ED}" type="pres">
-      <dgm:prSet presAssocID="{6C28AB50-3334-433A-94B0-316EBC137B0D}" presName="Name17" presStyleLbl="parChTrans1D3" presStyleIdx="0" presStyleCnt="4"/>
+    <dgm:pt modelId="{F434F527-71A3-42B4-9F38-C3484B05E6BE}" type="pres">
+      <dgm:prSet presAssocID="{2C0F096E-4366-4AA9-8523-5045E16BCD0C}" presName="Name10" presStyleLbl="parChTrans1D2" presStyleIdx="1" presStyleCnt="3"/>
       <dgm:spPr/>
     </dgm:pt>
-    <dgm:pt modelId="{79311D8A-E5B5-42C4-9A52-FB2B2875926A}" type="pres">
-      <dgm:prSet presAssocID="{4E0B3509-6856-429E-9339-B869138CEB19}" presName="hierRoot3" presStyleCnt="0"/>
+    <dgm:pt modelId="{600F0C51-BC39-459E-8B11-4692DE5593E8}" type="pres">
+      <dgm:prSet presAssocID="{A61148C8-AD71-4CF6-83FE-4B547FBBD8D8}" presName="hierRoot2" presStyleCnt="0"/>
       <dgm:spPr/>
     </dgm:pt>
-    <dgm:pt modelId="{F8E18B12-7A44-4BC7-87EF-069E77A4DD60}" type="pres">
-      <dgm:prSet presAssocID="{4E0B3509-6856-429E-9339-B869138CEB19}" presName="composite3" presStyleCnt="0"/>
+    <dgm:pt modelId="{BC66F9C5-3741-4C39-A280-3CD5589764D3}" type="pres">
+      <dgm:prSet presAssocID="{A61148C8-AD71-4CF6-83FE-4B547FBBD8D8}" presName="composite2" presStyleCnt="0"/>
       <dgm:spPr/>
     </dgm:pt>
-    <dgm:pt modelId="{AFC408B0-C814-41D4-9939-443F8AB43EA9}" type="pres">
-      <dgm:prSet presAssocID="{4E0B3509-6856-429E-9339-B869138CEB19}" presName="background3" presStyleLbl="node3" presStyleIdx="0" presStyleCnt="4"/>
+    <dgm:pt modelId="{A8B77318-E141-4A16-91A8-67D930D4D072}" type="pres">
+      <dgm:prSet presAssocID="{A61148C8-AD71-4CF6-83FE-4B547FBBD8D8}" presName="background2" presStyleLbl="node2" presStyleIdx="1" presStyleCnt="3"/>
       <dgm:spPr/>
     </dgm:pt>
-    <dgm:pt modelId="{A7AFB210-03A9-443F-A954-3F57071787F0}" type="pres">
-      <dgm:prSet presAssocID="{4E0B3509-6856-429E-9339-B869138CEB19}" presName="text3" presStyleLbl="fgAcc3" presStyleIdx="0" presStyleCnt="4">
+    <dgm:pt modelId="{3A43B45D-5645-4A64-B6A0-A49F195723A6}" type="pres">
+      <dgm:prSet presAssocID="{A61148C8-AD71-4CF6-83FE-4B547FBBD8D8}" presName="text2" presStyleLbl="fgAcc2" presStyleIdx="1" presStyleCnt="3">
         <dgm:presLayoutVars>
           <dgm:chPref val="3"/>
         </dgm:presLayoutVars>
       </dgm:prSet>
       <dgm:spPr/>
     </dgm:pt>
-    <dgm:pt modelId="{DAD3DDC6-92A8-4611-B670-75C1A41E5E42}" type="pres">
-      <dgm:prSet presAssocID="{4E0B3509-6856-429E-9339-B869138CEB19}" presName="hierChild4" presStyleCnt="0"/>
+    <dgm:pt modelId="{DAB71167-6E3A-46E2-A9A7-D46D7A6DE13C}" type="pres">
+      <dgm:prSet presAssocID="{A61148C8-AD71-4CF6-83FE-4B547FBBD8D8}" presName="hierChild3" presStyleCnt="0"/>
       <dgm:spPr/>
     </dgm:pt>
-    <dgm:pt modelId="{7041C1E0-C1CF-4E4D-8F74-4141519280B5}" type="pres">
-      <dgm:prSet presAssocID="{062B6F4F-0BF6-4E59-AE06-39C75500D40D}" presName="Name17" presStyleLbl="parChTrans1D3" presStyleIdx="1" presStyleCnt="4"/>
+    <dgm:pt modelId="{D9D611F1-E9B8-4DA0-85D9-E8CCEA1C34D2}" type="pres">
+      <dgm:prSet presAssocID="{9B2B32AD-DF50-4B9B-A10C-0AFE2E5B9B2A}" presName="Name10" presStyleLbl="parChTrans1D2" presStyleIdx="2" presStyleCnt="3"/>
       <dgm:spPr/>
     </dgm:pt>
-    <dgm:pt modelId="{31F0E43B-0C3E-4073-9717-EB1C0FFA41AF}" type="pres">
-      <dgm:prSet presAssocID="{2E8B5520-76C6-4CE8-BA18-05F747572F11}" presName="hierRoot3" presStyleCnt="0"/>
+    <dgm:pt modelId="{8B3A063A-1799-4F44-8B4E-F3E1EE5BCFD6}" type="pres">
+      <dgm:prSet presAssocID="{AEA523EE-B4A5-45A2-BC93-27501671D8AF}" presName="hierRoot2" presStyleCnt="0"/>
       <dgm:spPr/>
     </dgm:pt>
-    <dgm:pt modelId="{A73CD132-C37D-4D52-8C32-447D646AA86D}" type="pres">
-      <dgm:prSet presAssocID="{2E8B5520-76C6-4CE8-BA18-05F747572F11}" presName="composite3" presStyleCnt="0"/>
+    <dgm:pt modelId="{56F65A70-9078-4077-BFD4-3DAC8FB2C2EA}" type="pres">
+      <dgm:prSet presAssocID="{AEA523EE-B4A5-45A2-BC93-27501671D8AF}" presName="composite2" presStyleCnt="0"/>
       <dgm:spPr/>
     </dgm:pt>
-    <dgm:pt modelId="{5DCFB5B6-916C-44D9-897E-4D38ABC961B8}" type="pres">
-      <dgm:prSet presAssocID="{2E8B5520-76C6-4CE8-BA18-05F747572F11}" presName="background3" presStyleLbl="node3" presStyleIdx="1" presStyleCnt="4"/>
+    <dgm:pt modelId="{D2A3E75E-1BAC-4A5F-86D1-9A877E0A6E8F}" type="pres">
+      <dgm:prSet presAssocID="{AEA523EE-B4A5-45A2-BC93-27501671D8AF}" presName="background2" presStyleLbl="node2" presStyleIdx="2" presStyleCnt="3"/>
       <dgm:spPr/>
     </dgm:pt>
-    <dgm:pt modelId="{7BD50D80-32CE-40DE-B539-A3F06E735D14}" type="pres">
-      <dgm:prSet presAssocID="{2E8B5520-76C6-4CE8-BA18-05F747572F11}" presName="text3" presStyleLbl="fgAcc3" presStyleIdx="1" presStyleCnt="4">
+    <dgm:pt modelId="{4125D1D8-2A84-49B5-90CD-6B739548C898}" type="pres">
+      <dgm:prSet presAssocID="{AEA523EE-B4A5-45A2-BC93-27501671D8AF}" presName="text2" presStyleLbl="fgAcc2" presStyleIdx="2" presStyleCnt="3">
         <dgm:presLayoutVars>
           <dgm:chPref val="3"/>
         </dgm:presLayoutVars>
       </dgm:prSet>
       <dgm:spPr/>
     </dgm:pt>
-    <dgm:pt modelId="{DB782E5F-B11E-41FE-BEB3-EEA9CC624648}" type="pres">
-      <dgm:prSet presAssocID="{2E8B5520-76C6-4CE8-BA18-05F747572F11}" presName="hierChild4" presStyleCnt="0"/>
-      <dgm:spPr/>
-    </dgm:pt>
-    <dgm:pt modelId="{8A0132BB-7C13-4199-8AC6-23F86A1C5D9D}" type="pres">
-      <dgm:prSet presAssocID="{8FD89D95-D922-49BA-A03C-72014DBB4BB2}" presName="Name10" presStyleLbl="parChTrans1D2" presStyleIdx="1" presStyleCnt="3"/>
-      <dgm:spPr/>
-    </dgm:pt>
-    <dgm:pt modelId="{1DA6259C-46D1-4457-9E6D-C0C970724700}" type="pres">
-      <dgm:prSet presAssocID="{F3AB809A-97F0-44B5-8FCE-EEE176401EAF}" presName="hierRoot2" presStyleCnt="0"/>
-      <dgm:spPr/>
-    </dgm:pt>
-    <dgm:pt modelId="{611C7BD9-367C-4CD8-9978-658B7F3F91D7}" type="pres">
-      <dgm:prSet presAssocID="{F3AB809A-97F0-44B5-8FCE-EEE176401EAF}" presName="composite2" presStyleCnt="0"/>
-      <dgm:spPr/>
-    </dgm:pt>
-    <dgm:pt modelId="{FB2907BA-B2D8-4C1D-8343-E3FF9569F90C}" type="pres">
-      <dgm:prSet presAssocID="{F3AB809A-97F0-44B5-8FCE-EEE176401EAF}" presName="background2" presStyleLbl="node2" presStyleIdx="1" presStyleCnt="3"/>
-      <dgm:spPr/>
-    </dgm:pt>
-    <dgm:pt modelId="{27460B0E-4395-42E3-985C-58FE9F76F06D}" type="pres">
-      <dgm:prSet presAssocID="{F3AB809A-97F0-44B5-8FCE-EEE176401EAF}" presName="text2" presStyleLbl="fgAcc2" presStyleIdx="1" presStyleCnt="3">
-        <dgm:presLayoutVars>
-          <dgm:chPref val="3"/>
-        </dgm:presLayoutVars>
-      </dgm:prSet>
-      <dgm:spPr/>
-    </dgm:pt>
-    <dgm:pt modelId="{21F1B302-AAE7-4334-A5BC-A7B3B0C7B97E}" type="pres">
-      <dgm:prSet presAssocID="{F3AB809A-97F0-44B5-8FCE-EEE176401EAF}" presName="hierChild3" presStyleCnt="0"/>
-      <dgm:spPr/>
-    </dgm:pt>
-    <dgm:pt modelId="{1582E236-9466-4156-935E-42E4EB491118}" type="pres">
-      <dgm:prSet presAssocID="{17ED657B-10E0-4571-8F53-6B7CBBCE8858}" presName="Name10" presStyleLbl="parChTrans1D2" presStyleIdx="2" presStyleCnt="3"/>
-      <dgm:spPr/>
-    </dgm:pt>
-    <dgm:pt modelId="{531D3665-4A2F-464F-B76F-762008D13B91}" type="pres">
-      <dgm:prSet presAssocID="{4EE7BF82-7099-4083-B67D-729C5D44F3E0}" presName="hierRoot2" presStyleCnt="0"/>
-      <dgm:spPr/>
-    </dgm:pt>
-    <dgm:pt modelId="{968FF862-14A1-4F77-A773-80AA60044444}" type="pres">
-      <dgm:prSet presAssocID="{4EE7BF82-7099-4083-B67D-729C5D44F3E0}" presName="composite2" presStyleCnt="0"/>
-      <dgm:spPr/>
-    </dgm:pt>
-    <dgm:pt modelId="{1FDD1DF9-868A-43AB-BB39-A0AD4362035E}" type="pres">
-      <dgm:prSet presAssocID="{4EE7BF82-7099-4083-B67D-729C5D44F3E0}" presName="background2" presStyleLbl="node2" presStyleIdx="2" presStyleCnt="3"/>
-      <dgm:spPr/>
-    </dgm:pt>
-    <dgm:pt modelId="{290B4B5F-A9BD-4D11-A088-054CEBE6A63C}" type="pres">
-      <dgm:prSet presAssocID="{4EE7BF82-7099-4083-B67D-729C5D44F3E0}" presName="text2" presStyleLbl="fgAcc2" presStyleIdx="2" presStyleCnt="3">
-        <dgm:presLayoutVars>
-          <dgm:chPref val="3"/>
-        </dgm:presLayoutVars>
-      </dgm:prSet>
-      <dgm:spPr/>
-    </dgm:pt>
-    <dgm:pt modelId="{AA7AAB53-B290-4BA1-8DBD-03E695686E39}" type="pres">
-      <dgm:prSet presAssocID="{4EE7BF82-7099-4083-B67D-729C5D44F3E0}" presName="hierChild3" presStyleCnt="0"/>
-      <dgm:spPr/>
-    </dgm:pt>
-    <dgm:pt modelId="{19F7C81E-C282-401A-AC24-BC6C5D233EAE}" type="pres">
-      <dgm:prSet presAssocID="{F07A51C8-6438-4027-8B18-9055D2DDC357}" presName="Name17" presStyleLbl="parChTrans1D3" presStyleIdx="2" presStyleCnt="4"/>
-      <dgm:spPr/>
-    </dgm:pt>
-    <dgm:pt modelId="{4DECCD0B-348E-472A-8C7E-39FD07101D1E}" type="pres">
-      <dgm:prSet presAssocID="{1376FF93-307F-4EEB-9E7F-172AD6F36A36}" presName="hierRoot3" presStyleCnt="0"/>
-      <dgm:spPr/>
-    </dgm:pt>
-    <dgm:pt modelId="{8F016EC5-5952-4090-B793-F467E49D19DE}" type="pres">
-      <dgm:prSet presAssocID="{1376FF93-307F-4EEB-9E7F-172AD6F36A36}" presName="composite3" presStyleCnt="0"/>
-      <dgm:spPr/>
-    </dgm:pt>
-    <dgm:pt modelId="{3032F09A-F266-4462-B689-DB6BE06075F4}" type="pres">
-      <dgm:prSet presAssocID="{1376FF93-307F-4EEB-9E7F-172AD6F36A36}" presName="background3" presStyleLbl="node3" presStyleIdx="2" presStyleCnt="4"/>
-      <dgm:spPr/>
-    </dgm:pt>
-    <dgm:pt modelId="{90D30B89-AC19-42E9-A9D8-301F87D17693}" type="pres">
-      <dgm:prSet presAssocID="{1376FF93-307F-4EEB-9E7F-172AD6F36A36}" presName="text3" presStyleLbl="fgAcc3" presStyleIdx="2" presStyleCnt="4">
-        <dgm:presLayoutVars>
-          <dgm:chPref val="3"/>
-        </dgm:presLayoutVars>
-      </dgm:prSet>
-      <dgm:spPr/>
-    </dgm:pt>
-    <dgm:pt modelId="{5DB0A702-2563-4B51-9CFB-0D9A7C5F52B2}" type="pres">
-      <dgm:prSet presAssocID="{1376FF93-307F-4EEB-9E7F-172AD6F36A36}" presName="hierChild4" presStyleCnt="0"/>
-      <dgm:spPr/>
-    </dgm:pt>
-    <dgm:pt modelId="{244794C4-2DEE-4DD3-9AC1-BC954241984A}" type="pres">
-      <dgm:prSet presAssocID="{CAA6BE6D-4809-4278-BAD3-AF3FE37A3D34}" presName="Name17" presStyleLbl="parChTrans1D3" presStyleIdx="3" presStyleCnt="4"/>
-      <dgm:spPr/>
-    </dgm:pt>
-    <dgm:pt modelId="{05370381-D8FB-480C-875E-44949C6A9693}" type="pres">
-      <dgm:prSet presAssocID="{5FDF3732-0B1C-48DC-880D-AE986C000B61}" presName="hierRoot3" presStyleCnt="0"/>
-      <dgm:spPr/>
-    </dgm:pt>
-    <dgm:pt modelId="{CA484CA9-53E3-4967-995D-13CE0768C41A}" type="pres">
-      <dgm:prSet presAssocID="{5FDF3732-0B1C-48DC-880D-AE986C000B61}" presName="composite3" presStyleCnt="0"/>
-      <dgm:spPr/>
-    </dgm:pt>
-    <dgm:pt modelId="{FCB0BF2E-66DC-4FE2-B708-BCE32BEB3C4C}" type="pres">
-      <dgm:prSet presAssocID="{5FDF3732-0B1C-48DC-880D-AE986C000B61}" presName="background3" presStyleLbl="node3" presStyleIdx="3" presStyleCnt="4"/>
-      <dgm:spPr/>
-    </dgm:pt>
-    <dgm:pt modelId="{04F8F055-DD6F-4452-AB07-03BF570A7AAD}" type="pres">
-      <dgm:prSet presAssocID="{5FDF3732-0B1C-48DC-880D-AE986C000B61}" presName="text3" presStyleLbl="fgAcc3" presStyleIdx="3" presStyleCnt="4">
-        <dgm:presLayoutVars>
-          <dgm:chPref val="3"/>
-        </dgm:presLayoutVars>
-      </dgm:prSet>
-      <dgm:spPr/>
-    </dgm:pt>
-    <dgm:pt modelId="{6A772864-A607-4CFA-8B58-6851145D931F}" type="pres">
-      <dgm:prSet presAssocID="{5FDF3732-0B1C-48DC-880D-AE986C000B61}" presName="hierChild4" presStyleCnt="0"/>
+    <dgm:pt modelId="{6343D533-0125-46E0-96B3-B88E882E8346}" type="pres">
+      <dgm:prSet presAssocID="{AEA523EE-B4A5-45A2-BC93-27501671D8AF}" presName="hierChild3" presStyleCnt="0"/>
       <dgm:spPr/>
     </dgm:pt>
   </dgm:ptLst>
   <dgm:cxnLst>
-    <dgm:cxn modelId="{CB7C5C0E-1934-4191-A067-8702FC1CA40A}" srcId="{4EE7BF82-7099-4083-B67D-729C5D44F3E0}" destId="{1376FF93-307F-4EEB-9E7F-172AD6F36A36}" srcOrd="0" destOrd="0" parTransId="{F07A51C8-6438-4027-8B18-9055D2DDC357}" sibTransId="{9238BFB1-CD7D-4A37-966F-4147CED4F963}"/>
-    <dgm:cxn modelId="{2DF3EC24-6F36-41CF-8AD6-320B666FBF17}" srcId="{9C48839D-FFF9-48D6-B622-C6416608B91A}" destId="{F3AB809A-97F0-44B5-8FCE-EEE176401EAF}" srcOrd="1" destOrd="0" parTransId="{8FD89D95-D922-49BA-A03C-72014DBB4BB2}" sibTransId="{F712FCBA-0B68-47FF-899A-C94B7BE84929}"/>
-    <dgm:cxn modelId="{8A0B2630-F4CF-4106-A121-6DA8E9946AA1}" type="presOf" srcId="{4EE7BF82-7099-4083-B67D-729C5D44F3E0}" destId="{290B4B5F-A9BD-4D11-A088-054CEBE6A63C}" srcOrd="0" destOrd="0" presId="urn:microsoft.com/office/officeart/2005/8/layout/hierarchy1"/>
-    <dgm:cxn modelId="{48617E32-94F7-4A16-8BC3-FF4EEF4F4FE7}" type="presOf" srcId="{9AC6D683-A150-40D1-AB45-626D8A6D1C2D}" destId="{FB39D664-77DF-4261-94AE-535F4CA75B37}" srcOrd="0" destOrd="0" presId="urn:microsoft.com/office/officeart/2005/8/layout/hierarchy1"/>
+    <dgm:cxn modelId="{787A880F-2B20-48DC-BF60-ECBC630A5AD1}" type="presOf" srcId="{14F5BD1E-AB74-4C8B-BF2C-6794A4D4960E}" destId="{DCFBA7A0-0164-42BF-B41D-FF6EEF0DFC0F}" srcOrd="0" destOrd="0" presId="urn:microsoft.com/office/officeart/2005/8/layout/hierarchy1"/>
     <dgm:cxn modelId="{1D0A7D40-93C6-4234-AEFB-0EE37ECE1E71}" type="presOf" srcId="{3AB1A4C2-AE53-478C-80CE-77219E1AF84E}" destId="{4D03A9F7-6194-461A-BD37-F1182886B5DF}" srcOrd="0" destOrd="0" presId="urn:microsoft.com/office/officeart/2005/8/layout/hierarchy1"/>
-    <dgm:cxn modelId="{188A2348-1128-48C1-89B7-BCA09372EDDF}" type="presOf" srcId="{6C28AB50-3334-433A-94B0-316EBC137B0D}" destId="{E280CD9C-8AA9-4435-97E9-2211DAC9E0ED}" srcOrd="0" destOrd="0" presId="urn:microsoft.com/office/officeart/2005/8/layout/hierarchy1"/>
-    <dgm:cxn modelId="{148F914B-D013-4100-92F1-22E88BA5E0AD}" type="presOf" srcId="{8FD89D95-D922-49BA-A03C-72014DBB4BB2}" destId="{8A0132BB-7C13-4199-8AC6-23F86A1C5D9D}" srcOrd="0" destOrd="0" presId="urn:microsoft.com/office/officeart/2005/8/layout/hierarchy1"/>
-    <dgm:cxn modelId="{1AEDB74C-DE43-43CE-A9B4-CACA645A3C97}" type="presOf" srcId="{9C48839D-FFF9-48D6-B622-C6416608B91A}" destId="{340041D8-C390-46D9-9DFB-25ADC9D1EB7F}" srcOrd="0" destOrd="0" presId="urn:microsoft.com/office/officeart/2005/8/layout/hierarchy1"/>
-    <dgm:cxn modelId="{50BC244E-35E5-4B84-B1DD-5B6A4B7EF6A6}" type="presOf" srcId="{062B6F4F-0BF6-4E59-AE06-39C75500D40D}" destId="{7041C1E0-C1CF-4E4D-8F74-4141519280B5}" srcOrd="0" destOrd="0" presId="urn:microsoft.com/office/officeart/2005/8/layout/hierarchy1"/>
-    <dgm:cxn modelId="{E05BCD51-B1BD-4385-8291-2ED8E927E572}" type="presOf" srcId="{9AA45AF8-F3FA-4158-87C5-111B0B753EFF}" destId="{034F107D-5B0B-45B4-BA71-7DADA5F9D54B}" srcOrd="0" destOrd="0" presId="urn:microsoft.com/office/officeart/2005/8/layout/hierarchy1"/>
-    <dgm:cxn modelId="{3D4AE654-E74D-4264-B703-BB5B29F9A2CE}" type="presOf" srcId="{1376FF93-307F-4EEB-9E7F-172AD6F36A36}" destId="{90D30B89-AC19-42E9-A9D8-301F87D17693}" srcOrd="0" destOrd="0" presId="urn:microsoft.com/office/officeart/2005/8/layout/hierarchy1"/>
-    <dgm:cxn modelId="{ABCB2887-F155-40DC-B490-F34C2879E55B}" type="presOf" srcId="{17ED657B-10E0-4571-8F53-6B7CBBCE8858}" destId="{1582E236-9466-4156-935E-42E4EB491118}" srcOrd="0" destOrd="0" presId="urn:microsoft.com/office/officeart/2005/8/layout/hierarchy1"/>
-    <dgm:cxn modelId="{1B8F0089-3B9E-4107-BF07-1B98E6BAE87C}" type="presOf" srcId="{F07A51C8-6438-4027-8B18-9055D2DDC357}" destId="{19F7C81E-C282-401A-AC24-BC6C5D233EAE}" srcOrd="0" destOrd="0" presId="urn:microsoft.com/office/officeart/2005/8/layout/hierarchy1"/>
-    <dgm:cxn modelId="{E76E3B89-A5A7-4E52-BFD1-2FCA4448F9F1}" type="presOf" srcId="{5FDF3732-0B1C-48DC-880D-AE986C000B61}" destId="{04F8F055-DD6F-4452-AB07-03BF570A7AAD}" srcOrd="0" destOrd="0" presId="urn:microsoft.com/office/officeart/2005/8/layout/hierarchy1"/>
-    <dgm:cxn modelId="{B3F61E9D-216A-428C-B640-43659656CEF9}" type="presOf" srcId="{2E8B5520-76C6-4CE8-BA18-05F747572F11}" destId="{7BD50D80-32CE-40DE-B539-A3F06E735D14}" srcOrd="0" destOrd="0" presId="urn:microsoft.com/office/officeart/2005/8/layout/hierarchy1"/>
+    <dgm:cxn modelId="{F266CC76-7121-4B95-AB08-90153A976460}" type="presOf" srcId="{9C48839D-FFF9-48D6-B622-C6416608B91A}" destId="{340041D8-C390-46D9-9DFB-25ADC9D1EB7F}" srcOrd="0" destOrd="0" presId="urn:microsoft.com/office/officeart/2005/8/layout/hierarchy1"/>
+    <dgm:cxn modelId="{1892267E-8708-4413-B375-BECF85FA9AE6}" type="presOf" srcId="{A4AFAE8F-C250-4B5A-85D5-33939C8B0B5D}" destId="{99F85851-1A7F-44BB-83E9-92B20E81E9C7}" srcOrd="0" destOrd="0" presId="urn:microsoft.com/office/officeart/2005/8/layout/hierarchy1"/>
+    <dgm:cxn modelId="{8CDB827F-C7D9-40FA-91DF-F477D1C20A5A}" srcId="{9C48839D-FFF9-48D6-B622-C6416608B91A}" destId="{AEA523EE-B4A5-45A2-BC93-27501671D8AF}" srcOrd="2" destOrd="0" parTransId="{9B2B32AD-DF50-4B9B-A10C-0AFE2E5B9B2A}" sibTransId="{DB0C671B-6552-407B-9AAC-7536B0B3F826}"/>
+    <dgm:cxn modelId="{0209DD87-5B06-47CC-A357-4B364A94FD4A}" type="presOf" srcId="{2C0F096E-4366-4AA9-8523-5045E16BCD0C}" destId="{F434F527-71A3-42B4-9F38-C3484B05E6BE}" srcOrd="0" destOrd="0" presId="urn:microsoft.com/office/officeart/2005/8/layout/hierarchy1"/>
+    <dgm:cxn modelId="{CD6E97A0-8D93-45B0-8D70-717FED532D23}" srcId="{9C48839D-FFF9-48D6-B622-C6416608B91A}" destId="{14F5BD1E-AB74-4C8B-BF2C-6794A4D4960E}" srcOrd="0" destOrd="0" parTransId="{A4AFAE8F-C250-4B5A-85D5-33939C8B0B5D}" sibTransId="{39D89B48-EB43-472D-9DC2-986BDC185A5F}"/>
     <dgm:cxn modelId="{5DE04EA2-5276-4CA7-B72F-E9EA22EAF98C}" srcId="{3AB1A4C2-AE53-478C-80CE-77219E1AF84E}" destId="{9C48839D-FFF9-48D6-B622-C6416608B91A}" srcOrd="0" destOrd="0" parTransId="{8A07CD01-BD47-4A83-A7CD-E7FFFD4F4BE8}" sibTransId="{1115E018-FAD7-4BAA-9049-7BA1650CF3EB}"/>
-    <dgm:cxn modelId="{9A6268AA-5059-438E-90B8-5520F71D4C3F}" type="presOf" srcId="{4E0B3509-6856-429E-9339-B869138CEB19}" destId="{A7AFB210-03A9-443F-A954-3F57071787F0}" srcOrd="0" destOrd="0" presId="urn:microsoft.com/office/officeart/2005/8/layout/hierarchy1"/>
-    <dgm:cxn modelId="{746A53AD-7BF5-48A9-A9C0-B83669138ECC}" type="presOf" srcId="{F3AB809A-97F0-44B5-8FCE-EEE176401EAF}" destId="{27460B0E-4395-42E3-985C-58FE9F76F06D}" srcOrd="0" destOrd="0" presId="urn:microsoft.com/office/officeart/2005/8/layout/hierarchy1"/>
-    <dgm:cxn modelId="{7E458FB7-F760-466B-9B19-4BA2C323DDC7}" type="presOf" srcId="{CAA6BE6D-4809-4278-BAD3-AF3FE37A3D34}" destId="{244794C4-2DEE-4DD3-9AC1-BC954241984A}" srcOrd="0" destOrd="0" presId="urn:microsoft.com/office/officeart/2005/8/layout/hierarchy1"/>
-    <dgm:cxn modelId="{1552BFB8-17F6-4898-95A4-D3AF34468F1D}" srcId="{9C48839D-FFF9-48D6-B622-C6416608B91A}" destId="{4EE7BF82-7099-4083-B67D-729C5D44F3E0}" srcOrd="2" destOrd="0" parTransId="{17ED657B-10E0-4571-8F53-6B7CBBCE8858}" sibTransId="{F35F2B7C-1BD3-4743-A0B6-DC58FA00AA18}"/>
-    <dgm:cxn modelId="{899950C9-AA85-46A5-98DF-3B830185A0DE}" srcId="{9C48839D-FFF9-48D6-B622-C6416608B91A}" destId="{9AC6D683-A150-40D1-AB45-626D8A6D1C2D}" srcOrd="0" destOrd="0" parTransId="{9AA45AF8-F3FA-4158-87C5-111B0B753EFF}" sibTransId="{4731BC8A-8138-4025-8427-D9D471BF11DA}"/>
-    <dgm:cxn modelId="{5A7868E5-B765-4A23-8EA5-E5AFF11294A2}" srcId="{9AC6D683-A150-40D1-AB45-626D8A6D1C2D}" destId="{4E0B3509-6856-429E-9339-B869138CEB19}" srcOrd="0" destOrd="0" parTransId="{6C28AB50-3334-433A-94B0-316EBC137B0D}" sibTransId="{41BAAC1F-82F5-4D1F-A625-0B989361B693}"/>
-    <dgm:cxn modelId="{724EC3E8-53DA-4565-BD43-454E72E2CDD8}" srcId="{4EE7BF82-7099-4083-B67D-729C5D44F3E0}" destId="{5FDF3732-0B1C-48DC-880D-AE986C000B61}" srcOrd="1" destOrd="0" parTransId="{CAA6BE6D-4809-4278-BAD3-AF3FE37A3D34}" sibTransId="{00DCC6DD-3DC0-4F05-A7F7-299A1CE69BB1}"/>
-    <dgm:cxn modelId="{ACBCA1EC-8174-4032-B7E9-9CF61B2220ED}" srcId="{9AC6D683-A150-40D1-AB45-626D8A6D1C2D}" destId="{2E8B5520-76C6-4CE8-BA18-05F747572F11}" srcOrd="1" destOrd="0" parTransId="{062B6F4F-0BF6-4E59-AE06-39C75500D40D}" sibTransId="{3C2ABA26-C370-4975-8CD4-EE19FF9D1D7B}"/>
-    <dgm:cxn modelId="{4F74D1A2-61BB-4A22-BA5D-4286B7CC936B}" type="presParOf" srcId="{4D03A9F7-6194-461A-BD37-F1182886B5DF}" destId="{705B768F-1416-4073-9750-DB103B9D06F6}" srcOrd="0" destOrd="0" presId="urn:microsoft.com/office/officeart/2005/8/layout/hierarchy1"/>
-    <dgm:cxn modelId="{7A322DF4-B59C-407E-9278-A54D0513FCAD}" type="presParOf" srcId="{705B768F-1416-4073-9750-DB103B9D06F6}" destId="{E223F2CD-8288-4E03-A74F-673FBEAAEC4D}" srcOrd="0" destOrd="0" presId="urn:microsoft.com/office/officeart/2005/8/layout/hierarchy1"/>
-    <dgm:cxn modelId="{2697AF78-B8F8-4DF6-938C-B646B1DAF5BE}" type="presParOf" srcId="{E223F2CD-8288-4E03-A74F-673FBEAAEC4D}" destId="{32A48423-6DD2-4DBF-90A2-F740FF10A30E}" srcOrd="0" destOrd="0" presId="urn:microsoft.com/office/officeart/2005/8/layout/hierarchy1"/>
-    <dgm:cxn modelId="{A8C599A7-9D62-4E20-BFE0-739E2A5EF958}" type="presParOf" srcId="{E223F2CD-8288-4E03-A74F-673FBEAAEC4D}" destId="{340041D8-C390-46D9-9DFB-25ADC9D1EB7F}" srcOrd="1" destOrd="0" presId="urn:microsoft.com/office/officeart/2005/8/layout/hierarchy1"/>
-    <dgm:cxn modelId="{AD7B3FFF-80B6-4F32-B31E-8AFA8F0F6103}" type="presParOf" srcId="{705B768F-1416-4073-9750-DB103B9D06F6}" destId="{9736F1AF-954C-46D8-B488-CA48036B57DC}" srcOrd="1" destOrd="0" presId="urn:microsoft.com/office/officeart/2005/8/layout/hierarchy1"/>
-    <dgm:cxn modelId="{04A11ED7-60EE-40BF-B55A-8451C7FE5C89}" type="presParOf" srcId="{9736F1AF-954C-46D8-B488-CA48036B57DC}" destId="{034F107D-5B0B-45B4-BA71-7DADA5F9D54B}" srcOrd="0" destOrd="0" presId="urn:microsoft.com/office/officeart/2005/8/layout/hierarchy1"/>
-    <dgm:cxn modelId="{15F58AD4-8E20-4577-80D9-A8DEA23BCCF2}" type="presParOf" srcId="{9736F1AF-954C-46D8-B488-CA48036B57DC}" destId="{599B10FE-923A-4D71-876E-544F4BDC9474}" srcOrd="1" destOrd="0" presId="urn:microsoft.com/office/officeart/2005/8/layout/hierarchy1"/>
-    <dgm:cxn modelId="{F6A061D7-4360-4506-9E09-650A0A34DB49}" type="presParOf" srcId="{599B10FE-923A-4D71-876E-544F4BDC9474}" destId="{B94BE653-42E6-47AB-88F3-36B8DFC7EB58}" srcOrd="0" destOrd="0" presId="urn:microsoft.com/office/officeart/2005/8/layout/hierarchy1"/>
-    <dgm:cxn modelId="{CC31D1FC-123D-4CED-9DE6-03F641D682DB}" type="presParOf" srcId="{B94BE653-42E6-47AB-88F3-36B8DFC7EB58}" destId="{B5772935-8836-4ECD-A5A5-51D9DD997DF9}" srcOrd="0" destOrd="0" presId="urn:microsoft.com/office/officeart/2005/8/layout/hierarchy1"/>
-    <dgm:cxn modelId="{434BE62F-F01D-4F3C-8FF4-6315EBE89592}" type="presParOf" srcId="{B94BE653-42E6-47AB-88F3-36B8DFC7EB58}" destId="{FB39D664-77DF-4261-94AE-535F4CA75B37}" srcOrd="1" destOrd="0" presId="urn:microsoft.com/office/officeart/2005/8/layout/hierarchy1"/>
-    <dgm:cxn modelId="{61FF6DFE-689B-4507-A31D-9CC61C7D1DE6}" type="presParOf" srcId="{599B10FE-923A-4D71-876E-544F4BDC9474}" destId="{A9021CFF-6817-44D6-95A2-F2926EC291B5}" srcOrd="1" destOrd="0" presId="urn:microsoft.com/office/officeart/2005/8/layout/hierarchy1"/>
-    <dgm:cxn modelId="{172DAEE5-1939-47ED-8CC0-D2064E1861F4}" type="presParOf" srcId="{A9021CFF-6817-44D6-95A2-F2926EC291B5}" destId="{E280CD9C-8AA9-4435-97E9-2211DAC9E0ED}" srcOrd="0" destOrd="0" presId="urn:microsoft.com/office/officeart/2005/8/layout/hierarchy1"/>
-    <dgm:cxn modelId="{0B45B0B6-2A8D-42BA-A337-01BCC790949F}" type="presParOf" srcId="{A9021CFF-6817-44D6-95A2-F2926EC291B5}" destId="{79311D8A-E5B5-42C4-9A52-FB2B2875926A}" srcOrd="1" destOrd="0" presId="urn:microsoft.com/office/officeart/2005/8/layout/hierarchy1"/>
-    <dgm:cxn modelId="{CEF246B4-F6DD-43F8-AEA3-0D431DF640AC}" type="presParOf" srcId="{79311D8A-E5B5-42C4-9A52-FB2B2875926A}" destId="{F8E18B12-7A44-4BC7-87EF-069E77A4DD60}" srcOrd="0" destOrd="0" presId="urn:microsoft.com/office/officeart/2005/8/layout/hierarchy1"/>
-    <dgm:cxn modelId="{ED53FA70-B087-4439-8707-3D2891C52EAE}" type="presParOf" srcId="{F8E18B12-7A44-4BC7-87EF-069E77A4DD60}" destId="{AFC408B0-C814-41D4-9939-443F8AB43EA9}" srcOrd="0" destOrd="0" presId="urn:microsoft.com/office/officeart/2005/8/layout/hierarchy1"/>
-    <dgm:cxn modelId="{893CA5D4-9C45-464B-88CB-2FB43F3F8FDC}" type="presParOf" srcId="{F8E18B12-7A44-4BC7-87EF-069E77A4DD60}" destId="{A7AFB210-03A9-443F-A954-3F57071787F0}" srcOrd="1" destOrd="0" presId="urn:microsoft.com/office/officeart/2005/8/layout/hierarchy1"/>
-    <dgm:cxn modelId="{E42BDFEC-74E0-4157-B85E-508E21C4997E}" type="presParOf" srcId="{79311D8A-E5B5-42C4-9A52-FB2B2875926A}" destId="{DAD3DDC6-92A8-4611-B670-75C1A41E5E42}" srcOrd="1" destOrd="0" presId="urn:microsoft.com/office/officeart/2005/8/layout/hierarchy1"/>
-    <dgm:cxn modelId="{C0F4E2EA-8293-4517-AF6D-833325F02347}" type="presParOf" srcId="{A9021CFF-6817-44D6-95A2-F2926EC291B5}" destId="{7041C1E0-C1CF-4E4D-8F74-4141519280B5}" srcOrd="2" destOrd="0" presId="urn:microsoft.com/office/officeart/2005/8/layout/hierarchy1"/>
-    <dgm:cxn modelId="{B72BFFC3-460B-49F6-9DC1-285296721A5C}" type="presParOf" srcId="{A9021CFF-6817-44D6-95A2-F2926EC291B5}" destId="{31F0E43B-0C3E-4073-9717-EB1C0FFA41AF}" srcOrd="3" destOrd="0" presId="urn:microsoft.com/office/officeart/2005/8/layout/hierarchy1"/>
-    <dgm:cxn modelId="{748A6F87-D315-45F6-9AA7-D00934F521CE}" type="presParOf" srcId="{31F0E43B-0C3E-4073-9717-EB1C0FFA41AF}" destId="{A73CD132-C37D-4D52-8C32-447D646AA86D}" srcOrd="0" destOrd="0" presId="urn:microsoft.com/office/officeart/2005/8/layout/hierarchy1"/>
-    <dgm:cxn modelId="{635BD6D6-50AA-4FC3-96D5-6B4409E129FC}" type="presParOf" srcId="{A73CD132-C37D-4D52-8C32-447D646AA86D}" destId="{5DCFB5B6-916C-44D9-897E-4D38ABC961B8}" srcOrd="0" destOrd="0" presId="urn:microsoft.com/office/officeart/2005/8/layout/hierarchy1"/>
-    <dgm:cxn modelId="{EBE7B4A7-79B1-4D80-BB74-4BAB37185539}" type="presParOf" srcId="{A73CD132-C37D-4D52-8C32-447D646AA86D}" destId="{7BD50D80-32CE-40DE-B539-A3F06E735D14}" srcOrd="1" destOrd="0" presId="urn:microsoft.com/office/officeart/2005/8/layout/hierarchy1"/>
-    <dgm:cxn modelId="{6D4F01D7-04F2-443A-9EC2-A655F3231399}" type="presParOf" srcId="{31F0E43B-0C3E-4073-9717-EB1C0FFA41AF}" destId="{DB782E5F-B11E-41FE-BEB3-EEA9CC624648}" srcOrd="1" destOrd="0" presId="urn:microsoft.com/office/officeart/2005/8/layout/hierarchy1"/>
-    <dgm:cxn modelId="{90073F2B-28B5-4D82-A13E-68F465183BE0}" type="presParOf" srcId="{9736F1AF-954C-46D8-B488-CA48036B57DC}" destId="{8A0132BB-7C13-4199-8AC6-23F86A1C5D9D}" srcOrd="2" destOrd="0" presId="urn:microsoft.com/office/officeart/2005/8/layout/hierarchy1"/>
-    <dgm:cxn modelId="{4D636BAE-F9C2-40EF-B030-3F7EC64E26B5}" type="presParOf" srcId="{9736F1AF-954C-46D8-B488-CA48036B57DC}" destId="{1DA6259C-46D1-4457-9E6D-C0C970724700}" srcOrd="3" destOrd="0" presId="urn:microsoft.com/office/officeart/2005/8/layout/hierarchy1"/>
-    <dgm:cxn modelId="{954E5973-D0DE-470A-A267-0C6CC394F57B}" type="presParOf" srcId="{1DA6259C-46D1-4457-9E6D-C0C970724700}" destId="{611C7BD9-367C-4CD8-9978-658B7F3F91D7}" srcOrd="0" destOrd="0" presId="urn:microsoft.com/office/officeart/2005/8/layout/hierarchy1"/>
-    <dgm:cxn modelId="{CB685E9D-089B-4F13-9A30-03B0F0DA3C98}" type="presParOf" srcId="{611C7BD9-367C-4CD8-9978-658B7F3F91D7}" destId="{FB2907BA-B2D8-4C1D-8343-E3FF9569F90C}" srcOrd="0" destOrd="0" presId="urn:microsoft.com/office/officeart/2005/8/layout/hierarchy1"/>
-    <dgm:cxn modelId="{B67631D4-79A7-4BD3-A0B7-944F1798E7F4}" type="presParOf" srcId="{611C7BD9-367C-4CD8-9978-658B7F3F91D7}" destId="{27460B0E-4395-42E3-985C-58FE9F76F06D}" srcOrd="1" destOrd="0" presId="urn:microsoft.com/office/officeart/2005/8/layout/hierarchy1"/>
-    <dgm:cxn modelId="{5C3403EB-AFF6-4D15-88CE-03AD410D72B1}" type="presParOf" srcId="{1DA6259C-46D1-4457-9E6D-C0C970724700}" destId="{21F1B302-AAE7-4334-A5BC-A7B3B0C7B97E}" srcOrd="1" destOrd="0" presId="urn:microsoft.com/office/officeart/2005/8/layout/hierarchy1"/>
-    <dgm:cxn modelId="{CC8F1A77-0AA7-4A39-8365-7A9B1ECF8CE5}" type="presParOf" srcId="{9736F1AF-954C-46D8-B488-CA48036B57DC}" destId="{1582E236-9466-4156-935E-42E4EB491118}" srcOrd="4" destOrd="0" presId="urn:microsoft.com/office/officeart/2005/8/layout/hierarchy1"/>
-    <dgm:cxn modelId="{0BFA5CBD-0091-44D5-880E-E2B3B7473ACE}" type="presParOf" srcId="{9736F1AF-954C-46D8-B488-CA48036B57DC}" destId="{531D3665-4A2F-464F-B76F-762008D13B91}" srcOrd="5" destOrd="0" presId="urn:microsoft.com/office/officeart/2005/8/layout/hierarchy1"/>
-    <dgm:cxn modelId="{F0FF9838-3D3D-46C6-9F13-91B3B7DD7000}" type="presParOf" srcId="{531D3665-4A2F-464F-B76F-762008D13B91}" destId="{968FF862-14A1-4F77-A773-80AA60044444}" srcOrd="0" destOrd="0" presId="urn:microsoft.com/office/officeart/2005/8/layout/hierarchy1"/>
-    <dgm:cxn modelId="{304D330E-C932-435D-8C78-E88DBCE199FD}" type="presParOf" srcId="{968FF862-14A1-4F77-A773-80AA60044444}" destId="{1FDD1DF9-868A-43AB-BB39-A0AD4362035E}" srcOrd="0" destOrd="0" presId="urn:microsoft.com/office/officeart/2005/8/layout/hierarchy1"/>
-    <dgm:cxn modelId="{DFFA4E6E-5C5B-4A9C-89F8-95EDD946D79F}" type="presParOf" srcId="{968FF862-14A1-4F77-A773-80AA60044444}" destId="{290B4B5F-A9BD-4D11-A088-054CEBE6A63C}" srcOrd="1" destOrd="0" presId="urn:microsoft.com/office/officeart/2005/8/layout/hierarchy1"/>
-    <dgm:cxn modelId="{EB0DB670-4A2F-46C2-B713-AD65DBCDFA18}" type="presParOf" srcId="{531D3665-4A2F-464F-B76F-762008D13B91}" destId="{AA7AAB53-B290-4BA1-8DBD-03E695686E39}" srcOrd="1" destOrd="0" presId="urn:microsoft.com/office/officeart/2005/8/layout/hierarchy1"/>
-    <dgm:cxn modelId="{A5FBACF8-F07E-4FBC-9E9C-B6564EF879C9}" type="presParOf" srcId="{AA7AAB53-B290-4BA1-8DBD-03E695686E39}" destId="{19F7C81E-C282-401A-AC24-BC6C5D233EAE}" srcOrd="0" destOrd="0" presId="urn:microsoft.com/office/officeart/2005/8/layout/hierarchy1"/>
-    <dgm:cxn modelId="{B1885274-F33A-4585-AA68-DD3E38B79243}" type="presParOf" srcId="{AA7AAB53-B290-4BA1-8DBD-03E695686E39}" destId="{4DECCD0B-348E-472A-8C7E-39FD07101D1E}" srcOrd="1" destOrd="0" presId="urn:microsoft.com/office/officeart/2005/8/layout/hierarchy1"/>
-    <dgm:cxn modelId="{35E2C4F7-DDCD-4D8E-9808-18472CC52A5B}" type="presParOf" srcId="{4DECCD0B-348E-472A-8C7E-39FD07101D1E}" destId="{8F016EC5-5952-4090-B793-F467E49D19DE}" srcOrd="0" destOrd="0" presId="urn:microsoft.com/office/officeart/2005/8/layout/hierarchy1"/>
-    <dgm:cxn modelId="{BDB38747-A3D3-409D-970C-83928EBFA300}" type="presParOf" srcId="{8F016EC5-5952-4090-B793-F467E49D19DE}" destId="{3032F09A-F266-4462-B689-DB6BE06075F4}" srcOrd="0" destOrd="0" presId="urn:microsoft.com/office/officeart/2005/8/layout/hierarchy1"/>
-    <dgm:cxn modelId="{BADC2ED6-EAE4-48B8-8A85-5B7609A63A58}" type="presParOf" srcId="{8F016EC5-5952-4090-B793-F467E49D19DE}" destId="{90D30B89-AC19-42E9-A9D8-301F87D17693}" srcOrd="1" destOrd="0" presId="urn:microsoft.com/office/officeart/2005/8/layout/hierarchy1"/>
-    <dgm:cxn modelId="{238ABFE2-119D-4AF0-8F2C-2916DB40080C}" type="presParOf" srcId="{4DECCD0B-348E-472A-8C7E-39FD07101D1E}" destId="{5DB0A702-2563-4B51-9CFB-0D9A7C5F52B2}" srcOrd="1" destOrd="0" presId="urn:microsoft.com/office/officeart/2005/8/layout/hierarchy1"/>
-    <dgm:cxn modelId="{78AD4166-B5D1-4389-98CA-01A5318CFA1D}" type="presParOf" srcId="{AA7AAB53-B290-4BA1-8DBD-03E695686E39}" destId="{244794C4-2DEE-4DD3-9AC1-BC954241984A}" srcOrd="2" destOrd="0" presId="urn:microsoft.com/office/officeart/2005/8/layout/hierarchy1"/>
-    <dgm:cxn modelId="{6E357C57-AD5A-4F72-B41A-77E097C685C8}" type="presParOf" srcId="{AA7AAB53-B290-4BA1-8DBD-03E695686E39}" destId="{05370381-D8FB-480C-875E-44949C6A9693}" srcOrd="3" destOrd="0" presId="urn:microsoft.com/office/officeart/2005/8/layout/hierarchy1"/>
-    <dgm:cxn modelId="{7062D6E9-9883-4E87-9DED-0052ABDBAF27}" type="presParOf" srcId="{05370381-D8FB-480C-875E-44949C6A9693}" destId="{CA484CA9-53E3-4967-995D-13CE0768C41A}" srcOrd="0" destOrd="0" presId="urn:microsoft.com/office/officeart/2005/8/layout/hierarchy1"/>
-    <dgm:cxn modelId="{63A03877-0739-4793-9116-10807DA65E90}" type="presParOf" srcId="{CA484CA9-53E3-4967-995D-13CE0768C41A}" destId="{FCB0BF2E-66DC-4FE2-B708-BCE32BEB3C4C}" srcOrd="0" destOrd="0" presId="urn:microsoft.com/office/officeart/2005/8/layout/hierarchy1"/>
-    <dgm:cxn modelId="{2AF2BD8C-CAF2-49D4-BCA0-D1F8EF91333A}" type="presParOf" srcId="{CA484CA9-53E3-4967-995D-13CE0768C41A}" destId="{04F8F055-DD6F-4452-AB07-03BF570A7AAD}" srcOrd="1" destOrd="0" presId="urn:microsoft.com/office/officeart/2005/8/layout/hierarchy1"/>
-    <dgm:cxn modelId="{47D18117-259E-4F0E-820B-D9D40E4550DD}" type="presParOf" srcId="{05370381-D8FB-480C-875E-44949C6A9693}" destId="{6A772864-A607-4CFA-8B58-6851145D931F}" srcOrd="1" destOrd="0" presId="urn:microsoft.com/office/officeart/2005/8/layout/hierarchy1"/>
+    <dgm:cxn modelId="{ACD87FA3-D666-4FEF-816F-02351C02EE83}" type="presOf" srcId="{AEA523EE-B4A5-45A2-BC93-27501671D8AF}" destId="{4125D1D8-2A84-49B5-90CD-6B739548C898}" srcOrd="0" destOrd="0" presId="urn:microsoft.com/office/officeart/2005/8/layout/hierarchy1"/>
+    <dgm:cxn modelId="{7572D5A6-27EA-408E-8E28-8D58CA203D11}" srcId="{9C48839D-FFF9-48D6-B622-C6416608B91A}" destId="{A61148C8-AD71-4CF6-83FE-4B547FBBD8D8}" srcOrd="1" destOrd="0" parTransId="{2C0F096E-4366-4AA9-8523-5045E16BCD0C}" sibTransId="{093C1699-E80E-478F-B27D-CE30E1A09916}"/>
+    <dgm:cxn modelId="{0CEA51BD-8062-4066-8225-1FE1AE9BC80B}" type="presOf" srcId="{9B2B32AD-DF50-4B9B-A10C-0AFE2E5B9B2A}" destId="{D9D611F1-E9B8-4DA0-85D9-E8CCEA1C34D2}" srcOrd="0" destOrd="0" presId="urn:microsoft.com/office/officeart/2005/8/layout/hierarchy1"/>
+    <dgm:cxn modelId="{19A899CF-CE11-4910-8951-78A800721DC3}" type="presOf" srcId="{A61148C8-AD71-4CF6-83FE-4B547FBBD8D8}" destId="{3A43B45D-5645-4A64-B6A0-A49F195723A6}" srcOrd="0" destOrd="0" presId="urn:microsoft.com/office/officeart/2005/8/layout/hierarchy1"/>
+    <dgm:cxn modelId="{2AFF8A54-E620-4DE6-956B-0248F24314A3}" type="presParOf" srcId="{4D03A9F7-6194-461A-BD37-F1182886B5DF}" destId="{705B768F-1416-4073-9750-DB103B9D06F6}" srcOrd="0" destOrd="0" presId="urn:microsoft.com/office/officeart/2005/8/layout/hierarchy1"/>
+    <dgm:cxn modelId="{FB38D195-11E8-4182-8401-75AF15893943}" type="presParOf" srcId="{705B768F-1416-4073-9750-DB103B9D06F6}" destId="{E223F2CD-8288-4E03-A74F-673FBEAAEC4D}" srcOrd="0" destOrd="0" presId="urn:microsoft.com/office/officeart/2005/8/layout/hierarchy1"/>
+    <dgm:cxn modelId="{DA7F46E2-C2B5-44CE-9409-C9A89DD9A31D}" type="presParOf" srcId="{E223F2CD-8288-4E03-A74F-673FBEAAEC4D}" destId="{32A48423-6DD2-4DBF-90A2-F740FF10A30E}" srcOrd="0" destOrd="0" presId="urn:microsoft.com/office/officeart/2005/8/layout/hierarchy1"/>
+    <dgm:cxn modelId="{B43FA4FC-DD49-463A-8CFF-51BCF4F0406D}" type="presParOf" srcId="{E223F2CD-8288-4E03-A74F-673FBEAAEC4D}" destId="{340041D8-C390-46D9-9DFB-25ADC9D1EB7F}" srcOrd="1" destOrd="0" presId="urn:microsoft.com/office/officeart/2005/8/layout/hierarchy1"/>
+    <dgm:cxn modelId="{7141B9D5-5016-4927-8C35-33D9FE1A2549}" type="presParOf" srcId="{705B768F-1416-4073-9750-DB103B9D06F6}" destId="{9736F1AF-954C-46D8-B488-CA48036B57DC}" srcOrd="1" destOrd="0" presId="urn:microsoft.com/office/officeart/2005/8/layout/hierarchy1"/>
+    <dgm:cxn modelId="{222ADA5F-D77B-41F4-934F-FDFC4E8F442C}" type="presParOf" srcId="{9736F1AF-954C-46D8-B488-CA48036B57DC}" destId="{99F85851-1A7F-44BB-83E9-92B20E81E9C7}" srcOrd="0" destOrd="0" presId="urn:microsoft.com/office/officeart/2005/8/layout/hierarchy1"/>
+    <dgm:cxn modelId="{AB614C4D-1D64-4A9B-86DF-C3D84F2B5A23}" type="presParOf" srcId="{9736F1AF-954C-46D8-B488-CA48036B57DC}" destId="{B75FDA52-EF8B-4B5A-9591-4F9D8DB99098}" srcOrd="1" destOrd="0" presId="urn:microsoft.com/office/officeart/2005/8/layout/hierarchy1"/>
+    <dgm:cxn modelId="{6A593062-3268-43E8-9A3E-3D990E7C6964}" type="presParOf" srcId="{B75FDA52-EF8B-4B5A-9591-4F9D8DB99098}" destId="{1C690495-3131-4338-8429-F80FF0D6AE80}" srcOrd="0" destOrd="0" presId="urn:microsoft.com/office/officeart/2005/8/layout/hierarchy1"/>
+    <dgm:cxn modelId="{3824B639-C215-4AEC-89C0-B40B9815A160}" type="presParOf" srcId="{1C690495-3131-4338-8429-F80FF0D6AE80}" destId="{5E396162-73A6-4BD4-91D2-3E3B3B684F4E}" srcOrd="0" destOrd="0" presId="urn:microsoft.com/office/officeart/2005/8/layout/hierarchy1"/>
+    <dgm:cxn modelId="{12008D7A-BF2D-476E-86B3-036ADA526F6A}" type="presParOf" srcId="{1C690495-3131-4338-8429-F80FF0D6AE80}" destId="{DCFBA7A0-0164-42BF-B41D-FF6EEF0DFC0F}" srcOrd="1" destOrd="0" presId="urn:microsoft.com/office/officeart/2005/8/layout/hierarchy1"/>
+    <dgm:cxn modelId="{72E9C68B-66AF-4CFE-A7C5-A0F2DF4B5C24}" type="presParOf" srcId="{B75FDA52-EF8B-4B5A-9591-4F9D8DB99098}" destId="{C4CA283F-7DFB-48D2-A662-E473094B0442}" srcOrd="1" destOrd="0" presId="urn:microsoft.com/office/officeart/2005/8/layout/hierarchy1"/>
+    <dgm:cxn modelId="{C7B0CCA9-69B7-4443-9A31-FF38C3CCCE1B}" type="presParOf" srcId="{9736F1AF-954C-46D8-B488-CA48036B57DC}" destId="{F434F527-71A3-42B4-9F38-C3484B05E6BE}" srcOrd="2" destOrd="0" presId="urn:microsoft.com/office/officeart/2005/8/layout/hierarchy1"/>
+    <dgm:cxn modelId="{614DC69A-6E13-4454-BB4B-00392571DDBD}" type="presParOf" srcId="{9736F1AF-954C-46D8-B488-CA48036B57DC}" destId="{600F0C51-BC39-459E-8B11-4692DE5593E8}" srcOrd="3" destOrd="0" presId="urn:microsoft.com/office/officeart/2005/8/layout/hierarchy1"/>
+    <dgm:cxn modelId="{D4D99B16-C366-4B3B-9196-08240E8F5C17}" type="presParOf" srcId="{600F0C51-BC39-459E-8B11-4692DE5593E8}" destId="{BC66F9C5-3741-4C39-A280-3CD5589764D3}" srcOrd="0" destOrd="0" presId="urn:microsoft.com/office/officeart/2005/8/layout/hierarchy1"/>
+    <dgm:cxn modelId="{571C0B7B-53E2-4A64-8E7F-452A13F4186A}" type="presParOf" srcId="{BC66F9C5-3741-4C39-A280-3CD5589764D3}" destId="{A8B77318-E141-4A16-91A8-67D930D4D072}" srcOrd="0" destOrd="0" presId="urn:microsoft.com/office/officeart/2005/8/layout/hierarchy1"/>
+    <dgm:cxn modelId="{A8E8F920-F3F3-4F47-AB9F-EFDA8FA7CE45}" type="presParOf" srcId="{BC66F9C5-3741-4C39-A280-3CD5589764D3}" destId="{3A43B45D-5645-4A64-B6A0-A49F195723A6}" srcOrd="1" destOrd="0" presId="urn:microsoft.com/office/officeart/2005/8/layout/hierarchy1"/>
+    <dgm:cxn modelId="{E0155FEC-DD37-4881-9298-FF00249E3367}" type="presParOf" srcId="{600F0C51-BC39-459E-8B11-4692DE5593E8}" destId="{DAB71167-6E3A-46E2-A9A7-D46D7A6DE13C}" srcOrd="1" destOrd="0" presId="urn:microsoft.com/office/officeart/2005/8/layout/hierarchy1"/>
+    <dgm:cxn modelId="{192E855D-7122-4E3C-AE7C-878B121A495B}" type="presParOf" srcId="{9736F1AF-954C-46D8-B488-CA48036B57DC}" destId="{D9D611F1-E9B8-4DA0-85D9-E8CCEA1C34D2}" srcOrd="4" destOrd="0" presId="urn:microsoft.com/office/officeart/2005/8/layout/hierarchy1"/>
+    <dgm:cxn modelId="{1DAEB241-24BB-4EB3-9E8D-DF3FE2E11CC7}" type="presParOf" srcId="{9736F1AF-954C-46D8-B488-CA48036B57DC}" destId="{8B3A063A-1799-4F44-8B4E-F3E1EE5BCFD6}" srcOrd="5" destOrd="0" presId="urn:microsoft.com/office/officeart/2005/8/layout/hierarchy1"/>
+    <dgm:cxn modelId="{C1CB5870-3C52-4702-8405-75D445991F3C}" type="presParOf" srcId="{8B3A063A-1799-4F44-8B4E-F3E1EE5BCFD6}" destId="{56F65A70-9078-4077-BFD4-3DAC8FB2C2EA}" srcOrd="0" destOrd="0" presId="urn:microsoft.com/office/officeart/2005/8/layout/hierarchy1"/>
+    <dgm:cxn modelId="{9382897B-E7D7-422C-8AFD-CE1A5C70E05E}" type="presParOf" srcId="{56F65A70-9078-4077-BFD4-3DAC8FB2C2EA}" destId="{D2A3E75E-1BAC-4A5F-86D1-9A877E0A6E8F}" srcOrd="0" destOrd="0" presId="urn:microsoft.com/office/officeart/2005/8/layout/hierarchy1"/>
+    <dgm:cxn modelId="{74A01EAE-2167-4B1E-B834-1C6740A20CEB}" type="presParOf" srcId="{56F65A70-9078-4077-BFD4-3DAC8FB2C2EA}" destId="{4125D1D8-2A84-49B5-90CD-6B739548C898}" srcOrd="1" destOrd="0" presId="urn:microsoft.com/office/officeart/2005/8/layout/hierarchy1"/>
+    <dgm:cxn modelId="{54307769-68E2-42C6-AB32-80D203A2A3BD}" type="presParOf" srcId="{8B3A063A-1799-4F44-8B4E-F3E1EE5BCFD6}" destId="{6343D533-0125-46E0-96B3-B88E882E8346}" srcOrd="1" destOrd="0" presId="urn:microsoft.com/office/officeart/2005/8/layout/hierarchy1"/>
   </dgm:cxnLst>
   <dgm:bg/>
   <dgm:whole/>
@@ -8087,15 +7004,15 @@
       <dsp:cNvGrpSpPr/>
     </dsp:nvGrpSpPr>
     <dsp:grpSpPr/>
-    <dsp:sp modelId="{D068BB2F-7B18-429D-B459-8ADCAA5872B8}">
+    <dsp:sp modelId="{50106545-4F7A-46A9-8062-3C20E2B0769A}">
       <dsp:nvSpPr>
         <dsp:cNvPr id="0" name=""/>
         <dsp:cNvSpPr/>
       </dsp:nvSpPr>
       <dsp:spPr>
         <a:xfrm>
-          <a:off x="5002" y="1043033"/>
-          <a:ext cx="2274632" cy="1176987"/>
+          <a:off x="2652" y="1014418"/>
+          <a:ext cx="3573712" cy="893428"/>
         </a:xfrm>
         <a:prstGeom prst="roundRect">
           <a:avLst>
@@ -8138,12 +7055,12 @@
         </a:fontRef>
       </dsp:style>
       <dsp:txBody>
-        <a:bodyPr spcFirstLastPara="0" vert="horz" wrap="square" lIns="142240" tIns="142240" rIns="142240" bIns="76200" numCol="1" spcCol="1270" anchor="t" anchorCtr="0">
+        <a:bodyPr spcFirstLastPara="0" vert="horz" wrap="square" lIns="34290" tIns="34290" rIns="34290" bIns="34290" numCol="1" spcCol="1270" anchor="ctr" anchorCtr="0">
           <a:noAutofit/>
         </a:bodyPr>
         <a:lstStyle/>
         <a:p>
-          <a:pPr marL="0" lvl="0" indent="0" algn="l" defTabSz="889000">
+          <a:pPr marL="0" lvl="0" indent="0" algn="l" defTabSz="1200150" rtl="0">
             <a:lnSpc>
               <a:spcPct val="90000"/>
             </a:lnSpc>
@@ -8156,107 +7073,36 @@
             <a:buNone/>
           </a:pPr>
           <a:r>
-            <a:rPr lang="en-US" sz="2000" kern="1200"/>
+            <a:rPr lang="en-US" sz="2700" kern="1200">
+              <a:solidFill>
+                <a:schemeClr val="bg1"/>
+              </a:solidFill>
+              <a:latin typeface="Calibri"/>
+              <a:ea typeface="Calibri"/>
+              <a:cs typeface="Calibri"/>
+            </a:rPr>
             <a:t>UW-Madison</a:t>
           </a:r>
         </a:p>
       </dsp:txBody>
       <dsp:txXfrm>
-        <a:off x="5002" y="1043033"/>
-        <a:ext cx="2274632" cy="784658"/>
+        <a:off x="28820" y="1040586"/>
+        <a:ext cx="3521376" cy="841092"/>
       </dsp:txXfrm>
     </dsp:sp>
-    <dsp:sp modelId="{EABDABDB-E2B9-455D-A55D-0AB33D2C7C0E}">
+    <dsp:sp modelId="{7769BC33-B67F-400C-94A1-E42F82513DBD}">
       <dsp:nvSpPr>
         <dsp:cNvPr id="0" name=""/>
         <dsp:cNvSpPr/>
       </dsp:nvSpPr>
       <dsp:spPr>
-        <a:xfrm>
-          <a:off x="470891" y="1827691"/>
-          <a:ext cx="2274632" cy="1152000"/>
-        </a:xfrm>
-        <a:prstGeom prst="roundRect">
-          <a:avLst>
-            <a:gd name="adj" fmla="val 10000"/>
-          </a:avLst>
-        </a:prstGeom>
-        <a:solidFill>
-          <a:schemeClr val="lt1">
-            <a:alpha val="90000"/>
-            <a:hueOff val="0"/>
-            <a:satOff val="0"/>
-            <a:lumOff val="0"/>
-            <a:alphaOff val="0"/>
-          </a:schemeClr>
-        </a:solidFill>
-        <a:ln w="15875" cap="flat" cmpd="sng" algn="ctr">
-          <a:solidFill>
-            <a:schemeClr val="accent1">
-              <a:hueOff val="0"/>
-              <a:satOff val="0"/>
-              <a:lumOff val="0"/>
-              <a:alphaOff val="0"/>
-            </a:schemeClr>
-          </a:solidFill>
-          <a:prstDash val="solid"/>
-        </a:ln>
-        <a:effectLst/>
-      </dsp:spPr>
-      <dsp:style>
-        <a:lnRef idx="2">
-          <a:scrgbClr r="0" g="0" b="0"/>
-        </a:lnRef>
-        <a:fillRef idx="1">
-          <a:scrgbClr r="0" g="0" b="0"/>
-        </a:fillRef>
-        <a:effectRef idx="0">
-          <a:scrgbClr r="0" g="0" b="0"/>
-        </a:effectRef>
-        <a:fontRef idx="minor"/>
-      </dsp:style>
-      <dsp:txBody>
-        <a:bodyPr spcFirstLastPara="0" vert="horz" wrap="square" lIns="142240" tIns="142240" rIns="142240" bIns="142240" numCol="1" spcCol="1270" anchor="t" anchorCtr="0">
-          <a:noAutofit/>
-        </a:bodyPr>
-        <a:lstStyle/>
-        <a:p>
-          <a:pPr marL="228600" lvl="1" indent="-228600" algn="l" defTabSz="889000">
-            <a:lnSpc>
-              <a:spcPct val="90000"/>
-            </a:lnSpc>
-            <a:spcBef>
-              <a:spcPct val="0"/>
-            </a:spcBef>
-            <a:spcAft>
-              <a:spcPct val="15000"/>
-            </a:spcAft>
-            <a:buChar char="•"/>
-          </a:pPr>
-          <a:r>
-            <a:rPr lang="en-US" sz="2000" kern="1200"/>
-            <a:t>50k enrolled</a:t>
-          </a:r>
-        </a:p>
-      </dsp:txBody>
-      <dsp:txXfrm>
-        <a:off x="504632" y="1861432"/>
-        <a:ext cx="2207150" cy="1084518"/>
-      </dsp:txXfrm>
-    </dsp:sp>
-    <dsp:sp modelId="{C22268A6-6A83-469E-9492-3E11AB4972CB}">
-      <dsp:nvSpPr>
-        <dsp:cNvPr id="0" name=""/>
-        <dsp:cNvSpPr/>
-      </dsp:nvSpPr>
-      <dsp:spPr>
-        <a:xfrm>
-          <a:off x="2624461" y="1152203"/>
-          <a:ext cx="731031" cy="566317"/>
+        <a:xfrm rot="5400000">
+          <a:off x="1711334" y="1986021"/>
+          <a:ext cx="156349" cy="156349"/>
         </a:xfrm>
         <a:prstGeom prst="rightArrow">
           <a:avLst>
-            <a:gd name="adj1" fmla="val 60000"/>
+            <a:gd name="adj1" fmla="val 66700"/>
             <a:gd name="adj2" fmla="val 50000"/>
           </a:avLst>
         </a:prstGeom>
@@ -8288,13 +7134,66 @@
           <a:schemeClr val="lt1"/>
         </a:fontRef>
       </dsp:style>
+    </dsp:sp>
+    <dsp:sp modelId="{A9AAE3E0-499A-4515-A4A0-24053F11AF2D}">
+      <dsp:nvSpPr>
+        <dsp:cNvPr id="0" name=""/>
+        <dsp:cNvSpPr/>
+      </dsp:nvSpPr>
+      <dsp:spPr>
+        <a:xfrm>
+          <a:off x="2652" y="2220546"/>
+          <a:ext cx="3573712" cy="893428"/>
+        </a:xfrm>
+        <a:prstGeom prst="roundRect">
+          <a:avLst>
+            <a:gd name="adj" fmla="val 10000"/>
+          </a:avLst>
+        </a:prstGeom>
+        <a:solidFill>
+          <a:schemeClr val="accent1">
+            <a:alpha val="90000"/>
+            <a:tint val="40000"/>
+            <a:hueOff val="0"/>
+            <a:satOff val="0"/>
+            <a:lumOff val="0"/>
+            <a:alphaOff val="0"/>
+          </a:schemeClr>
+        </a:solidFill>
+        <a:ln w="15875" cap="flat" cmpd="sng" algn="ctr">
+          <a:solidFill>
+            <a:schemeClr val="accent1">
+              <a:alpha val="90000"/>
+              <a:tint val="40000"/>
+              <a:hueOff val="0"/>
+              <a:satOff val="0"/>
+              <a:lumOff val="0"/>
+              <a:alphaOff val="0"/>
+            </a:schemeClr>
+          </a:solidFill>
+          <a:prstDash val="solid"/>
+        </a:ln>
+        <a:effectLst/>
+      </dsp:spPr>
+      <dsp:style>
+        <a:lnRef idx="2">
+          <a:scrgbClr r="0" g="0" b="0"/>
+        </a:lnRef>
+        <a:fillRef idx="1">
+          <a:scrgbClr r="0" g="0" b="0"/>
+        </a:fillRef>
+        <a:effectRef idx="0">
+          <a:scrgbClr r="0" g="0" b="0"/>
+        </a:effectRef>
+        <a:fontRef idx="minor"/>
+      </dsp:style>
       <dsp:txBody>
-        <a:bodyPr spcFirstLastPara="0" vert="horz" wrap="square" lIns="0" tIns="0" rIns="0" bIns="0" numCol="1" spcCol="1270" anchor="ctr" anchorCtr="0">
+        <a:bodyPr spcFirstLastPara="0" vert="horz" wrap="square" lIns="48260" tIns="48260" rIns="48260" bIns="48260" numCol="1" spcCol="1270" anchor="ctr" anchorCtr="0">
           <a:noAutofit/>
         </a:bodyPr>
         <a:lstStyle/>
         <a:p>
-          <a:pPr marL="0" lvl="0" indent="0" algn="ctr" defTabSz="711200">
+          <a:pPr marL="0" lvl="0" indent="0" algn="l" defTabSz="1689100">
             <a:lnSpc>
               <a:spcPct val="90000"/>
             </a:lnSpc>
@@ -8306,23 +7205,166 @@
             </a:spcAft>
             <a:buNone/>
           </a:pPr>
-          <a:endParaRPr lang="en-US" sz="1600" kern="1200"/>
+          <a:r>
+            <a:rPr lang="en-US" sz="3800" kern="1200">
+              <a:solidFill>
+                <a:srgbClr val="444444"/>
+              </a:solidFill>
+              <a:latin typeface="Calibri"/>
+              <a:ea typeface="Calibri"/>
+              <a:cs typeface="Calibri"/>
+            </a:rPr>
+            <a:t>50k enrolled</a:t>
+          </a:r>
         </a:p>
       </dsp:txBody>
       <dsp:txXfrm>
-        <a:off x="2624461" y="1265466"/>
-        <a:ext cx="561136" cy="339791"/>
+        <a:off x="28820" y="2246714"/>
+        <a:ext cx="3521376" cy="841092"/>
       </dsp:txXfrm>
     </dsp:sp>
-    <dsp:sp modelId="{9DA9F3A5-F3B4-4D21-B141-B14F304EF7F3}">
+    <dsp:sp modelId="{2D0617B0-33A6-416B-AF61-84275C3260B7}">
+      <dsp:nvSpPr>
+        <dsp:cNvPr id="0" name=""/>
+        <dsp:cNvSpPr/>
+      </dsp:nvSpPr>
+      <dsp:spPr>
+        <a:xfrm rot="5400000">
+          <a:off x="1711334" y="3192149"/>
+          <a:ext cx="156349" cy="156349"/>
+        </a:xfrm>
+        <a:prstGeom prst="rightArrow">
+          <a:avLst>
+            <a:gd name="adj1" fmla="val 66700"/>
+            <a:gd name="adj2" fmla="val 50000"/>
+          </a:avLst>
+        </a:prstGeom>
+        <a:solidFill>
+          <a:schemeClr val="accent1">
+            <a:tint val="60000"/>
+            <a:hueOff val="0"/>
+            <a:satOff val="0"/>
+            <a:lumOff val="0"/>
+            <a:alphaOff val="0"/>
+          </a:schemeClr>
+        </a:solidFill>
+        <a:ln>
+          <a:noFill/>
+        </a:ln>
+        <a:effectLst/>
+      </dsp:spPr>
+      <dsp:style>
+        <a:lnRef idx="0">
+          <a:scrgbClr r="0" g="0" b="0"/>
+        </a:lnRef>
+        <a:fillRef idx="1">
+          <a:scrgbClr r="0" g="0" b="0"/>
+        </a:fillRef>
+        <a:effectRef idx="0">
+          <a:scrgbClr r="0" g="0" b="0"/>
+        </a:effectRef>
+        <a:fontRef idx="minor">
+          <a:schemeClr val="lt1"/>
+        </a:fontRef>
+      </dsp:style>
+    </dsp:sp>
+    <dsp:sp modelId="{8984EE5E-F248-4EBD-81F6-A4D0774F6346}">
       <dsp:nvSpPr>
         <dsp:cNvPr id="0" name=""/>
         <dsp:cNvSpPr/>
       </dsp:nvSpPr>
       <dsp:spPr>
         <a:xfrm>
-          <a:off x="3658939" y="1043033"/>
-          <a:ext cx="2274632" cy="1176987"/>
+          <a:off x="2652" y="3426674"/>
+          <a:ext cx="3573712" cy="893428"/>
+        </a:xfrm>
+        <a:prstGeom prst="roundRect">
+          <a:avLst>
+            <a:gd name="adj" fmla="val 10000"/>
+          </a:avLst>
+        </a:prstGeom>
+        <a:solidFill>
+          <a:schemeClr val="accent1">
+            <a:alpha val="90000"/>
+            <a:tint val="40000"/>
+            <a:hueOff val="0"/>
+            <a:satOff val="0"/>
+            <a:lumOff val="0"/>
+            <a:alphaOff val="0"/>
+          </a:schemeClr>
+        </a:solidFill>
+        <a:ln w="15875" cap="flat" cmpd="sng" algn="ctr">
+          <a:solidFill>
+            <a:schemeClr val="accent1">
+              <a:alpha val="90000"/>
+              <a:tint val="40000"/>
+              <a:hueOff val="0"/>
+              <a:satOff val="0"/>
+              <a:lumOff val="0"/>
+              <a:alphaOff val="0"/>
+            </a:schemeClr>
+          </a:solidFill>
+          <a:prstDash val="solid"/>
+        </a:ln>
+        <a:effectLst/>
+      </dsp:spPr>
+      <dsp:style>
+        <a:lnRef idx="2">
+          <a:scrgbClr r="0" g="0" b="0"/>
+        </a:lnRef>
+        <a:fillRef idx="1">
+          <a:scrgbClr r="0" g="0" b="0"/>
+        </a:fillRef>
+        <a:effectRef idx="0">
+          <a:scrgbClr r="0" g="0" b="0"/>
+        </a:effectRef>
+        <a:fontRef idx="minor"/>
+      </dsp:style>
+      <dsp:txBody>
+        <a:bodyPr spcFirstLastPara="0" vert="horz" wrap="square" lIns="48260" tIns="48260" rIns="48260" bIns="48260" numCol="1" spcCol="1270" anchor="ctr" anchorCtr="0">
+          <a:noAutofit/>
+        </a:bodyPr>
+        <a:lstStyle/>
+        <a:p>
+          <a:pPr marL="0" lvl="0" indent="0" algn="l" defTabSz="1689100">
+            <a:lnSpc>
+              <a:spcPct val="90000"/>
+            </a:lnSpc>
+            <a:spcBef>
+              <a:spcPct val="0"/>
+            </a:spcBef>
+            <a:spcAft>
+              <a:spcPct val="35000"/>
+            </a:spcAft>
+            <a:buNone/>
+          </a:pPr>
+          <a:r>
+            <a:rPr lang="en-US" sz="3800" kern="1200">
+              <a:solidFill>
+                <a:srgbClr val="444444"/>
+              </a:solidFill>
+              <a:latin typeface="Calibri"/>
+              <a:ea typeface="Calibri"/>
+              <a:cs typeface="Calibri"/>
+            </a:rPr>
+            <a:t>$1.5mn annually</a:t>
+          </a:r>
+        </a:p>
+      </dsp:txBody>
+      <dsp:txXfrm>
+        <a:off x="28820" y="3452842"/>
+        <a:ext cx="3521376" cy="841092"/>
+      </dsp:txXfrm>
+    </dsp:sp>
+    <dsp:sp modelId="{C12CB8BB-691C-4682-B54C-F6821DB8F693}">
+      <dsp:nvSpPr>
+        <dsp:cNvPr id="0" name=""/>
+        <dsp:cNvSpPr/>
+      </dsp:nvSpPr>
+      <dsp:spPr>
+        <a:xfrm>
+          <a:off x="4076684" y="1014418"/>
+          <a:ext cx="3573712" cy="893428"/>
         </a:xfrm>
         <a:prstGeom prst="roundRect">
           <a:avLst>
@@ -8365,12 +7407,12 @@
         </a:fontRef>
       </dsp:style>
       <dsp:txBody>
-        <a:bodyPr spcFirstLastPara="0" vert="horz" wrap="square" lIns="142240" tIns="142240" rIns="142240" bIns="76200" numCol="1" spcCol="1270" anchor="t" anchorCtr="0">
+        <a:bodyPr spcFirstLastPara="0" vert="horz" wrap="square" lIns="34290" tIns="34290" rIns="34290" bIns="34290" numCol="1" spcCol="1270" anchor="ctr" anchorCtr="0">
           <a:noAutofit/>
         </a:bodyPr>
         <a:lstStyle/>
         <a:p>
-          <a:pPr marL="0" lvl="0" indent="0" algn="l" defTabSz="889000">
+          <a:pPr marL="0" lvl="0" indent="0" algn="l" defTabSz="1200150">
             <a:lnSpc>
               <a:spcPct val="90000"/>
             </a:lnSpc>
@@ -8383,107 +7425,36 @@
             <a:buNone/>
           </a:pPr>
           <a:r>
-            <a:rPr lang="en-US" sz="2000" kern="1200"/>
-            <a:t>UW System</a:t>
+            <a:rPr lang="en-US" sz="2700" kern="1200">
+              <a:solidFill>
+                <a:schemeClr val="bg1"/>
+              </a:solidFill>
+              <a:latin typeface="Calibri"/>
+              <a:ea typeface="Calibri"/>
+              <a:cs typeface="Calibri"/>
+            </a:rPr>
+            <a:t>Big Ten Universities</a:t>
           </a:r>
         </a:p>
       </dsp:txBody>
       <dsp:txXfrm>
-        <a:off x="3658939" y="1043033"/>
-        <a:ext cx="2274632" cy="784658"/>
+        <a:off x="4102852" y="1040586"/>
+        <a:ext cx="3521376" cy="841092"/>
       </dsp:txXfrm>
     </dsp:sp>
-    <dsp:sp modelId="{F238D365-CF0A-4070-A06C-07E4E1CFFAAC}">
+    <dsp:sp modelId="{AC98CA10-6723-426A-B3D5-3758948D1A8D}">
       <dsp:nvSpPr>
         <dsp:cNvPr id="0" name=""/>
         <dsp:cNvSpPr/>
       </dsp:nvSpPr>
       <dsp:spPr>
-        <a:xfrm>
-          <a:off x="4124828" y="1827691"/>
-          <a:ext cx="2274632" cy="1152000"/>
-        </a:xfrm>
-        <a:prstGeom prst="roundRect">
-          <a:avLst>
-            <a:gd name="adj" fmla="val 10000"/>
-          </a:avLst>
-        </a:prstGeom>
-        <a:solidFill>
-          <a:schemeClr val="lt1">
-            <a:alpha val="90000"/>
-            <a:hueOff val="0"/>
-            <a:satOff val="0"/>
-            <a:lumOff val="0"/>
-            <a:alphaOff val="0"/>
-          </a:schemeClr>
-        </a:solidFill>
-        <a:ln w="15875" cap="flat" cmpd="sng" algn="ctr">
-          <a:solidFill>
-            <a:schemeClr val="accent1">
-              <a:hueOff val="0"/>
-              <a:satOff val="0"/>
-              <a:lumOff val="0"/>
-              <a:alphaOff val="0"/>
-            </a:schemeClr>
-          </a:solidFill>
-          <a:prstDash val="solid"/>
-        </a:ln>
-        <a:effectLst/>
-      </dsp:spPr>
-      <dsp:style>
-        <a:lnRef idx="2">
-          <a:scrgbClr r="0" g="0" b="0"/>
-        </a:lnRef>
-        <a:fillRef idx="1">
-          <a:scrgbClr r="0" g="0" b="0"/>
-        </a:fillRef>
-        <a:effectRef idx="0">
-          <a:scrgbClr r="0" g="0" b="0"/>
-        </a:effectRef>
-        <a:fontRef idx="minor"/>
-      </dsp:style>
-      <dsp:txBody>
-        <a:bodyPr spcFirstLastPara="0" vert="horz" wrap="square" lIns="142240" tIns="142240" rIns="142240" bIns="142240" numCol="1" spcCol="1270" anchor="t" anchorCtr="0">
-          <a:noAutofit/>
-        </a:bodyPr>
-        <a:lstStyle/>
-        <a:p>
-          <a:pPr marL="228600" lvl="1" indent="-228600" algn="l" defTabSz="889000">
-            <a:lnSpc>
-              <a:spcPct val="90000"/>
-            </a:lnSpc>
-            <a:spcBef>
-              <a:spcPct val="0"/>
-            </a:spcBef>
-            <a:spcAft>
-              <a:spcPct val="15000"/>
-            </a:spcAft>
-            <a:buChar char="•"/>
-          </a:pPr>
-          <a:r>
-            <a:rPr lang="en-US" sz="2000" kern="1200"/>
-            <a:t>170k enrolled</a:t>
-          </a:r>
-        </a:p>
-      </dsp:txBody>
-      <dsp:txXfrm>
-        <a:off x="4158569" y="1861432"/>
-        <a:ext cx="2207150" cy="1084518"/>
-      </dsp:txXfrm>
-    </dsp:sp>
-    <dsp:sp modelId="{9C7138BC-EC22-43AC-9B67-6BA903C39562}">
-      <dsp:nvSpPr>
-        <dsp:cNvPr id="0" name=""/>
-        <dsp:cNvSpPr/>
-      </dsp:nvSpPr>
-      <dsp:spPr>
-        <a:xfrm>
-          <a:off x="6278398" y="1152203"/>
-          <a:ext cx="731031" cy="566317"/>
+        <a:xfrm rot="5400000">
+          <a:off x="5785366" y="1986021"/>
+          <a:ext cx="156349" cy="156349"/>
         </a:xfrm>
         <a:prstGeom prst="rightArrow">
           <a:avLst>
-            <a:gd name="adj1" fmla="val 60000"/>
+            <a:gd name="adj1" fmla="val 66700"/>
             <a:gd name="adj2" fmla="val 50000"/>
           </a:avLst>
         </a:prstGeom>
@@ -8515,13 +7486,66 @@
           <a:schemeClr val="lt1"/>
         </a:fontRef>
       </dsp:style>
+    </dsp:sp>
+    <dsp:sp modelId="{B159D428-BDD8-4044-AE3D-27FB4AACECEE}">
+      <dsp:nvSpPr>
+        <dsp:cNvPr id="0" name=""/>
+        <dsp:cNvSpPr/>
+      </dsp:nvSpPr>
+      <dsp:spPr>
+        <a:xfrm>
+          <a:off x="4076684" y="2220546"/>
+          <a:ext cx="3573712" cy="893428"/>
+        </a:xfrm>
+        <a:prstGeom prst="roundRect">
+          <a:avLst>
+            <a:gd name="adj" fmla="val 10000"/>
+          </a:avLst>
+        </a:prstGeom>
+        <a:solidFill>
+          <a:schemeClr val="accent1">
+            <a:alpha val="90000"/>
+            <a:tint val="40000"/>
+            <a:hueOff val="0"/>
+            <a:satOff val="0"/>
+            <a:lumOff val="0"/>
+            <a:alphaOff val="0"/>
+          </a:schemeClr>
+        </a:solidFill>
+        <a:ln w="15875" cap="flat" cmpd="sng" algn="ctr">
+          <a:solidFill>
+            <a:schemeClr val="accent1">
+              <a:alpha val="90000"/>
+              <a:tint val="40000"/>
+              <a:hueOff val="0"/>
+              <a:satOff val="0"/>
+              <a:lumOff val="0"/>
+              <a:alphaOff val="0"/>
+            </a:schemeClr>
+          </a:solidFill>
+          <a:prstDash val="solid"/>
+        </a:ln>
+        <a:effectLst/>
+      </dsp:spPr>
+      <dsp:style>
+        <a:lnRef idx="2">
+          <a:scrgbClr r="0" g="0" b="0"/>
+        </a:lnRef>
+        <a:fillRef idx="1">
+          <a:scrgbClr r="0" g="0" b="0"/>
+        </a:fillRef>
+        <a:effectRef idx="0">
+          <a:scrgbClr r="0" g="0" b="0"/>
+        </a:effectRef>
+        <a:fontRef idx="minor"/>
+      </dsp:style>
       <dsp:txBody>
-        <a:bodyPr spcFirstLastPara="0" vert="horz" wrap="square" lIns="0" tIns="0" rIns="0" bIns="0" numCol="1" spcCol="1270" anchor="ctr" anchorCtr="0">
+        <a:bodyPr spcFirstLastPara="0" vert="horz" wrap="square" lIns="48260" tIns="48260" rIns="48260" bIns="48260" numCol="1" spcCol="1270" anchor="ctr" anchorCtr="0">
           <a:noAutofit/>
         </a:bodyPr>
         <a:lstStyle/>
         <a:p>
-          <a:pPr marL="0" lvl="0" indent="0" algn="ctr" defTabSz="711200">
+          <a:pPr marL="0" lvl="0" indent="0" algn="l" defTabSz="1689100">
             <a:lnSpc>
               <a:spcPct val="90000"/>
             </a:lnSpc>
@@ -8533,23 +7557,166 @@
             </a:spcAft>
             <a:buNone/>
           </a:pPr>
-          <a:endParaRPr lang="en-US" sz="1600" kern="1200"/>
+          <a:r>
+            <a:rPr lang="en-US" sz="3800" kern="1200">
+              <a:solidFill>
+                <a:srgbClr val="444444"/>
+              </a:solidFill>
+              <a:latin typeface="Calibri"/>
+              <a:ea typeface="Calibri"/>
+              <a:cs typeface="Calibri"/>
+            </a:rPr>
+            <a:t>700k enrolled</a:t>
+          </a:r>
         </a:p>
       </dsp:txBody>
       <dsp:txXfrm>
-        <a:off x="6278398" y="1265466"/>
-        <a:ext cx="561136" cy="339791"/>
+        <a:off x="4102852" y="2246714"/>
+        <a:ext cx="3521376" cy="841092"/>
       </dsp:txXfrm>
     </dsp:sp>
-    <dsp:sp modelId="{569C74B8-6FD4-4E9E-9CD5-159289741E27}">
+    <dsp:sp modelId="{5A325556-C2F3-43AD-B11A-C1CA969AA86B}">
+      <dsp:nvSpPr>
+        <dsp:cNvPr id="0" name=""/>
+        <dsp:cNvSpPr/>
+      </dsp:nvSpPr>
+      <dsp:spPr>
+        <a:xfrm rot="5400000">
+          <a:off x="5785366" y="3192149"/>
+          <a:ext cx="156349" cy="156349"/>
+        </a:xfrm>
+        <a:prstGeom prst="rightArrow">
+          <a:avLst>
+            <a:gd name="adj1" fmla="val 66700"/>
+            <a:gd name="adj2" fmla="val 50000"/>
+          </a:avLst>
+        </a:prstGeom>
+        <a:solidFill>
+          <a:schemeClr val="accent1">
+            <a:tint val="60000"/>
+            <a:hueOff val="0"/>
+            <a:satOff val="0"/>
+            <a:lumOff val="0"/>
+            <a:alphaOff val="0"/>
+          </a:schemeClr>
+        </a:solidFill>
+        <a:ln>
+          <a:noFill/>
+        </a:ln>
+        <a:effectLst/>
+      </dsp:spPr>
+      <dsp:style>
+        <a:lnRef idx="0">
+          <a:scrgbClr r="0" g="0" b="0"/>
+        </a:lnRef>
+        <a:fillRef idx="1">
+          <a:scrgbClr r="0" g="0" b="0"/>
+        </a:fillRef>
+        <a:effectRef idx="0">
+          <a:scrgbClr r="0" g="0" b="0"/>
+        </a:effectRef>
+        <a:fontRef idx="minor">
+          <a:schemeClr val="lt1"/>
+        </a:fontRef>
+      </dsp:style>
+    </dsp:sp>
+    <dsp:sp modelId="{B704931D-B478-442A-99E3-DE194FE627DE}">
       <dsp:nvSpPr>
         <dsp:cNvPr id="0" name=""/>
         <dsp:cNvSpPr/>
       </dsp:nvSpPr>
       <dsp:spPr>
         <a:xfrm>
-          <a:off x="7312876" y="1043033"/>
-          <a:ext cx="2274632" cy="1176987"/>
+          <a:off x="4076684" y="3426674"/>
+          <a:ext cx="3573712" cy="893428"/>
+        </a:xfrm>
+        <a:prstGeom prst="roundRect">
+          <a:avLst>
+            <a:gd name="adj" fmla="val 10000"/>
+          </a:avLst>
+        </a:prstGeom>
+        <a:solidFill>
+          <a:schemeClr val="accent1">
+            <a:alpha val="90000"/>
+            <a:tint val="40000"/>
+            <a:hueOff val="0"/>
+            <a:satOff val="0"/>
+            <a:lumOff val="0"/>
+            <a:alphaOff val="0"/>
+          </a:schemeClr>
+        </a:solidFill>
+        <a:ln w="15875" cap="flat" cmpd="sng" algn="ctr">
+          <a:solidFill>
+            <a:schemeClr val="accent1">
+              <a:alpha val="90000"/>
+              <a:tint val="40000"/>
+              <a:hueOff val="0"/>
+              <a:satOff val="0"/>
+              <a:lumOff val="0"/>
+              <a:alphaOff val="0"/>
+            </a:schemeClr>
+          </a:solidFill>
+          <a:prstDash val="solid"/>
+        </a:ln>
+        <a:effectLst/>
+      </dsp:spPr>
+      <dsp:style>
+        <a:lnRef idx="2">
+          <a:scrgbClr r="0" g="0" b="0"/>
+        </a:lnRef>
+        <a:fillRef idx="1">
+          <a:scrgbClr r="0" g="0" b="0"/>
+        </a:fillRef>
+        <a:effectRef idx="0">
+          <a:scrgbClr r="0" g="0" b="0"/>
+        </a:effectRef>
+        <a:fontRef idx="minor"/>
+      </dsp:style>
+      <dsp:txBody>
+        <a:bodyPr spcFirstLastPara="0" vert="horz" wrap="square" lIns="48260" tIns="48260" rIns="48260" bIns="48260" numCol="1" spcCol="1270" anchor="ctr" anchorCtr="0">
+          <a:noAutofit/>
+        </a:bodyPr>
+        <a:lstStyle/>
+        <a:p>
+          <a:pPr marL="0" lvl="0" indent="0" algn="l" defTabSz="1689100">
+            <a:lnSpc>
+              <a:spcPct val="90000"/>
+            </a:lnSpc>
+            <a:spcBef>
+              <a:spcPct val="0"/>
+            </a:spcBef>
+            <a:spcAft>
+              <a:spcPct val="35000"/>
+            </a:spcAft>
+            <a:buNone/>
+          </a:pPr>
+          <a:r>
+            <a:rPr lang="en-US" sz="3800" kern="1200">
+              <a:solidFill>
+                <a:srgbClr val="444444"/>
+              </a:solidFill>
+              <a:latin typeface="Calibri"/>
+              <a:ea typeface="Calibri"/>
+              <a:cs typeface="Calibri"/>
+            </a:rPr>
+            <a:t>$21mn annually</a:t>
+          </a:r>
+        </a:p>
+      </dsp:txBody>
+      <dsp:txXfrm>
+        <a:off x="4102852" y="3452842"/>
+        <a:ext cx="3521376" cy="841092"/>
+      </dsp:txXfrm>
+    </dsp:sp>
+    <dsp:sp modelId="{5C5DB47F-C926-4508-97DA-F4631A08AF60}">
+      <dsp:nvSpPr>
+        <dsp:cNvPr id="0" name=""/>
+        <dsp:cNvSpPr/>
+      </dsp:nvSpPr>
+      <dsp:spPr>
+        <a:xfrm>
+          <a:off x="8150716" y="1014418"/>
+          <a:ext cx="3573712" cy="893428"/>
         </a:xfrm>
         <a:prstGeom prst="roundRect">
           <a:avLst>
@@ -8592,12 +7759,12 @@
         </a:fontRef>
       </dsp:style>
       <dsp:txBody>
-        <a:bodyPr spcFirstLastPara="0" vert="horz" wrap="square" lIns="142240" tIns="142240" rIns="142240" bIns="76200" numCol="1" spcCol="1270" anchor="t" anchorCtr="0">
+        <a:bodyPr spcFirstLastPara="0" vert="horz" wrap="square" lIns="34290" tIns="34290" rIns="34290" bIns="34290" numCol="1" spcCol="1270" anchor="ctr" anchorCtr="0">
           <a:noAutofit/>
         </a:bodyPr>
         <a:lstStyle/>
         <a:p>
-          <a:pPr marL="0" lvl="0" indent="0" algn="l" defTabSz="889000">
+          <a:pPr marL="0" lvl="0" indent="0" algn="l" defTabSz="1200150">
             <a:lnSpc>
               <a:spcPct val="90000"/>
             </a:lnSpc>
@@ -8610,25 +7777,77 @@
             <a:buNone/>
           </a:pPr>
           <a:r>
-            <a:rPr lang="en-US" sz="2000" kern="1200"/>
-            <a:t>All Undergraduate Students</a:t>
+            <a:rPr lang="en-US" sz="2700" kern="1200">
+              <a:solidFill>
+                <a:schemeClr val="bg1"/>
+              </a:solidFill>
+              <a:latin typeface="Calibri"/>
+              <a:ea typeface="Calibri"/>
+              <a:cs typeface="Calibri"/>
+            </a:rPr>
+            <a:t>All Undergraduate Students in the US</a:t>
           </a:r>
         </a:p>
       </dsp:txBody>
       <dsp:txXfrm>
-        <a:off x="7312876" y="1043033"/>
-        <a:ext cx="2274632" cy="784658"/>
+        <a:off x="8176884" y="1040586"/>
+        <a:ext cx="3521376" cy="841092"/>
       </dsp:txXfrm>
     </dsp:sp>
-    <dsp:sp modelId="{E59B6520-33C5-4610-9D99-824921D87FD8}">
+    <dsp:sp modelId="{663262F1-ED40-4945-A39A-268A897714D4}">
+      <dsp:nvSpPr>
+        <dsp:cNvPr id="0" name=""/>
+        <dsp:cNvSpPr/>
+      </dsp:nvSpPr>
+      <dsp:spPr>
+        <a:xfrm rot="5400000">
+          <a:off x="9859398" y="1986021"/>
+          <a:ext cx="156349" cy="156349"/>
+        </a:xfrm>
+        <a:prstGeom prst="rightArrow">
+          <a:avLst>
+            <a:gd name="adj1" fmla="val 66700"/>
+            <a:gd name="adj2" fmla="val 50000"/>
+          </a:avLst>
+        </a:prstGeom>
+        <a:solidFill>
+          <a:schemeClr val="accent1">
+            <a:tint val="60000"/>
+            <a:hueOff val="0"/>
+            <a:satOff val="0"/>
+            <a:lumOff val="0"/>
+            <a:alphaOff val="0"/>
+          </a:schemeClr>
+        </a:solidFill>
+        <a:ln>
+          <a:noFill/>
+        </a:ln>
+        <a:effectLst/>
+      </dsp:spPr>
+      <dsp:style>
+        <a:lnRef idx="0">
+          <a:scrgbClr r="0" g="0" b="0"/>
+        </a:lnRef>
+        <a:fillRef idx="1">
+          <a:scrgbClr r="0" g="0" b="0"/>
+        </a:fillRef>
+        <a:effectRef idx="0">
+          <a:scrgbClr r="0" g="0" b="0"/>
+        </a:effectRef>
+        <a:fontRef idx="minor">
+          <a:schemeClr val="lt1"/>
+        </a:fontRef>
+      </dsp:style>
+    </dsp:sp>
+    <dsp:sp modelId="{120B8FA5-3F9B-4810-9AA6-C2D040FA98FA}">
       <dsp:nvSpPr>
         <dsp:cNvPr id="0" name=""/>
         <dsp:cNvSpPr/>
       </dsp:nvSpPr>
       <dsp:spPr>
         <a:xfrm>
-          <a:off x="7778764" y="1827691"/>
-          <a:ext cx="2274632" cy="1152000"/>
+          <a:off x="8150716" y="2220546"/>
+          <a:ext cx="3573712" cy="893428"/>
         </a:xfrm>
         <a:prstGeom prst="roundRect">
           <a:avLst>
@@ -8636,8 +7855,9 @@
           </a:avLst>
         </a:prstGeom>
         <a:solidFill>
-          <a:schemeClr val="lt1">
+          <a:schemeClr val="accent1">
             <a:alpha val="90000"/>
+            <a:tint val="40000"/>
             <a:hueOff val="0"/>
             <a:satOff val="0"/>
             <a:lumOff val="0"/>
@@ -8647,6 +7867,8 @@
         <a:ln w="15875" cap="flat" cmpd="sng" algn="ctr">
           <a:solidFill>
             <a:schemeClr val="accent1">
+              <a:alpha val="90000"/>
+              <a:tint val="40000"/>
               <a:hueOff val="0"/>
               <a:satOff val="0"/>
               <a:lumOff val="0"/>
@@ -8670,12 +7892,12 @@
         <a:fontRef idx="minor"/>
       </dsp:style>
       <dsp:txBody>
-        <a:bodyPr spcFirstLastPara="0" vert="horz" wrap="square" lIns="142240" tIns="142240" rIns="142240" bIns="142240" numCol="1" spcCol="1270" anchor="t" anchorCtr="0">
+        <a:bodyPr spcFirstLastPara="0" vert="horz" wrap="square" lIns="48260" tIns="48260" rIns="48260" bIns="48260" numCol="1" spcCol="1270" anchor="ctr" anchorCtr="0">
           <a:noAutofit/>
         </a:bodyPr>
         <a:lstStyle/>
         <a:p>
-          <a:pPr marL="228600" lvl="1" indent="-228600" algn="l" defTabSz="889000">
+          <a:pPr marL="0" lvl="0" indent="0" algn="l" defTabSz="1689100">
             <a:lnSpc>
               <a:spcPct val="90000"/>
             </a:lnSpc>
@@ -8683,42 +7905,82 @@
               <a:spcPct val="0"/>
             </a:spcBef>
             <a:spcAft>
-              <a:spcPct val="15000"/>
+              <a:spcPct val="35000"/>
             </a:spcAft>
-            <a:buChar char="•"/>
+            <a:buNone/>
           </a:pPr>
           <a:r>
-            <a:rPr lang="en-US" sz="2000" kern="1200"/>
+            <a:rPr lang="en-US" sz="3800" kern="1200">
+              <a:solidFill>
+                <a:srgbClr val="444444"/>
+              </a:solidFill>
+              <a:latin typeface="Calibri"/>
+              <a:ea typeface="Calibri"/>
+              <a:cs typeface="Calibri"/>
+            </a:rPr>
             <a:t>20mn enrolled</a:t>
           </a:r>
         </a:p>
       </dsp:txBody>
       <dsp:txXfrm>
-        <a:off x="7812505" y="1861432"/>
-        <a:ext cx="2207150" cy="1084518"/>
+        <a:off x="8176884" y="2246714"/>
+        <a:ext cx="3521376" cy="841092"/>
       </dsp:txXfrm>
     </dsp:sp>
-  </dsp:spTree>
-</dsp:drawing>
-</file>
-
-<file path=ppt/diagrams/drawing4.xml><?xml version="1.0" encoding="utf-8"?>
-<dsp:drawing xmlns:dgm="http://schemas.openxmlformats.org/drawingml/2006/diagram" xmlns:dsp="http://schemas.microsoft.com/office/drawing/2008/diagram" xmlns:a="http://schemas.openxmlformats.org/drawingml/2006/main">
-  <dsp:spTree>
-    <dsp:nvGrpSpPr>
-      <dsp:cNvPr id="0" name=""/>
-      <dsp:cNvGrpSpPr/>
-    </dsp:nvGrpSpPr>
-    <dsp:grpSpPr/>
-    <dsp:sp modelId="{00F4D007-9000-4BC2-B110-EFA8C461C41C}">
+    <dsp:sp modelId="{5945C767-AF03-42CB-86ED-7392A416D64B}">
+      <dsp:nvSpPr>
+        <dsp:cNvPr id="0" name=""/>
+        <dsp:cNvSpPr/>
+      </dsp:nvSpPr>
+      <dsp:spPr>
+        <a:xfrm rot="5400000">
+          <a:off x="9859398" y="3192149"/>
+          <a:ext cx="156349" cy="156349"/>
+        </a:xfrm>
+        <a:prstGeom prst="rightArrow">
+          <a:avLst>
+            <a:gd name="adj1" fmla="val 66700"/>
+            <a:gd name="adj2" fmla="val 50000"/>
+          </a:avLst>
+        </a:prstGeom>
+        <a:solidFill>
+          <a:schemeClr val="accent1">
+            <a:tint val="60000"/>
+            <a:hueOff val="0"/>
+            <a:satOff val="0"/>
+            <a:lumOff val="0"/>
+            <a:alphaOff val="0"/>
+          </a:schemeClr>
+        </a:solidFill>
+        <a:ln>
+          <a:noFill/>
+        </a:ln>
+        <a:effectLst/>
+      </dsp:spPr>
+      <dsp:style>
+        <a:lnRef idx="0">
+          <a:scrgbClr r="0" g="0" b="0"/>
+        </a:lnRef>
+        <a:fillRef idx="1">
+          <a:scrgbClr r="0" g="0" b="0"/>
+        </a:fillRef>
+        <a:effectRef idx="0">
+          <a:scrgbClr r="0" g="0" b="0"/>
+        </a:effectRef>
+        <a:fontRef idx="minor">
+          <a:schemeClr val="lt1"/>
+        </a:fontRef>
+      </dsp:style>
+    </dsp:sp>
+    <dsp:sp modelId="{A6DE5E88-AECF-4959-8A5B-027ED9A68463}">
       <dsp:nvSpPr>
         <dsp:cNvPr id="0" name=""/>
         <dsp:cNvSpPr/>
       </dsp:nvSpPr>
       <dsp:spPr>
         <a:xfrm>
-          <a:off x="541347" y="1178"/>
-          <a:ext cx="3739877" cy="1869938"/>
+          <a:off x="8150716" y="3426674"/>
+          <a:ext cx="3573712" cy="893428"/>
         </a:xfrm>
         <a:prstGeom prst="roundRect">
           <a:avLst>
@@ -8727,6 +7989,8 @@
         </a:prstGeom>
         <a:solidFill>
           <a:schemeClr val="accent1">
+            <a:alpha val="90000"/>
+            <a:tint val="40000"/>
             <a:hueOff val="0"/>
             <a:satOff val="0"/>
             <a:lumOff val="0"/>
@@ -8735,7 +7999,9 @@
         </a:solidFill>
         <a:ln w="15875" cap="flat" cmpd="sng" algn="ctr">
           <a:solidFill>
-            <a:schemeClr val="lt1">
+            <a:schemeClr val="accent1">
+              <a:alpha val="90000"/>
+              <a:tint val="40000"/>
               <a:hueOff val="0"/>
               <a:satOff val="0"/>
               <a:lumOff val="0"/>
@@ -8756,19 +8022,17 @@
         <a:effectRef idx="0">
           <a:scrgbClr r="0" g="0" b="0"/>
         </a:effectRef>
-        <a:fontRef idx="minor">
-          <a:schemeClr val="lt1"/>
-        </a:fontRef>
+        <a:fontRef idx="minor"/>
       </dsp:style>
       <dsp:txBody>
-        <a:bodyPr spcFirstLastPara="0" vert="horz" wrap="square" lIns="26035" tIns="26035" rIns="26035" bIns="26035" numCol="1" spcCol="1270" anchor="ctr" anchorCtr="0">
+        <a:bodyPr spcFirstLastPara="0" vert="horz" wrap="square" lIns="48260" tIns="48260" rIns="48260" bIns="48260" numCol="1" spcCol="1270" anchor="ctr" anchorCtr="0">
           <a:noAutofit/>
         </a:bodyPr>
         <a:lstStyle/>
         <a:p>
-          <a:pPr marL="0" lvl="0" indent="0" algn="ctr" defTabSz="1822450">
+          <a:pPr marL="0" lvl="0" indent="0" algn="l" defTabSz="1689100">
             <a:lnSpc>
-              <a:spcPct val="90000"/>
+              <a:spcPct val="100000"/>
             </a:lnSpc>
             <a:spcBef>
               <a:spcPct val="0"/>
@@ -8779,418 +8043,28 @@
             <a:buNone/>
           </a:pPr>
           <a:r>
-            <a:rPr lang="en-US" sz="4100" kern="1200"/>
-            <a:t>Chegg </a:t>
+            <a:rPr lang="en-US" sz="3800" kern="1200">
+              <a:solidFill>
+                <a:srgbClr val="444444"/>
+              </a:solidFill>
+              <a:latin typeface="Calibri"/>
+              <a:ea typeface="Calibri"/>
+              <a:cs typeface="Calibri"/>
+            </a:rPr>
+            <a:t>$600mn annually</a:t>
           </a:r>
         </a:p>
       </dsp:txBody>
       <dsp:txXfrm>
-        <a:off x="596116" y="55947"/>
-        <a:ext cx="3630339" cy="1760400"/>
-      </dsp:txXfrm>
-    </dsp:sp>
-    <dsp:sp modelId="{FF050050-DE58-4DED-A57F-90FE9F6AB00B}">
-      <dsp:nvSpPr>
-        <dsp:cNvPr id="0" name=""/>
-        <dsp:cNvSpPr/>
-      </dsp:nvSpPr>
-      <dsp:spPr>
-        <a:xfrm>
-          <a:off x="4281224" y="894311"/>
-          <a:ext cx="1495950" cy="83671"/>
-        </a:xfrm>
-        <a:custGeom>
-          <a:avLst/>
-          <a:gdLst/>
-          <a:ahLst/>
-          <a:cxnLst/>
-          <a:rect l="0" t="0" r="0" b="0"/>
-          <a:pathLst>
-            <a:path>
-              <a:moveTo>
-                <a:pt x="0" y="41835"/>
-              </a:moveTo>
-              <a:lnTo>
-                <a:pt x="1495950" y="41835"/>
-              </a:lnTo>
-            </a:path>
-          </a:pathLst>
-        </a:custGeom>
-        <a:noFill/>
-        <a:ln w="15875" cap="flat" cmpd="sng" algn="ctr">
-          <a:solidFill>
-            <a:schemeClr val="accent1">
-              <a:shade val="60000"/>
-              <a:hueOff val="0"/>
-              <a:satOff val="0"/>
-              <a:lumOff val="0"/>
-              <a:alphaOff val="0"/>
-            </a:schemeClr>
-          </a:solidFill>
-          <a:prstDash val="solid"/>
-        </a:ln>
-        <a:effectLst/>
-      </dsp:spPr>
-      <dsp:style>
-        <a:lnRef idx="2">
-          <a:scrgbClr r="0" g="0" b="0"/>
-        </a:lnRef>
-        <a:fillRef idx="0">
-          <a:scrgbClr r="0" g="0" b="0"/>
-        </a:fillRef>
-        <a:effectRef idx="0">
-          <a:scrgbClr r="0" g="0" b="0"/>
-        </a:effectRef>
-        <a:fontRef idx="minor"/>
-      </dsp:style>
-      <dsp:txBody>
-        <a:bodyPr spcFirstLastPara="0" vert="horz" wrap="square" lIns="12700" tIns="0" rIns="12700" bIns="0" numCol="1" spcCol="1270" anchor="ctr" anchorCtr="0">
-          <a:noAutofit/>
-        </a:bodyPr>
-        <a:lstStyle/>
-        <a:p>
-          <a:pPr marL="0" lvl="0" indent="0" algn="ctr" defTabSz="222250">
-            <a:lnSpc>
-              <a:spcPct val="90000"/>
-            </a:lnSpc>
-            <a:spcBef>
-              <a:spcPct val="0"/>
-            </a:spcBef>
-            <a:spcAft>
-              <a:spcPct val="35000"/>
-            </a:spcAft>
-            <a:buNone/>
-          </a:pPr>
-          <a:endParaRPr lang="en-US" sz="500" kern="1200"/>
-        </a:p>
-      </dsp:txBody>
-      <dsp:txXfrm>
-        <a:off x="4991801" y="898749"/>
-        <a:ext cx="74797" cy="74797"/>
-      </dsp:txXfrm>
-    </dsp:sp>
-    <dsp:sp modelId="{3FEB05AD-BF2F-4D6F-86E2-71BDEB8CCF96}">
-      <dsp:nvSpPr>
-        <dsp:cNvPr id="0" name=""/>
-        <dsp:cNvSpPr/>
-      </dsp:nvSpPr>
-      <dsp:spPr>
-        <a:xfrm>
-          <a:off x="5777175" y="1178"/>
-          <a:ext cx="3739877" cy="1869938"/>
-        </a:xfrm>
-        <a:prstGeom prst="roundRect">
-          <a:avLst>
-            <a:gd name="adj" fmla="val 10000"/>
-          </a:avLst>
-        </a:prstGeom>
-        <a:solidFill>
-          <a:schemeClr val="accent1">
-            <a:hueOff val="0"/>
-            <a:satOff val="0"/>
-            <a:lumOff val="0"/>
-            <a:alphaOff val="0"/>
-          </a:schemeClr>
-        </a:solidFill>
-        <a:ln w="15875" cap="flat" cmpd="sng" algn="ctr">
-          <a:solidFill>
-            <a:schemeClr val="lt1">
-              <a:hueOff val="0"/>
-              <a:satOff val="0"/>
-              <a:lumOff val="0"/>
-              <a:alphaOff val="0"/>
-            </a:schemeClr>
-          </a:solidFill>
-          <a:prstDash val="solid"/>
-        </a:ln>
-        <a:effectLst/>
-      </dsp:spPr>
-      <dsp:style>
-        <a:lnRef idx="2">
-          <a:scrgbClr r="0" g="0" b="0"/>
-        </a:lnRef>
-        <a:fillRef idx="1">
-          <a:scrgbClr r="0" g="0" b="0"/>
-        </a:fillRef>
-        <a:effectRef idx="0">
-          <a:scrgbClr r="0" g="0" b="0"/>
-        </a:effectRef>
-        <a:fontRef idx="minor">
-          <a:schemeClr val="lt1"/>
-        </a:fontRef>
-      </dsp:style>
-      <dsp:txBody>
-        <a:bodyPr spcFirstLastPara="0" vert="horz" wrap="square" lIns="26035" tIns="26035" rIns="26035" bIns="26035" numCol="1" spcCol="1270" anchor="ctr" anchorCtr="0">
-          <a:noAutofit/>
-        </a:bodyPr>
-        <a:lstStyle/>
-        <a:p>
-          <a:pPr marL="0" lvl="0" indent="0" algn="ctr" defTabSz="1822450">
-            <a:lnSpc>
-              <a:spcPct val="90000"/>
-            </a:lnSpc>
-            <a:spcBef>
-              <a:spcPct val="0"/>
-            </a:spcBef>
-            <a:spcAft>
-              <a:spcPct val="35000"/>
-            </a:spcAft>
-            <a:buNone/>
-          </a:pPr>
-          <a:r>
-            <a:rPr lang="en-US" sz="4100" kern="1200"/>
-            <a:t>Annual Revenue: $730 mn</a:t>
-          </a:r>
-        </a:p>
-      </dsp:txBody>
-      <dsp:txXfrm>
-        <a:off x="5831944" y="55947"/>
-        <a:ext cx="3630339" cy="1760400"/>
-      </dsp:txXfrm>
-    </dsp:sp>
-    <dsp:sp modelId="{493491D1-744D-41A4-BE18-B46EDB5AA4E1}">
-      <dsp:nvSpPr>
-        <dsp:cNvPr id="0" name=""/>
-        <dsp:cNvSpPr/>
-      </dsp:nvSpPr>
-      <dsp:spPr>
-        <a:xfrm>
-          <a:off x="541347" y="2151607"/>
-          <a:ext cx="3739877" cy="1869938"/>
-        </a:xfrm>
-        <a:prstGeom prst="roundRect">
-          <a:avLst>
-            <a:gd name="adj" fmla="val 10000"/>
-          </a:avLst>
-        </a:prstGeom>
-        <a:solidFill>
-          <a:schemeClr val="accent1">
-            <a:hueOff val="0"/>
-            <a:satOff val="0"/>
-            <a:lumOff val="0"/>
-            <a:alphaOff val="0"/>
-          </a:schemeClr>
-        </a:solidFill>
-        <a:ln w="15875" cap="flat" cmpd="sng" algn="ctr">
-          <a:solidFill>
-            <a:schemeClr val="lt1">
-              <a:hueOff val="0"/>
-              <a:satOff val="0"/>
-              <a:lumOff val="0"/>
-              <a:alphaOff val="0"/>
-            </a:schemeClr>
-          </a:solidFill>
-          <a:prstDash val="solid"/>
-        </a:ln>
-        <a:effectLst/>
-      </dsp:spPr>
-      <dsp:style>
-        <a:lnRef idx="2">
-          <a:scrgbClr r="0" g="0" b="0"/>
-        </a:lnRef>
-        <a:fillRef idx="1">
-          <a:scrgbClr r="0" g="0" b="0"/>
-        </a:fillRef>
-        <a:effectRef idx="0">
-          <a:scrgbClr r="0" g="0" b="0"/>
-        </a:effectRef>
-        <a:fontRef idx="minor">
-          <a:schemeClr val="lt1"/>
-        </a:fontRef>
-      </dsp:style>
-      <dsp:txBody>
-        <a:bodyPr spcFirstLastPara="0" vert="horz" wrap="square" lIns="26035" tIns="26035" rIns="26035" bIns="26035" numCol="1" spcCol="1270" anchor="ctr" anchorCtr="0">
-          <a:noAutofit/>
-        </a:bodyPr>
-        <a:lstStyle/>
-        <a:p>
-          <a:pPr marL="0" lvl="0" indent="0" algn="ctr" defTabSz="1822450">
-            <a:lnSpc>
-              <a:spcPct val="90000"/>
-            </a:lnSpc>
-            <a:spcBef>
-              <a:spcPct val="0"/>
-            </a:spcBef>
-            <a:spcAft>
-              <a:spcPct val="35000"/>
-            </a:spcAft>
-            <a:buNone/>
-          </a:pPr>
-          <a:r>
-            <a:rPr lang="en-US" sz="4100" kern="1200"/>
-            <a:t>Quizlet</a:t>
-          </a:r>
-        </a:p>
-      </dsp:txBody>
-      <dsp:txXfrm>
-        <a:off x="596116" y="2206376"/>
-        <a:ext cx="3630339" cy="1760400"/>
-      </dsp:txXfrm>
-    </dsp:sp>
-    <dsp:sp modelId="{2F6EED4F-627B-42B3-BFB1-66A1A047C6EE}">
-      <dsp:nvSpPr>
-        <dsp:cNvPr id="0" name=""/>
-        <dsp:cNvSpPr/>
-      </dsp:nvSpPr>
-      <dsp:spPr>
-        <a:xfrm>
-          <a:off x="4281224" y="3044741"/>
-          <a:ext cx="1495950" cy="83671"/>
-        </a:xfrm>
-        <a:custGeom>
-          <a:avLst/>
-          <a:gdLst/>
-          <a:ahLst/>
-          <a:cxnLst/>
-          <a:rect l="0" t="0" r="0" b="0"/>
-          <a:pathLst>
-            <a:path>
-              <a:moveTo>
-                <a:pt x="0" y="41835"/>
-              </a:moveTo>
-              <a:lnTo>
-                <a:pt x="1495950" y="41835"/>
-              </a:lnTo>
-            </a:path>
-          </a:pathLst>
-        </a:custGeom>
-        <a:noFill/>
-        <a:ln w="15875" cap="flat" cmpd="sng" algn="ctr">
-          <a:solidFill>
-            <a:schemeClr val="accent1">
-              <a:shade val="60000"/>
-              <a:hueOff val="0"/>
-              <a:satOff val="0"/>
-              <a:lumOff val="0"/>
-              <a:alphaOff val="0"/>
-            </a:schemeClr>
-          </a:solidFill>
-          <a:prstDash val="solid"/>
-        </a:ln>
-        <a:effectLst/>
-      </dsp:spPr>
-      <dsp:style>
-        <a:lnRef idx="2">
-          <a:scrgbClr r="0" g="0" b="0"/>
-        </a:lnRef>
-        <a:fillRef idx="0">
-          <a:scrgbClr r="0" g="0" b="0"/>
-        </a:fillRef>
-        <a:effectRef idx="0">
-          <a:scrgbClr r="0" g="0" b="0"/>
-        </a:effectRef>
-        <a:fontRef idx="minor"/>
-      </dsp:style>
-      <dsp:txBody>
-        <a:bodyPr spcFirstLastPara="0" vert="horz" wrap="square" lIns="12700" tIns="0" rIns="12700" bIns="0" numCol="1" spcCol="1270" anchor="ctr" anchorCtr="0">
-          <a:noAutofit/>
-        </a:bodyPr>
-        <a:lstStyle/>
-        <a:p>
-          <a:pPr marL="0" lvl="0" indent="0" algn="ctr" defTabSz="222250">
-            <a:lnSpc>
-              <a:spcPct val="90000"/>
-            </a:lnSpc>
-            <a:spcBef>
-              <a:spcPct val="0"/>
-            </a:spcBef>
-            <a:spcAft>
-              <a:spcPct val="35000"/>
-            </a:spcAft>
-            <a:buNone/>
-          </a:pPr>
-          <a:endParaRPr lang="en-US" sz="500" kern="1200"/>
-        </a:p>
-      </dsp:txBody>
-      <dsp:txXfrm>
-        <a:off x="4991801" y="3049178"/>
-        <a:ext cx="74797" cy="74797"/>
-      </dsp:txXfrm>
-    </dsp:sp>
-    <dsp:sp modelId="{1FDFF44A-9FDE-4E39-91CA-D4930B9B1EC7}">
-      <dsp:nvSpPr>
-        <dsp:cNvPr id="0" name=""/>
-        <dsp:cNvSpPr/>
-      </dsp:nvSpPr>
-      <dsp:spPr>
-        <a:xfrm>
-          <a:off x="5777175" y="2151607"/>
-          <a:ext cx="3739877" cy="1869938"/>
-        </a:xfrm>
-        <a:prstGeom prst="roundRect">
-          <a:avLst>
-            <a:gd name="adj" fmla="val 10000"/>
-          </a:avLst>
-        </a:prstGeom>
-        <a:solidFill>
-          <a:schemeClr val="accent1">
-            <a:hueOff val="0"/>
-            <a:satOff val="0"/>
-            <a:lumOff val="0"/>
-            <a:alphaOff val="0"/>
-          </a:schemeClr>
-        </a:solidFill>
-        <a:ln w="15875" cap="flat" cmpd="sng" algn="ctr">
-          <a:solidFill>
-            <a:schemeClr val="lt1">
-              <a:hueOff val="0"/>
-              <a:satOff val="0"/>
-              <a:lumOff val="0"/>
-              <a:alphaOff val="0"/>
-            </a:schemeClr>
-          </a:solidFill>
-          <a:prstDash val="solid"/>
-        </a:ln>
-        <a:effectLst/>
-      </dsp:spPr>
-      <dsp:style>
-        <a:lnRef idx="2">
-          <a:scrgbClr r="0" g="0" b="0"/>
-        </a:lnRef>
-        <a:fillRef idx="1">
-          <a:scrgbClr r="0" g="0" b="0"/>
-        </a:fillRef>
-        <a:effectRef idx="0">
-          <a:scrgbClr r="0" g="0" b="0"/>
-        </a:effectRef>
-        <a:fontRef idx="minor">
-          <a:schemeClr val="lt1"/>
-        </a:fontRef>
-      </dsp:style>
-      <dsp:txBody>
-        <a:bodyPr spcFirstLastPara="0" vert="horz" wrap="square" lIns="26035" tIns="26035" rIns="26035" bIns="26035" numCol="1" spcCol="1270" anchor="ctr" anchorCtr="0">
-          <a:noAutofit/>
-        </a:bodyPr>
-        <a:lstStyle/>
-        <a:p>
-          <a:pPr marL="0" lvl="0" indent="0" algn="ctr" defTabSz="1822450">
-            <a:lnSpc>
-              <a:spcPct val="90000"/>
-            </a:lnSpc>
-            <a:spcBef>
-              <a:spcPct val="0"/>
-            </a:spcBef>
-            <a:spcAft>
-              <a:spcPct val="35000"/>
-            </a:spcAft>
-            <a:buNone/>
-          </a:pPr>
-          <a:r>
-            <a:rPr lang="en-US" sz="4100" kern="1200"/>
-            <a:t>Annual Revenue: $75 mn</a:t>
-          </a:r>
-        </a:p>
-      </dsp:txBody>
-      <dsp:txXfrm>
-        <a:off x="5831944" y="2206376"/>
-        <a:ext cx="3630339" cy="1760400"/>
+        <a:off x="8176884" y="3452842"/>
+        <a:ext cx="3521376" cy="841092"/>
       </dsp:txXfrm>
     </dsp:sp>
   </dsp:spTree>
 </dsp:drawing>
 </file>
 
-<file path=ppt/diagrams/drawing5.xml><?xml version="1.0" encoding="utf-8"?>
+<file path=ppt/diagrams/drawing4.xml><?xml version="1.0" encoding="utf-8"?>
 <dsp:drawing xmlns:dgm="http://schemas.openxmlformats.org/drawingml/2006/diagram" xmlns:dsp="http://schemas.microsoft.com/office/drawing/2008/diagram" xmlns:a="http://schemas.openxmlformats.org/drawingml/2006/main">
   <dsp:spTree>
     <dsp:nvGrpSpPr>
@@ -9198,15 +8072,15 @@
       <dsp:cNvGrpSpPr/>
     </dsp:nvGrpSpPr>
     <dsp:grpSpPr/>
-    <dsp:sp modelId="{244794C4-2DEE-4DD3-9AC1-BC954241984A}">
+    <dsp:sp modelId="{D9D611F1-E9B8-4DA0-85D9-E8CCEA1C34D2}">
       <dsp:nvSpPr>
         <dsp:cNvPr id="0" name=""/>
         <dsp:cNvSpPr/>
       </dsp:nvSpPr>
       <dsp:spPr>
         <a:xfrm>
-          <a:off x="6730975" y="2279180"/>
-          <a:ext cx="891406" cy="424228"/>
+          <a:off x="4902978" y="1442746"/>
+          <a:ext cx="2776864" cy="660767"/>
         </a:xfrm>
         <a:custGeom>
           <a:avLst/>
@@ -9220,133 +8094,13 @@
                 <a:pt x="0" y="0"/>
               </a:moveTo>
               <a:lnTo>
-                <a:pt x="0" y="289099"/>
+                <a:pt x="0" y="450293"/>
               </a:lnTo>
               <a:lnTo>
-                <a:pt x="891406" y="289099"/>
+                <a:pt x="2776864" y="450293"/>
               </a:lnTo>
               <a:lnTo>
-                <a:pt x="891406" y="424228"/>
-              </a:lnTo>
-            </a:path>
-          </a:pathLst>
-        </a:custGeom>
-        <a:noFill/>
-        <a:ln w="15875" cap="flat" cmpd="sng" algn="ctr">
-          <a:solidFill>
-            <a:schemeClr val="accent4">
-              <a:hueOff val="0"/>
-              <a:satOff val="0"/>
-              <a:lumOff val="0"/>
-              <a:alphaOff val="0"/>
-            </a:schemeClr>
-          </a:solidFill>
-          <a:prstDash val="solid"/>
-        </a:ln>
-        <a:effectLst/>
-      </dsp:spPr>
-      <dsp:style>
-        <a:lnRef idx="2">
-          <a:scrgbClr r="0" g="0" b="0"/>
-        </a:lnRef>
-        <a:fillRef idx="0">
-          <a:scrgbClr r="0" g="0" b="0"/>
-        </a:fillRef>
-        <a:effectRef idx="0">
-          <a:scrgbClr r="0" g="0" b="0"/>
-        </a:effectRef>
-        <a:fontRef idx="minor"/>
-      </dsp:style>
-    </dsp:sp>
-    <dsp:sp modelId="{19F7C81E-C282-401A-AC24-BC6C5D233EAE}">
-      <dsp:nvSpPr>
-        <dsp:cNvPr id="0" name=""/>
-        <dsp:cNvSpPr/>
-      </dsp:nvSpPr>
-      <dsp:spPr>
-        <a:xfrm>
-          <a:off x="5839569" y="2279180"/>
-          <a:ext cx="891406" cy="424228"/>
-        </a:xfrm>
-        <a:custGeom>
-          <a:avLst/>
-          <a:gdLst/>
-          <a:ahLst/>
-          <a:cxnLst/>
-          <a:rect l="0" t="0" r="0" b="0"/>
-          <a:pathLst>
-            <a:path>
-              <a:moveTo>
-                <a:pt x="891406" y="0"/>
-              </a:moveTo>
-              <a:lnTo>
-                <a:pt x="891406" y="289099"/>
-              </a:lnTo>
-              <a:lnTo>
-                <a:pt x="0" y="289099"/>
-              </a:lnTo>
-              <a:lnTo>
-                <a:pt x="0" y="424228"/>
-              </a:lnTo>
-            </a:path>
-          </a:pathLst>
-        </a:custGeom>
-        <a:noFill/>
-        <a:ln w="15875" cap="flat" cmpd="sng" algn="ctr">
-          <a:solidFill>
-            <a:schemeClr val="accent4">
-              <a:hueOff val="0"/>
-              <a:satOff val="0"/>
-              <a:lumOff val="0"/>
-              <a:alphaOff val="0"/>
-            </a:schemeClr>
-          </a:solidFill>
-          <a:prstDash val="solid"/>
-        </a:ln>
-        <a:effectLst/>
-      </dsp:spPr>
-      <dsp:style>
-        <a:lnRef idx="2">
-          <a:scrgbClr r="0" g="0" b="0"/>
-        </a:lnRef>
-        <a:fillRef idx="0">
-          <a:scrgbClr r="0" g="0" b="0"/>
-        </a:fillRef>
-        <a:effectRef idx="0">
-          <a:scrgbClr r="0" g="0" b="0"/>
-        </a:effectRef>
-        <a:fontRef idx="minor"/>
-      </dsp:style>
-    </dsp:sp>
-    <dsp:sp modelId="{1582E236-9466-4156-935E-42E4EB491118}">
-      <dsp:nvSpPr>
-        <dsp:cNvPr id="0" name=""/>
-        <dsp:cNvSpPr/>
-      </dsp:nvSpPr>
-      <dsp:spPr>
-        <a:xfrm>
-          <a:off x="4948163" y="928700"/>
-          <a:ext cx="1782812" cy="424228"/>
-        </a:xfrm>
-        <a:custGeom>
-          <a:avLst/>
-          <a:gdLst/>
-          <a:ahLst/>
-          <a:cxnLst/>
-          <a:rect l="0" t="0" r="0" b="0"/>
-          <a:pathLst>
-            <a:path>
-              <a:moveTo>
-                <a:pt x="0" y="0"/>
-              </a:moveTo>
-              <a:lnTo>
-                <a:pt x="0" y="289099"/>
-              </a:lnTo>
-              <a:lnTo>
-                <a:pt x="1782812" y="289099"/>
-              </a:lnTo>
-              <a:lnTo>
-                <a:pt x="1782812" y="424228"/>
+                <a:pt x="2776864" y="660767"/>
               </a:lnTo>
             </a:path>
           </a:pathLst>
@@ -9378,15 +8132,15 @@
         <a:fontRef idx="minor"/>
       </dsp:style>
     </dsp:sp>
-    <dsp:sp modelId="{8A0132BB-7C13-4199-8AC6-23F86A1C5D9D}">
+    <dsp:sp modelId="{F434F527-71A3-42B4-9F38-C3484B05E6BE}">
       <dsp:nvSpPr>
         <dsp:cNvPr id="0" name=""/>
         <dsp:cNvSpPr/>
       </dsp:nvSpPr>
       <dsp:spPr>
         <a:xfrm>
-          <a:off x="4902443" y="928700"/>
-          <a:ext cx="91440" cy="424228"/>
+          <a:off x="4857258" y="1442746"/>
+          <a:ext cx="91440" cy="660767"/>
         </a:xfrm>
         <a:custGeom>
           <a:avLst/>
@@ -9400,7 +8154,7 @@
                 <a:pt x="45720" y="0"/>
               </a:moveTo>
               <a:lnTo>
-                <a:pt x="45720" y="424228"/>
+                <a:pt x="45720" y="660767"/>
               </a:lnTo>
             </a:path>
           </a:pathLst>
@@ -9432,15 +8186,15 @@
         <a:fontRef idx="minor"/>
       </dsp:style>
     </dsp:sp>
-    <dsp:sp modelId="{7041C1E0-C1CF-4E4D-8F74-4141519280B5}">
+    <dsp:sp modelId="{99F85851-1A7F-44BB-83E9-92B20E81E9C7}">
       <dsp:nvSpPr>
         <dsp:cNvPr id="0" name=""/>
         <dsp:cNvSpPr/>
       </dsp:nvSpPr>
       <dsp:spPr>
         <a:xfrm>
-          <a:off x="3165350" y="2279180"/>
-          <a:ext cx="891406" cy="424228"/>
+          <a:off x="2126113" y="1442746"/>
+          <a:ext cx="2776864" cy="660767"/>
         </a:xfrm>
         <a:custGeom>
           <a:avLst/>
@@ -9451,136 +8205,16 @@
           <a:pathLst>
             <a:path>
               <a:moveTo>
-                <a:pt x="0" y="0"/>
+                <a:pt x="2776864" y="0"/>
               </a:moveTo>
               <a:lnTo>
-                <a:pt x="0" y="289099"/>
+                <a:pt x="2776864" y="450293"/>
               </a:lnTo>
               <a:lnTo>
-                <a:pt x="891406" y="289099"/>
+                <a:pt x="0" y="450293"/>
               </a:lnTo>
               <a:lnTo>
-                <a:pt x="891406" y="424228"/>
-              </a:lnTo>
-            </a:path>
-          </a:pathLst>
-        </a:custGeom>
-        <a:noFill/>
-        <a:ln w="15875" cap="flat" cmpd="sng" algn="ctr">
-          <a:solidFill>
-            <a:schemeClr val="accent4">
-              <a:hueOff val="0"/>
-              <a:satOff val="0"/>
-              <a:lumOff val="0"/>
-              <a:alphaOff val="0"/>
-            </a:schemeClr>
-          </a:solidFill>
-          <a:prstDash val="solid"/>
-        </a:ln>
-        <a:effectLst/>
-      </dsp:spPr>
-      <dsp:style>
-        <a:lnRef idx="2">
-          <a:scrgbClr r="0" g="0" b="0"/>
-        </a:lnRef>
-        <a:fillRef idx="0">
-          <a:scrgbClr r="0" g="0" b="0"/>
-        </a:fillRef>
-        <a:effectRef idx="0">
-          <a:scrgbClr r="0" g="0" b="0"/>
-        </a:effectRef>
-        <a:fontRef idx="minor"/>
-      </dsp:style>
-    </dsp:sp>
-    <dsp:sp modelId="{E280CD9C-8AA9-4435-97E9-2211DAC9E0ED}">
-      <dsp:nvSpPr>
-        <dsp:cNvPr id="0" name=""/>
-        <dsp:cNvSpPr/>
-      </dsp:nvSpPr>
-      <dsp:spPr>
-        <a:xfrm>
-          <a:off x="2273944" y="2279180"/>
-          <a:ext cx="891406" cy="424228"/>
-        </a:xfrm>
-        <a:custGeom>
-          <a:avLst/>
-          <a:gdLst/>
-          <a:ahLst/>
-          <a:cxnLst/>
-          <a:rect l="0" t="0" r="0" b="0"/>
-          <a:pathLst>
-            <a:path>
-              <a:moveTo>
-                <a:pt x="891406" y="0"/>
-              </a:moveTo>
-              <a:lnTo>
-                <a:pt x="891406" y="289099"/>
-              </a:lnTo>
-              <a:lnTo>
-                <a:pt x="0" y="289099"/>
-              </a:lnTo>
-              <a:lnTo>
-                <a:pt x="0" y="424228"/>
-              </a:lnTo>
-            </a:path>
-          </a:pathLst>
-        </a:custGeom>
-        <a:noFill/>
-        <a:ln w="15875" cap="flat" cmpd="sng" algn="ctr">
-          <a:solidFill>
-            <a:schemeClr val="accent4">
-              <a:hueOff val="0"/>
-              <a:satOff val="0"/>
-              <a:lumOff val="0"/>
-              <a:alphaOff val="0"/>
-            </a:schemeClr>
-          </a:solidFill>
-          <a:prstDash val="solid"/>
-        </a:ln>
-        <a:effectLst/>
-      </dsp:spPr>
-      <dsp:style>
-        <a:lnRef idx="2">
-          <a:scrgbClr r="0" g="0" b="0"/>
-        </a:lnRef>
-        <a:fillRef idx="0">
-          <a:scrgbClr r="0" g="0" b="0"/>
-        </a:fillRef>
-        <a:effectRef idx="0">
-          <a:scrgbClr r="0" g="0" b="0"/>
-        </a:effectRef>
-        <a:fontRef idx="minor"/>
-      </dsp:style>
-    </dsp:sp>
-    <dsp:sp modelId="{034F107D-5B0B-45B4-BA71-7DADA5F9D54B}">
-      <dsp:nvSpPr>
-        <dsp:cNvPr id="0" name=""/>
-        <dsp:cNvSpPr/>
-      </dsp:nvSpPr>
-      <dsp:spPr>
-        <a:xfrm>
-          <a:off x="3165350" y="928700"/>
-          <a:ext cx="1782812" cy="424228"/>
-        </a:xfrm>
-        <a:custGeom>
-          <a:avLst/>
-          <a:gdLst/>
-          <a:ahLst/>
-          <a:cxnLst/>
-          <a:rect l="0" t="0" r="0" b="0"/>
-          <a:pathLst>
-            <a:path>
-              <a:moveTo>
-                <a:pt x="1782812" y="0"/>
-              </a:moveTo>
-              <a:lnTo>
-                <a:pt x="1782812" y="289099"/>
-              </a:lnTo>
-              <a:lnTo>
-                <a:pt x="0" y="289099"/>
-              </a:lnTo>
-              <a:lnTo>
-                <a:pt x="0" y="424228"/>
+                <a:pt x="0" y="660767"/>
               </a:lnTo>
             </a:path>
           </a:pathLst>
@@ -9619,8 +8253,8 @@
       </dsp:nvSpPr>
       <dsp:spPr>
         <a:xfrm>
-          <a:off x="4218830" y="2448"/>
-          <a:ext cx="1458664" cy="926251"/>
+          <a:off x="3766988" y="38"/>
+          <a:ext cx="2271980" cy="1442707"/>
         </a:xfrm>
         <a:prstGeom prst="roundRect">
           <a:avLst>
@@ -9670,8 +8304,8 @@
       </dsp:nvSpPr>
       <dsp:spPr>
         <a:xfrm>
-          <a:off x="4380904" y="156418"/>
-          <a:ext cx="1458664" cy="926251"/>
+          <a:off x="4019430" y="239858"/>
+          <a:ext cx="2271980" cy="1442707"/>
         </a:xfrm>
         <a:prstGeom prst="roundRect">
           <a:avLst>
@@ -9713,12 +8347,12 @@
         <a:fontRef idx="minor"/>
       </dsp:style>
       <dsp:txBody>
-        <a:bodyPr spcFirstLastPara="0" vert="horz" wrap="square" lIns="64770" tIns="64770" rIns="64770" bIns="64770" numCol="1" spcCol="1270" anchor="ctr" anchorCtr="0">
+        <a:bodyPr spcFirstLastPara="0" vert="horz" wrap="square" lIns="95250" tIns="95250" rIns="95250" bIns="95250" numCol="1" spcCol="1270" anchor="ctr" anchorCtr="0">
           <a:noAutofit/>
         </a:bodyPr>
         <a:lstStyle/>
         <a:p>
-          <a:pPr marL="0" lvl="0" indent="0" algn="ctr" defTabSz="755650">
+          <a:pPr marL="0" lvl="0" indent="0" algn="ctr" defTabSz="1111250" rtl="0">
             <a:lnSpc>
               <a:spcPct val="90000"/>
             </a:lnSpc>
@@ -9731,25 +8365,28 @@
             <a:buNone/>
           </a:pPr>
           <a:r>
-            <a:rPr lang="en-US" sz="1700" kern="1200"/>
-            <a:t>Business model</a:t>
+            <a:rPr lang="en-US" sz="2500" b="1" kern="1200">
+              <a:latin typeface="Calibri Light" panose="020F0302020204030204"/>
+            </a:rPr>
+            <a:t>Fremium Model</a:t>
           </a:r>
+          <a:endParaRPr lang="en-US" sz="2500" b="1" kern="1200"/>
         </a:p>
       </dsp:txBody>
       <dsp:txXfrm>
-        <a:off x="4408033" y="183547"/>
-        <a:ext cx="1404406" cy="871993"/>
+        <a:off x="4061685" y="282113"/>
+        <a:ext cx="2187470" cy="1358197"/>
       </dsp:txXfrm>
     </dsp:sp>
-    <dsp:sp modelId="{B5772935-8836-4ECD-A5A5-51D9DD997DF9}">
+    <dsp:sp modelId="{5E396162-73A6-4BD4-91D2-3E3B3B684F4E}">
       <dsp:nvSpPr>
         <dsp:cNvPr id="0" name=""/>
         <dsp:cNvSpPr/>
       </dsp:nvSpPr>
       <dsp:spPr>
         <a:xfrm>
-          <a:off x="2436018" y="1352928"/>
-          <a:ext cx="1458664" cy="926251"/>
+          <a:off x="990123" y="2103513"/>
+          <a:ext cx="2271980" cy="1442707"/>
         </a:xfrm>
         <a:prstGeom prst="roundRect">
           <a:avLst>
@@ -9792,15 +8429,15 @@
         </a:fontRef>
       </dsp:style>
     </dsp:sp>
-    <dsp:sp modelId="{FB39D664-77DF-4261-94AE-535F4CA75B37}">
+    <dsp:sp modelId="{DCFBA7A0-0164-42BF-B41D-FF6EEF0DFC0F}">
       <dsp:nvSpPr>
         <dsp:cNvPr id="0" name=""/>
         <dsp:cNvSpPr/>
       </dsp:nvSpPr>
       <dsp:spPr>
         <a:xfrm>
-          <a:off x="2598092" y="1506899"/>
-          <a:ext cx="1458664" cy="926251"/>
+          <a:off x="1242566" y="2343333"/>
+          <a:ext cx="2271980" cy="1442707"/>
         </a:xfrm>
         <a:prstGeom prst="roundRect">
           <a:avLst>
@@ -9842,12 +8479,12 @@
         <a:fontRef idx="minor"/>
       </dsp:style>
       <dsp:txBody>
-        <a:bodyPr spcFirstLastPara="0" vert="horz" wrap="square" lIns="64770" tIns="64770" rIns="64770" bIns="64770" numCol="1" spcCol="1270" anchor="ctr" anchorCtr="0">
+        <a:bodyPr spcFirstLastPara="0" vert="horz" wrap="square" lIns="95250" tIns="95250" rIns="95250" bIns="95250" numCol="1" spcCol="1270" anchor="ctr" anchorCtr="0">
           <a:noAutofit/>
         </a:bodyPr>
         <a:lstStyle/>
         <a:p>
-          <a:pPr marL="0" lvl="0" indent="0" algn="ctr" defTabSz="755650">
+          <a:pPr marL="0" lvl="0" indent="0" algn="ctr" defTabSz="1111250" rtl="0">
             <a:lnSpc>
               <a:spcPct val="90000"/>
             </a:lnSpc>
@@ -9860,283 +8497,40 @@
             <a:buNone/>
           </a:pPr>
           <a:r>
-            <a:rPr lang="en-US" sz="1700" kern="1200"/>
-            <a:t>Premium Features</a:t>
+            <a:rPr lang="en-US" sz="2500" kern="1200">
+              <a:solidFill>
+                <a:srgbClr val="000000"/>
+              </a:solidFill>
+              <a:latin typeface="Calibri"/>
+              <a:ea typeface="Calibri"/>
+              <a:cs typeface="Calibri"/>
+            </a:rPr>
+            <a:t>Premium Features ($15/semester)</a:t>
           </a:r>
+          <a:endParaRPr lang="en-US" sz="2500" kern="1200">
+            <a:solidFill>
+              <a:srgbClr val="000000"/>
+            </a:solidFill>
+            <a:latin typeface="Calibri Light" panose="020F0302020204030204"/>
+            <a:ea typeface="Calibri Light" panose="020F0302020204030204"/>
+            <a:cs typeface="Calibri Light" panose="020F0302020204030204"/>
+          </a:endParaRPr>
         </a:p>
       </dsp:txBody>
       <dsp:txXfrm>
-        <a:off x="2625221" y="1534028"/>
-        <a:ext cx="1404406" cy="871993"/>
+        <a:off x="1284821" y="2385588"/>
+        <a:ext cx="2187470" cy="1358197"/>
       </dsp:txXfrm>
     </dsp:sp>
-    <dsp:sp modelId="{AFC408B0-C814-41D4-9939-443F8AB43EA9}">
+    <dsp:sp modelId="{A8B77318-E141-4A16-91A8-67D930D4D072}">
       <dsp:nvSpPr>
         <dsp:cNvPr id="0" name=""/>
         <dsp:cNvSpPr/>
       </dsp:nvSpPr>
       <dsp:spPr>
         <a:xfrm>
-          <a:off x="1544612" y="2703409"/>
-          <a:ext cx="1458664" cy="926251"/>
-        </a:xfrm>
-        <a:prstGeom prst="roundRect">
-          <a:avLst>
-            <a:gd name="adj" fmla="val 10000"/>
-          </a:avLst>
-        </a:prstGeom>
-        <a:solidFill>
-          <a:schemeClr val="accent4">
-            <a:hueOff val="0"/>
-            <a:satOff val="0"/>
-            <a:lumOff val="0"/>
-            <a:alphaOff val="0"/>
-          </a:schemeClr>
-        </a:solidFill>
-        <a:ln w="15875" cap="flat" cmpd="sng" algn="ctr">
-          <a:solidFill>
-            <a:schemeClr val="lt1">
-              <a:hueOff val="0"/>
-              <a:satOff val="0"/>
-              <a:lumOff val="0"/>
-              <a:alphaOff val="0"/>
-            </a:schemeClr>
-          </a:solidFill>
-          <a:prstDash val="solid"/>
-        </a:ln>
-        <a:effectLst/>
-      </dsp:spPr>
-      <dsp:style>
-        <a:lnRef idx="2">
-          <a:scrgbClr r="0" g="0" b="0"/>
-        </a:lnRef>
-        <a:fillRef idx="1">
-          <a:scrgbClr r="0" g="0" b="0"/>
-        </a:fillRef>
-        <a:effectRef idx="0">
-          <a:scrgbClr r="0" g="0" b="0"/>
-        </a:effectRef>
-        <a:fontRef idx="minor">
-          <a:schemeClr val="lt1"/>
-        </a:fontRef>
-      </dsp:style>
-    </dsp:sp>
-    <dsp:sp modelId="{A7AFB210-03A9-443F-A954-3F57071787F0}">
-      <dsp:nvSpPr>
-        <dsp:cNvPr id="0" name=""/>
-        <dsp:cNvSpPr/>
-      </dsp:nvSpPr>
-      <dsp:spPr>
-        <a:xfrm>
-          <a:off x="1706686" y="2857379"/>
-          <a:ext cx="1458664" cy="926251"/>
-        </a:xfrm>
-        <a:prstGeom prst="roundRect">
-          <a:avLst>
-            <a:gd name="adj" fmla="val 10000"/>
-          </a:avLst>
-        </a:prstGeom>
-        <a:solidFill>
-          <a:schemeClr val="lt1">
-            <a:alpha val="90000"/>
-            <a:hueOff val="0"/>
-            <a:satOff val="0"/>
-            <a:lumOff val="0"/>
-            <a:alphaOff val="0"/>
-          </a:schemeClr>
-        </a:solidFill>
-        <a:ln w="15875" cap="flat" cmpd="sng" algn="ctr">
-          <a:solidFill>
-            <a:schemeClr val="accent4">
-              <a:hueOff val="0"/>
-              <a:satOff val="0"/>
-              <a:lumOff val="0"/>
-              <a:alphaOff val="0"/>
-            </a:schemeClr>
-          </a:solidFill>
-          <a:prstDash val="solid"/>
-        </a:ln>
-        <a:effectLst/>
-      </dsp:spPr>
-      <dsp:style>
-        <a:lnRef idx="2">
-          <a:scrgbClr r="0" g="0" b="0"/>
-        </a:lnRef>
-        <a:fillRef idx="1">
-          <a:scrgbClr r="0" g="0" b="0"/>
-        </a:fillRef>
-        <a:effectRef idx="0">
-          <a:scrgbClr r="0" g="0" b="0"/>
-        </a:effectRef>
-        <a:fontRef idx="minor"/>
-      </dsp:style>
-      <dsp:txBody>
-        <a:bodyPr spcFirstLastPara="0" vert="horz" wrap="square" lIns="64770" tIns="64770" rIns="64770" bIns="64770" numCol="1" spcCol="1270" anchor="ctr" anchorCtr="0">
-          <a:noAutofit/>
-        </a:bodyPr>
-        <a:lstStyle/>
-        <a:p>
-          <a:pPr marL="0" lvl="0" indent="0" algn="ctr" defTabSz="755650">
-            <a:lnSpc>
-              <a:spcPct val="90000"/>
-            </a:lnSpc>
-            <a:spcBef>
-              <a:spcPct val="0"/>
-            </a:spcBef>
-            <a:spcAft>
-              <a:spcPct val="35000"/>
-            </a:spcAft>
-            <a:buNone/>
-          </a:pPr>
-          <a:r>
-            <a:rPr lang="en-US" sz="1700" kern="1200"/>
-            <a:t>Career advice</a:t>
-          </a:r>
-        </a:p>
-      </dsp:txBody>
-      <dsp:txXfrm>
-        <a:off x="1733815" y="2884508"/>
-        <a:ext cx="1404406" cy="871993"/>
-      </dsp:txXfrm>
-    </dsp:sp>
-    <dsp:sp modelId="{5DCFB5B6-916C-44D9-897E-4D38ABC961B8}">
-      <dsp:nvSpPr>
-        <dsp:cNvPr id="0" name=""/>
-        <dsp:cNvSpPr/>
-      </dsp:nvSpPr>
-      <dsp:spPr>
-        <a:xfrm>
-          <a:off x="3327424" y="2703409"/>
-          <a:ext cx="1458664" cy="926251"/>
-        </a:xfrm>
-        <a:prstGeom prst="roundRect">
-          <a:avLst>
-            <a:gd name="adj" fmla="val 10000"/>
-          </a:avLst>
-        </a:prstGeom>
-        <a:solidFill>
-          <a:schemeClr val="accent4">
-            <a:hueOff val="0"/>
-            <a:satOff val="0"/>
-            <a:lumOff val="0"/>
-            <a:alphaOff val="0"/>
-          </a:schemeClr>
-        </a:solidFill>
-        <a:ln w="15875" cap="flat" cmpd="sng" algn="ctr">
-          <a:solidFill>
-            <a:schemeClr val="lt1">
-              <a:hueOff val="0"/>
-              <a:satOff val="0"/>
-              <a:lumOff val="0"/>
-              <a:alphaOff val="0"/>
-            </a:schemeClr>
-          </a:solidFill>
-          <a:prstDash val="solid"/>
-        </a:ln>
-        <a:effectLst/>
-      </dsp:spPr>
-      <dsp:style>
-        <a:lnRef idx="2">
-          <a:scrgbClr r="0" g="0" b="0"/>
-        </a:lnRef>
-        <a:fillRef idx="1">
-          <a:scrgbClr r="0" g="0" b="0"/>
-        </a:fillRef>
-        <a:effectRef idx="0">
-          <a:scrgbClr r="0" g="0" b="0"/>
-        </a:effectRef>
-        <a:fontRef idx="minor">
-          <a:schemeClr val="lt1"/>
-        </a:fontRef>
-      </dsp:style>
-    </dsp:sp>
-    <dsp:sp modelId="{7BD50D80-32CE-40DE-B539-A3F06E735D14}">
-      <dsp:nvSpPr>
-        <dsp:cNvPr id="0" name=""/>
-        <dsp:cNvSpPr/>
-      </dsp:nvSpPr>
-      <dsp:spPr>
-        <a:xfrm>
-          <a:off x="3489498" y="2857379"/>
-          <a:ext cx="1458664" cy="926251"/>
-        </a:xfrm>
-        <a:prstGeom prst="roundRect">
-          <a:avLst>
-            <a:gd name="adj" fmla="val 10000"/>
-          </a:avLst>
-        </a:prstGeom>
-        <a:solidFill>
-          <a:schemeClr val="lt1">
-            <a:alpha val="90000"/>
-            <a:hueOff val="0"/>
-            <a:satOff val="0"/>
-            <a:lumOff val="0"/>
-            <a:alphaOff val="0"/>
-          </a:schemeClr>
-        </a:solidFill>
-        <a:ln w="15875" cap="flat" cmpd="sng" algn="ctr">
-          <a:solidFill>
-            <a:schemeClr val="accent4">
-              <a:hueOff val="0"/>
-              <a:satOff val="0"/>
-              <a:lumOff val="0"/>
-              <a:alphaOff val="0"/>
-            </a:schemeClr>
-          </a:solidFill>
-          <a:prstDash val="solid"/>
-        </a:ln>
-        <a:effectLst/>
-      </dsp:spPr>
-      <dsp:style>
-        <a:lnRef idx="2">
-          <a:scrgbClr r="0" g="0" b="0"/>
-        </a:lnRef>
-        <a:fillRef idx="1">
-          <a:scrgbClr r="0" g="0" b="0"/>
-        </a:fillRef>
-        <a:effectRef idx="0">
-          <a:scrgbClr r="0" g="0" b="0"/>
-        </a:effectRef>
-        <a:fontRef idx="minor"/>
-      </dsp:style>
-      <dsp:txBody>
-        <a:bodyPr spcFirstLastPara="0" vert="horz" wrap="square" lIns="64770" tIns="64770" rIns="64770" bIns="64770" numCol="1" spcCol="1270" anchor="ctr" anchorCtr="0">
-          <a:noAutofit/>
-        </a:bodyPr>
-        <a:lstStyle/>
-        <a:p>
-          <a:pPr marL="0" lvl="0" indent="0" algn="ctr" defTabSz="755650">
-            <a:lnSpc>
-              <a:spcPct val="90000"/>
-            </a:lnSpc>
-            <a:spcBef>
-              <a:spcPct val="0"/>
-            </a:spcBef>
-            <a:spcAft>
-              <a:spcPct val="35000"/>
-            </a:spcAft>
-            <a:buNone/>
-          </a:pPr>
-          <a:r>
-            <a:rPr lang="en-US" sz="1700" kern="1200"/>
-            <a:t>Custom GPTs for classes</a:t>
-          </a:r>
-        </a:p>
-      </dsp:txBody>
-      <dsp:txXfrm>
-        <a:off x="3516627" y="2884508"/>
-        <a:ext cx="1404406" cy="871993"/>
-      </dsp:txXfrm>
-    </dsp:sp>
-    <dsp:sp modelId="{FB2907BA-B2D8-4C1D-8343-E3FF9569F90C}">
-      <dsp:nvSpPr>
-        <dsp:cNvPr id="0" name=""/>
-        <dsp:cNvSpPr/>
-      </dsp:nvSpPr>
-      <dsp:spPr>
-        <a:xfrm>
-          <a:off x="4218830" y="1352928"/>
-          <a:ext cx="1458664" cy="926251"/>
+          <a:off x="3766988" y="2103513"/>
+          <a:ext cx="2271980" cy="1442707"/>
         </a:xfrm>
         <a:prstGeom prst="roundRect">
           <a:avLst>
@@ -10179,15 +8573,15 @@
         </a:fontRef>
       </dsp:style>
     </dsp:sp>
-    <dsp:sp modelId="{27460B0E-4395-42E3-985C-58FE9F76F06D}">
+    <dsp:sp modelId="{3A43B45D-5645-4A64-B6A0-A49F195723A6}">
       <dsp:nvSpPr>
         <dsp:cNvPr id="0" name=""/>
         <dsp:cNvSpPr/>
       </dsp:nvSpPr>
       <dsp:spPr>
         <a:xfrm>
-          <a:off x="4380904" y="1506899"/>
-          <a:ext cx="1458664" cy="926251"/>
+          <a:off x="4019430" y="2343333"/>
+          <a:ext cx="2271980" cy="1442707"/>
         </a:xfrm>
         <a:prstGeom prst="roundRect">
           <a:avLst>
@@ -10229,12 +8623,12 @@
         <a:fontRef idx="minor"/>
       </dsp:style>
       <dsp:txBody>
-        <a:bodyPr spcFirstLastPara="0" vert="horz" wrap="square" lIns="64770" tIns="64770" rIns="64770" bIns="64770" numCol="1" spcCol="1270" anchor="ctr" anchorCtr="0">
+        <a:bodyPr spcFirstLastPara="0" vert="horz" wrap="square" lIns="95250" tIns="95250" rIns="95250" bIns="95250" numCol="1" spcCol="1270" anchor="ctr" anchorCtr="0">
           <a:noAutofit/>
         </a:bodyPr>
         <a:lstStyle/>
         <a:p>
-          <a:pPr marL="0" lvl="0" indent="0" algn="ctr" defTabSz="755650">
+          <a:pPr marL="0" lvl="0" indent="0" algn="ctr" defTabSz="1111250" rtl="0">
             <a:lnSpc>
               <a:spcPct val="90000"/>
             </a:lnSpc>
@@ -10247,25 +8641,38 @@
             <a:buNone/>
           </a:pPr>
           <a:r>
-            <a:rPr lang="en-US" sz="1700" kern="1200"/>
-            <a:t>CORE SERVICE ALWAYS FREE</a:t>
+            <a:rPr lang="en-US" sz="2500" kern="1200">
+              <a:solidFill>
+                <a:srgbClr val="000000"/>
+              </a:solidFill>
+              <a:latin typeface="Calibri"/>
+              <a:ea typeface="Calibri"/>
+              <a:cs typeface="Calibri"/>
+            </a:rPr>
+            <a:t>Core Service Always Free</a:t>
           </a:r>
+          <a:endParaRPr lang="en-US" sz="2500" kern="1200">
+            <a:solidFill>
+              <a:srgbClr val="000000"/>
+            </a:solidFill>
+            <a:latin typeface="Calibri Light" panose="020F0302020204030204"/>
+          </a:endParaRPr>
         </a:p>
       </dsp:txBody>
       <dsp:txXfrm>
-        <a:off x="4408033" y="1534028"/>
-        <a:ext cx="1404406" cy="871993"/>
+        <a:off x="4061685" y="2385588"/>
+        <a:ext cx="2187470" cy="1358197"/>
       </dsp:txXfrm>
     </dsp:sp>
-    <dsp:sp modelId="{1FDD1DF9-868A-43AB-BB39-A0AD4362035E}">
+    <dsp:sp modelId="{D2A3E75E-1BAC-4A5F-86D1-9A877E0A6E8F}">
       <dsp:nvSpPr>
         <dsp:cNvPr id="0" name=""/>
         <dsp:cNvSpPr/>
       </dsp:nvSpPr>
       <dsp:spPr>
         <a:xfrm>
-          <a:off x="6001642" y="1352928"/>
-          <a:ext cx="1458664" cy="926251"/>
+          <a:off x="6543853" y="2103513"/>
+          <a:ext cx="2271980" cy="1442707"/>
         </a:xfrm>
         <a:prstGeom prst="roundRect">
           <a:avLst>
@@ -10308,15 +8715,15 @@
         </a:fontRef>
       </dsp:style>
     </dsp:sp>
-    <dsp:sp modelId="{290B4B5F-A9BD-4D11-A088-054CEBE6A63C}">
+    <dsp:sp modelId="{4125D1D8-2A84-49B5-90CD-6B739548C898}">
       <dsp:nvSpPr>
         <dsp:cNvPr id="0" name=""/>
         <dsp:cNvSpPr/>
       </dsp:nvSpPr>
       <dsp:spPr>
         <a:xfrm>
-          <a:off x="6163716" y="1506899"/>
-          <a:ext cx="1458664" cy="926251"/>
+          <a:off x="6796295" y="2343333"/>
+          <a:ext cx="2271980" cy="1442707"/>
         </a:xfrm>
         <a:prstGeom prst="roundRect">
           <a:avLst>
@@ -10358,12 +8765,12 @@
         <a:fontRef idx="minor"/>
       </dsp:style>
       <dsp:txBody>
-        <a:bodyPr spcFirstLastPara="0" vert="horz" wrap="square" lIns="64770" tIns="64770" rIns="64770" bIns="64770" numCol="1" spcCol="1270" anchor="ctr" anchorCtr="0">
+        <a:bodyPr spcFirstLastPara="0" vert="horz" wrap="square" lIns="95250" tIns="95250" rIns="95250" bIns="95250" numCol="1" spcCol="1270" anchor="ctr" anchorCtr="0">
           <a:noAutofit/>
         </a:bodyPr>
         <a:lstStyle/>
         <a:p>
-          <a:pPr marL="0" lvl="0" indent="0" algn="ctr" defTabSz="755650">
+          <a:pPr marL="0" lvl="0" indent="0" algn="ctr" defTabSz="1111250">
             <a:lnSpc>
               <a:spcPct val="90000"/>
             </a:lnSpc>
@@ -10376,272 +8783,16 @@
             <a:buNone/>
           </a:pPr>
           <a:r>
-            <a:rPr lang="en-US" sz="1700" kern="1200"/>
+            <a:rPr lang="en-US" sz="2500" b="1" kern="1200">
+              <a:latin typeface="Calibri Light" panose="020F0302020204030204"/>
+            </a:rPr>
             <a:t>Advertising</a:t>
           </a:r>
         </a:p>
       </dsp:txBody>
       <dsp:txXfrm>
-        <a:off x="6190845" y="1534028"/>
-        <a:ext cx="1404406" cy="871993"/>
-      </dsp:txXfrm>
-    </dsp:sp>
-    <dsp:sp modelId="{3032F09A-F266-4462-B689-DB6BE06075F4}">
-      <dsp:nvSpPr>
-        <dsp:cNvPr id="0" name=""/>
-        <dsp:cNvSpPr/>
-      </dsp:nvSpPr>
-      <dsp:spPr>
-        <a:xfrm>
-          <a:off x="5110236" y="2703409"/>
-          <a:ext cx="1458664" cy="926251"/>
-        </a:xfrm>
-        <a:prstGeom prst="roundRect">
-          <a:avLst>
-            <a:gd name="adj" fmla="val 10000"/>
-          </a:avLst>
-        </a:prstGeom>
-        <a:solidFill>
-          <a:schemeClr val="accent4">
-            <a:hueOff val="0"/>
-            <a:satOff val="0"/>
-            <a:lumOff val="0"/>
-            <a:alphaOff val="0"/>
-          </a:schemeClr>
-        </a:solidFill>
-        <a:ln w="15875" cap="flat" cmpd="sng" algn="ctr">
-          <a:solidFill>
-            <a:schemeClr val="lt1">
-              <a:hueOff val="0"/>
-              <a:satOff val="0"/>
-              <a:lumOff val="0"/>
-              <a:alphaOff val="0"/>
-            </a:schemeClr>
-          </a:solidFill>
-          <a:prstDash val="solid"/>
-        </a:ln>
-        <a:effectLst/>
-      </dsp:spPr>
-      <dsp:style>
-        <a:lnRef idx="2">
-          <a:scrgbClr r="0" g="0" b="0"/>
-        </a:lnRef>
-        <a:fillRef idx="1">
-          <a:scrgbClr r="0" g="0" b="0"/>
-        </a:fillRef>
-        <a:effectRef idx="0">
-          <a:scrgbClr r="0" g="0" b="0"/>
-        </a:effectRef>
-        <a:fontRef idx="minor">
-          <a:schemeClr val="lt1"/>
-        </a:fontRef>
-      </dsp:style>
-    </dsp:sp>
-    <dsp:sp modelId="{90D30B89-AC19-42E9-A9D8-301F87D17693}">
-      <dsp:nvSpPr>
-        <dsp:cNvPr id="0" name=""/>
-        <dsp:cNvSpPr/>
-      </dsp:nvSpPr>
-      <dsp:spPr>
-        <a:xfrm>
-          <a:off x="5272310" y="2857379"/>
-          <a:ext cx="1458664" cy="926251"/>
-        </a:xfrm>
-        <a:prstGeom prst="roundRect">
-          <a:avLst>
-            <a:gd name="adj" fmla="val 10000"/>
-          </a:avLst>
-        </a:prstGeom>
-        <a:solidFill>
-          <a:schemeClr val="lt1">
-            <a:alpha val="90000"/>
-            <a:hueOff val="0"/>
-            <a:satOff val="0"/>
-            <a:lumOff val="0"/>
-            <a:alphaOff val="0"/>
-          </a:schemeClr>
-        </a:solidFill>
-        <a:ln w="15875" cap="flat" cmpd="sng" algn="ctr">
-          <a:solidFill>
-            <a:schemeClr val="accent4">
-              <a:hueOff val="0"/>
-              <a:satOff val="0"/>
-              <a:lumOff val="0"/>
-              <a:alphaOff val="0"/>
-            </a:schemeClr>
-          </a:solidFill>
-          <a:prstDash val="solid"/>
-        </a:ln>
-        <a:effectLst/>
-      </dsp:spPr>
-      <dsp:style>
-        <a:lnRef idx="2">
-          <a:scrgbClr r="0" g="0" b="0"/>
-        </a:lnRef>
-        <a:fillRef idx="1">
-          <a:scrgbClr r="0" g="0" b="0"/>
-        </a:fillRef>
-        <a:effectRef idx="0">
-          <a:scrgbClr r="0" g="0" b="0"/>
-        </a:effectRef>
-        <a:fontRef idx="minor"/>
-      </dsp:style>
-      <dsp:txBody>
-        <a:bodyPr spcFirstLastPara="0" vert="horz" wrap="square" lIns="64770" tIns="64770" rIns="64770" bIns="64770" numCol="1" spcCol="1270" anchor="ctr" anchorCtr="0">
-          <a:noAutofit/>
-        </a:bodyPr>
-        <a:lstStyle/>
-        <a:p>
-          <a:pPr marL="0" lvl="0" indent="0" algn="ctr" defTabSz="755650">
-            <a:lnSpc>
-              <a:spcPct val="90000"/>
-            </a:lnSpc>
-            <a:spcBef>
-              <a:spcPct val="0"/>
-            </a:spcBef>
-            <a:spcAft>
-              <a:spcPct val="35000"/>
-            </a:spcAft>
-            <a:buNone/>
-          </a:pPr>
-          <a:r>
-            <a:rPr lang="en-US" sz="1700" kern="1200"/>
-            <a:t>Research Surveys</a:t>
-          </a:r>
-        </a:p>
-      </dsp:txBody>
-      <dsp:txXfrm>
-        <a:off x="5299439" y="2884508"/>
-        <a:ext cx="1404406" cy="871993"/>
-      </dsp:txXfrm>
-    </dsp:sp>
-    <dsp:sp modelId="{FCB0BF2E-66DC-4FE2-B708-BCE32BEB3C4C}">
-      <dsp:nvSpPr>
-        <dsp:cNvPr id="0" name=""/>
-        <dsp:cNvSpPr/>
-      </dsp:nvSpPr>
-      <dsp:spPr>
-        <a:xfrm>
-          <a:off x="6893049" y="2703409"/>
-          <a:ext cx="1458664" cy="926251"/>
-        </a:xfrm>
-        <a:prstGeom prst="roundRect">
-          <a:avLst>
-            <a:gd name="adj" fmla="val 10000"/>
-          </a:avLst>
-        </a:prstGeom>
-        <a:solidFill>
-          <a:schemeClr val="accent4">
-            <a:hueOff val="0"/>
-            <a:satOff val="0"/>
-            <a:lumOff val="0"/>
-            <a:alphaOff val="0"/>
-          </a:schemeClr>
-        </a:solidFill>
-        <a:ln w="15875" cap="flat" cmpd="sng" algn="ctr">
-          <a:solidFill>
-            <a:schemeClr val="lt1">
-              <a:hueOff val="0"/>
-              <a:satOff val="0"/>
-              <a:lumOff val="0"/>
-              <a:alphaOff val="0"/>
-            </a:schemeClr>
-          </a:solidFill>
-          <a:prstDash val="solid"/>
-        </a:ln>
-        <a:effectLst/>
-      </dsp:spPr>
-      <dsp:style>
-        <a:lnRef idx="2">
-          <a:scrgbClr r="0" g="0" b="0"/>
-        </a:lnRef>
-        <a:fillRef idx="1">
-          <a:scrgbClr r="0" g="0" b="0"/>
-        </a:fillRef>
-        <a:effectRef idx="0">
-          <a:scrgbClr r="0" g="0" b="0"/>
-        </a:effectRef>
-        <a:fontRef idx="minor">
-          <a:schemeClr val="lt1"/>
-        </a:fontRef>
-      </dsp:style>
-    </dsp:sp>
-    <dsp:sp modelId="{04F8F055-DD6F-4452-AB07-03BF570A7AAD}">
-      <dsp:nvSpPr>
-        <dsp:cNvPr id="0" name=""/>
-        <dsp:cNvSpPr/>
-      </dsp:nvSpPr>
-      <dsp:spPr>
-        <a:xfrm>
-          <a:off x="7055122" y="2857379"/>
-          <a:ext cx="1458664" cy="926251"/>
-        </a:xfrm>
-        <a:prstGeom prst="roundRect">
-          <a:avLst>
-            <a:gd name="adj" fmla="val 10000"/>
-          </a:avLst>
-        </a:prstGeom>
-        <a:solidFill>
-          <a:schemeClr val="lt1">
-            <a:alpha val="90000"/>
-            <a:hueOff val="0"/>
-            <a:satOff val="0"/>
-            <a:lumOff val="0"/>
-            <a:alphaOff val="0"/>
-          </a:schemeClr>
-        </a:solidFill>
-        <a:ln w="15875" cap="flat" cmpd="sng" algn="ctr">
-          <a:solidFill>
-            <a:schemeClr val="accent4">
-              <a:hueOff val="0"/>
-              <a:satOff val="0"/>
-              <a:lumOff val="0"/>
-              <a:alphaOff val="0"/>
-            </a:schemeClr>
-          </a:solidFill>
-          <a:prstDash val="solid"/>
-        </a:ln>
-        <a:effectLst/>
-      </dsp:spPr>
-      <dsp:style>
-        <a:lnRef idx="2">
-          <a:scrgbClr r="0" g="0" b="0"/>
-        </a:lnRef>
-        <a:fillRef idx="1">
-          <a:scrgbClr r="0" g="0" b="0"/>
-        </a:fillRef>
-        <a:effectRef idx="0">
-          <a:scrgbClr r="0" g="0" b="0"/>
-        </a:effectRef>
-        <a:fontRef idx="minor"/>
-      </dsp:style>
-      <dsp:txBody>
-        <a:bodyPr spcFirstLastPara="0" vert="horz" wrap="square" lIns="64770" tIns="64770" rIns="64770" bIns="64770" numCol="1" spcCol="1270" anchor="ctr" anchorCtr="0">
-          <a:noAutofit/>
-        </a:bodyPr>
-        <a:lstStyle/>
-        <a:p>
-          <a:pPr marL="0" lvl="0" indent="0" algn="ctr" defTabSz="755650">
-            <a:lnSpc>
-              <a:spcPct val="90000"/>
-            </a:lnSpc>
-            <a:spcBef>
-              <a:spcPct val="0"/>
-            </a:spcBef>
-            <a:spcAft>
-              <a:spcPct val="35000"/>
-            </a:spcAft>
-            <a:buNone/>
-          </a:pPr>
-          <a:r>
-            <a:rPr lang="en-US" sz="1700" kern="1200"/>
-            <a:t>Video Ads</a:t>
-          </a:r>
-        </a:p>
-      </dsp:txBody>
-      <dsp:txXfrm>
-        <a:off x="7082251" y="2884508"/>
-        <a:ext cx="1404406" cy="871993"/>
+        <a:off x="6838550" y="2385588"/>
+        <a:ext cx="2187470" cy="1358197"/>
       </dsp:txXfrm>
     </dsp:sp>
   </dsp:spTree>
@@ -11437,312 +9588,11 @@
 </file>
 
 <file path=ppt/diagrams/layout3.xml><?xml version="1.0" encoding="utf-8"?>
-<dgm:layoutDef xmlns:dgm="http://schemas.openxmlformats.org/drawingml/2006/diagram" xmlns:a="http://schemas.openxmlformats.org/drawingml/2006/main" uniqueId="urn:microsoft.com/office/officeart/2005/8/layout/process3">
+<dgm:layoutDef xmlns:dgm="http://schemas.openxmlformats.org/drawingml/2006/diagram" xmlns:a="http://schemas.openxmlformats.org/drawingml/2006/main" uniqueId="urn:microsoft.com/office/officeart/2005/8/layout/lProcess1">
   <dgm:title val=""/>
   <dgm:desc val=""/>
   <dgm:catLst>
-    <dgm:cat type="process" pri="2000"/>
-  </dgm:catLst>
-  <dgm:sampData>
-    <dgm:dataModel>
-      <dgm:ptLst>
-        <dgm:pt modelId="0" type="doc"/>
-        <dgm:pt modelId="1">
-          <dgm:prSet phldr="1"/>
-        </dgm:pt>
-        <dgm:pt modelId="11">
-          <dgm:prSet phldr="1"/>
-        </dgm:pt>
-        <dgm:pt modelId="2">
-          <dgm:prSet phldr="1"/>
-        </dgm:pt>
-        <dgm:pt modelId="21">
-          <dgm:prSet phldr="1"/>
-        </dgm:pt>
-        <dgm:pt modelId="3">
-          <dgm:prSet phldr="1"/>
-        </dgm:pt>
-        <dgm:pt modelId="31">
-          <dgm:prSet phldr="1"/>
-        </dgm:pt>
-      </dgm:ptLst>
-      <dgm:cxnLst>
-        <dgm:cxn modelId="4" srcId="0" destId="1" srcOrd="0" destOrd="0"/>
-        <dgm:cxn modelId="5" srcId="0" destId="2" srcOrd="1" destOrd="0"/>
-        <dgm:cxn modelId="6" srcId="0" destId="3" srcOrd="3" destOrd="0"/>
-        <dgm:cxn modelId="12" srcId="1" destId="11" srcOrd="0" destOrd="0"/>
-        <dgm:cxn modelId="23" srcId="2" destId="21" srcOrd="0" destOrd="0"/>
-        <dgm:cxn modelId="34" srcId="3" destId="31" srcOrd="0" destOrd="0"/>
-      </dgm:cxnLst>
-      <dgm:bg/>
-      <dgm:whole/>
-    </dgm:dataModel>
-  </dgm:sampData>
-  <dgm:styleData>
-    <dgm:dataModel>
-      <dgm:ptLst>
-        <dgm:pt modelId="0" type="doc"/>
-        <dgm:pt modelId="1">
-          <dgm:prSet phldr="1"/>
-        </dgm:pt>
-        <dgm:pt modelId="11">
-          <dgm:prSet phldr="1"/>
-        </dgm:pt>
-        <dgm:pt modelId="2">
-          <dgm:prSet phldr="1"/>
-        </dgm:pt>
-        <dgm:pt modelId="21">
-          <dgm:prSet phldr="1"/>
-        </dgm:pt>
-      </dgm:ptLst>
-      <dgm:cxnLst>
-        <dgm:cxn modelId="4" srcId="0" destId="1" srcOrd="0" destOrd="0"/>
-        <dgm:cxn modelId="5" srcId="0" destId="2" srcOrd="1" destOrd="0"/>
-        <dgm:cxn modelId="13" srcId="1" destId="11" srcOrd="0" destOrd="0"/>
-        <dgm:cxn modelId="23" srcId="2" destId="21" srcOrd="0" destOrd="0"/>
-      </dgm:cxnLst>
-      <dgm:bg/>
-      <dgm:whole/>
-    </dgm:dataModel>
-  </dgm:styleData>
-  <dgm:clrData>
-    <dgm:dataModel>
-      <dgm:ptLst>
-        <dgm:pt modelId="0" type="doc"/>
-        <dgm:pt modelId="1">
-          <dgm:prSet phldr="1"/>
-        </dgm:pt>
-        <dgm:pt modelId="11">
-          <dgm:prSet phldr="1"/>
-        </dgm:pt>
-        <dgm:pt modelId="2">
-          <dgm:prSet phldr="1"/>
-        </dgm:pt>
-        <dgm:pt modelId="21">
-          <dgm:prSet phldr="1"/>
-        </dgm:pt>
-        <dgm:pt modelId="3">
-          <dgm:prSet phldr="1"/>
-        </dgm:pt>
-        <dgm:pt modelId="31">
-          <dgm:prSet phldr="1"/>
-        </dgm:pt>
-        <dgm:pt modelId="4">
-          <dgm:prSet phldr="1"/>
-        </dgm:pt>
-        <dgm:pt modelId="41">
-          <dgm:prSet phldr="1"/>
-        </dgm:pt>
-      </dgm:ptLst>
-      <dgm:cxnLst>
-        <dgm:cxn modelId="5" srcId="0" destId="1" srcOrd="0" destOrd="0"/>
-        <dgm:cxn modelId="6" srcId="0" destId="2" srcOrd="1" destOrd="0"/>
-        <dgm:cxn modelId="7" srcId="0" destId="3" srcOrd="2" destOrd="0"/>
-        <dgm:cxn modelId="8" srcId="0" destId="4" srcOrd="3" destOrd="0"/>
-        <dgm:cxn modelId="13" srcId="1" destId="11" srcOrd="0" destOrd="0"/>
-        <dgm:cxn modelId="23" srcId="2" destId="21" srcOrd="0" destOrd="0"/>
-        <dgm:cxn modelId="33" srcId="3" destId="31" srcOrd="0" destOrd="0"/>
-        <dgm:cxn modelId="43" srcId="4" destId="41" srcOrd="0" destOrd="0"/>
-      </dgm:cxnLst>
-      <dgm:bg/>
-      <dgm:whole/>
-    </dgm:dataModel>
-  </dgm:clrData>
-  <dgm:layoutNode name="linearFlow">
-    <dgm:varLst>
-      <dgm:dir/>
-      <dgm:animLvl val="lvl"/>
-      <dgm:resizeHandles val="exact"/>
-    </dgm:varLst>
-    <dgm:choose name="Name0">
-      <dgm:if name="Name1" func="var" arg="dir" op="equ" val="norm">
-        <dgm:alg type="lin"/>
-      </dgm:if>
-      <dgm:else name="Name2">
-        <dgm:alg type="lin">
-          <dgm:param type="linDir" val="fromR"/>
-        </dgm:alg>
-      </dgm:else>
-    </dgm:choose>
-    <dgm:shape xmlns:r="http://schemas.openxmlformats.org/officeDocument/2006/relationships" r:blip="">
-      <dgm:adjLst/>
-    </dgm:shape>
-    <dgm:presOf/>
-    <dgm:constrLst>
-      <dgm:constr type="w" for="ch" forName="composite" refType="w"/>
-      <dgm:constr type="w" for="ch" ptType="sibTrans" refType="w" refFor="ch" refForName="composite" fact="0.3333"/>
-      <dgm:constr type="w" for="des" forName="parTx"/>
-      <dgm:constr type="h" for="des" forName="parTx" op="equ"/>
-      <dgm:constr type="h" for="des" forName="parSh" op="equ"/>
-      <dgm:constr type="w" for="des" forName="desTx"/>
-      <dgm:constr type="h" for="des" forName="desTx" op="equ"/>
-      <dgm:constr type="w" for="des" forName="parSh"/>
-      <dgm:constr type="primFontSz" for="des" forName="parTx" val="65"/>
-      <dgm:constr type="secFontSz" for="des" forName="desTx" refType="primFontSz" refFor="des" refForName="parTx" op="equ"/>
-      <dgm:constr type="primFontSz" for="des" forName="connTx" refType="primFontSz" refFor="des" refForName="parTx" fact="0.8"/>
-      <dgm:constr type="primFontSz" for="des" forName="connTx" refType="primFontSz" refFor="des" refForName="parTx" op="lte" fact="0.8"/>
-      <dgm:constr type="h" for="des" forName="parTx" refType="primFontSz" refFor="des" refForName="parTx" fact="0.8"/>
-      <dgm:constr type="h" for="des" forName="parSh" refType="primFontSz" refFor="des" refForName="parTx" fact="1.2"/>
-      <dgm:constr type="h" for="des" forName="desTx" refType="primFontSz" refFor="des" refForName="parTx" fact="1.6"/>
-      <dgm:constr type="h" for="des" forName="parSh" refType="h" refFor="des" refForName="parTx" op="lte" fact="1.5"/>
-      <dgm:constr type="h" for="des" forName="parSh" refType="h" refFor="des" refForName="parTx" op="gte" fact="1.5"/>
-    </dgm:constrLst>
-    <dgm:ruleLst>
-      <dgm:rule type="w" for="ch" forName="composite" val="0" fact="NaN" max="NaN"/>
-      <dgm:rule type="primFontSz" for="des" forName="parTx" val="5" fact="NaN" max="NaN"/>
-    </dgm:ruleLst>
-    <dgm:forEach name="Name3" axis="ch" ptType="node">
-      <dgm:layoutNode name="composite">
-        <dgm:alg type="composite"/>
-        <dgm:shape xmlns:r="http://schemas.openxmlformats.org/officeDocument/2006/relationships" r:blip="">
-          <dgm:adjLst/>
-        </dgm:shape>
-        <dgm:presOf/>
-        <dgm:choose name="Name4">
-          <dgm:if name="Name5" func="var" arg="dir" op="equ" val="norm">
-            <dgm:constrLst>
-              <dgm:constr type="h" refType="w" fact="1000"/>
-              <dgm:constr type="l" for="ch" forName="parTx"/>
-              <dgm:constr type="w" for="ch" forName="parTx" refType="w" fact="0.83"/>
-              <dgm:constr type="t" for="ch" forName="parTx"/>
-              <dgm:constr type="l" for="ch" forName="parSh"/>
-              <dgm:constr type="w" for="ch" forName="parSh" refType="w" refFor="ch" refForName="parTx"/>
-              <dgm:constr type="t" for="ch" forName="parSh"/>
-              <dgm:constr type="l" for="ch" forName="desTx" refType="w" fact="0.17"/>
-              <dgm:constr type="w" for="ch" forName="desTx" refType="w" refFor="ch" refForName="parTx"/>
-              <dgm:constr type="t" for="ch" forName="desTx" refType="h" refFor="ch" refForName="parTx"/>
-            </dgm:constrLst>
-          </dgm:if>
-          <dgm:else name="Name6">
-            <dgm:constrLst>
-              <dgm:constr type="h" refType="w" fact="1000"/>
-              <dgm:constr type="l" for="ch" forName="parTx" refType="w" fact="0.17"/>
-              <dgm:constr type="w" for="ch" forName="parTx" refType="w" fact="0.83"/>
-              <dgm:constr type="t" for="ch" forName="parTx"/>
-              <dgm:constr type="l" for="ch" forName="parSh" refType="w" fact="0.15"/>
-              <dgm:constr type="w" for="ch" forName="parSh" refType="w" refFor="ch" refForName="parTx"/>
-              <dgm:constr type="t" for="ch" forName="parSh"/>
-              <dgm:constr type="l" for="ch" forName="desTx"/>
-              <dgm:constr type="w" for="ch" forName="desTx" refType="w" refFor="ch" refForName="parTx"/>
-              <dgm:constr type="t" for="ch" forName="desTx" refType="h" refFor="ch" refForName="parTx"/>
-            </dgm:constrLst>
-          </dgm:else>
-        </dgm:choose>
-        <dgm:ruleLst>
-          <dgm:rule type="h" val="INF" fact="NaN" max="NaN"/>
-        </dgm:ruleLst>
-        <dgm:layoutNode name="parTx">
-          <dgm:varLst>
-            <dgm:chMax val="0"/>
-            <dgm:chPref val="0"/>
-            <dgm:bulletEnabled val="1"/>
-          </dgm:varLst>
-          <dgm:alg type="tx">
-            <dgm:param type="parTxLTRAlign" val="l"/>
-            <dgm:param type="parTxRTLAlign" val="r"/>
-            <dgm:param type="txAnchorVert" val="t"/>
-          </dgm:alg>
-          <dgm:shape xmlns:r="http://schemas.openxmlformats.org/officeDocument/2006/relationships" type="rect" r:blip="" zOrderOff="1" hideGeom="1">
-            <dgm:adjLst>
-              <dgm:adj idx="1" val="0.1"/>
-            </dgm:adjLst>
-          </dgm:shape>
-          <dgm:presOf axis="self" ptType="node"/>
-          <dgm:constrLst>
-            <dgm:constr type="h" refType="w" op="lte" fact="0.4"/>
-            <dgm:constr type="bMarg" refType="primFontSz" fact="0.3"/>
-            <dgm:constr type="h"/>
-          </dgm:constrLst>
-          <dgm:ruleLst>
-            <dgm:rule type="h" val="INF" fact="NaN" max="NaN"/>
-          </dgm:ruleLst>
-        </dgm:layoutNode>
-        <dgm:layoutNode name="parSh">
-          <dgm:alg type="sp"/>
-          <dgm:shape xmlns:r="http://schemas.openxmlformats.org/officeDocument/2006/relationships" type="roundRect" r:blip="">
-            <dgm:adjLst>
-              <dgm:adj idx="1" val="0.1"/>
-            </dgm:adjLst>
-          </dgm:shape>
-          <dgm:presOf axis="self" ptType="node"/>
-          <dgm:constrLst>
-            <dgm:constr type="h"/>
-          </dgm:constrLst>
-          <dgm:ruleLst/>
-        </dgm:layoutNode>
-        <dgm:layoutNode name="desTx" styleLbl="fgAcc1">
-          <dgm:varLst>
-            <dgm:bulletEnabled val="1"/>
-          </dgm:varLst>
-          <dgm:alg type="tx">
-            <dgm:param type="stBulletLvl" val="1"/>
-          </dgm:alg>
-          <dgm:shape xmlns:r="http://schemas.openxmlformats.org/officeDocument/2006/relationships" type="roundRect" r:blip="">
-            <dgm:adjLst>
-              <dgm:adj idx="1" val="0.1"/>
-            </dgm:adjLst>
-          </dgm:shape>
-          <dgm:presOf axis="des" ptType="node"/>
-          <dgm:constrLst>
-            <dgm:constr type="secFontSz" val="65"/>
-            <dgm:constr type="primFontSz" refType="secFontSz"/>
-            <dgm:constr type="h"/>
-          </dgm:constrLst>
-          <dgm:ruleLst>
-            <dgm:rule type="h" val="INF" fact="NaN" max="NaN"/>
-          </dgm:ruleLst>
-        </dgm:layoutNode>
-      </dgm:layoutNode>
-      <dgm:forEach name="sibTransForEach" axis="followSib" ptType="sibTrans" cnt="1">
-        <dgm:layoutNode name="sibTrans">
-          <dgm:alg type="conn">
-            <dgm:param type="begPts" val="auto"/>
-            <dgm:param type="endPts" val="auto"/>
-            <dgm:param type="srcNode" val="parTx"/>
-            <dgm:param type="dstNode" val="parTx"/>
-          </dgm:alg>
-          <dgm:shape xmlns:r="http://schemas.openxmlformats.org/officeDocument/2006/relationships" type="conn" r:blip="">
-            <dgm:adjLst/>
-          </dgm:shape>
-          <dgm:presOf axis="self"/>
-          <dgm:constrLst>
-            <dgm:constr type="h" refType="w" fact="0.62"/>
-            <dgm:constr type="connDist"/>
-            <dgm:constr type="begPad" refType="connDist" fact="0.25"/>
-            <dgm:constr type="endPad" refType="connDist" fact="0.22"/>
-          </dgm:constrLst>
-          <dgm:ruleLst/>
-          <dgm:layoutNode name="connTx">
-            <dgm:alg type="tx">
-              <dgm:param type="autoTxRot" val="grav"/>
-            </dgm:alg>
-            <dgm:shape xmlns:r="http://schemas.openxmlformats.org/officeDocument/2006/relationships" type="conn" r:blip="" hideGeom="1">
-              <dgm:adjLst/>
-            </dgm:shape>
-            <dgm:presOf axis="self"/>
-            <dgm:constrLst>
-              <dgm:constr type="lMarg"/>
-              <dgm:constr type="rMarg"/>
-              <dgm:constr type="tMarg"/>
-              <dgm:constr type="bMarg"/>
-            </dgm:constrLst>
-            <dgm:ruleLst>
-              <dgm:rule type="primFontSz" val="5" fact="NaN" max="NaN"/>
-            </dgm:ruleLst>
-          </dgm:layoutNode>
-        </dgm:layoutNode>
-      </dgm:forEach>
-    </dgm:forEach>
-  </dgm:layoutNode>
-</dgm:layoutDef>
-</file>
-
-<file path=ppt/diagrams/layout4.xml><?xml version="1.0" encoding="utf-8"?>
-<dgm:layoutDef xmlns:dgm="http://schemas.openxmlformats.org/drawingml/2006/diagram" xmlns:a="http://schemas.openxmlformats.org/drawingml/2006/main" uniqueId="urn:microsoft.com/office/officeart/2005/8/layout/hierarchy2">
-  <dgm:title val=""/>
-  <dgm:desc val=""/>
-  <dgm:catLst>
-    <dgm:cat type="hierarchy" pri="5000"/>
+    <dgm:cat type="process" pri="15000"/>
   </dgm:catLst>
   <dgm:sampData>
     <dgm:dataModel>
@@ -11769,11 +9619,11 @@
       </dgm:ptLst>
       <dgm:cxnLst>
         <dgm:cxn modelId="4" srcId="0" destId="1" srcOrd="0" destOrd="0"/>
-        <dgm:cxn modelId="5" srcId="1" destId="2" srcOrd="0" destOrd="0"/>
+        <dgm:cxn modelId="5" srcId="0" destId="2" srcOrd="0" destOrd="0"/>
         <dgm:cxn modelId="6" srcId="1" destId="3" srcOrd="1" destOrd="0"/>
         <dgm:cxn modelId="23" srcId="2" destId="21" srcOrd="0" destOrd="0"/>
         <dgm:cxn modelId="24" srcId="2" destId="22" srcOrd="1" destOrd="0"/>
-        <dgm:cxn modelId="33" srcId="3" destId="31" srcOrd="0" destOrd="0"/>
+        <dgm:cxn modelId="33" srcId="1" destId="31" srcOrd="0" destOrd="0"/>
       </dgm:cxnLst>
       <dgm:bg/>
       <dgm:whole/>
@@ -11785,12 +9635,14 @@
         <dgm:pt modelId="0" type="doc"/>
         <dgm:pt modelId="1"/>
         <dgm:pt modelId="11"/>
-        <dgm:pt modelId="12"/>
+        <dgm:pt modelId="2"/>
+        <dgm:pt modelId="22"/>
       </dgm:ptLst>
       <dgm:cxnLst>
-        <dgm:cxn modelId="2" srcId="0" destId="1" srcOrd="0" destOrd="0"/>
-        <dgm:cxn modelId="13" srcId="1" destId="11" srcOrd="0" destOrd="0"/>
-        <dgm:cxn modelId="14" srcId="1" destId="12" srcOrd="1" destOrd="0"/>
+        <dgm:cxn modelId="3" srcId="0" destId="1" srcOrd="0" destOrd="0"/>
+        <dgm:cxn modelId="4" srcId="0" destId="2" srcOrd="0" destOrd="0"/>
+        <dgm:cxn modelId="5" srcId="1" destId="11" srcOrd="0" destOrd="0"/>
+        <dgm:cxn modelId="6" srcId="2" destId="22" srcOrd="0" destOrd="0"/>
       </dgm:cxnLst>
       <dgm:bg/>
       <dgm:whole/>
@@ -11801,45 +9653,51 @@
       <dgm:ptLst>
         <dgm:pt modelId="0" type="doc"/>
         <dgm:pt modelId="1"/>
+        <dgm:pt modelId="11"/>
         <dgm:pt modelId="2"/>
         <dgm:pt modelId="21"/>
-        <dgm:pt modelId="211"/>
         <dgm:pt modelId="3"/>
         <dgm:pt modelId="31"/>
-        <dgm:pt modelId="311"/>
+        <dgm:pt modelId="4"/>
+        <dgm:pt modelId="41"/>
       </dgm:ptLst>
       <dgm:cxnLst>
-        <dgm:cxn modelId="4" srcId="0" destId="1" srcOrd="0" destOrd="0"/>
-        <dgm:cxn modelId="5" srcId="1" destId="2" srcOrd="0" destOrd="0"/>
-        <dgm:cxn modelId="6" srcId="1" destId="3" srcOrd="1" destOrd="0"/>
-        <dgm:cxn modelId="23" srcId="2" destId="21" srcOrd="0" destOrd="0"/>
-        <dgm:cxn modelId="24" srcId="21" destId="211" srcOrd="0" destOrd="0"/>
-        <dgm:cxn modelId="33" srcId="3" destId="31" srcOrd="0" destOrd="0"/>
-        <dgm:cxn modelId="34" srcId="31" destId="311" srcOrd="0" destOrd="0"/>
+        <dgm:cxn modelId="5" srcId="0" destId="1" srcOrd="0" destOrd="0"/>
+        <dgm:cxn modelId="6" srcId="0" destId="2" srcOrd="1" destOrd="0"/>
+        <dgm:cxn modelId="7" srcId="0" destId="3" srcOrd="2" destOrd="0"/>
+        <dgm:cxn modelId="8" srcId="0" destId="4" srcOrd="3" destOrd="0"/>
+        <dgm:cxn modelId="51" srcId="1" destId="11" srcOrd="0" destOrd="0"/>
+        <dgm:cxn modelId="61" srcId="2" destId="21" srcOrd="0" destOrd="0"/>
+        <dgm:cxn modelId="71" srcId="3" destId="31" srcOrd="0" destOrd="0"/>
+        <dgm:cxn modelId="81" srcId="4" destId="41" srcOrd="0" destOrd="0"/>
       </dgm:cxnLst>
       <dgm:bg/>
       <dgm:whole/>
     </dgm:dataModel>
   </dgm:clrData>
-  <dgm:layoutNode name="diagram">
+  <dgm:layoutNode name="Name0">
     <dgm:varLst>
-      <dgm:chPref val="1"/>
       <dgm:dir/>
-      <dgm:animOne val="branch"/>
       <dgm:animLvl val="lvl"/>
       <dgm:resizeHandles val="exact"/>
     </dgm:varLst>
-    <dgm:choose name="Name0">
-      <dgm:if name="Name1" func="var" arg="dir" op="equ" val="norm">
-        <dgm:alg type="hierChild">
-          <dgm:param type="linDir" val="fromT"/>
-          <dgm:param type="chAlign" val="l"/>
+    <dgm:choose name="Name1">
+      <dgm:if name="Name2" func="var" arg="dir" op="equ" val="norm">
+        <dgm:alg type="lin">
+          <dgm:param type="linDir" val="fromL"/>
+          <dgm:param type="vertAlign" val="mid"/>
+          <dgm:param type="nodeHorzAlign" val="l"/>
+          <dgm:param type="nodeVertAlign" val="t"/>
+          <dgm:param type="fallback" val="2D"/>
         </dgm:alg>
       </dgm:if>
-      <dgm:else name="Name2">
-        <dgm:alg type="hierChild">
-          <dgm:param type="linDir" val="fromT"/>
-          <dgm:param type="chAlign" val="r"/>
+      <dgm:else name="Name3">
+        <dgm:alg type="lin">
+          <dgm:param type="linDir" val="fromR"/>
+          <dgm:param type="vertAlign" val="mid"/>
+          <dgm:param type="nodeHorzAlign" val="r"/>
+          <dgm:param type="nodeVertAlign" val="t"/>
+          <dgm:param type="fallback" val="2D"/>
         </dgm:alg>
       </dgm:else>
     </dgm:choose>
@@ -11848,42 +9706,88 @@
     </dgm:shape>
     <dgm:presOf/>
     <dgm:constrLst>
-      <dgm:constr type="h" for="des" ptType="node" refType="h"/>
-      <dgm:constr type="w" for="des" ptType="node" refType="h" refFor="des" refPtType="node" fact="2"/>
-      <dgm:constr type="sibSp" refType="h" refFor="des" refPtType="node" op="equ" fact="0.15"/>
-      <dgm:constr type="sibSp" for="des" forName="level2hierChild" refType="h" refFor="des" refPtType="node" op="equ" fact="0.15"/>
-      <dgm:constr type="sibSp" for="des" forName="level3hierChild" refType="h" refFor="des" refPtType="node" op="equ" fact="0.15"/>
-      <dgm:constr type="sp" for="des" forName="root1" refType="w" refFor="des" refPtType="node" fact="0.4"/>
-      <dgm:constr type="sp" for="des" forName="root2" refType="sp" refFor="des" refForName="root1" op="equ"/>
-      <dgm:constr type="primFontSz" for="des" ptType="node" op="equ" val="65"/>
-      <dgm:constr type="primFontSz" for="des" forName="connTx" op="equ" val="55"/>
-      <dgm:constr type="primFontSz" for="des" forName="connTx" refType="primFontSz" refFor="des" refPtType="node" op="lte" fact="0.8"/>
+      <dgm:constr type="h" for="des" forName="header" refType="h"/>
+      <dgm:constr type="w" for="des" forName="header" refType="h" refFor="des" refForName="header" op="equ" fact="4"/>
+      <dgm:constr type="h" for="des" forName="child" refType="h" refFor="des" refForName="header" op="equ"/>
+      <dgm:constr type="w" for="des" forName="child" refType="w" refFor="des" refForName="header" op="equ"/>
+      <dgm:constr type="w" for="ch" forName="hSp" refType="w" refFor="des" refForName="header" op="equ" fact="0.14"/>
+      <dgm:constr type="h" for="des" forName="parTrans" refType="h" refFor="des" refForName="header" op="equ" fact="0.35"/>
+      <dgm:constr type="h" for="des" forName="sibTrans" refType="h" refFor="des" refForName="parTrans" op="equ"/>
+      <dgm:constr type="primFontSz" for="des" forName="child" op="equ" val="65"/>
+      <dgm:constr type="primFontSz" for="des" forName="header" op="equ" val="65"/>
     </dgm:constrLst>
     <dgm:ruleLst/>
-    <dgm:forEach name="Name3" axis="ch">
-      <dgm:forEach name="Name4" axis="self" ptType="node">
-        <dgm:layoutNode name="root1">
-          <dgm:choose name="Name5">
-            <dgm:if name="Name6" func="var" arg="dir" op="equ" val="norm">
-              <dgm:alg type="hierRoot">
-                <dgm:param type="hierAlign" val="lCtrCh"/>
-              </dgm:alg>
-            </dgm:if>
-            <dgm:else name="Name7">
-              <dgm:alg type="hierRoot">
-                <dgm:param type="hierAlign" val="rCtrCh"/>
-              </dgm:alg>
-            </dgm:else>
-          </dgm:choose>
-          <dgm:shape xmlns:r="http://schemas.openxmlformats.org/officeDocument/2006/relationships" r:blip="">
-            <dgm:adjLst/>
+    <dgm:forEach name="Name4" axis="ch" ptType="node">
+      <dgm:layoutNode name="vertFlow">
+        <dgm:choose name="Name5">
+          <dgm:if name="Name6" func="var" arg="dir" op="equ" val="norm">
+            <dgm:alg type="lin">
+              <dgm:param type="linDir" val="fromT"/>
+              <dgm:param type="nodeHorzAlign" val="ctr"/>
+              <dgm:param type="nodeVertAlign" val="t"/>
+              <dgm:param type="fallback" val="2D"/>
+            </dgm:alg>
+          </dgm:if>
+          <dgm:else name="Name7">
+            <dgm:alg type="lin">
+              <dgm:param type="linDir" val="fromT"/>
+              <dgm:param type="nodeHorzAlign" val="ctr"/>
+              <dgm:param type="nodeVertAlign" val="t"/>
+              <dgm:param type="fallback" val="2D"/>
+            </dgm:alg>
+          </dgm:else>
+        </dgm:choose>
+        <dgm:shape xmlns:r="http://schemas.openxmlformats.org/officeDocument/2006/relationships" r:blip="">
+          <dgm:adjLst/>
+        </dgm:shape>
+        <dgm:presOf/>
+        <dgm:constrLst/>
+        <dgm:ruleLst/>
+        <dgm:layoutNode name="header" styleLbl="node1">
+          <dgm:alg type="tx"/>
+          <dgm:shape xmlns:r="http://schemas.openxmlformats.org/officeDocument/2006/relationships" type="roundRect" r:blip="">
+            <dgm:adjLst>
+              <dgm:adj idx="1" val="0.1"/>
+            </dgm:adjLst>
           </dgm:shape>
-          <dgm:presOf/>
-          <dgm:constrLst/>
-          <dgm:ruleLst/>
-          <dgm:layoutNode name="LevelOneTextNode" styleLbl="node0">
+          <dgm:presOf axis="self"/>
+          <dgm:constrLst>
+            <dgm:constr type="tMarg" refType="primFontSz" fact="0.1"/>
+            <dgm:constr type="bMarg" refType="primFontSz" fact="0.1"/>
+            <dgm:constr type="lMarg" refType="primFontSz" fact="0.1"/>
+            <dgm:constr type="rMarg" refType="primFontSz" fact="0.1"/>
+          </dgm:constrLst>
+          <dgm:ruleLst>
+            <dgm:rule type="primFontSz" val="5" fact="NaN" max="NaN"/>
+          </dgm:ruleLst>
+        </dgm:layoutNode>
+        <dgm:forEach name="Name8" axis="ch" ptType="parTrans" cnt="1">
+          <dgm:layoutNode name="parTrans" styleLbl="sibTrans2D1">
+            <dgm:alg type="conn">
+              <dgm:param type="begPts" val="auto"/>
+              <dgm:param type="endPts" val="auto"/>
+            </dgm:alg>
+            <dgm:shape xmlns:r="http://schemas.openxmlformats.org/officeDocument/2006/relationships" type="conn" r:blip="">
+              <dgm:adjLst/>
+            </dgm:shape>
+            <dgm:presOf axis="self"/>
+            <dgm:constrLst>
+              <dgm:constr type="w" refType="h"/>
+              <dgm:constr type="connDist"/>
+              <dgm:constr type="wArH" refType="h" fact="0.25"/>
+              <dgm:constr type="hArH" refType="wArH" fact="2"/>
+              <dgm:constr type="stemThick" refType="hArH" fact="0.667"/>
+              <dgm:constr type="begPad" refType="connDist" fact="0.25"/>
+              <dgm:constr type="endPad" refType="connDist" fact="0.25"/>
+            </dgm:constrLst>
+            <dgm:ruleLst/>
+          </dgm:layoutNode>
+        </dgm:forEach>
+        <dgm:forEach name="Name9" axis="ch" ptType="node">
+          <dgm:layoutNode name="child" styleLbl="alignAccFollowNode1">
             <dgm:varLst>
-              <dgm:chPref val="3"/>
+              <dgm:chMax val="0"/>
+              <dgm:bulletEnabled val="1"/>
             </dgm:varLst>
             <dgm:alg type="tx"/>
             <dgm:shape xmlns:r="http://schemas.openxmlformats.org/officeDocument/2006/relationships" type="roundRect" r:blip="">
@@ -11891,173 +9795,61 @@
                 <dgm:adj idx="1" val="0.1"/>
               </dgm:adjLst>
             </dgm:shape>
-            <dgm:presOf axis="self"/>
+            <dgm:presOf axis="desOrSelf" ptType="node"/>
             <dgm:constrLst>
-              <dgm:constr type="tMarg" refType="primFontSz" fact="0.05"/>
-              <dgm:constr type="bMarg" refType="primFontSz" fact="0.05"/>
-              <dgm:constr type="lMarg" refType="primFontSz" fact="0.05"/>
-              <dgm:constr type="rMarg" refType="primFontSz" fact="0.05"/>
+              <dgm:constr type="tMarg" refType="primFontSz" fact="0.1"/>
+              <dgm:constr type="bMarg" refType="primFontSz" fact="0.1"/>
+              <dgm:constr type="lMarg" refType="primFontSz" fact="0.1"/>
+              <dgm:constr type="rMarg" refType="primFontSz" fact="0.1"/>
             </dgm:constrLst>
             <dgm:ruleLst>
               <dgm:rule type="primFontSz" val="5" fact="NaN" max="NaN"/>
             </dgm:ruleLst>
           </dgm:layoutNode>
-          <dgm:layoutNode name="level2hierChild">
-            <dgm:choose name="Name8">
-              <dgm:if name="Name9" func="var" arg="dir" op="equ" val="norm">
-                <dgm:alg type="hierChild">
-                  <dgm:param type="linDir" val="fromT"/>
-                  <dgm:param type="chAlign" val="l"/>
-                </dgm:alg>
-              </dgm:if>
-              <dgm:else name="Name10">
-                <dgm:alg type="hierChild">
-                  <dgm:param type="linDir" val="fromT"/>
-                  <dgm:param type="chAlign" val="r"/>
-                </dgm:alg>
-              </dgm:else>
-            </dgm:choose>
+          <dgm:forEach name="Name10" axis="followSib" ptType="sibTrans" cnt="1">
+            <dgm:layoutNode name="sibTrans" styleLbl="sibTrans2D1">
+              <dgm:alg type="conn">
+                <dgm:param type="begPts" val="auto"/>
+                <dgm:param type="endPts" val="auto"/>
+              </dgm:alg>
+              <dgm:shape xmlns:r="http://schemas.openxmlformats.org/officeDocument/2006/relationships" type="conn" r:blip="">
+                <dgm:adjLst/>
+              </dgm:shape>
+              <dgm:presOf axis="self"/>
+              <dgm:constrLst>
+                <dgm:constr type="w" refType="h"/>
+                <dgm:constr type="connDist"/>
+                <dgm:constr type="wArH" refType="h" fact="0.25"/>
+                <dgm:constr type="hArH" refType="wArH" fact="2"/>
+                <dgm:constr type="stemThick" refType="hArH" fact="0.667"/>
+                <dgm:constr type="begPad" refType="w" fact="0.25"/>
+                <dgm:constr type="endPad" refType="w" fact="0.25"/>
+              </dgm:constrLst>
+              <dgm:ruleLst/>
+            </dgm:layoutNode>
+          </dgm:forEach>
+        </dgm:forEach>
+      </dgm:layoutNode>
+      <dgm:choose name="Name11">
+        <dgm:if name="Name12" axis="self" ptType="node" func="revPos" op="gte" val="2">
+          <dgm:layoutNode name="hSp">
+            <dgm:alg type="sp"/>
             <dgm:shape xmlns:r="http://schemas.openxmlformats.org/officeDocument/2006/relationships" r:blip="">
               <dgm:adjLst/>
             </dgm:shape>
             <dgm:presOf/>
             <dgm:constrLst/>
             <dgm:ruleLst/>
-            <dgm:forEach name="repeat" axis="ch">
-              <dgm:forEach name="Name11" axis="self" ptType="parTrans" cnt="1">
-                <dgm:layoutNode name="conn2-1">
-                  <dgm:choose name="Name12">
-                    <dgm:if name="Name13" func="var" arg="dir" op="equ" val="norm">
-                      <dgm:alg type="conn">
-                        <dgm:param type="dim" val="1D"/>
-                        <dgm:param type="begPts" val="midR"/>
-                        <dgm:param type="endPts" val="midL"/>
-                        <dgm:param type="endSty" val="noArr"/>
-                      </dgm:alg>
-                    </dgm:if>
-                    <dgm:else name="Name14">
-                      <dgm:alg type="conn">
-                        <dgm:param type="dim" val="1D"/>
-                        <dgm:param type="begPts" val="midL"/>
-                        <dgm:param type="endPts" val="midR"/>
-                        <dgm:param type="endSty" val="noArr"/>
-                      </dgm:alg>
-                    </dgm:else>
-                  </dgm:choose>
-                  <dgm:shape xmlns:r="http://schemas.openxmlformats.org/officeDocument/2006/relationships" type="conn" r:blip="">
-                    <dgm:adjLst/>
-                  </dgm:shape>
-                  <dgm:presOf axis="self"/>
-                  <dgm:constrLst>
-                    <dgm:constr type="w" val="1"/>
-                    <dgm:constr type="h" val="5"/>
-                    <dgm:constr type="connDist"/>
-                    <dgm:constr type="begPad"/>
-                    <dgm:constr type="endPad"/>
-                    <dgm:constr type="userA" for="ch" refType="connDist"/>
-                  </dgm:constrLst>
-                  <dgm:ruleLst/>
-                  <dgm:layoutNode name="connTx">
-                    <dgm:alg type="tx">
-                      <dgm:param type="autoTxRot" val="grav"/>
-                    </dgm:alg>
-                    <dgm:shape xmlns:r="http://schemas.openxmlformats.org/officeDocument/2006/relationships" type="rect" r:blip="" hideGeom="1">
-                      <dgm:adjLst/>
-                    </dgm:shape>
-                    <dgm:presOf axis="self"/>
-                    <dgm:constrLst>
-                      <dgm:constr type="userA"/>
-                      <dgm:constr type="w" refType="userA" fact="0.05"/>
-                      <dgm:constr type="h" refType="userA" fact="0.05"/>
-                      <dgm:constr type="lMarg" val="1"/>
-                      <dgm:constr type="rMarg" val="1"/>
-                      <dgm:constr type="tMarg"/>
-                      <dgm:constr type="bMarg"/>
-                    </dgm:constrLst>
-                    <dgm:ruleLst>
-                      <dgm:rule type="h" val="NaN" fact="0.25" max="NaN"/>
-                      <dgm:rule type="w" val="NaN" fact="0.8" max="NaN"/>
-                      <dgm:rule type="primFontSz" val="5" fact="NaN" max="NaN"/>
-                    </dgm:ruleLst>
-                  </dgm:layoutNode>
-                </dgm:layoutNode>
-              </dgm:forEach>
-              <dgm:forEach name="Name15" axis="self" ptType="node">
-                <dgm:layoutNode name="root2">
-                  <dgm:choose name="Name16">
-                    <dgm:if name="Name17" func="var" arg="dir" op="equ" val="norm">
-                      <dgm:alg type="hierRoot">
-                        <dgm:param type="hierAlign" val="lCtrCh"/>
-                      </dgm:alg>
-                    </dgm:if>
-                    <dgm:else name="Name18">
-                      <dgm:alg type="hierRoot">
-                        <dgm:param type="hierAlign" val="rCtrCh"/>
-                      </dgm:alg>
-                    </dgm:else>
-                  </dgm:choose>
-                  <dgm:shape xmlns:r="http://schemas.openxmlformats.org/officeDocument/2006/relationships" r:blip="">
-                    <dgm:adjLst/>
-                  </dgm:shape>
-                  <dgm:presOf/>
-                  <dgm:constrLst/>
-                  <dgm:ruleLst/>
-                  <dgm:layoutNode name="LevelTwoTextNode">
-                    <dgm:varLst>
-                      <dgm:chPref val="3"/>
-                    </dgm:varLst>
-                    <dgm:alg type="tx"/>
-                    <dgm:shape xmlns:r="http://schemas.openxmlformats.org/officeDocument/2006/relationships" type="roundRect" r:blip="">
-                      <dgm:adjLst>
-                        <dgm:adj idx="1" val="0.1"/>
-                      </dgm:adjLst>
-                    </dgm:shape>
-                    <dgm:presOf axis="self"/>
-                    <dgm:constrLst>
-                      <dgm:constr type="tMarg" refType="primFontSz" fact="0.05"/>
-                      <dgm:constr type="bMarg" refType="primFontSz" fact="0.05"/>
-                      <dgm:constr type="lMarg" refType="primFontSz" fact="0.05"/>
-                      <dgm:constr type="rMarg" refType="primFontSz" fact="0.05"/>
-                    </dgm:constrLst>
-                    <dgm:ruleLst>
-                      <dgm:rule type="primFontSz" val="5" fact="NaN" max="NaN"/>
-                    </dgm:ruleLst>
-                  </dgm:layoutNode>
-                  <dgm:layoutNode name="level3hierChild">
-                    <dgm:choose name="Name19">
-                      <dgm:if name="Name20" func="var" arg="dir" op="equ" val="norm">
-                        <dgm:alg type="hierChild">
-                          <dgm:param type="linDir" val="fromT"/>
-                          <dgm:param type="chAlign" val="l"/>
-                        </dgm:alg>
-                      </dgm:if>
-                      <dgm:else name="Name21">
-                        <dgm:alg type="hierChild">
-                          <dgm:param type="linDir" val="fromT"/>
-                          <dgm:param type="chAlign" val="r"/>
-                        </dgm:alg>
-                      </dgm:else>
-                    </dgm:choose>
-                    <dgm:shape xmlns:r="http://schemas.openxmlformats.org/officeDocument/2006/relationships" r:blip="">
-                      <dgm:adjLst/>
-                    </dgm:shape>
-                    <dgm:presOf/>
-                    <dgm:constrLst/>
-                    <dgm:ruleLst/>
-                    <dgm:forEach name="Name22" ref="repeat"/>
-                  </dgm:layoutNode>
-                </dgm:layoutNode>
-              </dgm:forEach>
-            </dgm:forEach>
           </dgm:layoutNode>
-        </dgm:layoutNode>
-      </dgm:forEach>
+        </dgm:if>
+        <dgm:else name="Name13"/>
+      </dgm:choose>
     </dgm:forEach>
   </dgm:layoutNode>
 </dgm:layoutDef>
 </file>
 
-<file path=ppt/diagrams/layout5.xml><?xml version="1.0" encoding="utf-8"?>
+<file path=ppt/diagrams/layout4.xml><?xml version="1.0" encoding="utf-8"?>
 <dgm:layoutDef xmlns:dgm="http://schemas.openxmlformats.org/drawingml/2006/diagram" xmlns:a="http://schemas.openxmlformats.org/drawingml/2006/main" uniqueId="urn:microsoft.com/office/officeart/2005/8/layout/hierarchy1">
   <dgm:title val=""/>
   <dgm:desc val=""/>
@@ -15723,1040 +13515,6 @@
 </file>
 
 <file path=ppt/diagrams/quickStyle4.xml><?xml version="1.0" encoding="utf-8"?>
-<dgm:styleDef xmlns:dgm="http://schemas.openxmlformats.org/drawingml/2006/diagram" xmlns:a="http://schemas.openxmlformats.org/drawingml/2006/main" uniqueId="urn:microsoft.com/office/officeart/2005/8/quickstyle/simple1">
-  <dgm:title val=""/>
-  <dgm:desc val=""/>
-  <dgm:catLst>
-    <dgm:cat type="simple" pri="10100"/>
-  </dgm:catLst>
-  <dgm:scene3d>
-    <a:camera prst="orthographicFront"/>
-    <a:lightRig rig="threePt" dir="t"/>
-  </dgm:scene3d>
-  <dgm:styleLbl name="node0">
-    <dgm:scene3d>
-      <a:camera prst="orthographicFront"/>
-      <a:lightRig rig="threePt" dir="t"/>
-    </dgm:scene3d>
-    <dgm:sp3d/>
-    <dgm:txPr/>
-    <dgm:style>
-      <a:lnRef idx="2">
-        <a:scrgbClr r="0" g="0" b="0"/>
-      </a:lnRef>
-      <a:fillRef idx="1">
-        <a:scrgbClr r="0" g="0" b="0"/>
-      </a:fillRef>
-      <a:effectRef idx="0">
-        <a:scrgbClr r="0" g="0" b="0"/>
-      </a:effectRef>
-      <a:fontRef idx="minor">
-        <a:schemeClr val="lt1"/>
-      </a:fontRef>
-    </dgm:style>
-  </dgm:styleLbl>
-  <dgm:styleLbl name="lnNode1">
-    <dgm:scene3d>
-      <a:camera prst="orthographicFront"/>
-      <a:lightRig rig="threePt" dir="t"/>
-    </dgm:scene3d>
-    <dgm:sp3d/>
-    <dgm:txPr/>
-    <dgm:style>
-      <a:lnRef idx="2">
-        <a:scrgbClr r="0" g="0" b="0"/>
-      </a:lnRef>
-      <a:fillRef idx="1">
-        <a:scrgbClr r="0" g="0" b="0"/>
-      </a:fillRef>
-      <a:effectRef idx="0">
-        <a:scrgbClr r="0" g="0" b="0"/>
-      </a:effectRef>
-      <a:fontRef idx="minor">
-        <a:schemeClr val="lt1"/>
-      </a:fontRef>
-    </dgm:style>
-  </dgm:styleLbl>
-  <dgm:styleLbl name="vennNode1">
-    <dgm:scene3d>
-      <a:camera prst="orthographicFront"/>
-      <a:lightRig rig="threePt" dir="t"/>
-    </dgm:scene3d>
-    <dgm:sp3d/>
-    <dgm:txPr/>
-    <dgm:style>
-      <a:lnRef idx="2">
-        <a:scrgbClr r="0" g="0" b="0"/>
-      </a:lnRef>
-      <a:fillRef idx="1">
-        <a:scrgbClr r="0" g="0" b="0"/>
-      </a:fillRef>
-      <a:effectRef idx="0">
-        <a:scrgbClr r="0" g="0" b="0"/>
-      </a:effectRef>
-      <a:fontRef idx="minor">
-        <a:schemeClr val="tx1"/>
-      </a:fontRef>
-    </dgm:style>
-  </dgm:styleLbl>
-  <dgm:styleLbl name="alignNode1">
-    <dgm:scene3d>
-      <a:camera prst="orthographicFront"/>
-      <a:lightRig rig="threePt" dir="t"/>
-    </dgm:scene3d>
-    <dgm:sp3d/>
-    <dgm:txPr/>
-    <dgm:style>
-      <a:lnRef idx="2">
-        <a:scrgbClr r="0" g="0" b="0"/>
-      </a:lnRef>
-      <a:fillRef idx="1">
-        <a:scrgbClr r="0" g="0" b="0"/>
-      </a:fillRef>
-      <a:effectRef idx="0">
-        <a:scrgbClr r="0" g="0" b="0"/>
-      </a:effectRef>
-      <a:fontRef idx="minor">
-        <a:schemeClr val="lt1"/>
-      </a:fontRef>
-    </dgm:style>
-  </dgm:styleLbl>
-  <dgm:styleLbl name="node1">
-    <dgm:scene3d>
-      <a:camera prst="orthographicFront"/>
-      <a:lightRig rig="threePt" dir="t"/>
-    </dgm:scene3d>
-    <dgm:sp3d/>
-    <dgm:txPr/>
-    <dgm:style>
-      <a:lnRef idx="2">
-        <a:scrgbClr r="0" g="0" b="0"/>
-      </a:lnRef>
-      <a:fillRef idx="1">
-        <a:scrgbClr r="0" g="0" b="0"/>
-      </a:fillRef>
-      <a:effectRef idx="0">
-        <a:scrgbClr r="0" g="0" b="0"/>
-      </a:effectRef>
-      <a:fontRef idx="minor">
-        <a:schemeClr val="lt1"/>
-      </a:fontRef>
-    </dgm:style>
-  </dgm:styleLbl>
-  <dgm:styleLbl name="node2">
-    <dgm:scene3d>
-      <a:camera prst="orthographicFront"/>
-      <a:lightRig rig="threePt" dir="t"/>
-    </dgm:scene3d>
-    <dgm:sp3d/>
-    <dgm:txPr/>
-    <dgm:style>
-      <a:lnRef idx="2">
-        <a:scrgbClr r="0" g="0" b="0"/>
-      </a:lnRef>
-      <a:fillRef idx="1">
-        <a:scrgbClr r="0" g="0" b="0"/>
-      </a:fillRef>
-      <a:effectRef idx="0">
-        <a:scrgbClr r="0" g="0" b="0"/>
-      </a:effectRef>
-      <a:fontRef idx="minor">
-        <a:schemeClr val="lt1"/>
-      </a:fontRef>
-    </dgm:style>
-  </dgm:styleLbl>
-  <dgm:styleLbl name="node3">
-    <dgm:scene3d>
-      <a:camera prst="orthographicFront"/>
-      <a:lightRig rig="threePt" dir="t"/>
-    </dgm:scene3d>
-    <dgm:sp3d/>
-    <dgm:txPr/>
-    <dgm:style>
-      <a:lnRef idx="2">
-        <a:scrgbClr r="0" g="0" b="0"/>
-      </a:lnRef>
-      <a:fillRef idx="1">
-        <a:scrgbClr r="0" g="0" b="0"/>
-      </a:fillRef>
-      <a:effectRef idx="0">
-        <a:scrgbClr r="0" g="0" b="0"/>
-      </a:effectRef>
-      <a:fontRef idx="minor">
-        <a:schemeClr val="lt1"/>
-      </a:fontRef>
-    </dgm:style>
-  </dgm:styleLbl>
-  <dgm:styleLbl name="node4">
-    <dgm:scene3d>
-      <a:camera prst="orthographicFront"/>
-      <a:lightRig rig="threePt" dir="t"/>
-    </dgm:scene3d>
-    <dgm:sp3d/>
-    <dgm:txPr/>
-    <dgm:style>
-      <a:lnRef idx="2">
-        <a:scrgbClr r="0" g="0" b="0"/>
-      </a:lnRef>
-      <a:fillRef idx="1">
-        <a:scrgbClr r="0" g="0" b="0"/>
-      </a:fillRef>
-      <a:effectRef idx="0">
-        <a:scrgbClr r="0" g="0" b="0"/>
-      </a:effectRef>
-      <a:fontRef idx="minor">
-        <a:schemeClr val="lt1"/>
-      </a:fontRef>
-    </dgm:style>
-  </dgm:styleLbl>
-  <dgm:styleLbl name="fgImgPlace1">
-    <dgm:scene3d>
-      <a:camera prst="orthographicFront"/>
-      <a:lightRig rig="threePt" dir="t"/>
-    </dgm:scene3d>
-    <dgm:sp3d/>
-    <dgm:txPr/>
-    <dgm:style>
-      <a:lnRef idx="2">
-        <a:scrgbClr r="0" g="0" b="0"/>
-      </a:lnRef>
-      <a:fillRef idx="1">
-        <a:scrgbClr r="0" g="0" b="0"/>
-      </a:fillRef>
-      <a:effectRef idx="0">
-        <a:scrgbClr r="0" g="0" b="0"/>
-      </a:effectRef>
-      <a:fontRef idx="minor"/>
-    </dgm:style>
-  </dgm:styleLbl>
-  <dgm:styleLbl name="alignImgPlace1">
-    <dgm:scene3d>
-      <a:camera prst="orthographicFront"/>
-      <a:lightRig rig="threePt" dir="t"/>
-    </dgm:scene3d>
-    <dgm:sp3d/>
-    <dgm:txPr/>
-    <dgm:style>
-      <a:lnRef idx="2">
-        <a:scrgbClr r="0" g="0" b="0"/>
-      </a:lnRef>
-      <a:fillRef idx="1">
-        <a:scrgbClr r="0" g="0" b="0"/>
-      </a:fillRef>
-      <a:effectRef idx="0">
-        <a:scrgbClr r="0" g="0" b="0"/>
-      </a:effectRef>
-      <a:fontRef idx="minor"/>
-    </dgm:style>
-  </dgm:styleLbl>
-  <dgm:styleLbl name="bgImgPlace1">
-    <dgm:scene3d>
-      <a:camera prst="orthographicFront"/>
-      <a:lightRig rig="threePt" dir="t"/>
-    </dgm:scene3d>
-    <dgm:sp3d/>
-    <dgm:txPr/>
-    <dgm:style>
-      <a:lnRef idx="2">
-        <a:scrgbClr r="0" g="0" b="0"/>
-      </a:lnRef>
-      <a:fillRef idx="1">
-        <a:scrgbClr r="0" g="0" b="0"/>
-      </a:fillRef>
-      <a:effectRef idx="0">
-        <a:scrgbClr r="0" g="0" b="0"/>
-      </a:effectRef>
-      <a:fontRef idx="minor"/>
-    </dgm:style>
-  </dgm:styleLbl>
-  <dgm:styleLbl name="sibTrans2D1">
-    <dgm:scene3d>
-      <a:camera prst="orthographicFront"/>
-      <a:lightRig rig="threePt" dir="t"/>
-    </dgm:scene3d>
-    <dgm:sp3d/>
-    <dgm:txPr/>
-    <dgm:style>
-      <a:lnRef idx="0">
-        <a:scrgbClr r="0" g="0" b="0"/>
-      </a:lnRef>
-      <a:fillRef idx="1">
-        <a:scrgbClr r="0" g="0" b="0"/>
-      </a:fillRef>
-      <a:effectRef idx="0">
-        <a:scrgbClr r="0" g="0" b="0"/>
-      </a:effectRef>
-      <a:fontRef idx="minor">
-        <a:schemeClr val="lt1"/>
-      </a:fontRef>
-    </dgm:style>
-  </dgm:styleLbl>
-  <dgm:styleLbl name="fgSibTrans2D1">
-    <dgm:scene3d>
-      <a:camera prst="orthographicFront"/>
-      <a:lightRig rig="threePt" dir="t"/>
-    </dgm:scene3d>
-    <dgm:sp3d/>
-    <dgm:txPr/>
-    <dgm:style>
-      <a:lnRef idx="0">
-        <a:scrgbClr r="0" g="0" b="0"/>
-      </a:lnRef>
-      <a:fillRef idx="1">
-        <a:scrgbClr r="0" g="0" b="0"/>
-      </a:fillRef>
-      <a:effectRef idx="0">
-        <a:scrgbClr r="0" g="0" b="0"/>
-      </a:effectRef>
-      <a:fontRef idx="minor">
-        <a:schemeClr val="lt1"/>
-      </a:fontRef>
-    </dgm:style>
-  </dgm:styleLbl>
-  <dgm:styleLbl name="bgSibTrans2D1">
-    <dgm:scene3d>
-      <a:camera prst="orthographicFront"/>
-      <a:lightRig rig="threePt" dir="t"/>
-    </dgm:scene3d>
-    <dgm:sp3d/>
-    <dgm:txPr/>
-    <dgm:style>
-      <a:lnRef idx="0">
-        <a:scrgbClr r="0" g="0" b="0"/>
-      </a:lnRef>
-      <a:fillRef idx="1">
-        <a:scrgbClr r="0" g="0" b="0"/>
-      </a:fillRef>
-      <a:effectRef idx="0">
-        <a:scrgbClr r="0" g="0" b="0"/>
-      </a:effectRef>
-      <a:fontRef idx="minor">
-        <a:schemeClr val="lt1"/>
-      </a:fontRef>
-    </dgm:style>
-  </dgm:styleLbl>
-  <dgm:styleLbl name="sibTrans1D1">
-    <dgm:scene3d>
-      <a:camera prst="orthographicFront"/>
-      <a:lightRig rig="threePt" dir="t"/>
-    </dgm:scene3d>
-    <dgm:sp3d/>
-    <dgm:txPr/>
-    <dgm:style>
-      <a:lnRef idx="1">
-        <a:scrgbClr r="0" g="0" b="0"/>
-      </a:lnRef>
-      <a:fillRef idx="0">
-        <a:scrgbClr r="0" g="0" b="0"/>
-      </a:fillRef>
-      <a:effectRef idx="0">
-        <a:scrgbClr r="0" g="0" b="0"/>
-      </a:effectRef>
-      <a:fontRef idx="minor"/>
-    </dgm:style>
-  </dgm:styleLbl>
-  <dgm:styleLbl name="callout">
-    <dgm:scene3d>
-      <a:camera prst="orthographicFront"/>
-      <a:lightRig rig="threePt" dir="t"/>
-    </dgm:scene3d>
-    <dgm:sp3d/>
-    <dgm:txPr/>
-    <dgm:style>
-      <a:lnRef idx="2">
-        <a:scrgbClr r="0" g="0" b="0"/>
-      </a:lnRef>
-      <a:fillRef idx="1">
-        <a:scrgbClr r="0" g="0" b="0"/>
-      </a:fillRef>
-      <a:effectRef idx="0">
-        <a:scrgbClr r="0" g="0" b="0"/>
-      </a:effectRef>
-      <a:fontRef idx="minor"/>
-    </dgm:style>
-  </dgm:styleLbl>
-  <dgm:styleLbl name="asst0">
-    <dgm:scene3d>
-      <a:camera prst="orthographicFront"/>
-      <a:lightRig rig="threePt" dir="t"/>
-    </dgm:scene3d>
-    <dgm:sp3d/>
-    <dgm:txPr/>
-    <dgm:style>
-      <a:lnRef idx="2">
-        <a:scrgbClr r="0" g="0" b="0"/>
-      </a:lnRef>
-      <a:fillRef idx="1">
-        <a:scrgbClr r="0" g="0" b="0"/>
-      </a:fillRef>
-      <a:effectRef idx="0">
-        <a:scrgbClr r="0" g="0" b="0"/>
-      </a:effectRef>
-      <a:fontRef idx="minor">
-        <a:schemeClr val="lt1"/>
-      </a:fontRef>
-    </dgm:style>
-  </dgm:styleLbl>
-  <dgm:styleLbl name="asst1">
-    <dgm:scene3d>
-      <a:camera prst="orthographicFront"/>
-      <a:lightRig rig="threePt" dir="t"/>
-    </dgm:scene3d>
-    <dgm:sp3d/>
-    <dgm:txPr/>
-    <dgm:style>
-      <a:lnRef idx="2">
-        <a:scrgbClr r="0" g="0" b="0"/>
-      </a:lnRef>
-      <a:fillRef idx="1">
-        <a:scrgbClr r="0" g="0" b="0"/>
-      </a:fillRef>
-      <a:effectRef idx="0">
-        <a:scrgbClr r="0" g="0" b="0"/>
-      </a:effectRef>
-      <a:fontRef idx="minor">
-        <a:schemeClr val="lt1"/>
-      </a:fontRef>
-    </dgm:style>
-  </dgm:styleLbl>
-  <dgm:styleLbl name="asst2">
-    <dgm:scene3d>
-      <a:camera prst="orthographicFront"/>
-      <a:lightRig rig="threePt" dir="t"/>
-    </dgm:scene3d>
-    <dgm:sp3d/>
-    <dgm:txPr/>
-    <dgm:style>
-      <a:lnRef idx="2">
-        <a:scrgbClr r="0" g="0" b="0"/>
-      </a:lnRef>
-      <a:fillRef idx="1">
-        <a:scrgbClr r="0" g="0" b="0"/>
-      </a:fillRef>
-      <a:effectRef idx="0">
-        <a:scrgbClr r="0" g="0" b="0"/>
-      </a:effectRef>
-      <a:fontRef idx="minor">
-        <a:schemeClr val="lt1"/>
-      </a:fontRef>
-    </dgm:style>
-  </dgm:styleLbl>
-  <dgm:styleLbl name="asst3">
-    <dgm:scene3d>
-      <a:camera prst="orthographicFront"/>
-      <a:lightRig rig="threePt" dir="t"/>
-    </dgm:scene3d>
-    <dgm:sp3d/>
-    <dgm:txPr/>
-    <dgm:style>
-      <a:lnRef idx="2">
-        <a:scrgbClr r="0" g="0" b="0"/>
-      </a:lnRef>
-      <a:fillRef idx="1">
-        <a:scrgbClr r="0" g="0" b="0"/>
-      </a:fillRef>
-      <a:effectRef idx="0">
-        <a:scrgbClr r="0" g="0" b="0"/>
-      </a:effectRef>
-      <a:fontRef idx="minor">
-        <a:schemeClr val="lt1"/>
-      </a:fontRef>
-    </dgm:style>
-  </dgm:styleLbl>
-  <dgm:styleLbl name="asst4">
-    <dgm:scene3d>
-      <a:camera prst="orthographicFront"/>
-      <a:lightRig rig="threePt" dir="t"/>
-    </dgm:scene3d>
-    <dgm:sp3d/>
-    <dgm:txPr/>
-    <dgm:style>
-      <a:lnRef idx="2">
-        <a:scrgbClr r="0" g="0" b="0"/>
-      </a:lnRef>
-      <a:fillRef idx="1">
-        <a:scrgbClr r="0" g="0" b="0"/>
-      </a:fillRef>
-      <a:effectRef idx="0">
-        <a:scrgbClr r="0" g="0" b="0"/>
-      </a:effectRef>
-      <a:fontRef idx="minor">
-        <a:schemeClr val="lt1"/>
-      </a:fontRef>
-    </dgm:style>
-  </dgm:styleLbl>
-  <dgm:styleLbl name="parChTrans2D1">
-    <dgm:scene3d>
-      <a:camera prst="orthographicFront"/>
-      <a:lightRig rig="threePt" dir="t"/>
-    </dgm:scene3d>
-    <dgm:sp3d/>
-    <dgm:txPr/>
-    <dgm:style>
-      <a:lnRef idx="2">
-        <a:scrgbClr r="0" g="0" b="0"/>
-      </a:lnRef>
-      <a:fillRef idx="1">
-        <a:scrgbClr r="0" g="0" b="0"/>
-      </a:fillRef>
-      <a:effectRef idx="0">
-        <a:scrgbClr r="0" g="0" b="0"/>
-      </a:effectRef>
-      <a:fontRef idx="minor">
-        <a:schemeClr val="lt1"/>
-      </a:fontRef>
-    </dgm:style>
-  </dgm:styleLbl>
-  <dgm:styleLbl name="parChTrans2D2">
-    <dgm:scene3d>
-      <a:camera prst="orthographicFront"/>
-      <a:lightRig rig="threePt" dir="t"/>
-    </dgm:scene3d>
-    <dgm:sp3d/>
-    <dgm:txPr/>
-    <dgm:style>
-      <a:lnRef idx="2">
-        <a:scrgbClr r="0" g="0" b="0"/>
-      </a:lnRef>
-      <a:fillRef idx="1">
-        <a:scrgbClr r="0" g="0" b="0"/>
-      </a:fillRef>
-      <a:effectRef idx="0">
-        <a:scrgbClr r="0" g="0" b="0"/>
-      </a:effectRef>
-      <a:fontRef idx="minor">
-        <a:schemeClr val="lt1"/>
-      </a:fontRef>
-    </dgm:style>
-  </dgm:styleLbl>
-  <dgm:styleLbl name="parChTrans2D3">
-    <dgm:scene3d>
-      <a:camera prst="orthographicFront"/>
-      <a:lightRig rig="threePt" dir="t"/>
-    </dgm:scene3d>
-    <dgm:sp3d/>
-    <dgm:txPr/>
-    <dgm:style>
-      <a:lnRef idx="2">
-        <a:scrgbClr r="0" g="0" b="0"/>
-      </a:lnRef>
-      <a:fillRef idx="1">
-        <a:scrgbClr r="0" g="0" b="0"/>
-      </a:fillRef>
-      <a:effectRef idx="0">
-        <a:scrgbClr r="0" g="0" b="0"/>
-      </a:effectRef>
-      <a:fontRef idx="minor">
-        <a:schemeClr val="lt1"/>
-      </a:fontRef>
-    </dgm:style>
-  </dgm:styleLbl>
-  <dgm:styleLbl name="parChTrans2D4">
-    <dgm:scene3d>
-      <a:camera prst="orthographicFront"/>
-      <a:lightRig rig="threePt" dir="t"/>
-    </dgm:scene3d>
-    <dgm:sp3d/>
-    <dgm:txPr/>
-    <dgm:style>
-      <a:lnRef idx="2">
-        <a:scrgbClr r="0" g="0" b="0"/>
-      </a:lnRef>
-      <a:fillRef idx="1">
-        <a:scrgbClr r="0" g="0" b="0"/>
-      </a:fillRef>
-      <a:effectRef idx="0">
-        <a:scrgbClr r="0" g="0" b="0"/>
-      </a:effectRef>
-      <a:fontRef idx="minor">
-        <a:schemeClr val="lt1"/>
-      </a:fontRef>
-    </dgm:style>
-  </dgm:styleLbl>
-  <dgm:styleLbl name="parChTrans1D1">
-    <dgm:scene3d>
-      <a:camera prst="orthographicFront"/>
-      <a:lightRig rig="threePt" dir="t"/>
-    </dgm:scene3d>
-    <dgm:sp3d/>
-    <dgm:txPr/>
-    <dgm:style>
-      <a:lnRef idx="2">
-        <a:scrgbClr r="0" g="0" b="0"/>
-      </a:lnRef>
-      <a:fillRef idx="0">
-        <a:scrgbClr r="0" g="0" b="0"/>
-      </a:fillRef>
-      <a:effectRef idx="0">
-        <a:scrgbClr r="0" g="0" b="0"/>
-      </a:effectRef>
-      <a:fontRef idx="minor"/>
-    </dgm:style>
-  </dgm:styleLbl>
-  <dgm:styleLbl name="parChTrans1D2">
-    <dgm:scene3d>
-      <a:camera prst="orthographicFront"/>
-      <a:lightRig rig="threePt" dir="t"/>
-    </dgm:scene3d>
-    <dgm:sp3d/>
-    <dgm:txPr/>
-    <dgm:style>
-      <a:lnRef idx="2">
-        <a:scrgbClr r="0" g="0" b="0"/>
-      </a:lnRef>
-      <a:fillRef idx="0">
-        <a:scrgbClr r="0" g="0" b="0"/>
-      </a:fillRef>
-      <a:effectRef idx="0">
-        <a:scrgbClr r="0" g="0" b="0"/>
-      </a:effectRef>
-      <a:fontRef idx="minor"/>
-    </dgm:style>
-  </dgm:styleLbl>
-  <dgm:styleLbl name="parChTrans1D3">
-    <dgm:scene3d>
-      <a:camera prst="orthographicFront"/>
-      <a:lightRig rig="threePt" dir="t"/>
-    </dgm:scene3d>
-    <dgm:sp3d/>
-    <dgm:txPr/>
-    <dgm:style>
-      <a:lnRef idx="2">
-        <a:scrgbClr r="0" g="0" b="0"/>
-      </a:lnRef>
-      <a:fillRef idx="0">
-        <a:scrgbClr r="0" g="0" b="0"/>
-      </a:fillRef>
-      <a:effectRef idx="0">
-        <a:scrgbClr r="0" g="0" b="0"/>
-      </a:effectRef>
-      <a:fontRef idx="minor"/>
-    </dgm:style>
-  </dgm:styleLbl>
-  <dgm:styleLbl name="parChTrans1D4">
-    <dgm:scene3d>
-      <a:camera prst="orthographicFront"/>
-      <a:lightRig rig="threePt" dir="t"/>
-    </dgm:scene3d>
-    <dgm:sp3d/>
-    <dgm:txPr/>
-    <dgm:style>
-      <a:lnRef idx="2">
-        <a:scrgbClr r="0" g="0" b="0"/>
-      </a:lnRef>
-      <a:fillRef idx="0">
-        <a:scrgbClr r="0" g="0" b="0"/>
-      </a:fillRef>
-      <a:effectRef idx="0">
-        <a:scrgbClr r="0" g="0" b="0"/>
-      </a:effectRef>
-      <a:fontRef idx="minor"/>
-    </dgm:style>
-  </dgm:styleLbl>
-  <dgm:styleLbl name="fgAcc1">
-    <dgm:scene3d>
-      <a:camera prst="orthographicFront"/>
-      <a:lightRig rig="threePt" dir="t"/>
-    </dgm:scene3d>
-    <dgm:sp3d/>
-    <dgm:txPr/>
-    <dgm:style>
-      <a:lnRef idx="2">
-        <a:scrgbClr r="0" g="0" b="0"/>
-      </a:lnRef>
-      <a:fillRef idx="1">
-        <a:scrgbClr r="0" g="0" b="0"/>
-      </a:fillRef>
-      <a:effectRef idx="0">
-        <a:scrgbClr r="0" g="0" b="0"/>
-      </a:effectRef>
-      <a:fontRef idx="minor"/>
-    </dgm:style>
-  </dgm:styleLbl>
-  <dgm:styleLbl name="conFgAcc1">
-    <dgm:scene3d>
-      <a:camera prst="orthographicFront"/>
-      <a:lightRig rig="threePt" dir="t"/>
-    </dgm:scene3d>
-    <dgm:sp3d/>
-    <dgm:txPr/>
-    <dgm:style>
-      <a:lnRef idx="2">
-        <a:scrgbClr r="0" g="0" b="0"/>
-      </a:lnRef>
-      <a:fillRef idx="1">
-        <a:scrgbClr r="0" g="0" b="0"/>
-      </a:fillRef>
-      <a:effectRef idx="0">
-        <a:scrgbClr r="0" g="0" b="0"/>
-      </a:effectRef>
-      <a:fontRef idx="minor"/>
-    </dgm:style>
-  </dgm:styleLbl>
-  <dgm:styleLbl name="alignAcc1">
-    <dgm:scene3d>
-      <a:camera prst="orthographicFront"/>
-      <a:lightRig rig="threePt" dir="t"/>
-    </dgm:scene3d>
-    <dgm:sp3d/>
-    <dgm:txPr/>
-    <dgm:style>
-      <a:lnRef idx="2">
-        <a:scrgbClr r="0" g="0" b="0"/>
-      </a:lnRef>
-      <a:fillRef idx="1">
-        <a:scrgbClr r="0" g="0" b="0"/>
-      </a:fillRef>
-      <a:effectRef idx="0">
-        <a:scrgbClr r="0" g="0" b="0"/>
-      </a:effectRef>
-      <a:fontRef idx="minor"/>
-    </dgm:style>
-  </dgm:styleLbl>
-  <dgm:styleLbl name="trAlignAcc1">
-    <dgm:scene3d>
-      <a:camera prst="orthographicFront"/>
-      <a:lightRig rig="threePt" dir="t"/>
-    </dgm:scene3d>
-    <dgm:sp3d/>
-    <dgm:txPr/>
-    <dgm:style>
-      <a:lnRef idx="1">
-        <a:scrgbClr r="0" g="0" b="0"/>
-      </a:lnRef>
-      <a:fillRef idx="1">
-        <a:scrgbClr r="0" g="0" b="0"/>
-      </a:fillRef>
-      <a:effectRef idx="0">
-        <a:scrgbClr r="0" g="0" b="0"/>
-      </a:effectRef>
-      <a:fontRef idx="minor"/>
-    </dgm:style>
-  </dgm:styleLbl>
-  <dgm:styleLbl name="bgAcc1">
-    <dgm:scene3d>
-      <a:camera prst="orthographicFront"/>
-      <a:lightRig rig="threePt" dir="t"/>
-    </dgm:scene3d>
-    <dgm:sp3d/>
-    <dgm:txPr/>
-    <dgm:style>
-      <a:lnRef idx="2">
-        <a:scrgbClr r="0" g="0" b="0"/>
-      </a:lnRef>
-      <a:fillRef idx="1">
-        <a:scrgbClr r="0" g="0" b="0"/>
-      </a:fillRef>
-      <a:effectRef idx="0">
-        <a:scrgbClr r="0" g="0" b="0"/>
-      </a:effectRef>
-      <a:fontRef idx="minor"/>
-    </dgm:style>
-  </dgm:styleLbl>
-  <dgm:styleLbl name="solidFgAcc1">
-    <dgm:scene3d>
-      <a:camera prst="orthographicFront"/>
-      <a:lightRig rig="threePt" dir="t"/>
-    </dgm:scene3d>
-    <dgm:sp3d/>
-    <dgm:txPr/>
-    <dgm:style>
-      <a:lnRef idx="2">
-        <a:scrgbClr r="0" g="0" b="0"/>
-      </a:lnRef>
-      <a:fillRef idx="1">
-        <a:scrgbClr r="0" g="0" b="0"/>
-      </a:fillRef>
-      <a:effectRef idx="0">
-        <a:scrgbClr r="0" g="0" b="0"/>
-      </a:effectRef>
-      <a:fontRef idx="minor"/>
-    </dgm:style>
-  </dgm:styleLbl>
-  <dgm:styleLbl name="solidAlignAcc1">
-    <dgm:scene3d>
-      <a:camera prst="orthographicFront"/>
-      <a:lightRig rig="threePt" dir="t"/>
-    </dgm:scene3d>
-    <dgm:sp3d/>
-    <dgm:txPr/>
-    <dgm:style>
-      <a:lnRef idx="2">
-        <a:scrgbClr r="0" g="0" b="0"/>
-      </a:lnRef>
-      <a:fillRef idx="1">
-        <a:scrgbClr r="0" g="0" b="0"/>
-      </a:fillRef>
-      <a:effectRef idx="0">
-        <a:scrgbClr r="0" g="0" b="0"/>
-      </a:effectRef>
-      <a:fontRef idx="minor"/>
-    </dgm:style>
-  </dgm:styleLbl>
-  <dgm:styleLbl name="solidBgAcc1">
-    <dgm:scene3d>
-      <a:camera prst="orthographicFront"/>
-      <a:lightRig rig="threePt" dir="t"/>
-    </dgm:scene3d>
-    <dgm:sp3d/>
-    <dgm:txPr/>
-    <dgm:style>
-      <a:lnRef idx="2">
-        <a:scrgbClr r="0" g="0" b="0"/>
-      </a:lnRef>
-      <a:fillRef idx="1">
-        <a:scrgbClr r="0" g="0" b="0"/>
-      </a:fillRef>
-      <a:effectRef idx="0">
-        <a:scrgbClr r="0" g="0" b="0"/>
-      </a:effectRef>
-      <a:fontRef idx="minor"/>
-    </dgm:style>
-  </dgm:styleLbl>
-  <dgm:styleLbl name="fgAccFollowNode1">
-    <dgm:scene3d>
-      <a:camera prst="orthographicFront"/>
-      <a:lightRig rig="threePt" dir="t"/>
-    </dgm:scene3d>
-    <dgm:sp3d/>
-    <dgm:txPr/>
-    <dgm:style>
-      <a:lnRef idx="2">
-        <a:scrgbClr r="0" g="0" b="0"/>
-      </a:lnRef>
-      <a:fillRef idx="1">
-        <a:scrgbClr r="0" g="0" b="0"/>
-      </a:fillRef>
-      <a:effectRef idx="0">
-        <a:scrgbClr r="0" g="0" b="0"/>
-      </a:effectRef>
-      <a:fontRef idx="minor"/>
-    </dgm:style>
-  </dgm:styleLbl>
-  <dgm:styleLbl name="alignAccFollowNode1">
-    <dgm:scene3d>
-      <a:camera prst="orthographicFront"/>
-      <a:lightRig rig="threePt" dir="t"/>
-    </dgm:scene3d>
-    <dgm:sp3d/>
-    <dgm:txPr/>
-    <dgm:style>
-      <a:lnRef idx="2">
-        <a:scrgbClr r="0" g="0" b="0"/>
-      </a:lnRef>
-      <a:fillRef idx="1">
-        <a:scrgbClr r="0" g="0" b="0"/>
-      </a:fillRef>
-      <a:effectRef idx="0">
-        <a:scrgbClr r="0" g="0" b="0"/>
-      </a:effectRef>
-      <a:fontRef idx="minor"/>
-    </dgm:style>
-  </dgm:styleLbl>
-  <dgm:styleLbl name="bgAccFollowNode1">
-    <dgm:scene3d>
-      <a:camera prst="orthographicFront"/>
-      <a:lightRig rig="threePt" dir="t"/>
-    </dgm:scene3d>
-    <dgm:sp3d/>
-    <dgm:txPr/>
-    <dgm:style>
-      <a:lnRef idx="2">
-        <a:scrgbClr r="0" g="0" b="0"/>
-      </a:lnRef>
-      <a:fillRef idx="1">
-        <a:scrgbClr r="0" g="0" b="0"/>
-      </a:fillRef>
-      <a:effectRef idx="0">
-        <a:scrgbClr r="0" g="0" b="0"/>
-      </a:effectRef>
-      <a:fontRef idx="minor"/>
-    </dgm:style>
-  </dgm:styleLbl>
-  <dgm:styleLbl name="fgAcc0">
-    <dgm:scene3d>
-      <a:camera prst="orthographicFront"/>
-      <a:lightRig rig="threePt" dir="t"/>
-    </dgm:scene3d>
-    <dgm:sp3d/>
-    <dgm:txPr/>
-    <dgm:style>
-      <a:lnRef idx="2">
-        <a:scrgbClr r="0" g="0" b="0"/>
-      </a:lnRef>
-      <a:fillRef idx="1">
-        <a:scrgbClr r="0" g="0" b="0"/>
-      </a:fillRef>
-      <a:effectRef idx="0">
-        <a:scrgbClr r="0" g="0" b="0"/>
-      </a:effectRef>
-      <a:fontRef idx="minor"/>
-    </dgm:style>
-  </dgm:styleLbl>
-  <dgm:styleLbl name="fgAcc2">
-    <dgm:scene3d>
-      <a:camera prst="orthographicFront"/>
-      <a:lightRig rig="threePt" dir="t"/>
-    </dgm:scene3d>
-    <dgm:sp3d/>
-    <dgm:txPr/>
-    <dgm:style>
-      <a:lnRef idx="2">
-        <a:scrgbClr r="0" g="0" b="0"/>
-      </a:lnRef>
-      <a:fillRef idx="1">
-        <a:scrgbClr r="0" g="0" b="0"/>
-      </a:fillRef>
-      <a:effectRef idx="0">
-        <a:scrgbClr r="0" g="0" b="0"/>
-      </a:effectRef>
-      <a:fontRef idx="minor"/>
-    </dgm:style>
-  </dgm:styleLbl>
-  <dgm:styleLbl name="fgAcc3">
-    <dgm:scene3d>
-      <a:camera prst="orthographicFront"/>
-      <a:lightRig rig="threePt" dir="t"/>
-    </dgm:scene3d>
-    <dgm:sp3d/>
-    <dgm:txPr/>
-    <dgm:style>
-      <a:lnRef idx="2">
-        <a:scrgbClr r="0" g="0" b="0"/>
-      </a:lnRef>
-      <a:fillRef idx="1">
-        <a:scrgbClr r="0" g="0" b="0"/>
-      </a:fillRef>
-      <a:effectRef idx="0">
-        <a:scrgbClr r="0" g="0" b="0"/>
-      </a:effectRef>
-      <a:fontRef idx="minor"/>
-    </dgm:style>
-  </dgm:styleLbl>
-  <dgm:styleLbl name="fgAcc4">
-    <dgm:scene3d>
-      <a:camera prst="orthographicFront"/>
-      <a:lightRig rig="threePt" dir="t"/>
-    </dgm:scene3d>
-    <dgm:sp3d/>
-    <dgm:txPr/>
-    <dgm:style>
-      <a:lnRef idx="2">
-        <a:scrgbClr r="0" g="0" b="0"/>
-      </a:lnRef>
-      <a:fillRef idx="1">
-        <a:scrgbClr r="0" g="0" b="0"/>
-      </a:fillRef>
-      <a:effectRef idx="0">
-        <a:scrgbClr r="0" g="0" b="0"/>
-      </a:effectRef>
-      <a:fontRef idx="minor"/>
-    </dgm:style>
-  </dgm:styleLbl>
-  <dgm:styleLbl name="bgShp">
-    <dgm:scene3d>
-      <a:camera prst="orthographicFront"/>
-      <a:lightRig rig="threePt" dir="t"/>
-    </dgm:scene3d>
-    <dgm:sp3d/>
-    <dgm:txPr/>
-    <dgm:style>
-      <a:lnRef idx="0">
-        <a:scrgbClr r="0" g="0" b="0"/>
-      </a:lnRef>
-      <a:fillRef idx="1">
-        <a:scrgbClr r="0" g="0" b="0"/>
-      </a:fillRef>
-      <a:effectRef idx="0">
-        <a:scrgbClr r="0" g="0" b="0"/>
-      </a:effectRef>
-      <a:fontRef idx="minor"/>
-    </dgm:style>
-  </dgm:styleLbl>
-  <dgm:styleLbl name="dkBgShp">
-    <dgm:scene3d>
-      <a:camera prst="orthographicFront"/>
-      <a:lightRig rig="threePt" dir="t"/>
-    </dgm:scene3d>
-    <dgm:sp3d/>
-    <dgm:txPr/>
-    <dgm:style>
-      <a:lnRef idx="0">
-        <a:scrgbClr r="0" g="0" b="0"/>
-      </a:lnRef>
-      <a:fillRef idx="1">
-        <a:scrgbClr r="0" g="0" b="0"/>
-      </a:fillRef>
-      <a:effectRef idx="0">
-        <a:scrgbClr r="0" g="0" b="0"/>
-      </a:effectRef>
-      <a:fontRef idx="minor"/>
-    </dgm:style>
-  </dgm:styleLbl>
-  <dgm:styleLbl name="trBgShp">
-    <dgm:scene3d>
-      <a:camera prst="orthographicFront"/>
-      <a:lightRig rig="threePt" dir="t"/>
-    </dgm:scene3d>
-    <dgm:sp3d/>
-    <dgm:txPr/>
-    <dgm:style>
-      <a:lnRef idx="0">
-        <a:scrgbClr r="0" g="0" b="0"/>
-      </a:lnRef>
-      <a:fillRef idx="1">
-        <a:scrgbClr r="0" g="0" b="0"/>
-      </a:fillRef>
-      <a:effectRef idx="0">
-        <a:scrgbClr r="0" g="0" b="0"/>
-      </a:effectRef>
-      <a:fontRef idx="minor"/>
-    </dgm:style>
-  </dgm:styleLbl>
-  <dgm:styleLbl name="fgShp">
-    <dgm:scene3d>
-      <a:camera prst="orthographicFront"/>
-      <a:lightRig rig="threePt" dir="t"/>
-    </dgm:scene3d>
-    <dgm:sp3d/>
-    <dgm:txPr/>
-    <dgm:style>
-      <a:lnRef idx="2">
-        <a:scrgbClr r="0" g="0" b="0"/>
-      </a:lnRef>
-      <a:fillRef idx="1">
-        <a:scrgbClr r="0" g="0" b="0"/>
-      </a:fillRef>
-      <a:effectRef idx="0">
-        <a:scrgbClr r="0" g="0" b="0"/>
-      </a:effectRef>
-      <a:fontRef idx="minor"/>
-    </dgm:style>
-  </dgm:styleLbl>
-  <dgm:styleLbl name="revTx">
-    <dgm:scene3d>
-      <a:camera prst="orthographicFront"/>
-      <a:lightRig rig="threePt" dir="t"/>
-    </dgm:scene3d>
-    <dgm:sp3d/>
-    <dgm:txPr/>
-    <dgm:style>
-      <a:lnRef idx="0">
-        <a:scrgbClr r="0" g="0" b="0"/>
-      </a:lnRef>
-      <a:fillRef idx="0">
-        <a:scrgbClr r="0" g="0" b="0"/>
-      </a:fillRef>
-      <a:effectRef idx="0">
-        <a:scrgbClr r="0" g="0" b="0"/>
-      </a:effectRef>
-      <a:fontRef idx="minor"/>
-    </dgm:style>
-  </dgm:styleLbl>
-</dgm:styleDef>
-</file>
-
-<file path=ppt/diagrams/quickStyle5.xml><?xml version="1.0" encoding="utf-8"?>
 <dgm:styleDef xmlns:dgm="http://schemas.openxmlformats.org/drawingml/2006/diagram" xmlns:a="http://schemas.openxmlformats.org/drawingml/2006/main" uniqueId="urn:microsoft.com/office/officeart/2005/8/quickstyle/simple1">
   <dgm:title val=""/>
   <dgm:desc val=""/>
@@ -22537,10 +19295,10 @@
       </p:sp>
       <p:graphicFrame>
         <p:nvGraphicFramePr>
-          <p:cNvPr id="8" name="Content Placeholder 7">
+          <p:cNvPr id="543" name="Content Placeholder 542">
             <a:extLst>
               <a:ext uri="{FF2B5EF4-FFF2-40B4-BE49-F238E27FC236}">
-                <a16:creationId xmlns:a16="http://schemas.microsoft.com/office/drawing/2014/main" id="{FC009EDE-4C7A-FBF1-6EF6-4ACC0EC3A717}"/>
+                <a16:creationId xmlns:a16="http://schemas.microsoft.com/office/drawing/2014/main" id="{BD1F93FC-41A7-A7E1-B1AF-1475A35846FB}"/>
               </a:ext>
             </a:extLst>
           </p:cNvPr>
@@ -22551,14 +19309,14 @@
             <p:ph idx="1"/>
             <p:extLst>
               <p:ext uri="{D42A27DB-BD31-4B8C-83A1-F6EECF244321}">
-                <p14:modId xmlns:p14="http://schemas.microsoft.com/office/powerpoint/2010/main" val="238611619"/>
+                <p14:modId xmlns:p14="http://schemas.microsoft.com/office/powerpoint/2010/main" val="4175234983"/>
               </p:ext>
             </p:extLst>
           </p:nvPr>
         </p:nvGraphicFramePr>
         <p:xfrm>
-          <a:off x="1096963" y="1846263"/>
-          <a:ext cx="10058400" cy="4022725"/>
+          <a:off x="267444" y="1036037"/>
+          <a:ext cx="11727082" cy="5334521"/>
         </p:xfrm>
         <a:graphic>
           <a:graphicData uri="http://schemas.openxmlformats.org/drawingml/2006/diagram">
@@ -22580,196 +19338,6 @@
 </file>
 
 <file path=ppt/slides/slide5.xml><?xml version="1.0" encoding="utf-8"?>
-<p:sld xmlns:a="http://schemas.openxmlformats.org/drawingml/2006/main" xmlns:r="http://schemas.openxmlformats.org/officeDocument/2006/relationships" xmlns:p="http://schemas.openxmlformats.org/presentationml/2006/main">
-  <p:cSld>
-    <p:spTree>
-      <p:nvGrpSpPr>
-        <p:cNvPr id="1" name=""/>
-        <p:cNvGrpSpPr/>
-        <p:nvPr/>
-      </p:nvGrpSpPr>
-      <p:grpSpPr>
-        <a:xfrm>
-          <a:off x="0" y="0"/>
-          <a:ext cx="0" cy="0"/>
-          <a:chOff x="0" y="0"/>
-          <a:chExt cx="0" cy="0"/>
-        </a:xfrm>
-      </p:grpSpPr>
-      <p:sp>
-        <p:nvSpPr>
-          <p:cNvPr id="2" name="Title 1">
-            <a:extLst>
-              <a:ext uri="{FF2B5EF4-FFF2-40B4-BE49-F238E27FC236}">
-                <a16:creationId xmlns:a16="http://schemas.microsoft.com/office/drawing/2014/main" id="{77539E1F-7729-0962-C3CF-3B8402BB20B8}"/>
-              </a:ext>
-            </a:extLst>
-          </p:cNvPr>
-          <p:cNvSpPr>
-            <a:spLocks noGrp="1"/>
-          </p:cNvSpPr>
-          <p:nvPr>
-            <p:ph type="title"/>
-          </p:nvPr>
-        </p:nvSpPr>
-        <p:spPr/>
-        <p:txBody>
-          <a:bodyPr/>
-          <a:lstStyle/>
-          <a:p>
-            <a:r>
-              <a:rPr lang="en-US"/>
-              <a:t>Existing Financial Market</a:t>
-            </a:r>
-          </a:p>
-        </p:txBody>
-      </p:sp>
-      <p:graphicFrame>
-        <p:nvGraphicFramePr>
-          <p:cNvPr id="12" name="Content Placeholder 11">
-            <a:extLst>
-              <a:ext uri="{FF2B5EF4-FFF2-40B4-BE49-F238E27FC236}">
-                <a16:creationId xmlns:a16="http://schemas.microsoft.com/office/drawing/2014/main" id="{57AF437C-F173-EF67-6C60-14A8473413BD}"/>
-              </a:ext>
-            </a:extLst>
-          </p:cNvPr>
-          <p:cNvGraphicFramePr>
-            <a:graphicFrameLocks noGrp="1"/>
-          </p:cNvGraphicFramePr>
-          <p:nvPr>
-            <p:ph idx="1"/>
-            <p:extLst>
-              <p:ext uri="{D42A27DB-BD31-4B8C-83A1-F6EECF244321}">
-                <p14:modId xmlns:p14="http://schemas.microsoft.com/office/powerpoint/2010/main" val="3882422916"/>
-              </p:ext>
-            </p:extLst>
-          </p:nvPr>
-        </p:nvGraphicFramePr>
-        <p:xfrm>
-          <a:off x="1096963" y="1846263"/>
-          <a:ext cx="10058400" cy="4022725"/>
-        </p:xfrm>
-        <a:graphic>
-          <a:graphicData uri="http://schemas.openxmlformats.org/drawingml/2006/diagram">
-            <dgm:relIds xmlns:dgm="http://schemas.openxmlformats.org/drawingml/2006/diagram" xmlns:r="http://schemas.openxmlformats.org/officeDocument/2006/relationships" r:dm="rId2" r:lo="rId3" r:qs="rId4" r:cs="rId5"/>
-          </a:graphicData>
-        </a:graphic>
-      </p:graphicFrame>
-    </p:spTree>
-    <p:extLst>
-      <p:ext uri="{BB962C8B-B14F-4D97-AF65-F5344CB8AC3E}">
-        <p14:creationId xmlns:p14="http://schemas.microsoft.com/office/powerpoint/2010/main" val="2886924242"/>
-      </p:ext>
-    </p:extLst>
-  </p:cSld>
-  <p:clrMapOvr>
-    <a:masterClrMapping/>
-  </p:clrMapOvr>
-</p:sld>
-</file>
-
-<file path=ppt/slides/slide6.xml><?xml version="1.0" encoding="utf-8"?>
-<p:sld xmlns:a="http://schemas.openxmlformats.org/drawingml/2006/main" xmlns:r="http://schemas.openxmlformats.org/officeDocument/2006/relationships" xmlns:p="http://schemas.openxmlformats.org/presentationml/2006/main">
-  <p:cSld>
-    <p:spTree>
-      <p:nvGrpSpPr>
-        <p:cNvPr id="1" name=""/>
-        <p:cNvGrpSpPr/>
-        <p:nvPr/>
-      </p:nvGrpSpPr>
-      <p:grpSpPr>
-        <a:xfrm>
-          <a:off x="0" y="0"/>
-          <a:ext cx="0" cy="0"/>
-          <a:chOff x="0" y="0"/>
-          <a:chExt cx="0" cy="0"/>
-        </a:xfrm>
-      </p:grpSpPr>
-      <p:sp>
-        <p:nvSpPr>
-          <p:cNvPr id="2" name="Title 1">
-            <a:extLst>
-              <a:ext uri="{FF2B5EF4-FFF2-40B4-BE49-F238E27FC236}">
-                <a16:creationId xmlns:a16="http://schemas.microsoft.com/office/drawing/2014/main" id="{1D95DF93-7841-D73E-44A2-AE706A9E157B}"/>
-              </a:ext>
-            </a:extLst>
-          </p:cNvPr>
-          <p:cNvSpPr>
-            <a:spLocks noGrp="1"/>
-          </p:cNvSpPr>
-          <p:nvPr>
-            <p:ph type="title"/>
-          </p:nvPr>
-        </p:nvSpPr>
-        <p:spPr/>
-        <p:txBody>
-          <a:bodyPr/>
-          <a:lstStyle/>
-          <a:p>
-            <a:pPr algn="ctr"/>
-            <a:r>
-              <a:rPr lang="en-US"/>
-              <a:t>Pre-MVP Goes Live Today </a:t>
-            </a:r>
-          </a:p>
-        </p:txBody>
-      </p:sp>
-      <p:sp>
-        <p:nvSpPr>
-          <p:cNvPr id="3" name="Content Placeholder 2">
-            <a:extLst>
-              <a:ext uri="{FF2B5EF4-FFF2-40B4-BE49-F238E27FC236}">
-                <a16:creationId xmlns:a16="http://schemas.microsoft.com/office/drawing/2014/main" id="{0BD362D6-AB0B-F196-83E9-A416C42EE14A}"/>
-              </a:ext>
-            </a:extLst>
-          </p:cNvPr>
-          <p:cNvSpPr>
-            <a:spLocks noGrp="1"/>
-          </p:cNvSpPr>
-          <p:nvPr>
-            <p:ph idx="1"/>
-          </p:nvPr>
-        </p:nvSpPr>
-        <p:spPr/>
-        <p:txBody>
-          <a:bodyPr>
-            <a:normAutofit/>
-          </a:bodyPr>
-          <a:lstStyle/>
-          <a:p>
-            <a:pPr algn="ctr"/>
-            <a:r>
-              <a:rPr lang="en-US" sz="6600">
-                <a:hlinkClick r:id="rId2"/>
-              </a:rPr>
-              <a:t>Univise.org</a:t>
-            </a:r>
-            <a:endParaRPr lang="en-US" sz="6600"/>
-          </a:p>
-          <a:p>
-            <a:pPr algn="ctr"/>
-            <a:endParaRPr lang="en-US" sz="6600"/>
-          </a:p>
-          <a:p>
-            <a:pPr algn="ctr"/>
-            <a:endParaRPr lang="en-US" sz="6600"/>
-          </a:p>
-        </p:txBody>
-      </p:sp>
-    </p:spTree>
-    <p:extLst>
-      <p:ext uri="{BB962C8B-B14F-4D97-AF65-F5344CB8AC3E}">
-        <p14:creationId xmlns:p14="http://schemas.microsoft.com/office/powerpoint/2010/main" val="2540432543"/>
-      </p:ext>
-    </p:extLst>
-  </p:cSld>
-  <p:clrMapOvr>
-    <a:masterClrMapping/>
-  </p:clrMapOvr>
-</p:sld>
-</file>
-
-<file path=ppt/slides/slide7.xml><?xml version="1.0" encoding="utf-8"?>
 <p:sld xmlns:a="http://schemas.openxmlformats.org/drawingml/2006/main" xmlns:r="http://schemas.openxmlformats.org/officeDocument/2006/relationships" xmlns:p="http://schemas.openxmlformats.org/presentationml/2006/main">
   <p:cSld>
     <p:bg>
@@ -22873,7 +19441,7 @@
 </p:sld>
 </file>
 
-<file path=ppt/slides/slide8.xml><?xml version="1.0" encoding="utf-8"?>
+<file path=ppt/slides/slide6.xml><?xml version="1.0" encoding="utf-8"?>
 <p:sld xmlns:a="http://schemas.openxmlformats.org/drawingml/2006/main" xmlns:r="http://schemas.openxmlformats.org/officeDocument/2006/relationships" xmlns:p="http://schemas.openxmlformats.org/presentationml/2006/main">
   <p:cSld>
     <p:spTree>
@@ -24482,14 +21050,7 @@
                 <a:buNone/>
               </a:pPr>
               <a:r>
-                <a:rPr lang="en-US" sz="1800" kern="1200">
-                  <a:solidFill>
-                    <a:schemeClr val="tx1">
-                      <a:lumMod val="75000"/>
-                      <a:lumOff val="25000"/>
-                    </a:schemeClr>
-                  </a:solidFill>
-                </a:rPr>
+                <a:rPr lang="en-US"/>
                 <a:t>Data Science </a:t>
               </a:r>
             </a:p>
@@ -24686,6 +21247,10 @@
                 <a:buNone/>
               </a:pPr>
               <a:r>
+                <a:rPr lang="en-US"/>
+                <a:t>Frontend</a:t>
+              </a:r>
+              <a:r>
                 <a:rPr lang="en-US" sz="1800" kern="1200">
                   <a:solidFill>
                     <a:schemeClr val="tx1">
@@ -24694,7 +21259,11 @@
                     </a:schemeClr>
                   </a:solidFill>
                 </a:rPr>
-                <a:t>Frontend Development/SEO</a:t>
+                <a:t> </a:t>
+              </a:r>
+              <a:r>
+                <a:rPr lang="en-US"/>
+                <a:t>Development/SEO</a:t>
               </a:r>
             </a:p>
           </p:txBody>
@@ -24890,14 +21459,7 @@
                 <a:buNone/>
               </a:pPr>
               <a:r>
-                <a:rPr lang="en-US" sz="1800" kern="1200">
-                  <a:solidFill>
-                    <a:schemeClr val="tx1">
-                      <a:lumMod val="75000"/>
-                      <a:lumOff val="25000"/>
-                    </a:schemeClr>
-                  </a:solidFill>
-                </a:rPr>
+                <a:rPr lang="en-US"/>
                 <a:t>AI enthusiast</a:t>
               </a:r>
             </a:p>
@@ -25094,6 +21656,10 @@
                 <a:buNone/>
               </a:pPr>
               <a:r>
+                <a:rPr lang="en-US"/>
+                <a:t>Entrepreneurial</a:t>
+              </a:r>
+              <a:r>
                 <a:rPr lang="en-US" sz="1800" kern="1200">
                   <a:solidFill>
                     <a:schemeClr val="tx1">
@@ -25102,7 +21668,11 @@
                     </a:schemeClr>
                   </a:solidFill>
                 </a:rPr>
-                <a:t>Entrepreneurial desire</a:t>
+                <a:t> </a:t>
+              </a:r>
+              <a:r>
+                <a:rPr lang="en-US"/>
+                <a:t>desire</a:t>
               </a:r>
             </a:p>
           </p:txBody>
@@ -25324,7 +21894,108 @@
 </p:sld>
 </file>
 
-<file path=ppt/slides/slide9.xml><?xml version="1.0" encoding="utf-8"?>
+<file path=ppt/slides/slide7.xml><?xml version="1.0" encoding="utf-8"?>
+<p:sld xmlns:a="http://schemas.openxmlformats.org/drawingml/2006/main" xmlns:r="http://schemas.openxmlformats.org/officeDocument/2006/relationships" xmlns:p="http://schemas.openxmlformats.org/presentationml/2006/main">
+  <p:cSld>
+    <p:spTree>
+      <p:nvGrpSpPr>
+        <p:cNvPr id="1" name=""/>
+        <p:cNvGrpSpPr/>
+        <p:nvPr/>
+      </p:nvGrpSpPr>
+      <p:grpSpPr>
+        <a:xfrm>
+          <a:off x="0" y="0"/>
+          <a:ext cx="0" cy="0"/>
+          <a:chOff x="0" y="0"/>
+          <a:chExt cx="0" cy="0"/>
+        </a:xfrm>
+      </p:grpSpPr>
+      <p:sp>
+        <p:nvSpPr>
+          <p:cNvPr id="2" name="Title 1">
+            <a:extLst>
+              <a:ext uri="{FF2B5EF4-FFF2-40B4-BE49-F238E27FC236}">
+                <a16:creationId xmlns:a16="http://schemas.microsoft.com/office/drawing/2014/main" id="{1D95DF93-7841-D73E-44A2-AE706A9E157B}"/>
+              </a:ext>
+            </a:extLst>
+          </p:cNvPr>
+          <p:cNvSpPr>
+            <a:spLocks noGrp="1"/>
+          </p:cNvSpPr>
+          <p:nvPr>
+            <p:ph type="title"/>
+          </p:nvPr>
+        </p:nvSpPr>
+        <p:spPr/>
+        <p:txBody>
+          <a:bodyPr/>
+          <a:lstStyle/>
+          <a:p>
+            <a:pPr algn="ctr"/>
+            <a:r>
+              <a:rPr lang="en-US"/>
+              <a:t>Pre-MVP Goes Live Today </a:t>
+            </a:r>
+          </a:p>
+        </p:txBody>
+      </p:sp>
+      <p:sp>
+        <p:nvSpPr>
+          <p:cNvPr id="3" name="Content Placeholder 2">
+            <a:extLst>
+              <a:ext uri="{FF2B5EF4-FFF2-40B4-BE49-F238E27FC236}">
+                <a16:creationId xmlns:a16="http://schemas.microsoft.com/office/drawing/2014/main" id="{0BD362D6-AB0B-F196-83E9-A416C42EE14A}"/>
+              </a:ext>
+            </a:extLst>
+          </p:cNvPr>
+          <p:cNvSpPr>
+            <a:spLocks noGrp="1"/>
+          </p:cNvSpPr>
+          <p:nvPr>
+            <p:ph idx="1"/>
+          </p:nvPr>
+        </p:nvSpPr>
+        <p:spPr/>
+        <p:txBody>
+          <a:bodyPr>
+            <a:normAutofit/>
+          </a:bodyPr>
+          <a:lstStyle/>
+          <a:p>
+            <a:pPr algn="ctr"/>
+            <a:r>
+              <a:rPr lang="en-US" sz="6600">
+                <a:hlinkClick r:id="rId2"/>
+              </a:rPr>
+              <a:t>Univise.org</a:t>
+            </a:r>
+            <a:endParaRPr lang="en-US" sz="6600"/>
+          </a:p>
+          <a:p>
+            <a:pPr algn="ctr"/>
+            <a:endParaRPr lang="en-US" sz="6600"/>
+          </a:p>
+          <a:p>
+            <a:pPr algn="ctr"/>
+            <a:endParaRPr lang="en-US" sz="6600"/>
+          </a:p>
+        </p:txBody>
+      </p:sp>
+    </p:spTree>
+    <p:extLst>
+      <p:ext uri="{BB962C8B-B14F-4D97-AF65-F5344CB8AC3E}">
+        <p14:creationId xmlns:p14="http://schemas.microsoft.com/office/powerpoint/2010/main" val="2540432543"/>
+      </p:ext>
+    </p:extLst>
+  </p:cSld>
+  <p:clrMapOvr>
+    <a:masterClrMapping/>
+  </p:clrMapOvr>
+</p:sld>
+</file>
+
+<file path=ppt/slides/slide8.xml><?xml version="1.0" encoding="utf-8"?>
 <p:sld xmlns:a="http://schemas.openxmlformats.org/drawingml/2006/main" xmlns:r="http://schemas.openxmlformats.org/officeDocument/2006/relationships" xmlns:p="http://schemas.openxmlformats.org/presentationml/2006/main">
   <p:cSld>
     <p:spTree>

--- a/Pitch_Deck.pptx
+++ b/Pitch_Deck.pptx
@@ -123,7 +123,9 @@
 <p1510:revInfo xmlns:a="http://schemas.openxmlformats.org/drawingml/2006/main" xmlns:r="http://schemas.openxmlformats.org/officeDocument/2006/relationships" xmlns:p1510="http://schemas.microsoft.com/office/powerpoint/2015/10/main">
   <p1510:revLst>
     <p1510:client id="{1548E0E4-D0A9-41AC-9543-E63AEE67584C}" v="65" dt="2023-11-28T14:44:18.406"/>
+    <p1510:client id="{1A73D1D3-491F-45AB-84BC-3F1EFC6BFAAF}" v="2" dt="2023-12-01T16:46:20.971"/>
     <p1510:client id="{8D43E174-D995-4AAE-82E9-AABABF617DD4}" v="650" dt="2023-11-28T18:14:07.337"/>
+    <p1510:client id="{C6D064B3-2DB6-4AC0-9DD4-FFDBE833AD48}" v="20" dt="2023-12-01T19:17:21.809"/>
     <p1510:client id="{D5E56CFE-6DF7-450D-BF3B-F776716D1E51}" v="68" dt="2023-11-28T21:47:55.110"/>
   </p1510:revLst>
 </p1510:revInfo>
@@ -1423,6 +1425,68 @@
     </pc:docChg>
   </pc:docChgLst>
   <pc:docChgLst>
+    <pc:chgData name="Guest User" providerId="Windows Live" clId="Web-{C6D064B3-2DB6-4AC0-9DD4-FFDBE833AD48}"/>
+    <pc:docChg chg="modSld">
+      <pc:chgData name="Guest User" userId="" providerId="Windows Live" clId="Web-{C6D064B3-2DB6-4AC0-9DD4-FFDBE833AD48}" dt="2023-12-01T19:17:18.262" v="17" actId="20577"/>
+      <pc:docMkLst>
+        <pc:docMk/>
+      </pc:docMkLst>
+      <pc:sldChg chg="modAnim">
+        <pc:chgData name="Guest User" userId="" providerId="Windows Live" clId="Web-{C6D064B3-2DB6-4AC0-9DD4-FFDBE833AD48}" dt="2023-12-01T18:56:45.684" v="0"/>
+        <pc:sldMkLst>
+          <pc:docMk/>
+          <pc:sldMk cId="3998147292" sldId="256"/>
+        </pc:sldMkLst>
+      </pc:sldChg>
+      <pc:sldChg chg="modSp">
+        <pc:chgData name="Guest User" userId="" providerId="Windows Live" clId="Web-{C6D064B3-2DB6-4AC0-9DD4-FFDBE833AD48}" dt="2023-12-01T19:17:18.262" v="17" actId="20577"/>
+        <pc:sldMkLst>
+          <pc:docMk/>
+          <pc:sldMk cId="4019331319" sldId="264"/>
+        </pc:sldMkLst>
+        <pc:spChg chg="mod">
+          <ac:chgData name="Guest User" userId="" providerId="Windows Live" clId="Web-{C6D064B3-2DB6-4AC0-9DD4-FFDBE833AD48}" dt="2023-12-01T19:16:59.168" v="12" actId="20577"/>
+          <ac:spMkLst>
+            <pc:docMk/>
+            <pc:sldMk cId="4019331319" sldId="264"/>
+            <ac:spMk id="15" creationId="{020B78BB-9FD7-CA5C-FBED-7EF9E3DE6A6B}"/>
+          </ac:spMkLst>
+        </pc:spChg>
+        <pc:spChg chg="mod">
+          <ac:chgData name="Guest User" userId="" providerId="Windows Live" clId="Web-{C6D064B3-2DB6-4AC0-9DD4-FFDBE833AD48}" dt="2023-12-01T19:17:16.121" v="16" actId="20577"/>
+          <ac:spMkLst>
+            <pc:docMk/>
+            <pc:sldMk cId="4019331319" sldId="264"/>
+            <ac:spMk id="17" creationId="{19319069-F2BA-1A01-20CF-22D684299640}"/>
+          </ac:spMkLst>
+        </pc:spChg>
+        <pc:spChg chg="mod">
+          <ac:chgData name="Guest User" userId="" providerId="Windows Live" clId="Web-{C6D064B3-2DB6-4AC0-9DD4-FFDBE833AD48}" dt="2023-12-01T19:17:18.262" v="17" actId="20577"/>
+          <ac:spMkLst>
+            <pc:docMk/>
+            <pc:sldMk cId="4019331319" sldId="264"/>
+            <ac:spMk id="21" creationId="{A42219C7-7A59-7C3A-0FFC-8E8FDC311D69}"/>
+          </ac:spMkLst>
+        </pc:spChg>
+      </pc:sldChg>
+      <pc:sldChg chg="modSp">
+        <pc:chgData name="Guest User" userId="" providerId="Windows Live" clId="Web-{C6D064B3-2DB6-4AC0-9DD4-FFDBE833AD48}" dt="2023-12-01T19:04:13.945" v="4" actId="20577"/>
+        <pc:sldMkLst>
+          <pc:docMk/>
+          <pc:sldMk cId="1714546416" sldId="268"/>
+        </pc:sldMkLst>
+        <pc:graphicFrameChg chg="modGraphic">
+          <ac:chgData name="Guest User" userId="" providerId="Windows Live" clId="Web-{C6D064B3-2DB6-4AC0-9DD4-FFDBE833AD48}" dt="2023-12-01T19:04:13.945" v="4" actId="20577"/>
+          <ac:graphicFrameMkLst>
+            <pc:docMk/>
+            <pc:sldMk cId="1714546416" sldId="268"/>
+            <ac:graphicFrameMk id="543" creationId="{BD1F93FC-41A7-A7E1-B1AF-1475A35846FB}"/>
+          </ac:graphicFrameMkLst>
+        </pc:graphicFrameChg>
+      </pc:sldChg>
+    </pc:docChg>
+  </pc:docChgLst>
+  <pc:docChgLst>
     <pc:chgData name="Guest User" providerId="Windows Live" clId="Web-{3E8F59FD-397D-47A7-8122-18059D4A0873}"/>
     <pc:docChg chg="modSld">
       <pc:chgData name="Guest User" userId="" providerId="Windows Live" clId="Web-{3E8F59FD-397D-47A7-8122-18059D4A0873}" dt="2023-11-28T21:43:53.773" v="6" actId="20577"/>
@@ -1574,6 +1638,102 @@
             <ac:graphicFrameMk id="543" creationId="{BD1F93FC-41A7-A7E1-B1AF-1475A35846FB}"/>
           </ac:graphicFrameMkLst>
         </pc:graphicFrameChg>
+      </pc:sldChg>
+    </pc:docChg>
+  </pc:docChgLst>
+  <pc:docChgLst>
+    <pc:chgData name="Aaryush Gupta" userId="f63d54c0fafcd375" providerId="Windows Live" clId="Web-{1A73D1D3-491F-45AB-84BC-3F1EFC6BFAAF}"/>
+    <pc:docChg chg="modSld">
+      <pc:chgData name="Aaryush Gupta" userId="f63d54c0fafcd375" providerId="Windows Live" clId="Web-{1A73D1D3-491F-45AB-84BC-3F1EFC6BFAAF}" dt="2023-12-01T16:46:23.393" v="1"/>
+      <pc:docMkLst>
+        <pc:docMk/>
+      </pc:docMkLst>
+      <pc:sldChg chg="addSp delSp modSp mod setBg">
+        <pc:chgData name="Aaryush Gupta" userId="f63d54c0fafcd375" providerId="Windows Live" clId="Web-{1A73D1D3-491F-45AB-84BC-3F1EFC6BFAAF}" dt="2023-12-01T16:46:23.393" v="1"/>
+        <pc:sldMkLst>
+          <pc:docMk/>
+          <pc:sldMk cId="4155886894" sldId="266"/>
+        </pc:sldMkLst>
+        <pc:spChg chg="mod">
+          <ac:chgData name="Aaryush Gupta" userId="f63d54c0fafcd375" providerId="Windows Live" clId="Web-{1A73D1D3-491F-45AB-84BC-3F1EFC6BFAAF}" dt="2023-12-01T16:46:23.393" v="1"/>
+          <ac:spMkLst>
+            <pc:docMk/>
+            <pc:sldMk cId="4155886894" sldId="266"/>
+            <ac:spMk id="2" creationId="{381FB97D-8F1D-39C1-F650-83FB3BC8CD40}"/>
+          </ac:spMkLst>
+        </pc:spChg>
+        <pc:spChg chg="del">
+          <ac:chgData name="Aaryush Gupta" userId="f63d54c0fafcd375" providerId="Windows Live" clId="Web-{1A73D1D3-491F-45AB-84BC-3F1EFC6BFAAF}" dt="2023-12-01T16:46:20.659" v="0"/>
+          <ac:spMkLst>
+            <pc:docMk/>
+            <pc:sldMk cId="4155886894" sldId="266"/>
+            <ac:spMk id="3" creationId="{2865BF59-CE42-3F74-2EB6-1A59008FCAC4}"/>
+          </ac:spMkLst>
+        </pc:spChg>
+        <pc:spChg chg="add">
+          <ac:chgData name="Aaryush Gupta" userId="f63d54c0fafcd375" providerId="Windows Live" clId="Web-{1A73D1D3-491F-45AB-84BC-3F1EFC6BFAAF}" dt="2023-12-01T16:46:23.393" v="1"/>
+          <ac:spMkLst>
+            <pc:docMk/>
+            <pc:sldMk cId="4155886894" sldId="266"/>
+            <ac:spMk id="9" creationId="{25C8D2C1-DA83-420D-9635-D52CE066B5DA}"/>
+          </ac:spMkLst>
+        </pc:spChg>
+        <pc:spChg chg="add">
+          <ac:chgData name="Aaryush Gupta" userId="f63d54c0fafcd375" providerId="Windows Live" clId="Web-{1A73D1D3-491F-45AB-84BC-3F1EFC6BFAAF}" dt="2023-12-01T16:46:23.393" v="1"/>
+          <ac:spMkLst>
+            <pc:docMk/>
+            <pc:sldMk cId="4155886894" sldId="266"/>
+            <ac:spMk id="11" creationId="{434F74C9-6A0B-409E-AD1C-45B58BE91BB8}"/>
+          </ac:spMkLst>
+        </pc:spChg>
+        <pc:spChg chg="add">
+          <ac:chgData name="Aaryush Gupta" userId="f63d54c0fafcd375" providerId="Windows Live" clId="Web-{1A73D1D3-491F-45AB-84BC-3F1EFC6BFAAF}" dt="2023-12-01T16:46:23.393" v="1"/>
+          <ac:spMkLst>
+            <pc:docMk/>
+            <pc:sldMk cId="4155886894" sldId="266"/>
+            <ac:spMk id="15" creationId="{F452A527-3631-41ED-858D-3777A7D1496A}"/>
+          </ac:spMkLst>
+        </pc:spChg>
+        <pc:spChg chg="add">
+          <ac:chgData name="Aaryush Gupta" userId="f63d54c0fafcd375" providerId="Windows Live" clId="Web-{1A73D1D3-491F-45AB-84BC-3F1EFC6BFAAF}" dt="2023-12-01T16:46:23.393" v="1"/>
+          <ac:spMkLst>
+            <pc:docMk/>
+            <pc:sldMk cId="4155886894" sldId="266"/>
+            <ac:spMk id="19" creationId="{F85B92BC-678C-4E14-97E6-3227DEF86371}"/>
+          </ac:spMkLst>
+        </pc:spChg>
+        <pc:spChg chg="add">
+          <ac:chgData name="Aaryush Gupta" userId="f63d54c0fafcd375" providerId="Windows Live" clId="Web-{1A73D1D3-491F-45AB-84BC-3F1EFC6BFAAF}" dt="2023-12-01T16:46:23.393" v="1"/>
+          <ac:spMkLst>
+            <pc:docMk/>
+            <pc:sldMk cId="4155886894" sldId="266"/>
+            <ac:spMk id="21" creationId="{D2644120-A6B9-4D5C-8A60-E2F4CC220E77}"/>
+          </ac:spMkLst>
+        </pc:spChg>
+        <pc:picChg chg="add mod ord">
+          <ac:chgData name="Aaryush Gupta" userId="f63d54c0fafcd375" providerId="Windows Live" clId="Web-{1A73D1D3-491F-45AB-84BC-3F1EFC6BFAAF}" dt="2023-12-01T16:46:23.393" v="1"/>
+          <ac:picMkLst>
+            <pc:docMk/>
+            <pc:sldMk cId="4155886894" sldId="266"/>
+            <ac:picMk id="4" creationId="{270C495C-63E1-43D9-9243-AE14F7D1A0C6}"/>
+          </ac:picMkLst>
+        </pc:picChg>
+        <pc:cxnChg chg="add">
+          <ac:chgData name="Aaryush Gupta" userId="f63d54c0fafcd375" providerId="Windows Live" clId="Web-{1A73D1D3-491F-45AB-84BC-3F1EFC6BFAAF}" dt="2023-12-01T16:46:23.393" v="1"/>
+          <ac:cxnSpMkLst>
+            <pc:docMk/>
+            <pc:sldMk cId="4155886894" sldId="266"/>
+            <ac:cxnSpMk id="13" creationId="{F5486A9D-1265-4B57-91E6-68E666B978BC}"/>
+          </ac:cxnSpMkLst>
+        </pc:cxnChg>
+        <pc:cxnChg chg="add">
+          <ac:chgData name="Aaryush Gupta" userId="f63d54c0fafcd375" providerId="Windows Live" clId="Web-{1A73D1D3-491F-45AB-84BC-3F1EFC6BFAAF}" dt="2023-12-01T16:46:23.393" v="1"/>
+          <ac:cxnSpMkLst>
+            <pc:docMk/>
+            <pc:sldMk cId="4155886894" sldId="266"/>
+            <ac:cxnSpMk id="17" creationId="{D28A9C89-B313-458F-9C85-515930A51A93}"/>
+          </ac:cxnSpMkLst>
+        </pc:cxnChg>
       </pc:sldChg>
     </pc:docChg>
   </pc:docChgLst>
@@ -5327,7 +5487,7 @@
         <a:p>
           <a:pPr algn="l" rtl="0"/>
           <a:r>
-            <a:rPr lang="en-US">
+            <a:rPr lang="en-US" dirty="0">
               <a:solidFill>
                 <a:schemeClr val="bg1"/>
               </a:solidFill>
@@ -5357,7 +5517,7 @@
         <a:p>
           <a:pPr algn="l"/>
           <a:r>
-            <a:rPr lang="en-US">
+            <a:rPr lang="en-US" dirty="0">
               <a:solidFill>
                 <a:srgbClr val="444444"/>
               </a:solidFill>
@@ -5365,7 +5525,7 @@
               <a:ea typeface="Calibri"/>
               <a:cs typeface="Calibri"/>
             </a:rPr>
-            <a:t>50k enrolled</a:t>
+            <a:t>40k enrolled</a:t>
           </a:r>
         </a:p>
       </dgm:t>
@@ -5394,7 +5554,7 @@
         <a:p>
           <a:pPr algn="l"/>
           <a:r>
-            <a:rPr lang="en-US">
+            <a:rPr lang="en-US" dirty="0">
               <a:solidFill>
                 <a:srgbClr val="444444"/>
               </a:solidFill>
@@ -5402,7 +5562,7 @@
               <a:ea typeface="Calibri"/>
               <a:cs typeface="Calibri"/>
             </a:rPr>
-            <a:t>$1.5mn annually</a:t>
+            <a:t>$1.2mn annually</a:t>
           </a:r>
         </a:p>
       </dgm:t>
@@ -5431,7 +5591,7 @@
         <a:p>
           <a:pPr algn="l"/>
           <a:r>
-            <a:rPr lang="en-US">
+            <a:rPr lang="en-US" dirty="0">
               <a:solidFill>
                 <a:schemeClr val="bg1"/>
               </a:solidFill>
@@ -5468,7 +5628,7 @@
         <a:p>
           <a:pPr algn="l"/>
           <a:r>
-            <a:rPr lang="en-US">
+            <a:rPr lang="en-US" dirty="0">
               <a:solidFill>
                 <a:srgbClr val="444444"/>
               </a:solidFill>
@@ -5505,7 +5665,7 @@
         <a:p>
           <a:pPr algn="l"/>
           <a:r>
-            <a:rPr lang="en-US">
+            <a:rPr lang="en-US" dirty="0">
               <a:solidFill>
                 <a:srgbClr val="444444"/>
               </a:solidFill>
@@ -5542,7 +5702,7 @@
         <a:p>
           <a:pPr algn="l"/>
           <a:r>
-            <a:rPr lang="en-US">
+            <a:rPr lang="en-US" dirty="0">
               <a:solidFill>
                 <a:schemeClr val="bg1"/>
               </a:solidFill>
@@ -5579,7 +5739,7 @@
         <a:p>
           <a:pPr algn="l"/>
           <a:r>
-            <a:rPr lang="en-US">
+            <a:rPr lang="en-US" dirty="0">
               <a:solidFill>
                 <a:srgbClr val="444444"/>
               </a:solidFill>
@@ -5620,7 +5780,7 @@
             </a:lnSpc>
           </a:pPr>
           <a:r>
-            <a:rPr lang="en-US">
+            <a:rPr lang="en-US" dirty="0">
               <a:solidFill>
                 <a:srgbClr val="444444"/>
               </a:solidFill>
@@ -7073,7 +7233,7 @@
             <a:buNone/>
           </a:pPr>
           <a:r>
-            <a:rPr lang="en-US" sz="2700" kern="1200">
+            <a:rPr lang="en-US" sz="2700" kern="1200" dirty="0">
               <a:solidFill>
                 <a:schemeClr val="bg1"/>
               </a:solidFill>
@@ -7206,7 +7366,7 @@
             <a:buNone/>
           </a:pPr>
           <a:r>
-            <a:rPr lang="en-US" sz="3800" kern="1200">
+            <a:rPr lang="en-US" sz="3800" kern="1200" dirty="0">
               <a:solidFill>
                 <a:srgbClr val="444444"/>
               </a:solidFill>
@@ -7214,7 +7374,7 @@
               <a:ea typeface="Calibri"/>
               <a:cs typeface="Calibri"/>
             </a:rPr>
-            <a:t>50k enrolled</a:t>
+            <a:t>40k enrolled</a:t>
           </a:r>
         </a:p>
       </dsp:txBody>
@@ -7339,7 +7499,7 @@
             <a:buNone/>
           </a:pPr>
           <a:r>
-            <a:rPr lang="en-US" sz="3800" kern="1200">
+            <a:rPr lang="en-US" sz="3800" kern="1200" dirty="0">
               <a:solidFill>
                 <a:srgbClr val="444444"/>
               </a:solidFill>
@@ -7347,7 +7507,7 @@
               <a:ea typeface="Calibri"/>
               <a:cs typeface="Calibri"/>
             </a:rPr>
-            <a:t>$1.5mn annually</a:t>
+            <a:t>$1.2mn annually</a:t>
           </a:r>
         </a:p>
       </dsp:txBody>
@@ -7425,7 +7585,7 @@
             <a:buNone/>
           </a:pPr>
           <a:r>
-            <a:rPr lang="en-US" sz="2700" kern="1200">
+            <a:rPr lang="en-US" sz="2700" kern="1200" dirty="0">
               <a:solidFill>
                 <a:schemeClr val="bg1"/>
               </a:solidFill>
@@ -7558,7 +7718,7 @@
             <a:buNone/>
           </a:pPr>
           <a:r>
-            <a:rPr lang="en-US" sz="3800" kern="1200">
+            <a:rPr lang="en-US" sz="3800" kern="1200" dirty="0">
               <a:solidFill>
                 <a:srgbClr val="444444"/>
               </a:solidFill>
@@ -7691,7 +7851,7 @@
             <a:buNone/>
           </a:pPr>
           <a:r>
-            <a:rPr lang="en-US" sz="3800" kern="1200">
+            <a:rPr lang="en-US" sz="3800" kern="1200" dirty="0">
               <a:solidFill>
                 <a:srgbClr val="444444"/>
               </a:solidFill>
@@ -7777,7 +7937,7 @@
             <a:buNone/>
           </a:pPr>
           <a:r>
-            <a:rPr lang="en-US" sz="2700" kern="1200">
+            <a:rPr lang="en-US" sz="2700" kern="1200" dirty="0">
               <a:solidFill>
                 <a:schemeClr val="bg1"/>
               </a:solidFill>
@@ -7910,7 +8070,7 @@
             <a:buNone/>
           </a:pPr>
           <a:r>
-            <a:rPr lang="en-US" sz="3800" kern="1200">
+            <a:rPr lang="en-US" sz="3800" kern="1200" dirty="0">
               <a:solidFill>
                 <a:srgbClr val="444444"/>
               </a:solidFill>
@@ -8043,7 +8203,7 @@
             <a:buNone/>
           </a:pPr>
           <a:r>
-            <a:rPr lang="en-US" sz="3800" kern="1200">
+            <a:rPr lang="en-US" sz="3800" kern="1200" dirty="0">
               <a:solidFill>
                 <a:srgbClr val="444444"/>
               </a:solidFill>
@@ -14772,7 +14932,7 @@
           <a:p>
             <a:fld id="{95B16698-BB82-4502-927A-353647028B85}" type="datetimeFigureOut">
               <a:rPr lang="en-US" smtClean="0"/>
-              <a:t>11/28/2023</a:t>
+              <a:t>12/1/2023</a:t>
             </a:fld>
             <a:endParaRPr lang="en-US"/>
           </a:p>
@@ -14978,7 +15138,7 @@
           <a:p>
             <a:fld id="{95B16698-BB82-4502-927A-353647028B85}" type="datetimeFigureOut">
               <a:rPr lang="en-US" smtClean="0"/>
-              <a:t>11/28/2023</a:t>
+              <a:t>12/1/2023</a:t>
             </a:fld>
             <a:endParaRPr lang="en-US"/>
           </a:p>
@@ -15232,7 +15392,7 @@
           <a:p>
             <a:fld id="{95B16698-BB82-4502-927A-353647028B85}" type="datetimeFigureOut">
               <a:rPr lang="en-US" smtClean="0"/>
-              <a:t>11/28/2023</a:t>
+              <a:t>12/1/2023</a:t>
             </a:fld>
             <a:endParaRPr lang="en-US"/>
           </a:p>
@@ -15404,7 +15564,7 @@
           <a:p>
             <a:fld id="{95B16698-BB82-4502-927A-353647028B85}" type="datetimeFigureOut">
               <a:rPr lang="en-US" smtClean="0"/>
-              <a:t>11/28/2023</a:t>
+              <a:t>12/1/2023</a:t>
             </a:fld>
             <a:endParaRPr lang="en-US"/>
           </a:p>
@@ -15746,7 +15906,7 @@
           <a:p>
             <a:fld id="{95B16698-BB82-4502-927A-353647028B85}" type="datetimeFigureOut">
               <a:rPr lang="en-US" smtClean="0"/>
-              <a:t>11/28/2023</a:t>
+              <a:t>12/1/2023</a:t>
             </a:fld>
             <a:endParaRPr lang="en-US"/>
           </a:p>
@@ -16018,7 +16178,7 @@
           <a:p>
             <a:fld id="{95B16698-BB82-4502-927A-353647028B85}" type="datetimeFigureOut">
               <a:rPr lang="en-US" smtClean="0"/>
-              <a:t>11/28/2023</a:t>
+              <a:t>12/1/2023</a:t>
             </a:fld>
             <a:endParaRPr lang="en-US"/>
           </a:p>
@@ -16394,7 +16554,7 @@
           <a:p>
             <a:fld id="{95B16698-BB82-4502-927A-353647028B85}" type="datetimeFigureOut">
               <a:rPr lang="en-US" smtClean="0"/>
-              <a:t>11/28/2023</a:t>
+              <a:t>12/1/2023</a:t>
             </a:fld>
             <a:endParaRPr lang="en-US"/>
           </a:p>
@@ -16511,7 +16671,7 @@
           <a:p>
             <a:fld id="{95B16698-BB82-4502-927A-353647028B85}" type="datetimeFigureOut">
               <a:rPr lang="en-US" smtClean="0"/>
-              <a:t>11/28/2023</a:t>
+              <a:t>12/1/2023</a:t>
             </a:fld>
             <a:endParaRPr lang="en-US"/>
           </a:p>
@@ -16682,7 +16842,7 @@
           <a:p>
             <a:fld id="{95B16698-BB82-4502-927A-353647028B85}" type="datetimeFigureOut">
               <a:rPr lang="en-US" smtClean="0"/>
-              <a:t>11/28/2023</a:t>
+              <a:t>12/1/2023</a:t>
             </a:fld>
             <a:endParaRPr lang="en-US"/>
           </a:p>
@@ -17034,7 +17194,7 @@
           <a:p>
             <a:fld id="{95B16698-BB82-4502-927A-353647028B85}" type="datetimeFigureOut">
               <a:rPr lang="en-US" smtClean="0"/>
-              <a:t>11/28/2023</a:t>
+              <a:t>12/1/2023</a:t>
             </a:fld>
             <a:endParaRPr lang="en-US"/>
           </a:p>
@@ -17414,7 +17574,7 @@
           <a:p>
             <a:fld id="{95B16698-BB82-4502-927A-353647028B85}" type="datetimeFigureOut">
               <a:rPr lang="en-US" smtClean="0"/>
-              <a:t>11/28/2023</a:t>
+              <a:t>12/1/2023</a:t>
             </a:fld>
             <a:endParaRPr lang="en-US"/>
           </a:p>
@@ -17699,7 +17859,7 @@
           <a:p>
             <a:fld id="{95B16698-BB82-4502-927A-353647028B85}" type="datetimeFigureOut">
               <a:rPr lang="en-US" smtClean="0"/>
-              <a:t>11/28/2023</a:t>
+              <a:t>12/1/2023</a:t>
             </a:fld>
             <a:endParaRPr lang="en-US"/>
           </a:p>
@@ -18715,26 +18875,8 @@
                                   </p:childTnLst>
                                 </p:cTn>
                               </p:par>
-                            </p:childTnLst>
-                          </p:cTn>
-                        </p:par>
-                      </p:childTnLst>
-                    </p:cTn>
-                  </p:par>
-                  <p:par>
-                    <p:cTn id="11" fill="hold">
-                      <p:stCondLst>
-                        <p:cond delay="indefinite"/>
-                      </p:stCondLst>
-                      <p:childTnLst>
-                        <p:par>
-                          <p:cTn id="12" fill="hold">
-                            <p:stCondLst>
-                              <p:cond delay="0"/>
-                            </p:stCondLst>
-                            <p:childTnLst>
                               <p:par>
-                                <p:cTn id="13" presetID="10" presetClass="entr" presetSubtype="0" fill="hold" grpId="0" nodeType="clickEffect">
+                                <p:cTn id="11" presetID="10" presetClass="entr" presetSubtype="0" fill="hold" grpId="0" nodeType="withEffect">
                                   <p:stCondLst>
                                     <p:cond delay="2000"/>
                                   </p:stCondLst>
@@ -18744,7 +18886,7 @@
                                   <p:childTnLst>
                                     <p:set>
                                       <p:cBhvr>
-                                        <p:cTn id="14" dur="1" fill="hold">
+                                        <p:cTn id="12" dur="1" fill="hold">
                                           <p:stCondLst>
                                             <p:cond delay="0"/>
                                           </p:stCondLst>
@@ -18766,7 +18908,7 @@
                                     </p:set>
                                     <p:animEffect transition="in" filter="fade">
                                       <p:cBhvr>
-                                        <p:cTn id="15" dur="400"/>
+                                        <p:cTn id="13" dur="400"/>
                                         <p:tgtEl>
                                           <p:spTgt spid="3">
                                             <p:txEl>
@@ -18780,7 +18922,7 @@
                                 </p:cTn>
                               </p:par>
                               <p:par>
-                                <p:cTn id="16" presetID="10" presetClass="entr" presetSubtype="0" fill="hold" nodeType="withEffect">
+                                <p:cTn id="14" presetID="10" presetClass="entr" presetSubtype="0" fill="hold" nodeType="withEffect">
                                   <p:stCondLst>
                                     <p:cond delay="500"/>
                                   </p:stCondLst>
@@ -18790,7 +18932,7 @@
                                   <p:childTnLst>
                                     <p:set>
                                       <p:cBhvr>
-                                        <p:cTn id="17" dur="1" fill="hold">
+                                        <p:cTn id="15" dur="1" fill="hold">
                                           <p:stCondLst>
                                             <p:cond delay="0"/>
                                           </p:stCondLst>
@@ -18808,7 +18950,7 @@
                                     </p:set>
                                     <p:animEffect transition="in" filter="fade">
                                       <p:cBhvr>
-                                        <p:cTn id="18" dur="700"/>
+                                        <p:cTn id="16" dur="700"/>
                                         <p:tgtEl>
                                           <p:spTgt spid="33"/>
                                         </p:tgtEl>
@@ -19848,7 +19990,7 @@
             </a:bodyPr>
             <a:lstStyle/>
             <a:p>
-              <a:pPr marL="0" lvl="0" indent="0" algn="l" defTabSz="800100">
+              <a:pPr defTabSz="800100">
                 <a:lnSpc>
                   <a:spcPct val="90000"/>
                 </a:lnSpc>
@@ -19858,12 +20000,14 @@
                 <a:spcAft>
                   <a:spcPct val="35000"/>
                 </a:spcAft>
-                <a:buNone/>
               </a:pPr>
               <a:r>
-                <a:rPr lang="en-US" sz="1800" kern="1200"/>
-                <a:t>Software consulting background</a:t>
+                <a:rPr lang="en-US" dirty="0"/>
+                <a:t>CS/DS Degree</a:t>
               </a:r>
+              <a:endParaRPr lang="en-US" dirty="0">
+                <a:cs typeface="Calibri"/>
+              </a:endParaRPr>
             </a:p>
           </p:txBody>
         </p:sp>
@@ -20045,21 +20189,10 @@
             </a:bodyPr>
             <a:lstStyle/>
             <a:p>
-              <a:pPr marL="0" lvl="0" indent="0" algn="l" defTabSz="800100">
-                <a:lnSpc>
-                  <a:spcPct val="90000"/>
-                </a:lnSpc>
-                <a:spcBef>
-                  <a:spcPct val="0"/>
-                </a:spcBef>
-                <a:spcAft>
-                  <a:spcPct val="35000"/>
-                </a:spcAft>
-                <a:buNone/>
-              </a:pPr>
+              <a:pPr defTabSz="800100"/>
               <a:r>
-                <a:rPr lang="en-US" sz="1800" kern="1200"/>
-                <a:t>CS/DS Degree</a:t>
+                <a:rPr lang="en-US" dirty="0"/>
+                <a:t>Backend and frontend engineering experience</a:t>
               </a:r>
             </a:p>
           </p:txBody>
@@ -20439,7 +20572,7 @@
             </a:bodyPr>
             <a:lstStyle/>
             <a:p>
-              <a:pPr marL="0" lvl="0" indent="0" algn="l" defTabSz="800100">
+              <a:pPr defTabSz="800100">
                 <a:lnSpc>
                   <a:spcPct val="90000"/>
                 </a:lnSpc>
@@ -20449,11 +20582,10 @@
                 <a:spcAft>
                   <a:spcPct val="35000"/>
                 </a:spcAft>
-                <a:buNone/>
               </a:pPr>
               <a:r>
-                <a:rPr lang="en-US" sz="1800" kern="1200"/>
-                <a:t>Backend and frontend engineering experience</a:t>
+                <a:rPr lang="en-US" dirty="0"/>
+                <a:t>Software consulting background</a:t>
               </a:r>
             </a:p>
           </p:txBody>
@@ -21998,6 +22130,14 @@
 <file path=ppt/slides/slide8.xml><?xml version="1.0" encoding="utf-8"?>
 <p:sld xmlns:a="http://schemas.openxmlformats.org/drawingml/2006/main" xmlns:r="http://schemas.openxmlformats.org/officeDocument/2006/relationships" xmlns:p="http://schemas.openxmlformats.org/presentationml/2006/main">
   <p:cSld>
+    <p:bg>
+      <p:bgPr>
+        <a:solidFill>
+          <a:schemeClr val="bg1"/>
+        </a:solidFill>
+        <a:effectLst/>
+      </p:bgPr>
+    </p:bg>
     <p:spTree>
       <p:nvGrpSpPr>
         <p:cNvPr id="1" name=""/>
@@ -22014,6 +22154,231 @@
       </p:grpSpPr>
       <p:sp>
         <p:nvSpPr>
+          <p:cNvPr id="9" name="Rectangle 8">
+            <a:extLst>
+              <a:ext uri="{FF2B5EF4-FFF2-40B4-BE49-F238E27FC236}">
+                <a16:creationId xmlns:a16="http://schemas.microsoft.com/office/drawing/2014/main" id="{25C8D2C1-DA83-420D-9635-D52CE066B5DA}"/>
+              </a:ext>
+              <a:ext uri="{C183D7F6-B498-43B3-948B-1728B52AA6E4}">
+                <adec:decorative xmlns:adec="http://schemas.microsoft.com/office/drawing/2017/decorative" val="1"/>
+              </a:ext>
+            </a:extLst>
+          </p:cNvPr>
+          <p:cNvSpPr>
+            <a:spLocks noGrp="1" noRot="1" noChangeAspect="1" noMove="1" noResize="1" noEditPoints="1" noAdjustHandles="1" noChangeArrowheads="1" noChangeShapeType="1" noTextEdit="1"/>
+          </p:cNvSpPr>
+          <p:nvPr>
+            <p:extLst>
+              <p:ext uri="{386F3935-93C4-4BCD-93E2-E3B085C9AB24}">
+                <p16:designElem xmlns:p16="http://schemas.microsoft.com/office/powerpoint/2015/main" val="1"/>
+              </p:ext>
+            </p:extLst>
+          </p:nvPr>
+        </p:nvSpPr>
+        <p:spPr>
+          <a:xfrm>
+            <a:off x="3175" y="6400800"/>
+            <a:ext cx="12188825" cy="457200"/>
+          </a:xfrm>
+          <a:prstGeom prst="rect">
+            <a:avLst/>
+          </a:prstGeom>
+          <a:solidFill>
+            <a:schemeClr val="accent2"/>
+          </a:solidFill>
+          <a:ln>
+            <a:noFill/>
+          </a:ln>
+        </p:spPr>
+        <p:style>
+          <a:lnRef idx="2">
+            <a:schemeClr val="accent1">
+              <a:shade val="50000"/>
+            </a:schemeClr>
+          </a:lnRef>
+          <a:fillRef idx="1">
+            <a:schemeClr val="accent1"/>
+          </a:fillRef>
+          <a:effectRef idx="0">
+            <a:schemeClr val="accent1"/>
+          </a:effectRef>
+          <a:fontRef idx="minor">
+            <a:schemeClr val="lt1"/>
+          </a:fontRef>
+        </p:style>
+      </p:sp>
+      <p:sp>
+        <p:nvSpPr>
+          <p:cNvPr id="11" name="Rectangle 10">
+            <a:extLst>
+              <a:ext uri="{FF2B5EF4-FFF2-40B4-BE49-F238E27FC236}">
+                <a16:creationId xmlns:a16="http://schemas.microsoft.com/office/drawing/2014/main" id="{434F74C9-6A0B-409E-AD1C-45B58BE91BB8}"/>
+              </a:ext>
+              <a:ext uri="{C183D7F6-B498-43B3-948B-1728B52AA6E4}">
+                <adec:decorative xmlns:adec="http://schemas.microsoft.com/office/drawing/2017/decorative" val="1"/>
+              </a:ext>
+            </a:extLst>
+          </p:cNvPr>
+          <p:cNvSpPr>
+            <a:spLocks noGrp="1" noRot="1" noChangeAspect="1" noMove="1" noResize="1" noEditPoints="1" noAdjustHandles="1" noChangeArrowheads="1" noChangeShapeType="1" noTextEdit="1"/>
+          </p:cNvSpPr>
+          <p:nvPr>
+            <p:extLst>
+              <p:ext uri="{386F3935-93C4-4BCD-93E2-E3B085C9AB24}">
+                <p16:designElem xmlns:p16="http://schemas.microsoft.com/office/powerpoint/2015/main" val="1"/>
+              </p:ext>
+            </p:extLst>
+          </p:nvPr>
+        </p:nvSpPr>
+        <p:spPr>
+          <a:xfrm>
+            <a:off x="15" y="6334316"/>
+            <a:ext cx="12188825" cy="64008"/>
+          </a:xfrm>
+          <a:prstGeom prst="rect">
+            <a:avLst/>
+          </a:prstGeom>
+          <a:solidFill>
+            <a:schemeClr val="accent1"/>
+          </a:solidFill>
+          <a:ln>
+            <a:noFill/>
+          </a:ln>
+        </p:spPr>
+        <p:style>
+          <a:lnRef idx="2">
+            <a:schemeClr val="accent1">
+              <a:shade val="50000"/>
+            </a:schemeClr>
+          </a:lnRef>
+          <a:fillRef idx="1">
+            <a:schemeClr val="accent1"/>
+          </a:fillRef>
+          <a:effectRef idx="0">
+            <a:schemeClr val="accent1"/>
+          </a:effectRef>
+          <a:fontRef idx="minor">
+            <a:schemeClr val="lt1"/>
+          </a:fontRef>
+        </p:style>
+      </p:sp>
+      <p:cxnSp>
+        <p:nvCxnSpPr>
+          <p:cNvPr id="13" name="Straight Connector 12">
+            <a:extLst>
+              <a:ext uri="{FF2B5EF4-FFF2-40B4-BE49-F238E27FC236}">
+                <a16:creationId xmlns:a16="http://schemas.microsoft.com/office/drawing/2014/main" id="{F5486A9D-1265-4B57-91E6-68E666B978BC}"/>
+              </a:ext>
+              <a:ext uri="{C183D7F6-B498-43B3-948B-1728B52AA6E4}">
+                <adec:decorative xmlns:adec="http://schemas.microsoft.com/office/drawing/2017/decorative" val="1"/>
+              </a:ext>
+            </a:extLst>
+          </p:cNvPr>
+          <p:cNvCxnSpPr>
+            <a:cxnSpLocks noGrp="1" noRot="1" noChangeAspect="1" noMove="1" noResize="1" noEditPoints="1" noAdjustHandles="1" noChangeArrowheads="1" noChangeShapeType="1"/>
+          </p:cNvCxnSpPr>
+          <p:nvPr>
+            <p:extLst>
+              <p:ext uri="{386F3935-93C4-4BCD-93E2-E3B085C9AB24}">
+                <p16:designElem xmlns:p16="http://schemas.microsoft.com/office/powerpoint/2015/main" val="1"/>
+              </p:ext>
+            </p:extLst>
+          </p:nvPr>
+        </p:nvCxnSpPr>
+        <p:spPr>
+          <a:xfrm>
+            <a:off x="1207658" y="4343400"/>
+            <a:ext cx="9875520" cy="0"/>
+          </a:xfrm>
+          <a:prstGeom prst="line">
+            <a:avLst/>
+          </a:prstGeom>
+          <a:ln w="6350">
+            <a:solidFill>
+              <a:schemeClr val="tx1">
+                <a:lumMod val="50000"/>
+                <a:lumOff val="50000"/>
+              </a:schemeClr>
+            </a:solidFill>
+          </a:ln>
+        </p:spPr>
+        <p:style>
+          <a:lnRef idx="1">
+            <a:schemeClr val="accent1"/>
+          </a:lnRef>
+          <a:fillRef idx="0">
+            <a:schemeClr val="accent1"/>
+          </a:fillRef>
+          <a:effectRef idx="0">
+            <a:schemeClr val="accent1"/>
+          </a:effectRef>
+          <a:fontRef idx="minor">
+            <a:schemeClr val="tx1"/>
+          </a:fontRef>
+        </p:style>
+      </p:cxnSp>
+      <p:sp useBgFill="1">
+        <p:nvSpPr>
+          <p:cNvPr id="15" name="Rectangle 14">
+            <a:extLst>
+              <a:ext uri="{FF2B5EF4-FFF2-40B4-BE49-F238E27FC236}">
+                <a16:creationId xmlns:a16="http://schemas.microsoft.com/office/drawing/2014/main" id="{F452A527-3631-41ED-858D-3777A7D1496A}"/>
+              </a:ext>
+              <a:ext uri="{C183D7F6-B498-43B3-948B-1728B52AA6E4}">
+                <adec:decorative xmlns:adec="http://schemas.microsoft.com/office/drawing/2017/decorative" val="1"/>
+              </a:ext>
+            </a:extLst>
+          </p:cNvPr>
+          <p:cNvSpPr>
+            <a:spLocks noGrp="1" noRot="1" noChangeAspect="1" noMove="1" noResize="1" noEditPoints="1" noAdjustHandles="1" noChangeArrowheads="1" noChangeShapeType="1" noTextEdit="1"/>
+          </p:cNvSpPr>
+          <p:nvPr>
+            <p:extLst>
+              <p:ext uri="{386F3935-93C4-4BCD-93E2-E3B085C9AB24}">
+                <p16:designElem xmlns:p16="http://schemas.microsoft.com/office/powerpoint/2015/main" val="1"/>
+              </p:ext>
+            </p:extLst>
+          </p:nvPr>
+        </p:nvSpPr>
+        <p:spPr>
+          <a:xfrm>
+            <a:off x="0" y="0"/>
+            <a:ext cx="12192001" cy="6334316"/>
+          </a:xfrm>
+          <a:prstGeom prst="rect">
+            <a:avLst/>
+          </a:prstGeom>
+          <a:ln>
+            <a:noFill/>
+          </a:ln>
+        </p:spPr>
+        <p:style>
+          <a:lnRef idx="2">
+            <a:schemeClr val="accent1">
+              <a:shade val="50000"/>
+            </a:schemeClr>
+          </a:lnRef>
+          <a:fillRef idx="1">
+            <a:schemeClr val="accent1"/>
+          </a:fillRef>
+          <a:effectRef idx="0">
+            <a:schemeClr val="accent1"/>
+          </a:effectRef>
+          <a:fontRef idx="minor">
+            <a:schemeClr val="lt1"/>
+          </a:fontRef>
+        </p:style>
+        <p:txBody>
+          <a:bodyPr rtlCol="0" anchor="ctr"/>
+          <a:lstStyle/>
+          <a:p>
+            <a:pPr algn="ctr"/>
+            <a:endParaRPr lang="en-US"/>
+          </a:p>
+        </p:txBody>
+      </p:sp>
+      <p:sp>
+        <p:nvSpPr>
           <p:cNvPr id="2" name="Title 1">
             <a:extLst>
               <a:ext uri="{FF2B5EF4-FFF2-40B4-BE49-F238E27FC236}">
@@ -22028,43 +22393,226 @@
             <p:ph type="title"/>
           </p:nvPr>
         </p:nvSpPr>
-        <p:spPr/>
+        <p:spPr>
+          <a:xfrm>
+            <a:off x="6730000" y="639097"/>
+            <a:ext cx="4813072" cy="3686015"/>
+          </a:xfrm>
+        </p:spPr>
         <p:txBody>
-          <a:bodyPr/>
+          <a:bodyPr vert="horz" lIns="91440" tIns="45720" rIns="91440" bIns="45720" rtlCol="0" anchor="b">
+            <a:normAutofit/>
+          </a:bodyPr>
           <a:lstStyle/>
           <a:p>
-            <a:pPr algn="ctr"/>
             <a:r>
-              <a:rPr lang="en-US"/>
+              <a:rPr lang="en-US" sz="8000">
+                <a:solidFill>
+                  <a:schemeClr val="tx1">
+                    <a:lumMod val="85000"/>
+                    <a:lumOff val="15000"/>
+                  </a:schemeClr>
+                </a:solidFill>
+              </a:rPr>
               <a:t>MVP Survey</a:t>
             </a:r>
           </a:p>
         </p:txBody>
       </p:sp>
+      <p:pic>
+        <p:nvPicPr>
+          <p:cNvPr id="4" name="Content Placeholder 3" descr="A qr code on a white background&#10;&#10;Description automatically generated">
+            <a:extLst>
+              <a:ext uri="{FF2B5EF4-FFF2-40B4-BE49-F238E27FC236}">
+                <a16:creationId xmlns:a16="http://schemas.microsoft.com/office/drawing/2014/main" id="{270C495C-63E1-43D9-9243-AE14F7D1A0C6}"/>
+              </a:ext>
+            </a:extLst>
+          </p:cNvPr>
+          <p:cNvPicPr>
+            <a:picLocks noGrp="1" noChangeAspect="1"/>
+          </p:cNvPicPr>
+          <p:nvPr>
+            <p:ph idx="1"/>
+          </p:nvPr>
+        </p:nvPicPr>
+        <p:blipFill rotWithShape="1">
+          <a:blip r:embed="rId2"/>
+          <a:srcRect t="2024" r="-1" b="-1"/>
+          <a:stretch/>
+        </p:blipFill>
+        <p:spPr>
+          <a:xfrm>
+            <a:off x="633999" y="640081"/>
+            <a:ext cx="5462001" cy="5054156"/>
+          </a:xfrm>
+          <a:prstGeom prst="rect">
+            <a:avLst/>
+          </a:prstGeom>
+        </p:spPr>
+      </p:pic>
+      <p:cxnSp>
+        <p:nvCxnSpPr>
+          <p:cNvPr id="17" name="Straight Connector 16">
+            <a:extLst>
+              <a:ext uri="{FF2B5EF4-FFF2-40B4-BE49-F238E27FC236}">
+                <a16:creationId xmlns:a16="http://schemas.microsoft.com/office/drawing/2014/main" id="{D28A9C89-B313-458F-9C85-515930A51A93}"/>
+              </a:ext>
+              <a:ext uri="{C183D7F6-B498-43B3-948B-1728B52AA6E4}">
+                <adec:decorative xmlns:adec="http://schemas.microsoft.com/office/drawing/2017/decorative" val="1"/>
+              </a:ext>
+            </a:extLst>
+          </p:cNvPr>
+          <p:cNvCxnSpPr>
+            <a:cxnSpLocks noGrp="1" noRot="1" noChangeAspect="1" noMove="1" noResize="1" noEditPoints="1" noAdjustHandles="1" noChangeArrowheads="1" noChangeShapeType="1"/>
+          </p:cNvCxnSpPr>
+          <p:nvPr>
+            <p:extLst>
+              <p:ext uri="{386F3935-93C4-4BCD-93E2-E3B085C9AB24}">
+                <p16:designElem xmlns:p16="http://schemas.microsoft.com/office/powerpoint/2015/main" val="1"/>
+              </p:ext>
+            </p:extLst>
+          </p:nvPr>
+        </p:nvCxnSpPr>
+        <p:spPr>
+          <a:xfrm>
+            <a:off x="6805053" y="4343400"/>
+            <a:ext cx="4389120" cy="0"/>
+          </a:xfrm>
+          <a:prstGeom prst="line">
+            <a:avLst/>
+          </a:prstGeom>
+          <a:ln w="6350">
+            <a:solidFill>
+              <a:schemeClr val="tx2">
+                <a:alpha val="90000"/>
+              </a:schemeClr>
+            </a:solidFill>
+          </a:ln>
+        </p:spPr>
+        <p:style>
+          <a:lnRef idx="1">
+            <a:schemeClr val="accent1"/>
+          </a:lnRef>
+          <a:fillRef idx="0">
+            <a:schemeClr val="accent1"/>
+          </a:fillRef>
+          <a:effectRef idx="0">
+            <a:schemeClr val="accent1"/>
+          </a:effectRef>
+          <a:fontRef idx="minor">
+            <a:schemeClr val="tx1"/>
+          </a:fontRef>
+        </p:style>
+      </p:cxnSp>
       <p:sp>
         <p:nvSpPr>
-          <p:cNvPr id="3" name="Content Placeholder 2">
+          <p:cNvPr id="19" name="Rectangle 18">
             <a:extLst>
               <a:ext uri="{FF2B5EF4-FFF2-40B4-BE49-F238E27FC236}">
-                <a16:creationId xmlns:a16="http://schemas.microsoft.com/office/drawing/2014/main" id="{2865BF59-CE42-3F74-2EB6-1A59008FCAC4}"/>
+                <a16:creationId xmlns:a16="http://schemas.microsoft.com/office/drawing/2014/main" id="{F85B92BC-678C-4E14-97E6-3227DEF86371}"/>
+              </a:ext>
+              <a:ext uri="{C183D7F6-B498-43B3-948B-1728B52AA6E4}">
+                <adec:decorative xmlns:adec="http://schemas.microsoft.com/office/drawing/2017/decorative" val="1"/>
               </a:ext>
             </a:extLst>
           </p:cNvPr>
           <p:cNvSpPr>
-            <a:spLocks noGrp="1"/>
+            <a:spLocks noGrp="1" noRot="1" noChangeAspect="1" noMove="1" noResize="1" noEditPoints="1" noAdjustHandles="1" noChangeArrowheads="1" noChangeShapeType="1" noTextEdit="1"/>
           </p:cNvSpPr>
           <p:nvPr>
-            <p:ph idx="1"/>
+            <p:extLst>
+              <p:ext uri="{386F3935-93C4-4BCD-93E2-E3B085C9AB24}">
+                <p16:designElem xmlns:p16="http://schemas.microsoft.com/office/powerpoint/2015/main" val="1"/>
+              </p:ext>
+            </p:extLst>
           </p:nvPr>
         </p:nvSpPr>
-        <p:spPr/>
-        <p:txBody>
-          <a:bodyPr/>
-          <a:lstStyle/>
-          <a:p>
-            <a:endParaRPr lang="en-US"/>
-          </a:p>
-        </p:txBody>
+        <p:spPr>
+          <a:xfrm>
+            <a:off x="15" y="6334316"/>
+            <a:ext cx="12191985" cy="66484"/>
+          </a:xfrm>
+          <a:prstGeom prst="rect">
+            <a:avLst/>
+          </a:prstGeom>
+          <a:solidFill>
+            <a:schemeClr val="accent1"/>
+          </a:solidFill>
+          <a:ln>
+            <a:noFill/>
+          </a:ln>
+        </p:spPr>
+        <p:style>
+          <a:lnRef idx="2">
+            <a:schemeClr val="accent1">
+              <a:shade val="50000"/>
+            </a:schemeClr>
+          </a:lnRef>
+          <a:fillRef idx="1">
+            <a:schemeClr val="accent1"/>
+          </a:fillRef>
+          <a:effectRef idx="0">
+            <a:schemeClr val="accent1"/>
+          </a:effectRef>
+          <a:fontRef idx="minor">
+            <a:schemeClr val="lt1"/>
+          </a:fontRef>
+        </p:style>
+      </p:sp>
+      <p:sp>
+        <p:nvSpPr>
+          <p:cNvPr id="21" name="Rectangle 20">
+            <a:extLst>
+              <a:ext uri="{FF2B5EF4-FFF2-40B4-BE49-F238E27FC236}">
+                <a16:creationId xmlns:a16="http://schemas.microsoft.com/office/drawing/2014/main" id="{D2644120-A6B9-4D5C-8A60-E2F4CC220E77}"/>
+              </a:ext>
+              <a:ext uri="{C183D7F6-B498-43B3-948B-1728B52AA6E4}">
+                <adec:decorative xmlns:adec="http://schemas.microsoft.com/office/drawing/2017/decorative" val="1"/>
+              </a:ext>
+            </a:extLst>
+          </p:cNvPr>
+          <p:cNvSpPr>
+            <a:spLocks noGrp="1" noRot="1" noChangeAspect="1" noMove="1" noResize="1" noEditPoints="1" noAdjustHandles="1" noChangeArrowheads="1" noChangeShapeType="1" noTextEdit="1"/>
+          </p:cNvSpPr>
+          <p:nvPr>
+            <p:extLst>
+              <p:ext uri="{386F3935-93C4-4BCD-93E2-E3B085C9AB24}">
+                <p16:designElem xmlns:p16="http://schemas.microsoft.com/office/powerpoint/2015/main" val="1"/>
+              </p:ext>
+            </p:extLst>
+          </p:nvPr>
+        </p:nvSpPr>
+        <p:spPr>
+          <a:xfrm>
+            <a:off x="1" y="6400800"/>
+            <a:ext cx="12192000" cy="457200"/>
+          </a:xfrm>
+          <a:prstGeom prst="rect">
+            <a:avLst/>
+          </a:prstGeom>
+          <a:solidFill>
+            <a:schemeClr val="accent2"/>
+          </a:solidFill>
+          <a:ln>
+            <a:noFill/>
+          </a:ln>
+        </p:spPr>
+        <p:style>
+          <a:lnRef idx="2">
+            <a:schemeClr val="accent1">
+              <a:shade val="50000"/>
+            </a:schemeClr>
+          </a:lnRef>
+          <a:fillRef idx="1">
+            <a:schemeClr val="accent1"/>
+          </a:fillRef>
+          <a:effectRef idx="0">
+            <a:schemeClr val="accent1"/>
+          </a:effectRef>
+          <a:fontRef idx="minor">
+            <a:schemeClr val="lt1"/>
+          </a:fontRef>
+        </p:style>
       </p:sp>
     </p:spTree>
     <p:extLst>
